--- a/CheckListTemplates/App_Data/TDMGuestServices.pptx
+++ b/CheckListTemplates/App_Data/TDMGuestServices.pptx
@@ -119,7 +119,7 @@
   </p:defaultTextStyle>
   <p:extLst>
     <p:ext uri="{EFAFB233-063F-42B5-8137-9DF3F51BA10A}">
-      <p15:sldGuideLst xmlns:p15="http://schemas.microsoft.com/office/powerpoint/2012/main" xmlns="">
+      <p15:sldGuideLst xmlns:p15="http://schemas.microsoft.com/office/powerpoint/2012/main">
         <p15:guide id="1" orient="horz" pos="2160">
           <p15:clr>
             <a:srgbClr val="A4A3A4"/>
@@ -137,752 +137,6 @@
 </file>
 
 <file path=ppt/charts/chart1.xml><?xml version="1.0" encoding="utf-8"?>
-<c:chartSpace xmlns:c="http://schemas.openxmlformats.org/drawingml/2006/chart" xmlns:a="http://schemas.openxmlformats.org/drawingml/2006/main" xmlns:r="http://schemas.openxmlformats.org/officeDocument/2006/relationships">
-  <c:date1904 val="0"/>
-  <c:lang val="en-US"/>
-  <c:roundedCorners val="1"/>
-  <mc:AlternateContent xmlns:mc="http://schemas.openxmlformats.org/markup-compatibility/2006">
-    <mc:Choice xmlns:c14="http://schemas.microsoft.com/office/drawing/2007/8/2/chart" Requires="c14">
-      <c14:style val="102"/>
-    </mc:Choice>
-    <mc:Fallback>
-      <c:style val="2"/>
-    </mc:Fallback>
-  </mc:AlternateContent>
-  <c:chart>
-    <c:autoTitleDeleted val="1"/>
-    <c:plotArea>
-      <c:layout>
-        <c:manualLayout>
-          <c:layoutTarget val="inner"/>
-          <c:xMode val="edge"/>
-          <c:yMode val="edge"/>
-          <c:x val="9.2928545044418581E-2"/>
-          <c:y val="0.25857931724580069"/>
-          <c:w val="0.88402450268817867"/>
-          <c:h val="0.46564121326258323"/>
-        </c:manualLayout>
-      </c:layout>
-      <c:barChart>
-        <c:barDir val="col"/>
-        <c:grouping val="clustered"/>
-        <c:varyColors val="0"/>
-        <c:ser>
-          <c:idx val="0"/>
-          <c:order val="0"/>
-          <c:tx>
-            <c:strRef>
-              <c:f>ChartData!$B$39:$B$40</c:f>
-              <c:strCache>
-                <c:ptCount val="1"/>
-                <c:pt idx="0">
-                  <c:v>JAN 2017  </c:v>
-                </c:pt>
-              </c:strCache>
-            </c:strRef>
-          </c:tx>
-          <c:spPr>
-            <a:gradFill rotWithShape="1">
-              <a:gsLst>
-                <a:gs pos="0">
-                  <a:schemeClr val="accent1">
-                    <a:satMod val="103000"/>
-                    <a:lumMod val="102000"/>
-                    <a:tint val="94000"/>
-                  </a:schemeClr>
-                </a:gs>
-                <a:gs pos="50000">
-                  <a:schemeClr val="accent1">
-                    <a:satMod val="110000"/>
-                    <a:lumMod val="100000"/>
-                    <a:shade val="100000"/>
-                  </a:schemeClr>
-                </a:gs>
-                <a:gs pos="100000">
-                  <a:schemeClr val="accent1">
-                    <a:lumMod val="99000"/>
-                    <a:satMod val="120000"/>
-                    <a:shade val="78000"/>
-                  </a:schemeClr>
-                </a:gs>
-              </a:gsLst>
-              <a:lin ang="5400000" scaled="0"/>
-            </a:gradFill>
-            <a:ln>
-              <a:noFill/>
-            </a:ln>
-            <a:effectLst>
-              <a:outerShdw blurRad="57150" dist="19050" dir="5400000" algn="ctr" rotWithShape="0">
-                <a:srgbClr val="000000">
-                  <a:alpha val="63000"/>
-                </a:srgbClr>
-              </a:outerShdw>
-            </a:effectLst>
-          </c:spPr>
-          <c:invertIfNegative val="0"/>
-          <c:dLbls>
-            <c:spPr>
-              <a:noFill/>
-              <a:ln>
-                <a:noFill/>
-              </a:ln>
-              <a:effectLst/>
-            </c:spPr>
-            <c:txPr>
-              <a:bodyPr rot="0" spcFirstLastPara="1" vertOverflow="ellipsis" vert="horz" wrap="square" lIns="38100" tIns="19050" rIns="38100" bIns="19050" anchor="ctr" anchorCtr="1">
-                <a:spAutoFit/>
-              </a:bodyPr>
-              <a:lstStyle/>
-              <a:p>
-                <a:pPr>
-                  <a:defRPr sz="1197" b="1" i="0" u="none" strike="noStrike" kern="1200" baseline="0">
-                    <a:solidFill>
-                      <a:schemeClr val="bg1"/>
-                    </a:solidFill>
-                    <a:latin typeface="+mn-lt"/>
-                    <a:ea typeface="+mn-ea"/>
-                    <a:cs typeface="+mn-cs"/>
-                  </a:defRPr>
-                </a:pPr>
-                <a:endParaRPr lang="en-US"/>
-              </a:p>
-            </c:txPr>
-            <c:dLblPos val="outEnd"/>
-            <c:showLegendKey val="0"/>
-            <c:showVal val="1"/>
-            <c:showCatName val="0"/>
-            <c:showSerName val="0"/>
-            <c:showPercent val="0"/>
-            <c:showBubbleSize val="0"/>
-            <c:showLeaderLines val="0"/>
-            <c:extLst xmlns:c16r2="http://schemas.microsoft.com/office/drawing/2015/06/chart">
-              <c:ext xmlns:c15="http://schemas.microsoft.com/office/drawing/2012/chart" uri="{CE6537A1-D6FC-4f65-9D91-7224C49458BB}">
-                <c15:showLeaderLines val="0"/>
-              </c:ext>
-            </c:extLst>
-          </c:dLbls>
-          <c:cat>
-            <c:strRef>
-              <c:f>ChartData!$A$41:$A$43</c:f>
-              <c:strCache>
-                <c:ptCount val="3"/>
-                <c:pt idx="0">
-                  <c:v>Interaction with guest</c:v>
-                </c:pt>
-                <c:pt idx="1">
-                  <c:v>Product Knowledge</c:v>
-                </c:pt>
-                <c:pt idx="2">
-                  <c:v>Professional Image</c:v>
-                </c:pt>
-              </c:strCache>
-            </c:strRef>
-          </c:cat>
-          <c:val>
-            <c:numRef>
-              <c:f>ChartData!$B$41:$B$43</c:f>
-              <c:numCache>
-                <c:formatCode>0%</c:formatCode>
-                <c:ptCount val="3"/>
-                <c:pt idx="0">
-                  <c:v>0.87179487179487203</c:v>
-                </c:pt>
-                <c:pt idx="1">
-                  <c:v>0.99358974358974395</c:v>
-                </c:pt>
-                <c:pt idx="2">
-                  <c:v>0.94871794871794901</c:v>
-                </c:pt>
-              </c:numCache>
-            </c:numRef>
-          </c:val>
-          <c:extLst xmlns:c16r2="http://schemas.microsoft.com/office/drawing/2015/06/chart">
-            <c:ext xmlns:c16="http://schemas.microsoft.com/office/drawing/2014/chart" uri="{C3380CC4-5D6E-409C-BE32-E72D297353CC}">
-              <c16:uniqueId val="{00000000-5EE8-44D1-B9BF-9466F80D55DA}"/>
-            </c:ext>
-          </c:extLst>
-        </c:ser>
-        <c:ser>
-          <c:idx val="1"/>
-          <c:order val="1"/>
-          <c:tx>
-            <c:strRef>
-              <c:f>ChartData!$C$39:$C$40</c:f>
-              <c:strCache>
-                <c:ptCount val="1"/>
-                <c:pt idx="0">
-                  <c:v>FEB 2017  </c:v>
-                </c:pt>
-              </c:strCache>
-            </c:strRef>
-          </c:tx>
-          <c:spPr>
-            <a:gradFill rotWithShape="1">
-              <a:gsLst>
-                <a:gs pos="0">
-                  <a:schemeClr val="accent2">
-                    <a:satMod val="103000"/>
-                    <a:lumMod val="102000"/>
-                    <a:tint val="94000"/>
-                  </a:schemeClr>
-                </a:gs>
-                <a:gs pos="50000">
-                  <a:schemeClr val="accent2">
-                    <a:satMod val="110000"/>
-                    <a:lumMod val="100000"/>
-                    <a:shade val="100000"/>
-                  </a:schemeClr>
-                </a:gs>
-                <a:gs pos="100000">
-                  <a:schemeClr val="accent2">
-                    <a:lumMod val="99000"/>
-                    <a:satMod val="120000"/>
-                    <a:shade val="78000"/>
-                  </a:schemeClr>
-                </a:gs>
-              </a:gsLst>
-              <a:lin ang="5400000" scaled="0"/>
-            </a:gradFill>
-            <a:ln>
-              <a:noFill/>
-            </a:ln>
-            <a:effectLst>
-              <a:outerShdw blurRad="57150" dist="19050" dir="5400000" algn="ctr" rotWithShape="0">
-                <a:srgbClr val="000000">
-                  <a:alpha val="63000"/>
-                </a:srgbClr>
-              </a:outerShdw>
-            </a:effectLst>
-          </c:spPr>
-          <c:invertIfNegative val="0"/>
-          <c:dLbls>
-            <c:spPr>
-              <a:noFill/>
-              <a:ln>
-                <a:noFill/>
-              </a:ln>
-              <a:effectLst/>
-            </c:spPr>
-            <c:txPr>
-              <a:bodyPr rot="0" spcFirstLastPara="1" vertOverflow="ellipsis" vert="horz" wrap="square" lIns="38100" tIns="19050" rIns="38100" bIns="19050" anchor="ctr" anchorCtr="1">
-                <a:spAutoFit/>
-              </a:bodyPr>
-              <a:lstStyle/>
-              <a:p>
-                <a:pPr>
-                  <a:defRPr sz="1197" b="1" i="0" u="none" strike="noStrike" kern="1200" baseline="0">
-                    <a:solidFill>
-                      <a:schemeClr val="bg1"/>
-                    </a:solidFill>
-                    <a:latin typeface="+mn-lt"/>
-                    <a:ea typeface="+mn-ea"/>
-                    <a:cs typeface="+mn-cs"/>
-                  </a:defRPr>
-                </a:pPr>
-                <a:endParaRPr lang="en-US"/>
-              </a:p>
-            </c:txPr>
-            <c:dLblPos val="outEnd"/>
-            <c:showLegendKey val="0"/>
-            <c:showVal val="1"/>
-            <c:showCatName val="0"/>
-            <c:showSerName val="0"/>
-            <c:showPercent val="0"/>
-            <c:showBubbleSize val="0"/>
-            <c:showLeaderLines val="0"/>
-            <c:extLst xmlns:c16r2="http://schemas.microsoft.com/office/drawing/2015/06/chart">
-              <c:ext xmlns:c15="http://schemas.microsoft.com/office/drawing/2012/chart" uri="{CE6537A1-D6FC-4f65-9D91-7224C49458BB}">
-                <c15:showLeaderLines val="0"/>
-              </c:ext>
-            </c:extLst>
-          </c:dLbls>
-          <c:cat>
-            <c:strRef>
-              <c:f>ChartData!$A$41:$A$43</c:f>
-              <c:strCache>
-                <c:ptCount val="3"/>
-                <c:pt idx="0">
-                  <c:v>Interaction with guest</c:v>
-                </c:pt>
-                <c:pt idx="1">
-                  <c:v>Product Knowledge</c:v>
-                </c:pt>
-                <c:pt idx="2">
-                  <c:v>Professional Image</c:v>
-                </c:pt>
-              </c:strCache>
-            </c:strRef>
-          </c:cat>
-          <c:val>
-            <c:numRef>
-              <c:f>ChartData!$C$41:$C$43</c:f>
-              <c:numCache>
-                <c:formatCode>0%</c:formatCode>
-                <c:ptCount val="3"/>
-                <c:pt idx="0">
-                  <c:v>0.95389999999999997</c:v>
-                </c:pt>
-                <c:pt idx="1">
-                  <c:v>0.99468085106382997</c:v>
-                </c:pt>
-                <c:pt idx="2">
-                  <c:v>0.98936170212765995</c:v>
-                </c:pt>
-              </c:numCache>
-            </c:numRef>
-          </c:val>
-          <c:extLst xmlns:c16r2="http://schemas.microsoft.com/office/drawing/2015/06/chart">
-            <c:ext xmlns:c16="http://schemas.microsoft.com/office/drawing/2014/chart" uri="{C3380CC4-5D6E-409C-BE32-E72D297353CC}">
-              <c16:uniqueId val="{00000001-5EE8-44D1-B9BF-9466F80D55DA}"/>
-            </c:ext>
-          </c:extLst>
-        </c:ser>
-        <c:ser>
-          <c:idx val="2"/>
-          <c:order val="2"/>
-          <c:tx>
-            <c:strRef>
-              <c:f>ChartData!$D$39:$D$40</c:f>
-              <c:strCache>
-                <c:ptCount val="1"/>
-                <c:pt idx="0">
-                  <c:v>MAR 2017  </c:v>
-                </c:pt>
-              </c:strCache>
-            </c:strRef>
-          </c:tx>
-          <c:spPr>
-            <a:gradFill rotWithShape="1">
-              <a:gsLst>
-                <a:gs pos="0">
-                  <a:schemeClr val="accent3">
-                    <a:satMod val="103000"/>
-                    <a:lumMod val="102000"/>
-                    <a:tint val="94000"/>
-                  </a:schemeClr>
-                </a:gs>
-                <a:gs pos="50000">
-                  <a:schemeClr val="accent3">
-                    <a:satMod val="110000"/>
-                    <a:lumMod val="100000"/>
-                    <a:shade val="100000"/>
-                  </a:schemeClr>
-                </a:gs>
-                <a:gs pos="100000">
-                  <a:schemeClr val="accent3">
-                    <a:lumMod val="99000"/>
-                    <a:satMod val="120000"/>
-                    <a:shade val="78000"/>
-                  </a:schemeClr>
-                </a:gs>
-              </a:gsLst>
-              <a:lin ang="5400000" scaled="0"/>
-            </a:gradFill>
-            <a:ln>
-              <a:noFill/>
-            </a:ln>
-            <a:effectLst>
-              <a:outerShdw blurRad="57150" dist="19050" dir="5400000" algn="ctr" rotWithShape="0">
-                <a:srgbClr val="000000">
-                  <a:alpha val="63000"/>
-                </a:srgbClr>
-              </a:outerShdw>
-            </a:effectLst>
-          </c:spPr>
-          <c:invertIfNegative val="0"/>
-          <c:dLbls>
-            <c:spPr>
-              <a:noFill/>
-              <a:ln>
-                <a:noFill/>
-              </a:ln>
-              <a:effectLst/>
-            </c:spPr>
-            <c:txPr>
-              <a:bodyPr rot="0" spcFirstLastPara="1" vertOverflow="ellipsis" vert="horz" wrap="square" lIns="38100" tIns="19050" rIns="38100" bIns="19050" anchor="ctr" anchorCtr="1">
-                <a:spAutoFit/>
-              </a:bodyPr>
-              <a:lstStyle/>
-              <a:p>
-                <a:pPr>
-                  <a:defRPr sz="1197" b="1" i="0" u="none" strike="noStrike" kern="1200" baseline="0">
-                    <a:solidFill>
-                      <a:schemeClr val="bg1"/>
-                    </a:solidFill>
-                    <a:latin typeface="+mn-lt"/>
-                    <a:ea typeface="+mn-ea"/>
-                    <a:cs typeface="+mn-cs"/>
-                  </a:defRPr>
-                </a:pPr>
-                <a:endParaRPr lang="en-US"/>
-              </a:p>
-            </c:txPr>
-            <c:dLblPos val="outEnd"/>
-            <c:showLegendKey val="0"/>
-            <c:showVal val="1"/>
-            <c:showCatName val="0"/>
-            <c:showSerName val="0"/>
-            <c:showPercent val="0"/>
-            <c:showBubbleSize val="0"/>
-            <c:showLeaderLines val="0"/>
-            <c:extLst xmlns:c16r2="http://schemas.microsoft.com/office/drawing/2015/06/chart">
-              <c:ext xmlns:c15="http://schemas.microsoft.com/office/drawing/2012/chart" uri="{CE6537A1-D6FC-4f65-9D91-7224C49458BB}">
-                <c15:showLeaderLines val="0"/>
-              </c:ext>
-            </c:extLst>
-          </c:dLbls>
-          <c:cat>
-            <c:strRef>
-              <c:f>ChartData!$A$41:$A$43</c:f>
-              <c:strCache>
-                <c:ptCount val="3"/>
-                <c:pt idx="0">
-                  <c:v>Interaction with guest</c:v>
-                </c:pt>
-                <c:pt idx="1">
-                  <c:v>Product Knowledge</c:v>
-                </c:pt>
-                <c:pt idx="2">
-                  <c:v>Professional Image</c:v>
-                </c:pt>
-              </c:strCache>
-            </c:strRef>
-          </c:cat>
-          <c:val>
-            <c:numRef>
-              <c:f>ChartData!$D$41:$D$43</c:f>
-              <c:numCache>
-                <c:formatCode>0%</c:formatCode>
-                <c:ptCount val="3"/>
-                <c:pt idx="0">
-                  <c:v>0.92410714285714302</c:v>
-                </c:pt>
-                <c:pt idx="1">
-                  <c:v>0.99553571428571397</c:v>
-                </c:pt>
-                <c:pt idx="2">
-                  <c:v>0.96363636363636396</c:v>
-                </c:pt>
-              </c:numCache>
-            </c:numRef>
-          </c:val>
-          <c:extLst xmlns:c16r2="http://schemas.microsoft.com/office/drawing/2015/06/chart">
-            <c:ext xmlns:c16="http://schemas.microsoft.com/office/drawing/2014/chart" uri="{C3380CC4-5D6E-409C-BE32-E72D297353CC}">
-              <c16:uniqueId val="{00000002-5EE8-44D1-B9BF-9466F80D55DA}"/>
-            </c:ext>
-          </c:extLst>
-        </c:ser>
-        <c:ser>
-          <c:idx val="3"/>
-          <c:order val="3"/>
-          <c:tx>
-            <c:strRef>
-              <c:f>ChartData!$E$39:$E$40</c:f>
-              <c:strCache>
-                <c:ptCount val="1"/>
-                <c:pt idx="0">
-                  <c:v>APR 2017  </c:v>
-                </c:pt>
-              </c:strCache>
-            </c:strRef>
-          </c:tx>
-          <c:spPr>
-            <a:gradFill rotWithShape="1">
-              <a:gsLst>
-                <a:gs pos="0">
-                  <a:schemeClr val="accent4">
-                    <a:satMod val="103000"/>
-                    <a:lumMod val="102000"/>
-                    <a:tint val="94000"/>
-                  </a:schemeClr>
-                </a:gs>
-                <a:gs pos="50000">
-                  <a:schemeClr val="accent4">
-                    <a:satMod val="110000"/>
-                    <a:lumMod val="100000"/>
-                    <a:shade val="100000"/>
-                  </a:schemeClr>
-                </a:gs>
-                <a:gs pos="100000">
-                  <a:schemeClr val="accent4">
-                    <a:lumMod val="99000"/>
-                    <a:satMod val="120000"/>
-                    <a:shade val="78000"/>
-                  </a:schemeClr>
-                </a:gs>
-              </a:gsLst>
-              <a:lin ang="5400000" scaled="0"/>
-            </a:gradFill>
-            <a:ln>
-              <a:noFill/>
-            </a:ln>
-            <a:effectLst>
-              <a:outerShdw blurRad="57150" dist="19050" dir="5400000" algn="ctr" rotWithShape="0">
-                <a:srgbClr val="000000">
-                  <a:alpha val="63000"/>
-                </a:srgbClr>
-              </a:outerShdw>
-            </a:effectLst>
-          </c:spPr>
-          <c:invertIfNegative val="0"/>
-          <c:dLbls>
-            <c:spPr>
-              <a:noFill/>
-              <a:ln>
-                <a:noFill/>
-              </a:ln>
-              <a:effectLst/>
-            </c:spPr>
-            <c:txPr>
-              <a:bodyPr rot="0" spcFirstLastPara="1" vertOverflow="ellipsis" vert="horz" wrap="square" lIns="38100" tIns="19050" rIns="38100" bIns="19050" anchor="ctr" anchorCtr="1">
-                <a:spAutoFit/>
-              </a:bodyPr>
-              <a:lstStyle/>
-              <a:p>
-                <a:pPr>
-                  <a:defRPr sz="1197" b="1" i="0" u="none" strike="noStrike" kern="1200" baseline="0">
-                    <a:solidFill>
-                      <a:schemeClr val="bg1"/>
-                    </a:solidFill>
-                    <a:latin typeface="+mn-lt"/>
-                    <a:ea typeface="+mn-ea"/>
-                    <a:cs typeface="+mn-cs"/>
-                  </a:defRPr>
-                </a:pPr>
-                <a:endParaRPr lang="en-US"/>
-              </a:p>
-            </c:txPr>
-            <c:dLblPos val="outEnd"/>
-            <c:showLegendKey val="0"/>
-            <c:showVal val="1"/>
-            <c:showCatName val="0"/>
-            <c:showSerName val="0"/>
-            <c:showPercent val="0"/>
-            <c:showBubbleSize val="0"/>
-            <c:showLeaderLines val="0"/>
-            <c:extLst xmlns:c16r2="http://schemas.microsoft.com/office/drawing/2015/06/chart">
-              <c:ext xmlns:c15="http://schemas.microsoft.com/office/drawing/2012/chart" uri="{CE6537A1-D6FC-4f65-9D91-7224C49458BB}">
-                <c15:showLeaderLines val="0"/>
-              </c:ext>
-            </c:extLst>
-          </c:dLbls>
-          <c:cat>
-            <c:strRef>
-              <c:f>ChartData!$A$41:$A$43</c:f>
-              <c:strCache>
-                <c:ptCount val="3"/>
-                <c:pt idx="0">
-                  <c:v>Interaction with guest</c:v>
-                </c:pt>
-                <c:pt idx="1">
-                  <c:v>Product Knowledge</c:v>
-                </c:pt>
-                <c:pt idx="2">
-                  <c:v>Professional Image</c:v>
-                </c:pt>
-              </c:strCache>
-            </c:strRef>
-          </c:cat>
-          <c:val>
-            <c:numRef>
-              <c:f>ChartData!$E$41:$E$43</c:f>
-              <c:numCache>
-                <c:formatCode>0%</c:formatCode>
-                <c:ptCount val="3"/>
-                <c:pt idx="0">
-                  <c:v>0.87500277777777802</c:v>
-                </c:pt>
-                <c:pt idx="1">
-                  <c:v>0.97453888888888895</c:v>
-                </c:pt>
-                <c:pt idx="2">
-                  <c:v>0.95833333333333304</c:v>
-                </c:pt>
-              </c:numCache>
-            </c:numRef>
-          </c:val>
-          <c:extLst xmlns:c16r2="http://schemas.microsoft.com/office/drawing/2015/06/chart">
-            <c:ext xmlns:c16="http://schemas.microsoft.com/office/drawing/2014/chart" uri="{C3380CC4-5D6E-409C-BE32-E72D297353CC}">
-              <c16:uniqueId val="{00000003-5EE8-44D1-B9BF-9466F80D55DA}"/>
-            </c:ext>
-          </c:extLst>
-        </c:ser>
-        <c:dLbls>
-          <c:showLegendKey val="0"/>
-          <c:showVal val="0"/>
-          <c:showCatName val="0"/>
-          <c:showSerName val="0"/>
-          <c:showPercent val="0"/>
-          <c:showBubbleSize val="0"/>
-        </c:dLbls>
-        <c:gapWidth val="100"/>
-        <c:axId val="190628608"/>
-        <c:axId val="190630144"/>
-      </c:barChart>
-      <c:catAx>
-        <c:axId val="190628608"/>
-        <c:scaling>
-          <c:orientation val="minMax"/>
-        </c:scaling>
-        <c:delete val="0"/>
-        <c:axPos val="b"/>
-        <c:numFmt formatCode="General" sourceLinked="1"/>
-        <c:majorTickMark val="none"/>
-        <c:minorTickMark val="none"/>
-        <c:tickLblPos val="low"/>
-        <c:spPr>
-          <a:noFill/>
-          <a:ln w="12700" cap="flat" cmpd="sng" algn="ctr">
-            <a:solidFill>
-              <a:schemeClr val="lt1">
-                <a:lumMod val="95000"/>
-                <a:alpha val="54000"/>
-              </a:schemeClr>
-            </a:solidFill>
-            <a:round/>
-          </a:ln>
-          <a:effectLst/>
-        </c:spPr>
-        <c:txPr>
-          <a:bodyPr rot="0" spcFirstLastPara="1" vertOverflow="ellipsis" wrap="square" anchor="ctr" anchorCtr="1"/>
-          <a:lstStyle/>
-          <a:p>
-            <a:pPr>
-              <a:defRPr sz="1197" b="1" i="0" u="none" strike="noStrike" kern="1200" baseline="0">
-                <a:solidFill>
-                  <a:schemeClr val="bg1"/>
-                </a:solidFill>
-                <a:latin typeface="+mn-lt"/>
-                <a:ea typeface="+mn-ea"/>
-                <a:cs typeface="+mn-cs"/>
-              </a:defRPr>
-            </a:pPr>
-            <a:endParaRPr lang="en-US"/>
-          </a:p>
-        </c:txPr>
-        <c:crossAx val="190630144"/>
-        <c:crosses val="min"/>
-        <c:auto val="1"/>
-        <c:lblAlgn val="ctr"/>
-        <c:lblOffset val="0"/>
-        <c:noMultiLvlLbl val="0"/>
-      </c:catAx>
-      <c:valAx>
-        <c:axId val="190630144"/>
-        <c:scaling>
-          <c:orientation val="minMax"/>
-          <c:max val="1"/>
-          <c:min val="0"/>
-        </c:scaling>
-        <c:delete val="1"/>
-        <c:axPos val="l"/>
-        <c:majorGridlines>
-          <c:spPr>
-            <a:ln w="9525" cap="flat" cmpd="sng" algn="ctr">
-              <a:solidFill>
-                <a:schemeClr val="lt1">
-                  <a:lumMod val="95000"/>
-                  <a:alpha val="10000"/>
-                </a:schemeClr>
-              </a:solidFill>
-              <a:round/>
-            </a:ln>
-            <a:effectLst/>
-          </c:spPr>
-        </c:majorGridlines>
-        <c:numFmt formatCode="0%" sourceLinked="1"/>
-        <c:majorTickMark val="none"/>
-        <c:minorTickMark val="none"/>
-        <c:tickLblPos val="low"/>
-        <c:crossAx val="190628608"/>
-        <c:crosses val="min"/>
-        <c:crossBetween val="between"/>
-        <c:majorUnit val="0"/>
-      </c:valAx>
-      <c:spPr>
-        <a:noFill/>
-        <a:ln>
-          <a:noFill/>
-        </a:ln>
-        <a:effectLst/>
-      </c:spPr>
-    </c:plotArea>
-    <c:legend>
-      <c:legendPos val="b"/>
-      <c:layout/>
-      <c:overlay val="0"/>
-      <c:spPr>
-        <a:noFill/>
-        <a:ln>
-          <a:noFill/>
-        </a:ln>
-        <a:effectLst/>
-      </c:spPr>
-      <c:txPr>
-        <a:bodyPr rot="0" spcFirstLastPara="1" vertOverflow="ellipsis" vert="horz" wrap="square" anchor="ctr" anchorCtr="1"/>
-        <a:lstStyle/>
-        <a:p>
-          <a:pPr>
-            <a:defRPr sz="1197" b="1" i="0" u="none" strike="noStrike" kern="1200" baseline="0">
-              <a:solidFill>
-                <a:schemeClr val="bg1"/>
-              </a:solidFill>
-              <a:latin typeface="+mn-lt"/>
-              <a:ea typeface="+mn-ea"/>
-              <a:cs typeface="+mn-cs"/>
-            </a:defRPr>
-          </a:pPr>
-          <a:endParaRPr lang="en-US"/>
-        </a:p>
-      </c:txPr>
-    </c:legend>
-    <c:plotVisOnly val="1"/>
-    <c:dispBlanksAs val="gap"/>
-    <c:showDLblsOverMax val="1"/>
-  </c:chart>
-  <c:spPr>
-    <a:gradFill flip="none" rotWithShape="1">
-      <a:gsLst>
-        <a:gs pos="0">
-          <a:schemeClr val="dk1">
-            <a:lumMod val="65000"/>
-            <a:lumOff val="35000"/>
-          </a:schemeClr>
-        </a:gs>
-        <a:gs pos="100000">
-          <a:schemeClr val="dk1">
-            <a:lumMod val="85000"/>
-            <a:lumOff val="15000"/>
-          </a:schemeClr>
-        </a:gs>
-      </a:gsLst>
-      <a:path path="circle">
-        <a:fillToRect l="50000" t="50000" r="50000" b="50000"/>
-      </a:path>
-      <a:tileRect/>
-    </a:gradFill>
-    <a:ln>
-      <a:noFill/>
-    </a:ln>
-    <a:effectLst/>
-  </c:spPr>
-  <c:txPr>
-    <a:bodyPr/>
-    <a:lstStyle/>
-    <a:p>
-      <a:pPr>
-        <a:defRPr/>
-      </a:pPr>
-      <a:endParaRPr lang="en-US"/>
-    </a:p>
-  </c:txPr>
-  <c:externalData r:id="rId1">
-    <c:autoUpdate val="0"/>
-  </c:externalData>
-</c:chartSpace>
-</file>
-
-<file path=ppt/charts/chart2.xml><?xml version="1.0" encoding="utf-8"?>
 <c:chartSpace xmlns:c="http://schemas.openxmlformats.org/drawingml/2006/chart" xmlns:a="http://schemas.openxmlformats.org/drawingml/2006/main" xmlns:r="http://schemas.openxmlformats.org/officeDocument/2006/relationships">
   <c:date1904 val="0"/>
   <c:lang val="en-US"/>
@@ -943,6 +197,11 @@
               <c:showSerName val="0"/>
               <c:showPercent val="0"/>
               <c:showBubbleSize val="0"/>
+              <c:extLst>
+                <c:ext xmlns:c15="http://schemas.microsoft.com/office/drawing/2012/chart" uri="{CE6537A1-D6FC-4f65-9D91-7224C49458BB}">
+                  <c15:layout/>
+                </c:ext>
+              </c:extLst>
             </c:dLbl>
             <c:dLbl>
               <c:idx val="1"/>
@@ -958,6 +217,11 @@
               <c:showSerName val="0"/>
               <c:showPercent val="0"/>
               <c:showBubbleSize val="0"/>
+              <c:extLst>
+                <c:ext xmlns:c15="http://schemas.microsoft.com/office/drawing/2012/chart" uri="{CE6537A1-D6FC-4f65-9D91-7224C49458BB}">
+                  <c15:layout/>
+                </c:ext>
+              </c:extLst>
             </c:dLbl>
             <c:dLbl>
               <c:idx val="2"/>
@@ -973,13 +237,25 @@
               <c:showSerName val="0"/>
               <c:showPercent val="0"/>
               <c:showBubbleSize val="0"/>
+              <c:extLst>
+                <c:ext xmlns:c15="http://schemas.microsoft.com/office/drawing/2012/chart" uri="{CE6537A1-D6FC-4f65-9D91-7224C49458BB}">
+                  <c15:layout/>
+                </c:ext>
+              </c:extLst>
             </c:dLbl>
+            <c:spPr>
+              <a:noFill/>
+              <a:ln>
+                <a:noFill/>
+              </a:ln>
+              <a:effectLst/>
+            </c:spPr>
             <c:txPr>
               <a:bodyPr/>
               <a:lstStyle/>
               <a:p>
                 <a:pPr>
-                  <a:defRPr baseline="0">
+                  <a:defRPr sz="1400" baseline="0">
                     <a:solidFill>
                       <a:schemeClr val="bg1"/>
                     </a:solidFill>
@@ -995,6 +271,11 @@
             <c:showPercent val="0"/>
             <c:showBubbleSize val="0"/>
             <c:showLeaderLines val="0"/>
+            <c:extLst>
+              <c:ext xmlns:c15="http://schemas.microsoft.com/office/drawing/2012/chart" uri="{CE6537A1-D6FC-4f65-9D91-7224C49458BB}">
+                <c15:showLeaderLines val="0"/>
+              </c:ext>
+            </c:extLst>
           </c:dLbls>
           <c:cat>
             <c:strRef>
@@ -1020,13 +301,13 @@
                 <c:formatCode>0.00%</c:formatCode>
                 <c:ptCount val="3"/>
                 <c:pt idx="0">
-                  <c:v>0.2</c:v>
+                  <c:v>0.05</c:v>
                 </c:pt>
                 <c:pt idx="1">
-                  <c:v>0</c:v>
+                  <c:v>0.05</c:v>
                 </c:pt>
                 <c:pt idx="2">
-                  <c:v>0.8</c:v>
+                  <c:v>0.9</c:v>
                 </c:pt>
               </c:numCache>
             </c:numRef>
@@ -1042,16 +323,17 @@
         </c:dLbls>
         <c:gapWidth val="150"/>
         <c:overlap val="100"/>
-        <c:axId val="199176192"/>
-        <c:axId val="199177728"/>
+        <c:axId val="307603016"/>
+        <c:axId val="307603408"/>
       </c:barChart>
       <c:catAx>
-        <c:axId val="199176192"/>
+        <c:axId val="307603016"/>
         <c:scaling>
           <c:orientation val="minMax"/>
         </c:scaling>
         <c:delete val="0"/>
         <c:axPos val="b"/>
+        <c:numFmt formatCode="General" sourceLinked="0"/>
         <c:majorTickMark val="out"/>
         <c:minorTickMark val="none"/>
         <c:tickLblPos val="nextTo"/>
@@ -1069,7 +351,7 @@
             <a:endParaRPr lang="en-US"/>
           </a:p>
         </c:txPr>
-        <c:crossAx val="199177728"/>
+        <c:crossAx val="307603408"/>
         <c:crosses val="autoZero"/>
         <c:auto val="1"/>
         <c:lblAlgn val="ctr"/>
@@ -1077,7 +359,7 @@
         <c:noMultiLvlLbl val="0"/>
       </c:catAx>
       <c:valAx>
-        <c:axId val="199177728"/>
+        <c:axId val="307603408"/>
         <c:scaling>
           <c:orientation val="minMax"/>
         </c:scaling>
@@ -1087,7 +369,7 @@
         <c:majorTickMark val="out"/>
         <c:minorTickMark val="none"/>
         <c:tickLblPos val="nextTo"/>
-        <c:crossAx val="199176192"/>
+        <c:crossAx val="307603016"/>
         <c:crosses val="autoZero"/>
         <c:crossBetween val="between"/>
       </c:valAx>
@@ -1133,11 +415,11 @@
 </c:chartSpace>
 </file>
 
-<file path=ppt/charts/chart3.xml><?xml version="1.0" encoding="utf-8"?>
+<file path=ppt/charts/chart2.xml><?xml version="1.0" encoding="utf-8"?>
 <c:chartSpace xmlns:c="http://schemas.openxmlformats.org/drawingml/2006/chart" xmlns:a="http://schemas.openxmlformats.org/drawingml/2006/main" xmlns:r="http://schemas.openxmlformats.org/officeDocument/2006/relationships">
   <c:date1904 val="0"/>
   <c:lang val="en-US"/>
-  <c:roundedCorners val="0"/>
+  <c:roundedCorners val="1"/>
   <mc:AlternateContent xmlns:mc="http://schemas.openxmlformats.org/markup-compatibility/2006">
     <mc:Choice xmlns:c14="http://schemas.microsoft.com/office/drawing/2007/8/2/chart" Requires="c14">
       <c14:style val="102"/>
@@ -1152,7 +434,7 @@
       <c:layout/>
       <c:barChart>
         <c:barDir val="col"/>
-        <c:grouping val="stacked"/>
+        <c:grouping val="clustered"/>
         <c:varyColors val="0"/>
         <c:ser>
           <c:idx val="0"/>
@@ -1163,49 +445,81 @@
               <c:strCache>
                 <c:ptCount val="1"/>
                 <c:pt idx="0">
-                  <c:v>Series 1</c:v>
+                  <c:v>Jan-17</c:v>
                 </c:pt>
               </c:strCache>
             </c:strRef>
           </c:tx>
           <c:invertIfNegative val="0"/>
+          <c:dLbls>
+            <c:spPr>
+              <a:noFill/>
+              <a:ln>
+                <a:noFill/>
+              </a:ln>
+              <a:effectLst/>
+            </c:spPr>
+            <c:txPr>
+              <a:bodyPr wrap="square" lIns="38100" tIns="19050" rIns="38100" bIns="19050" anchor="ctr">
+                <a:spAutoFit/>
+              </a:bodyPr>
+              <a:lstStyle/>
+              <a:p>
+                <a:pPr>
+                  <a:defRPr sz="1400" baseline="0">
+                    <a:solidFill>
+                      <a:schemeClr val="bg1"/>
+                    </a:solidFill>
+                  </a:defRPr>
+                </a:pPr>
+                <a:endParaRPr lang="en-US"/>
+              </a:p>
+            </c:txPr>
+            <c:showLegendKey val="0"/>
+            <c:showVal val="1"/>
+            <c:showCatName val="0"/>
+            <c:showSerName val="0"/>
+            <c:showPercent val="0"/>
+            <c:showBubbleSize val="0"/>
+            <c:showLeaderLines val="0"/>
+            <c:extLst>
+              <c:ext xmlns:c15="http://schemas.microsoft.com/office/drawing/2012/chart" uri="{CE6537A1-D6FC-4f65-9D91-7224C49458BB}">
+                <c15:layout/>
+                <c15:showLeaderLines val="1"/>
+              </c:ext>
+            </c:extLst>
+          </c:dLbls>
           <c:cat>
             <c:strRef>
-              <c:f>Sheet1!$A$2:$A$5</c:f>
+              <c:f>Sheet1!$A$2:$A$4</c:f>
               <c:strCache>
-                <c:ptCount val="4"/>
+                <c:ptCount val="3"/>
                 <c:pt idx="0">
-                  <c:v>Category 1</c:v>
+                  <c:v>Interaction with guest</c:v>
                 </c:pt>
                 <c:pt idx="1">
-                  <c:v>Category 2</c:v>
+                  <c:v>Product Knowlegde</c:v>
                 </c:pt>
                 <c:pt idx="2">
-                  <c:v>Category 3</c:v>
-                </c:pt>
-                <c:pt idx="3">
-                  <c:v>Category 4</c:v>
+                  <c:v>Professional Image</c:v>
                 </c:pt>
               </c:strCache>
             </c:strRef>
           </c:cat>
           <c:val>
             <c:numRef>
-              <c:f>Sheet1!$B$2:$B$5</c:f>
+              <c:f>Sheet1!$B$2:$B$4</c:f>
               <c:numCache>
-                <c:formatCode>General</c:formatCode>
-                <c:ptCount val="4"/>
+                <c:formatCode>0%</c:formatCode>
+                <c:ptCount val="3"/>
                 <c:pt idx="0">
-                  <c:v>4.3</c:v>
+                  <c:v>0.87</c:v>
                 </c:pt>
                 <c:pt idx="1">
-                  <c:v>2.5</c:v>
+                  <c:v>0.99</c:v>
                 </c:pt>
                 <c:pt idx="2">
-                  <c:v>3.5</c:v>
-                </c:pt>
-                <c:pt idx="3">
-                  <c:v>4.5</c:v>
+                  <c:v>0.95</c:v>
                 </c:pt>
               </c:numCache>
             </c:numRef>
@@ -1220,49 +534,81 @@
               <c:strCache>
                 <c:ptCount val="1"/>
                 <c:pt idx="0">
-                  <c:v>Series 2</c:v>
+                  <c:v>Feb-17</c:v>
                 </c:pt>
               </c:strCache>
             </c:strRef>
           </c:tx>
           <c:invertIfNegative val="0"/>
+          <c:dLbls>
+            <c:spPr>
+              <a:noFill/>
+              <a:ln>
+                <a:noFill/>
+              </a:ln>
+              <a:effectLst/>
+            </c:spPr>
+            <c:txPr>
+              <a:bodyPr wrap="square" lIns="38100" tIns="19050" rIns="38100" bIns="19050" anchor="ctr">
+                <a:spAutoFit/>
+              </a:bodyPr>
+              <a:lstStyle/>
+              <a:p>
+                <a:pPr>
+                  <a:defRPr sz="1400" baseline="0">
+                    <a:solidFill>
+                      <a:schemeClr val="bg1"/>
+                    </a:solidFill>
+                  </a:defRPr>
+                </a:pPr>
+                <a:endParaRPr lang="en-US"/>
+              </a:p>
+            </c:txPr>
+            <c:showLegendKey val="0"/>
+            <c:showVal val="1"/>
+            <c:showCatName val="0"/>
+            <c:showSerName val="0"/>
+            <c:showPercent val="0"/>
+            <c:showBubbleSize val="0"/>
+            <c:showLeaderLines val="0"/>
+            <c:extLst>
+              <c:ext xmlns:c15="http://schemas.microsoft.com/office/drawing/2012/chart" uri="{CE6537A1-D6FC-4f65-9D91-7224C49458BB}">
+                <c15:layout/>
+                <c15:showLeaderLines val="1"/>
+              </c:ext>
+            </c:extLst>
+          </c:dLbls>
           <c:cat>
             <c:strRef>
-              <c:f>Sheet1!$A$2:$A$5</c:f>
+              <c:f>Sheet1!$A$2:$A$4</c:f>
               <c:strCache>
-                <c:ptCount val="4"/>
+                <c:ptCount val="3"/>
                 <c:pt idx="0">
-                  <c:v>Category 1</c:v>
+                  <c:v>Interaction with guest</c:v>
                 </c:pt>
                 <c:pt idx="1">
-                  <c:v>Category 2</c:v>
+                  <c:v>Product Knowlegde</c:v>
                 </c:pt>
                 <c:pt idx="2">
-                  <c:v>Category 3</c:v>
-                </c:pt>
-                <c:pt idx="3">
-                  <c:v>Category 4</c:v>
+                  <c:v>Professional Image</c:v>
                 </c:pt>
               </c:strCache>
             </c:strRef>
           </c:cat>
           <c:val>
             <c:numRef>
-              <c:f>Sheet1!$C$2:$C$5</c:f>
+              <c:f>Sheet1!$C$2:$C$4</c:f>
               <c:numCache>
-                <c:formatCode>General</c:formatCode>
-                <c:ptCount val="4"/>
+                <c:formatCode>0%</c:formatCode>
+                <c:ptCount val="3"/>
                 <c:pt idx="0">
-                  <c:v>2.4</c:v>
+                  <c:v>0.97</c:v>
                 </c:pt>
                 <c:pt idx="1">
-                  <c:v>4.4000000000000004</c:v>
+                  <c:v>0.99</c:v>
                 </c:pt>
                 <c:pt idx="2">
-                  <c:v>1.8</c:v>
-                </c:pt>
-                <c:pt idx="3">
-                  <c:v>2.8</c:v>
+                  <c:v>0.99</c:v>
                 </c:pt>
               </c:numCache>
             </c:numRef>
@@ -1277,49 +623,170 @@
               <c:strCache>
                 <c:ptCount val="1"/>
                 <c:pt idx="0">
-                  <c:v>Series 3</c:v>
+                  <c:v>Mar-17</c:v>
                 </c:pt>
               </c:strCache>
             </c:strRef>
           </c:tx>
           <c:invertIfNegative val="0"/>
+          <c:dLbls>
+            <c:spPr>
+              <a:noFill/>
+              <a:ln>
+                <a:noFill/>
+              </a:ln>
+              <a:effectLst/>
+            </c:spPr>
+            <c:txPr>
+              <a:bodyPr wrap="square" lIns="38100" tIns="19050" rIns="38100" bIns="19050" anchor="ctr">
+                <a:spAutoFit/>
+              </a:bodyPr>
+              <a:lstStyle/>
+              <a:p>
+                <a:pPr>
+                  <a:defRPr sz="1400" baseline="0">
+                    <a:solidFill>
+                      <a:schemeClr val="bg1"/>
+                    </a:solidFill>
+                  </a:defRPr>
+                </a:pPr>
+                <a:endParaRPr lang="en-US"/>
+              </a:p>
+            </c:txPr>
+            <c:showLegendKey val="0"/>
+            <c:showVal val="1"/>
+            <c:showCatName val="0"/>
+            <c:showSerName val="0"/>
+            <c:showPercent val="0"/>
+            <c:showBubbleSize val="0"/>
+            <c:showLeaderLines val="0"/>
+            <c:extLst>
+              <c:ext xmlns:c15="http://schemas.microsoft.com/office/drawing/2012/chart" uri="{CE6537A1-D6FC-4f65-9D91-7224C49458BB}">
+                <c15:layout/>
+                <c15:showLeaderLines val="1"/>
+              </c:ext>
+            </c:extLst>
+          </c:dLbls>
           <c:cat>
             <c:strRef>
-              <c:f>Sheet1!$A$2:$A$5</c:f>
+              <c:f>Sheet1!$A$2:$A$4</c:f>
               <c:strCache>
-                <c:ptCount val="4"/>
+                <c:ptCount val="3"/>
                 <c:pt idx="0">
-                  <c:v>Category 1</c:v>
+                  <c:v>Interaction with guest</c:v>
                 </c:pt>
                 <c:pt idx="1">
-                  <c:v>Category 2</c:v>
+                  <c:v>Product Knowlegde</c:v>
                 </c:pt>
                 <c:pt idx="2">
-                  <c:v>Category 3</c:v>
-                </c:pt>
-                <c:pt idx="3">
-                  <c:v>Category 4</c:v>
+                  <c:v>Professional Image</c:v>
                 </c:pt>
               </c:strCache>
             </c:strRef>
           </c:cat>
           <c:val>
             <c:numRef>
-              <c:f>Sheet1!$D$2:$D$5</c:f>
+              <c:f>Sheet1!$D$2:$D$4</c:f>
               <c:numCache>
-                <c:formatCode>General</c:formatCode>
-                <c:ptCount val="4"/>
+                <c:formatCode>0%</c:formatCode>
+                <c:ptCount val="3"/>
                 <c:pt idx="0">
-                  <c:v>2</c:v>
+                  <c:v>0.92</c:v>
                 </c:pt>
                 <c:pt idx="1">
-                  <c:v>2</c:v>
+                  <c:v>1</c:v>
                 </c:pt>
                 <c:pt idx="2">
-                  <c:v>3</c:v>
+                  <c:v>0.96</c:v>
                 </c:pt>
-                <c:pt idx="3">
-                  <c:v>5</c:v>
+              </c:numCache>
+            </c:numRef>
+          </c:val>
+        </c:ser>
+        <c:ser>
+          <c:idx val="3"/>
+          <c:order val="3"/>
+          <c:tx>
+            <c:strRef>
+              <c:f>Sheet1!$E$1</c:f>
+              <c:strCache>
+                <c:ptCount val="1"/>
+                <c:pt idx="0">
+                  <c:v>Apr-17</c:v>
+                </c:pt>
+              </c:strCache>
+            </c:strRef>
+          </c:tx>
+          <c:invertIfNegative val="0"/>
+          <c:dLbls>
+            <c:spPr>
+              <a:noFill/>
+              <a:ln>
+                <a:noFill/>
+              </a:ln>
+              <a:effectLst/>
+            </c:spPr>
+            <c:txPr>
+              <a:bodyPr wrap="square" lIns="38100" tIns="19050" rIns="38100" bIns="19050" anchor="ctr">
+                <a:spAutoFit/>
+              </a:bodyPr>
+              <a:lstStyle/>
+              <a:p>
+                <a:pPr>
+                  <a:defRPr sz="1400" baseline="0">
+                    <a:solidFill>
+                      <a:schemeClr val="bg1"/>
+                    </a:solidFill>
+                  </a:defRPr>
+                </a:pPr>
+                <a:endParaRPr lang="en-US"/>
+              </a:p>
+            </c:txPr>
+            <c:showLegendKey val="0"/>
+            <c:showVal val="1"/>
+            <c:showCatName val="0"/>
+            <c:showSerName val="0"/>
+            <c:showPercent val="0"/>
+            <c:showBubbleSize val="0"/>
+            <c:showLeaderLines val="0"/>
+            <c:extLst>
+              <c:ext xmlns:c15="http://schemas.microsoft.com/office/drawing/2012/chart" uri="{CE6537A1-D6FC-4f65-9D91-7224C49458BB}">
+                <c15:layout/>
+                <c15:showLeaderLines val="1"/>
+              </c:ext>
+            </c:extLst>
+          </c:dLbls>
+          <c:cat>
+            <c:strRef>
+              <c:f>Sheet1!$A$2:$A$4</c:f>
+              <c:strCache>
+                <c:ptCount val="3"/>
+                <c:pt idx="0">
+                  <c:v>Interaction with guest</c:v>
+                </c:pt>
+                <c:pt idx="1">
+                  <c:v>Product Knowlegde</c:v>
+                </c:pt>
+                <c:pt idx="2">
+                  <c:v>Professional Image</c:v>
+                </c:pt>
+              </c:strCache>
+            </c:strRef>
+          </c:cat>
+          <c:val>
+            <c:numRef>
+              <c:f>Sheet1!$E$2:$E$4</c:f>
+              <c:numCache>
+                <c:formatCode>0%</c:formatCode>
+                <c:ptCount val="3"/>
+                <c:pt idx="0">
+                  <c:v>0.88</c:v>
+                </c:pt>
+                <c:pt idx="1">
+                  <c:v>0.97</c:v>
+                </c:pt>
+                <c:pt idx="2">
+                  <c:v>0.96</c:v>
                 </c:pt>
               </c:numCache>
             </c:numRef>
@@ -1334,21 +801,35 @@
           <c:showBubbleSize val="0"/>
         </c:dLbls>
         <c:gapWidth val="150"/>
-        <c:overlap val="100"/>
-        <c:axId val="178259456"/>
-        <c:axId val="178344320"/>
+        <c:axId val="307477208"/>
+        <c:axId val="307474072"/>
       </c:barChart>
       <c:catAx>
-        <c:axId val="178259456"/>
+        <c:axId val="307477208"/>
         <c:scaling>
           <c:orientation val="minMax"/>
         </c:scaling>
         <c:delete val="0"/>
         <c:axPos val="b"/>
+        <c:numFmt formatCode="General" sourceLinked="0"/>
         <c:majorTickMark val="out"/>
         <c:minorTickMark val="none"/>
         <c:tickLblPos val="nextTo"/>
-        <c:crossAx val="178344320"/>
+        <c:txPr>
+          <a:bodyPr/>
+          <a:lstStyle/>
+          <a:p>
+            <a:pPr>
+              <a:defRPr baseline="0">
+                <a:solidFill>
+                  <a:schemeClr val="bg1"/>
+                </a:solidFill>
+              </a:defRPr>
+            </a:pPr>
+            <a:endParaRPr lang="en-US"/>
+          </a:p>
+        </c:txPr>
+        <c:crossAx val="307474072"/>
         <c:crosses val="autoZero"/>
         <c:auto val="1"/>
         <c:lblAlgn val="ctr"/>
@@ -1356,31 +837,82 @@
         <c:noMultiLvlLbl val="0"/>
       </c:catAx>
       <c:valAx>
-        <c:axId val="178344320"/>
+        <c:axId val="307474072"/>
         <c:scaling>
           <c:orientation val="minMax"/>
         </c:scaling>
         <c:delete val="0"/>
         <c:axPos val="l"/>
-        <c:majorGridlines/>
-        <c:numFmt formatCode="General" sourceLinked="1"/>
-        <c:majorTickMark val="out"/>
+        <c:majorGridlines>
+          <c:spPr>
+            <a:ln>
+              <a:noFill/>
+            </a:ln>
+          </c:spPr>
+        </c:majorGridlines>
+        <c:numFmt formatCode="0%" sourceLinked="1"/>
+        <c:majorTickMark val="none"/>
         <c:minorTickMark val="none"/>
-        <c:tickLblPos val="nextTo"/>
-        <c:crossAx val="178259456"/>
+        <c:tickLblPos val="none"/>
+        <c:spPr>
+          <a:ln/>
+        </c:spPr>
+        <c:crossAx val="307477208"/>
         <c:crosses val="autoZero"/>
         <c:crossBetween val="between"/>
       </c:valAx>
     </c:plotArea>
     <c:legend>
-      <c:legendPos val="r"/>
+      <c:legendPos val="b"/>
       <c:layout/>
       <c:overlay val="0"/>
+      <c:txPr>
+        <a:bodyPr/>
+        <a:lstStyle/>
+        <a:p>
+          <a:pPr>
+            <a:defRPr baseline="0">
+              <a:solidFill>
+                <a:schemeClr val="bg1"/>
+              </a:solidFill>
+            </a:defRPr>
+          </a:pPr>
+          <a:endParaRPr lang="en-US"/>
+        </a:p>
+      </c:txPr>
     </c:legend>
     <c:plotVisOnly val="1"/>
     <c:dispBlanksAs val="gap"/>
     <c:showDLblsOverMax val="0"/>
   </c:chart>
+  <c:spPr>
+    <a:gradFill flip="none" rotWithShape="1">
+      <a:gsLst>
+        <a:gs pos="0">
+          <a:schemeClr val="accent3">
+            <a:lumMod val="89000"/>
+          </a:schemeClr>
+        </a:gs>
+        <a:gs pos="46000">
+          <a:srgbClr val="565656"/>
+        </a:gs>
+        <a:gs pos="97000">
+          <a:srgbClr val="303030"/>
+        </a:gs>
+      </a:gsLst>
+      <a:path path="circle">
+        <a:fillToRect l="50000" t="50000" r="50000" b="50000"/>
+      </a:path>
+      <a:tileRect/>
+    </a:gradFill>
+    <a:ln>
+      <a:solidFill>
+        <a:schemeClr val="tx1">
+          <a:tint val="75000"/>
+        </a:schemeClr>
+      </a:solidFill>
+    </a:ln>
+  </c:spPr>
   <c:txPr>
     <a:bodyPr/>
     <a:lstStyle/>
@@ -1397,7 +929,7 @@
 </c:chartSpace>
 </file>
 
-<file path=ppt/charts/chart4.xml><?xml version="1.0" encoding="utf-8"?>
+<file path=ppt/charts/chart3.xml><?xml version="1.0" encoding="utf-8"?>
 <c:chartSpace xmlns:c="http://schemas.openxmlformats.org/drawingml/2006/chart" xmlns:a="http://schemas.openxmlformats.org/drawingml/2006/main" xmlns:r="http://schemas.openxmlformats.org/officeDocument/2006/relationships">
   <c:date1904 val="0"/>
   <c:lang val="en-US"/>
@@ -1521,6 +1053,7 @@
             <c:showLeaderLines val="0"/>
             <c:extLst xmlns:c16r2="http://schemas.microsoft.com/office/drawing/2015/06/chart">
               <c:ext xmlns:c15="http://schemas.microsoft.com/office/drawing/2012/chart" uri="{CE6537A1-D6FC-4f65-9D91-7224C49458BB}">
+                <c15:layout/>
                 <c15:showLeaderLines val="0"/>
               </c:ext>
             </c:extLst>
@@ -1665,6 +1198,7 @@
             <c:showLeaderLines val="0"/>
             <c:extLst xmlns:c16r2="http://schemas.microsoft.com/office/drawing/2015/06/chart">
               <c:ext xmlns:c15="http://schemas.microsoft.com/office/drawing/2012/chart" uri="{CE6537A1-D6FC-4f65-9D91-7224C49458BB}">
+                <c15:layout/>
                 <c15:showLeaderLines val="0"/>
               </c:ext>
             </c:extLst>
@@ -1809,6 +1343,7 @@
             <c:showLeaderLines val="0"/>
             <c:extLst xmlns:c16r2="http://schemas.microsoft.com/office/drawing/2015/06/chart">
               <c:ext xmlns:c15="http://schemas.microsoft.com/office/drawing/2012/chart" uri="{CE6537A1-D6FC-4f65-9D91-7224C49458BB}">
+                <c15:layout/>
                 <c15:showLeaderLines val="0"/>
               </c:ext>
             </c:extLst>
@@ -1953,6 +1488,7 @@
             <c:showLeaderLines val="0"/>
             <c:extLst xmlns:c16r2="http://schemas.microsoft.com/office/drawing/2015/06/chart">
               <c:ext xmlns:c15="http://schemas.microsoft.com/office/drawing/2012/chart" uri="{CE6537A1-D6FC-4f65-9D91-7224C49458BB}">
+                <c15:layout/>
                 <c15:showLeaderLines val="0"/>
               </c:ext>
             </c:extLst>
@@ -2014,11 +1550,11 @@
         </c:dLbls>
         <c:gapWidth val="100"/>
         <c:overlap val="-24"/>
-        <c:axId val="206049280"/>
-        <c:axId val="206050816"/>
+        <c:axId val="309518216"/>
+        <c:axId val="309518608"/>
       </c:barChart>
       <c:catAx>
-        <c:axId val="206049280"/>
+        <c:axId val="309518216"/>
         <c:scaling>
           <c:orientation val="minMax"/>
         </c:scaling>
@@ -2058,7 +1594,7 @@
             <a:endParaRPr lang="en-US"/>
           </a:p>
         </c:txPr>
-        <c:crossAx val="206050816"/>
+        <c:crossAx val="309518608"/>
         <c:crosses val="min"/>
         <c:auto val="1"/>
         <c:lblAlgn val="ctr"/>
@@ -2066,7 +1602,7 @@
         <c:noMultiLvlLbl val="0"/>
       </c:catAx>
       <c:valAx>
-        <c:axId val="206050816"/>
+        <c:axId val="309518608"/>
         <c:scaling>
           <c:orientation val="minMax"/>
           <c:max val="1"/>
@@ -2092,7 +1628,7 @@
         <c:majorTickMark val="none"/>
         <c:minorTickMark val="none"/>
         <c:tickLblPos val="low"/>
-        <c:crossAx val="206049280"/>
+        <c:crossAx val="309518216"/>
         <c:crosses val="min"/>
         <c:crossBetween val="between"/>
         <c:majorUnit val="0"/>
@@ -2174,13 +1710,13 @@
       <a:endParaRPr lang="en-US"/>
     </a:p>
   </c:txPr>
-  <c:externalData r:id="rId1">
+  <c:externalData r:id="rId3">
     <c:autoUpdate val="0"/>
   </c:externalData>
 </c:chartSpace>
 </file>
 
-<file path=ppt/charts/chart5.xml><?xml version="1.0" encoding="utf-8"?>
+<file path=ppt/charts/chart4.xml><?xml version="1.0" encoding="utf-8"?>
 <c:chartSpace xmlns:c="http://schemas.openxmlformats.org/drawingml/2006/chart" xmlns:a="http://schemas.openxmlformats.org/drawingml/2006/main" xmlns:r="http://schemas.openxmlformats.org/officeDocument/2006/relationships">
   <c:date1904 val="0"/>
   <c:lang val="en-US"/>
@@ -2301,6 +1837,7 @@
             <c:showLeaderLines val="0"/>
             <c:extLst xmlns:c16r2="http://schemas.microsoft.com/office/drawing/2015/06/chart">
               <c:ext xmlns:c15="http://schemas.microsoft.com/office/drawing/2012/chart" uri="{CE6537A1-D6FC-4f65-9D91-7224C49458BB}">
+                <c15:layout/>
                 <c15:showLeaderLines val="0"/>
               </c:ext>
             </c:extLst>
@@ -2362,11 +1899,11 @@
         </c:dLbls>
         <c:gapWidth val="100"/>
         <c:overlap val="-24"/>
-        <c:axId val="55783808"/>
-        <c:axId val="55785344"/>
+        <c:axId val="309516648"/>
+        <c:axId val="309515864"/>
       </c:barChart>
       <c:catAx>
-        <c:axId val="55783808"/>
+        <c:axId val="309516648"/>
         <c:scaling>
           <c:orientation val="minMax"/>
         </c:scaling>
@@ -2406,7 +1943,7 @@
             <a:endParaRPr lang="en-US"/>
           </a:p>
         </c:txPr>
-        <c:crossAx val="55785344"/>
+        <c:crossAx val="309515864"/>
         <c:crosses val="min"/>
         <c:auto val="1"/>
         <c:lblAlgn val="ctr"/>
@@ -2414,7 +1951,7 @@
         <c:noMultiLvlLbl val="0"/>
       </c:catAx>
       <c:valAx>
-        <c:axId val="55785344"/>
+        <c:axId val="309515864"/>
         <c:scaling>
           <c:orientation val="minMax"/>
           <c:max val="1"/>
@@ -2440,7 +1977,7 @@
         <c:majorTickMark val="none"/>
         <c:minorTickMark val="none"/>
         <c:tickLblPos val="low"/>
-        <c:crossAx val="55783808"/>
+        <c:crossAx val="309516648"/>
         <c:crosses val="min"/>
         <c:crossBetween val="between"/>
         <c:majorUnit val="0"/>
@@ -2493,10 +2030,50 @@
       <a:endParaRPr lang="en-US"/>
     </a:p>
   </c:txPr>
-  <c:externalData r:id="rId1">
+  <c:externalData r:id="rId3">
     <c:autoUpdate val="0"/>
   </c:externalData>
 </c:chartSpace>
+</file>
+
+<file path=ppt/charts/colors1.xml><?xml version="1.0" encoding="utf-8"?>
+<cs:colorStyle xmlns:cs="http://schemas.microsoft.com/office/drawing/2012/chartStyle" xmlns:a="http://schemas.openxmlformats.org/drawingml/2006/main" meth="cycle" id="10">
+  <a:schemeClr val="accent1"/>
+  <a:schemeClr val="accent2"/>
+  <a:schemeClr val="accent3"/>
+  <a:schemeClr val="accent4"/>
+  <a:schemeClr val="accent5"/>
+  <a:schemeClr val="accent6"/>
+  <cs:variation/>
+  <cs:variation>
+    <a:lumMod val="60000"/>
+  </cs:variation>
+  <cs:variation>
+    <a:lumMod val="80000"/>
+    <a:lumOff val="20000"/>
+  </cs:variation>
+  <cs:variation>
+    <a:lumMod val="80000"/>
+  </cs:variation>
+  <cs:variation>
+    <a:lumMod val="60000"/>
+    <a:lumOff val="40000"/>
+  </cs:variation>
+  <cs:variation>
+    <a:lumMod val="50000"/>
+  </cs:variation>
+  <cs:variation>
+    <a:lumMod val="70000"/>
+    <a:lumOff val="30000"/>
+  </cs:variation>
+  <cs:variation>
+    <a:lumMod val="70000"/>
+  </cs:variation>
+  <cs:variation>
+    <a:lumMod val="50000"/>
+    <a:lumOff val="50000"/>
+  </cs:variation>
+</cs:colorStyle>
 </file>
 
 <file path=ppt/charts/colors2.xml><?xml version="1.0" encoding="utf-8"?>
@@ -2539,87 +2116,7 @@
 </cs:colorStyle>
 </file>
 
-<file path=ppt/charts/colors3.xml><?xml version="1.0" encoding="utf-8"?>
-<cs:colorStyle xmlns:cs="http://schemas.microsoft.com/office/drawing/2012/chartStyle" xmlns:a="http://schemas.openxmlformats.org/drawingml/2006/main" meth="cycle" id="10">
-  <a:schemeClr val="accent1"/>
-  <a:schemeClr val="accent2"/>
-  <a:schemeClr val="accent3"/>
-  <a:schemeClr val="accent4"/>
-  <a:schemeClr val="accent5"/>
-  <a:schemeClr val="accent6"/>
-  <cs:variation/>
-  <cs:variation>
-    <a:lumMod val="60000"/>
-  </cs:variation>
-  <cs:variation>
-    <a:lumMod val="80000"/>
-    <a:lumOff val="20000"/>
-  </cs:variation>
-  <cs:variation>
-    <a:lumMod val="80000"/>
-  </cs:variation>
-  <cs:variation>
-    <a:lumMod val="60000"/>
-    <a:lumOff val="40000"/>
-  </cs:variation>
-  <cs:variation>
-    <a:lumMod val="50000"/>
-  </cs:variation>
-  <cs:variation>
-    <a:lumMod val="70000"/>
-    <a:lumOff val="30000"/>
-  </cs:variation>
-  <cs:variation>
-    <a:lumMod val="70000"/>
-  </cs:variation>
-  <cs:variation>
-    <a:lumMod val="50000"/>
-    <a:lumOff val="50000"/>
-  </cs:variation>
-</cs:colorStyle>
-</file>
-
-<file path=ppt/charts/colors4.xml><?xml version="1.0" encoding="utf-8"?>
-<cs:colorStyle xmlns:cs="http://schemas.microsoft.com/office/drawing/2012/chartStyle" xmlns:a="http://schemas.openxmlformats.org/drawingml/2006/main" meth="cycle" id="10">
-  <a:schemeClr val="accent1"/>
-  <a:schemeClr val="accent2"/>
-  <a:schemeClr val="accent3"/>
-  <a:schemeClr val="accent4"/>
-  <a:schemeClr val="accent5"/>
-  <a:schemeClr val="accent6"/>
-  <cs:variation/>
-  <cs:variation>
-    <a:lumMod val="60000"/>
-  </cs:variation>
-  <cs:variation>
-    <a:lumMod val="80000"/>
-    <a:lumOff val="20000"/>
-  </cs:variation>
-  <cs:variation>
-    <a:lumMod val="80000"/>
-  </cs:variation>
-  <cs:variation>
-    <a:lumMod val="60000"/>
-    <a:lumOff val="40000"/>
-  </cs:variation>
-  <cs:variation>
-    <a:lumMod val="50000"/>
-  </cs:variation>
-  <cs:variation>
-    <a:lumMod val="70000"/>
-    <a:lumOff val="30000"/>
-  </cs:variation>
-  <cs:variation>
-    <a:lumMod val="70000"/>
-  </cs:variation>
-  <cs:variation>
-    <a:lumMod val="50000"/>
-    <a:lumOff val="50000"/>
-  </cs:variation>
-</cs:colorStyle>
-</file>
-
-<file path=ppt/charts/style2.xml><?xml version="1.0" encoding="utf-8"?>
+<file path=ppt/charts/style1.xml><?xml version="1.0" encoding="utf-8"?>
 <cs:chartStyle xmlns:cs="http://schemas.microsoft.com/office/drawing/2012/chartStyle" xmlns:a="http://schemas.openxmlformats.org/drawingml/2006/main" id="209">
   <cs:axisTitle>
     <cs:lnRef idx="0"/>
@@ -3115,503 +2612,7 @@
 </cs:chartStyle>
 </file>
 
-<file path=ppt/charts/style3.xml><?xml version="1.0" encoding="utf-8"?>
-<cs:chartStyle xmlns:cs="http://schemas.microsoft.com/office/drawing/2012/chartStyle" xmlns:a="http://schemas.openxmlformats.org/drawingml/2006/main" id="209">
-  <cs:axisTitle>
-    <cs:lnRef idx="0"/>
-    <cs:fillRef idx="0"/>
-    <cs:effectRef idx="0"/>
-    <cs:fontRef idx="minor">
-      <a:schemeClr val="lt1">
-        <a:lumMod val="85000"/>
-      </a:schemeClr>
-    </cs:fontRef>
-    <cs:defRPr sz="1197" b="1" kern="1200" cap="all"/>
-  </cs:axisTitle>
-  <cs:categoryAxis>
-    <cs:lnRef idx="0"/>
-    <cs:fillRef idx="0"/>
-    <cs:effectRef idx="0"/>
-    <cs:fontRef idx="minor">
-      <a:schemeClr val="lt1">
-        <a:lumMod val="85000"/>
-      </a:schemeClr>
-    </cs:fontRef>
-    <cs:spPr>
-      <a:ln w="12700" cap="flat" cmpd="sng" algn="ctr">
-        <a:solidFill>
-          <a:schemeClr val="lt1">
-            <a:lumMod val="95000"/>
-            <a:alpha val="54000"/>
-          </a:schemeClr>
-        </a:solidFill>
-        <a:round/>
-      </a:ln>
-    </cs:spPr>
-    <cs:defRPr sz="1197" kern="1200"/>
-  </cs:categoryAxis>
-  <cs:chartArea>
-    <cs:lnRef idx="0"/>
-    <cs:fillRef idx="0"/>
-    <cs:effectRef idx="0"/>
-    <cs:fontRef idx="minor">
-      <a:schemeClr val="dk1"/>
-    </cs:fontRef>
-    <cs:spPr>
-      <a:gradFill flip="none" rotWithShape="1">
-        <a:gsLst>
-          <a:gs pos="0">
-            <a:schemeClr val="dk1">
-              <a:lumMod val="65000"/>
-              <a:lumOff val="35000"/>
-            </a:schemeClr>
-          </a:gs>
-          <a:gs pos="100000">
-            <a:schemeClr val="dk1">
-              <a:lumMod val="85000"/>
-              <a:lumOff val="15000"/>
-            </a:schemeClr>
-          </a:gs>
-        </a:gsLst>
-        <a:path path="circle">
-          <a:fillToRect l="50000" t="50000" r="50000" b="50000"/>
-        </a:path>
-        <a:tileRect/>
-      </a:gradFill>
-    </cs:spPr>
-    <cs:defRPr sz="1330" kern="1200"/>
-  </cs:chartArea>
-  <cs:dataLabel>
-    <cs:lnRef idx="0"/>
-    <cs:fillRef idx="0"/>
-    <cs:effectRef idx="0"/>
-    <cs:fontRef idx="minor">
-      <a:schemeClr val="lt1">
-        <a:lumMod val="85000"/>
-      </a:schemeClr>
-    </cs:fontRef>
-    <cs:defRPr sz="1197" kern="1200"/>
-  </cs:dataLabel>
-  <cs:dataLabelCallout>
-    <cs:lnRef idx="0"/>
-    <cs:fillRef idx="0"/>
-    <cs:effectRef idx="0"/>
-    <cs:fontRef idx="minor">
-      <a:schemeClr val="dk1">
-        <a:lumMod val="65000"/>
-        <a:lumOff val="35000"/>
-      </a:schemeClr>
-    </cs:fontRef>
-    <cs:spPr>
-      <a:solidFill>
-        <a:schemeClr val="lt1"/>
-      </a:solidFill>
-    </cs:spPr>
-    <cs:defRPr sz="1197" kern="1200"/>
-    <cs:bodyPr rot="0" spcFirstLastPara="1" vertOverflow="clip" horzOverflow="clip" vert="horz" wrap="square" lIns="36576" tIns="18288" rIns="36576" bIns="18288" anchor="ctr" anchorCtr="1">
-      <a:spAutoFit/>
-    </cs:bodyPr>
-  </cs:dataLabelCallout>
-  <cs:dataPoint>
-    <cs:lnRef idx="0"/>
-    <cs:fillRef idx="3">
-      <cs:styleClr val="auto"/>
-    </cs:fillRef>
-    <cs:effectRef idx="3"/>
-    <cs:fontRef idx="minor">
-      <a:schemeClr val="lt1"/>
-    </cs:fontRef>
-  </cs:dataPoint>
-  <cs:dataPoint3D>
-    <cs:lnRef idx="0"/>
-    <cs:fillRef idx="3">
-      <cs:styleClr val="auto"/>
-    </cs:fillRef>
-    <cs:effectRef idx="3"/>
-    <cs:fontRef idx="minor">
-      <a:schemeClr val="lt1"/>
-    </cs:fontRef>
-  </cs:dataPoint3D>
-  <cs:dataPointLine>
-    <cs:lnRef idx="0">
-      <cs:styleClr val="auto"/>
-    </cs:lnRef>
-    <cs:fillRef idx="3"/>
-    <cs:effectRef idx="3"/>
-    <cs:fontRef idx="minor">
-      <a:schemeClr val="lt1"/>
-    </cs:fontRef>
-    <cs:spPr>
-      <a:ln w="34925" cap="rnd">
-        <a:solidFill>
-          <a:schemeClr val="phClr"/>
-        </a:solidFill>
-        <a:round/>
-      </a:ln>
-    </cs:spPr>
-  </cs:dataPointLine>
-  <cs:dataPointMarker>
-    <cs:lnRef idx="0">
-      <cs:styleClr val="auto"/>
-    </cs:lnRef>
-    <cs:fillRef idx="3">
-      <cs:styleClr val="auto"/>
-    </cs:fillRef>
-    <cs:effectRef idx="3"/>
-    <cs:fontRef idx="minor">
-      <a:schemeClr val="lt1"/>
-    </cs:fontRef>
-    <cs:spPr>
-      <a:ln w="9525">
-        <a:solidFill>
-          <a:schemeClr val="phClr"/>
-        </a:solidFill>
-        <a:round/>
-      </a:ln>
-    </cs:spPr>
-  </cs:dataPointMarker>
-  <cs:dataPointMarkerLayout symbol="circle" size="6"/>
-  <cs:dataPointWireframe>
-    <cs:lnRef idx="0">
-      <cs:styleClr val="auto"/>
-    </cs:lnRef>
-    <cs:fillRef idx="3"/>
-    <cs:effectRef idx="3"/>
-    <cs:fontRef idx="minor">
-      <a:schemeClr val="lt1"/>
-    </cs:fontRef>
-    <cs:spPr>
-      <a:ln w="9525" cap="rnd">
-        <a:solidFill>
-          <a:schemeClr val="phClr"/>
-        </a:solidFill>
-        <a:round/>
-      </a:ln>
-    </cs:spPr>
-  </cs:dataPointWireframe>
-  <cs:dataTable>
-    <cs:lnRef idx="0"/>
-    <cs:fillRef idx="0"/>
-    <cs:effectRef idx="0"/>
-    <cs:fontRef idx="minor">
-      <a:schemeClr val="lt1">
-        <a:lumMod val="85000"/>
-      </a:schemeClr>
-    </cs:fontRef>
-    <cs:spPr>
-      <a:ln w="9525">
-        <a:solidFill>
-          <a:schemeClr val="lt1">
-            <a:lumMod val="95000"/>
-            <a:alpha val="54000"/>
-          </a:schemeClr>
-        </a:solidFill>
-      </a:ln>
-    </cs:spPr>
-    <cs:defRPr sz="1197" kern="1200"/>
-  </cs:dataTable>
-  <cs:downBar>
-    <cs:lnRef idx="0"/>
-    <cs:fillRef idx="0"/>
-    <cs:effectRef idx="0"/>
-    <cs:fontRef idx="minor">
-      <a:schemeClr val="lt1"/>
-    </cs:fontRef>
-    <cs:spPr>
-      <a:solidFill>
-        <a:schemeClr val="dk1">
-          <a:lumMod val="75000"/>
-          <a:lumOff val="25000"/>
-        </a:schemeClr>
-      </a:solidFill>
-      <a:ln w="9525">
-        <a:solidFill>
-          <a:schemeClr val="lt1">
-            <a:lumMod val="95000"/>
-            <a:alpha val="54000"/>
-          </a:schemeClr>
-        </a:solidFill>
-      </a:ln>
-    </cs:spPr>
-  </cs:downBar>
-  <cs:dropLine>
-    <cs:lnRef idx="0"/>
-    <cs:fillRef idx="0"/>
-    <cs:effectRef idx="0"/>
-    <cs:fontRef idx="minor">
-      <a:schemeClr val="lt1"/>
-    </cs:fontRef>
-    <cs:spPr>
-      <a:ln w="9525">
-        <a:solidFill>
-          <a:schemeClr val="lt1">
-            <a:lumMod val="95000"/>
-            <a:alpha val="54000"/>
-          </a:schemeClr>
-        </a:solidFill>
-        <a:prstDash val="dash"/>
-      </a:ln>
-    </cs:spPr>
-  </cs:dropLine>
-  <cs:errorBar>
-    <cs:lnRef idx="0"/>
-    <cs:fillRef idx="0"/>
-    <cs:effectRef idx="0"/>
-    <cs:fontRef idx="minor">
-      <a:schemeClr val="lt1"/>
-    </cs:fontRef>
-    <cs:spPr>
-      <a:ln w="9525" cap="flat" cmpd="sng" algn="ctr">
-        <a:solidFill>
-          <a:schemeClr val="lt1">
-            <a:lumMod val="95000"/>
-          </a:schemeClr>
-        </a:solidFill>
-        <a:round/>
-      </a:ln>
-    </cs:spPr>
-  </cs:errorBar>
-  <cs:floor>
-    <cs:lnRef idx="0"/>
-    <cs:fillRef idx="0"/>
-    <cs:effectRef idx="0"/>
-    <cs:fontRef idx="minor">
-      <a:schemeClr val="lt1"/>
-    </cs:fontRef>
-  </cs:floor>
-  <cs:gridlineMajor>
-    <cs:lnRef idx="0"/>
-    <cs:fillRef idx="0"/>
-    <cs:effectRef idx="0"/>
-    <cs:fontRef idx="minor">
-      <a:schemeClr val="lt1"/>
-    </cs:fontRef>
-    <cs:spPr>
-      <a:ln w="9525" cap="flat" cmpd="sng" algn="ctr">
-        <a:solidFill>
-          <a:schemeClr val="lt1">
-            <a:lumMod val="95000"/>
-            <a:alpha val="10000"/>
-          </a:schemeClr>
-        </a:solidFill>
-        <a:round/>
-      </a:ln>
-    </cs:spPr>
-  </cs:gridlineMajor>
-  <cs:gridlineMinor>
-    <cs:lnRef idx="0"/>
-    <cs:fillRef idx="0"/>
-    <cs:effectRef idx="0"/>
-    <cs:fontRef idx="minor">
-      <a:schemeClr val="lt1"/>
-    </cs:fontRef>
-    <cs:spPr>
-      <a:ln>
-        <a:solidFill>
-          <a:schemeClr val="lt1">
-            <a:lumMod val="95000"/>
-            <a:alpha val="5000"/>
-          </a:schemeClr>
-        </a:solidFill>
-      </a:ln>
-    </cs:spPr>
-  </cs:gridlineMinor>
-  <cs:hiLoLine>
-    <cs:lnRef idx="0"/>
-    <cs:fillRef idx="0"/>
-    <cs:effectRef idx="0"/>
-    <cs:fontRef idx="minor">
-      <a:schemeClr val="lt1"/>
-    </cs:fontRef>
-    <cs:spPr>
-      <a:ln w="9525">
-        <a:solidFill>
-          <a:schemeClr val="lt1">
-            <a:lumMod val="95000"/>
-            <a:alpha val="54000"/>
-          </a:schemeClr>
-        </a:solidFill>
-        <a:prstDash val="dash"/>
-      </a:ln>
-    </cs:spPr>
-  </cs:hiLoLine>
-  <cs:leaderLine>
-    <cs:lnRef idx="0"/>
-    <cs:fillRef idx="0"/>
-    <cs:effectRef idx="0"/>
-    <cs:fontRef idx="minor">
-      <a:schemeClr val="lt1"/>
-    </cs:fontRef>
-    <cs:spPr>
-      <a:ln w="9525">
-        <a:solidFill>
-          <a:schemeClr val="lt1">
-            <a:lumMod val="95000"/>
-            <a:alpha val="54000"/>
-          </a:schemeClr>
-        </a:solidFill>
-      </a:ln>
-    </cs:spPr>
-  </cs:leaderLine>
-  <cs:legend>
-    <cs:lnRef idx="0"/>
-    <cs:fillRef idx="0"/>
-    <cs:effectRef idx="0"/>
-    <cs:fontRef idx="minor">
-      <a:schemeClr val="lt1">
-        <a:lumMod val="85000"/>
-      </a:schemeClr>
-    </cs:fontRef>
-    <cs:defRPr sz="1197" kern="1200"/>
-  </cs:legend>
-  <cs:plotArea>
-    <cs:lnRef idx="0"/>
-    <cs:fillRef idx="0"/>
-    <cs:effectRef idx="0"/>
-    <cs:fontRef idx="minor">
-      <a:schemeClr val="lt1"/>
-    </cs:fontRef>
-  </cs:plotArea>
-  <cs:plotArea3D>
-    <cs:lnRef idx="0"/>
-    <cs:fillRef idx="0"/>
-    <cs:effectRef idx="0"/>
-    <cs:fontRef idx="minor">
-      <a:schemeClr val="lt1"/>
-    </cs:fontRef>
-  </cs:plotArea3D>
-  <cs:seriesAxis>
-    <cs:lnRef idx="0"/>
-    <cs:fillRef idx="0"/>
-    <cs:effectRef idx="0"/>
-    <cs:fontRef idx="minor">
-      <a:schemeClr val="lt1">
-        <a:lumMod val="85000"/>
-      </a:schemeClr>
-    </cs:fontRef>
-    <cs:spPr>
-      <a:ln w="12700" cap="flat" cmpd="sng" algn="ctr">
-        <a:solidFill>
-          <a:schemeClr val="lt1">
-            <a:lumMod val="95000"/>
-            <a:alpha val="54000"/>
-          </a:schemeClr>
-        </a:solidFill>
-        <a:round/>
-      </a:ln>
-    </cs:spPr>
-    <cs:defRPr sz="1197" kern="1200"/>
-  </cs:seriesAxis>
-  <cs:seriesLine>
-    <cs:lnRef idx="0"/>
-    <cs:fillRef idx="0"/>
-    <cs:effectRef idx="0"/>
-    <cs:fontRef idx="minor">
-      <a:schemeClr val="lt1"/>
-    </cs:fontRef>
-    <cs:spPr>
-      <a:ln w="9525" cap="flat" cmpd="sng" algn="ctr">
-        <a:solidFill>
-          <a:schemeClr val="lt1">
-            <a:lumMod val="95000"/>
-            <a:alpha val="54000"/>
-          </a:schemeClr>
-        </a:solidFill>
-        <a:round/>
-      </a:ln>
-    </cs:spPr>
-  </cs:seriesLine>
-  <cs:title>
-    <cs:lnRef idx="0"/>
-    <cs:fillRef idx="0"/>
-    <cs:effectRef idx="0"/>
-    <cs:fontRef idx="minor">
-      <a:schemeClr val="lt1">
-        <a:lumMod val="95000"/>
-      </a:schemeClr>
-    </cs:fontRef>
-    <cs:defRPr sz="2128" b="1" kern="1200" spc="100" baseline="0">
-      <a:effectLst>
-        <a:outerShdw blurRad="50800" dist="38100" dir="5400000" algn="t" rotWithShape="0">
-          <a:prstClr val="black">
-            <a:alpha val="40000"/>
-          </a:prstClr>
-        </a:outerShdw>
-      </a:effectLst>
-    </cs:defRPr>
-  </cs:title>
-  <cs:trendline>
-    <cs:lnRef idx="0">
-      <cs:styleClr val="auto"/>
-    </cs:lnRef>
-    <cs:fillRef idx="0"/>
-    <cs:effectRef idx="0"/>
-    <cs:fontRef idx="minor">
-      <a:schemeClr val="lt1"/>
-    </cs:fontRef>
-    <cs:spPr>
-      <a:ln w="19050" cap="rnd">
-        <a:solidFill>
-          <a:schemeClr val="phClr"/>
-        </a:solidFill>
-      </a:ln>
-    </cs:spPr>
-  </cs:trendline>
-  <cs:trendlineLabel>
-    <cs:lnRef idx="0"/>
-    <cs:fillRef idx="0"/>
-    <cs:effectRef idx="0"/>
-    <cs:fontRef idx="minor">
-      <a:schemeClr val="lt1">
-        <a:lumMod val="85000"/>
-      </a:schemeClr>
-    </cs:fontRef>
-    <cs:defRPr sz="1197" kern="1200"/>
-  </cs:trendlineLabel>
-  <cs:upBar>
-    <cs:lnRef idx="0"/>
-    <cs:fillRef idx="0"/>
-    <cs:effectRef idx="0"/>
-    <cs:fontRef idx="minor">
-      <a:schemeClr val="lt1"/>
-    </cs:fontRef>
-    <cs:spPr>
-      <a:solidFill>
-        <a:schemeClr val="lt1"/>
-      </a:solidFill>
-      <a:ln w="9525">
-        <a:solidFill>
-          <a:schemeClr val="lt1">
-            <a:lumMod val="95000"/>
-            <a:alpha val="54000"/>
-          </a:schemeClr>
-        </a:solidFill>
-      </a:ln>
-    </cs:spPr>
-  </cs:upBar>
-  <cs:valueAxis>
-    <cs:lnRef idx="0"/>
-    <cs:fillRef idx="0"/>
-    <cs:effectRef idx="0"/>
-    <cs:fontRef idx="minor">
-      <a:schemeClr val="lt1">
-        <a:lumMod val="85000"/>
-      </a:schemeClr>
-    </cs:fontRef>
-    <cs:defRPr sz="1197" kern="1200"/>
-  </cs:valueAxis>
-  <cs:wall>
-    <cs:lnRef idx="0"/>
-    <cs:fillRef idx="0"/>
-    <cs:effectRef idx="0"/>
-    <cs:fontRef idx="minor">
-      <a:schemeClr val="lt1"/>
-    </cs:fontRef>
-  </cs:wall>
-</cs:chartStyle>
-</file>
-
-<file path=ppt/charts/style4.xml><?xml version="1.0" encoding="utf-8"?>
+<file path=ppt/charts/style2.xml><?xml version="1.0" encoding="utf-8"?>
 <cs:chartStyle xmlns:cs="http://schemas.microsoft.com/office/drawing/2012/chartStyle" xmlns:a="http://schemas.openxmlformats.org/drawingml/2006/main" id="209">
   <cs:axisTitle>
     <cs:lnRef idx="0"/>
@@ -4948,11 +3949,14 @@
             </a:tabLst>
           </a:pPr>
           <a:r>
-            <a:rPr lang="en-US" sz="4400" dirty="0">
+            <a:rPr lang="en-US" sz="4400" dirty="0" smtClean="0">
               <a:latin typeface="Tw Cen MT Condensed" panose="020B0606020104020203" pitchFamily="34" charset="0"/>
             </a:rPr>
-            <a:t>36</a:t>
+            <a:t>[Visits]</a:t>
           </a:r>
+          <a:endParaRPr lang="en-US" sz="4400" dirty="0">
+            <a:latin typeface="Tw Cen MT Condensed" panose="020B0606020104020203" pitchFamily="34" charset="0"/>
+          </a:endParaRPr>
         </a:p>
       </dgm:t>
     </dgm:pt>
@@ -5046,35 +4050,10 @@
         <a:p>
           <a:pPr algn="ctr"/>
           <a:r>
-            <a:rPr lang="en-US" sz="2000" kern="1200" dirty="0"/>
-            <a:t>   </a:t>
+            <a:rPr lang="en-US" sz="4400" dirty="0" smtClean="0"/>
+            <a:t>[Score]</a:t>
           </a:r>
-          <a:r>
-            <a:rPr lang="en-US" sz="6000" kern="1200" cap="all" spc="83" dirty="0">
-              <a:solidFill>
-                <a:schemeClr val="bg1"/>
-              </a:solidFill>
-              <a:latin typeface="Tw Cen MT Condensed" panose="020B0606020104020203"/>
-              <a:ea typeface="MS PGothic" pitchFamily="34" charset="-128"/>
-              <a:cs typeface="+mn-cs"/>
-            </a:rPr>
-            <a:t>  </a:t>
-          </a:r>
-          <a:r>
-            <a:rPr lang="en-US" sz="4400" kern="1200" cap="all" spc="83" dirty="0">
-              <a:solidFill>
-                <a:schemeClr val="bg1"/>
-              </a:solidFill>
-              <a:latin typeface="Tw Cen MT Condensed" panose="020B0606020104020203"/>
-              <a:ea typeface="MS PGothic" pitchFamily="34" charset="-128"/>
-              <a:cs typeface="+mn-cs"/>
-            </a:rPr>
-            <a:t>94</a:t>
-          </a:r>
-          <a:r>
-            <a:rPr lang="en-US" sz="4400" dirty="0"/>
-            <a:t>%</a:t>
-          </a:r>
+          <a:endParaRPr lang="en-US" sz="4400" dirty="0"/>
         </a:p>
       </dgm:t>
     </dgm:pt>
@@ -5727,11 +4706,14 @@
             </a:tabLst>
           </a:pPr>
           <a:r>
-            <a:rPr lang="en-US" sz="4400" kern="1200" dirty="0">
+            <a:rPr lang="en-US" sz="4400" kern="1200" dirty="0" smtClean="0">
               <a:latin typeface="Tw Cen MT Condensed" panose="020B0606020104020203" pitchFamily="34" charset="0"/>
             </a:rPr>
-            <a:t>36</a:t>
+            <a:t>[Visits]</a:t>
           </a:r>
+          <a:endParaRPr lang="en-US" sz="4400" kern="1200" dirty="0">
+            <a:latin typeface="Tw Cen MT Condensed" panose="020B0606020104020203" pitchFamily="34" charset="0"/>
+          </a:endParaRPr>
         </a:p>
       </dsp:txBody>
       <dsp:txXfrm>
@@ -6048,12 +5030,12 @@
         </a:fontRef>
       </dsp:style>
       <dsp:txBody>
-        <a:bodyPr spcFirstLastPara="0" vert="horz" wrap="square" lIns="0" tIns="68580" rIns="0" bIns="0" numCol="1" spcCol="1270" anchor="ctr" anchorCtr="0">
+        <a:bodyPr spcFirstLastPara="0" vert="horz" wrap="square" lIns="0" tIns="150876" rIns="0" bIns="0" numCol="1" spcCol="1270" anchor="ctr" anchorCtr="0">
           <a:noAutofit/>
         </a:bodyPr>
         <a:lstStyle/>
         <a:p>
-          <a:pPr lvl="0" algn="ctr" defTabSz="889000">
+          <a:pPr lvl="0" algn="ctr" defTabSz="1955800">
             <a:lnSpc>
               <a:spcPct val="90000"/>
             </a:lnSpc>
@@ -6065,35 +5047,10 @@
             </a:spcAft>
           </a:pPr>
           <a:r>
-            <a:rPr lang="en-US" sz="2000" kern="1200" dirty="0"/>
-            <a:t>   </a:t>
+            <a:rPr lang="en-US" sz="4400" kern="1200" dirty="0" smtClean="0"/>
+            <a:t>[Score]</a:t>
           </a:r>
-          <a:r>
-            <a:rPr lang="en-US" sz="6000" kern="1200" cap="all" spc="83" dirty="0">
-              <a:solidFill>
-                <a:schemeClr val="bg1"/>
-              </a:solidFill>
-              <a:latin typeface="Tw Cen MT Condensed" panose="020B0606020104020203"/>
-              <a:ea typeface="MS PGothic" pitchFamily="34" charset="-128"/>
-              <a:cs typeface="+mn-cs"/>
-            </a:rPr>
-            <a:t>  </a:t>
-          </a:r>
-          <a:r>
-            <a:rPr lang="en-US" sz="4400" kern="1200" cap="all" spc="83" dirty="0">
-              <a:solidFill>
-                <a:schemeClr val="bg1"/>
-              </a:solidFill>
-              <a:latin typeface="Tw Cen MT Condensed" panose="020B0606020104020203"/>
-              <a:ea typeface="MS PGothic" pitchFamily="34" charset="-128"/>
-              <a:cs typeface="+mn-cs"/>
-            </a:rPr>
-            <a:t>94</a:t>
-          </a:r>
-          <a:r>
-            <a:rPr lang="en-US" sz="4400" dirty="0"/>
-            <a:t>%</a:t>
-          </a:r>
+          <a:endParaRPr lang="en-US" sz="4400" kern="1200" dirty="0"/>
         </a:p>
       </dsp:txBody>
       <dsp:txXfrm>
@@ -12756,42 +11713,42 @@
                 <a:gridCol w="791901">
                   <a:extLst>
                     <a:ext uri="{9D8B030D-6E8A-4147-A177-3AD203B41FA5}">
-                      <a16:colId xmlns="" xmlns:a16="http://schemas.microsoft.com/office/drawing/2014/main" val="20000"/>
+                      <a16:colId xmlns:a16="http://schemas.microsoft.com/office/drawing/2014/main" xmlns="" val="20000"/>
                     </a:ext>
                   </a:extLst>
                 </a:gridCol>
                 <a:gridCol w="1075286">
                   <a:extLst>
                     <a:ext uri="{9D8B030D-6E8A-4147-A177-3AD203B41FA5}">
-                      <a16:colId xmlns="" xmlns:a16="http://schemas.microsoft.com/office/drawing/2014/main" val="3421738776"/>
+                      <a16:colId xmlns:a16="http://schemas.microsoft.com/office/drawing/2014/main" xmlns="" val="3421738776"/>
                     </a:ext>
                   </a:extLst>
                 </a:gridCol>
                 <a:gridCol w="800100">
                   <a:extLst>
                     <a:ext uri="{9D8B030D-6E8A-4147-A177-3AD203B41FA5}">
-                      <a16:colId xmlns="" xmlns:a16="http://schemas.microsoft.com/office/drawing/2014/main" val="20001"/>
+                      <a16:colId xmlns:a16="http://schemas.microsoft.com/office/drawing/2014/main" xmlns="" val="20001"/>
                     </a:ext>
                   </a:extLst>
                 </a:gridCol>
                 <a:gridCol w="2032000">
                   <a:extLst>
                     <a:ext uri="{9D8B030D-6E8A-4147-A177-3AD203B41FA5}">
-                      <a16:colId xmlns="" xmlns:a16="http://schemas.microsoft.com/office/drawing/2014/main" val="20002"/>
+                      <a16:colId xmlns:a16="http://schemas.microsoft.com/office/drawing/2014/main" xmlns="" val="20002"/>
                     </a:ext>
                   </a:extLst>
                 </a:gridCol>
                 <a:gridCol w="3644900">
                   <a:extLst>
                     <a:ext uri="{9D8B030D-6E8A-4147-A177-3AD203B41FA5}">
-                      <a16:colId xmlns="" xmlns:a16="http://schemas.microsoft.com/office/drawing/2014/main" val="20003"/>
+                      <a16:colId xmlns:a16="http://schemas.microsoft.com/office/drawing/2014/main" xmlns="" val="20003"/>
                     </a:ext>
                   </a:extLst>
                 </a:gridCol>
                 <a:gridCol w="3302000">
                   <a:extLst>
                     <a:ext uri="{9D8B030D-6E8A-4147-A177-3AD203B41FA5}">
-                      <a16:colId xmlns="" xmlns:a16="http://schemas.microsoft.com/office/drawing/2014/main" val="20004"/>
+                      <a16:colId xmlns:a16="http://schemas.microsoft.com/office/drawing/2014/main" xmlns="" val="20004"/>
                     </a:ext>
                   </a:extLst>
                 </a:gridCol>
@@ -13032,7 +11989,7 @@
                 </a:tc>
                 <a:extLst>
                   <a:ext uri="{0D108BD9-81ED-4DB2-BD59-A6C34878D82A}">
-                    <a16:rowId xmlns="" xmlns:a16="http://schemas.microsoft.com/office/drawing/2014/main" val="10000"/>
+                    <a16:rowId xmlns:a16="http://schemas.microsoft.com/office/drawing/2014/main" xmlns="" val="10000"/>
                   </a:ext>
                 </a:extLst>
               </a:tr>
@@ -13198,7 +12155,7 @@
                 </a:tc>
                 <a:extLst>
                   <a:ext uri="{0D108BD9-81ED-4DB2-BD59-A6C34878D82A}">
-                    <a16:rowId xmlns="" xmlns:a16="http://schemas.microsoft.com/office/drawing/2014/main" val="10001"/>
+                    <a16:rowId xmlns:a16="http://schemas.microsoft.com/office/drawing/2014/main" xmlns="" val="10001"/>
                   </a:ext>
                 </a:extLst>
               </a:tr>
@@ -13361,7 +12318,7 @@
                 </a:tc>
                 <a:extLst>
                   <a:ext uri="{0D108BD9-81ED-4DB2-BD59-A6C34878D82A}">
-                    <a16:rowId xmlns="" xmlns:a16="http://schemas.microsoft.com/office/drawing/2014/main" val="10002"/>
+                    <a16:rowId xmlns:a16="http://schemas.microsoft.com/office/drawing/2014/main" xmlns="" val="10002"/>
                   </a:ext>
                 </a:extLst>
               </a:tr>
@@ -13524,7 +12481,7 @@
                 </a:tc>
                 <a:extLst>
                   <a:ext uri="{0D108BD9-81ED-4DB2-BD59-A6C34878D82A}">
-                    <a16:rowId xmlns="" xmlns:a16="http://schemas.microsoft.com/office/drawing/2014/main" val="10003"/>
+                    <a16:rowId xmlns:a16="http://schemas.microsoft.com/office/drawing/2014/main" xmlns="" val="10003"/>
                   </a:ext>
                 </a:extLst>
               </a:tr>
@@ -13720,7 +12677,7 @@
                 </a:tc>
                 <a:extLst>
                   <a:ext uri="{0D108BD9-81ED-4DB2-BD59-A6C34878D82A}">
-                    <a16:rowId xmlns="" xmlns:a16="http://schemas.microsoft.com/office/drawing/2014/main" val="10004"/>
+                    <a16:rowId xmlns:a16="http://schemas.microsoft.com/office/drawing/2014/main" xmlns="" val="10004"/>
                   </a:ext>
                 </a:extLst>
               </a:tr>
@@ -13919,7 +12876,7 @@
                 </a:tc>
                 <a:extLst>
                   <a:ext uri="{0D108BD9-81ED-4DB2-BD59-A6C34878D82A}">
-                    <a16:rowId xmlns="" xmlns:a16="http://schemas.microsoft.com/office/drawing/2014/main" val="2903103802"/>
+                    <a16:rowId xmlns:a16="http://schemas.microsoft.com/office/drawing/2014/main" xmlns="" val="2903103802"/>
                   </a:ext>
                 </a:extLst>
               </a:tr>
@@ -14082,7 +13039,7 @@
                 </a:tc>
                 <a:extLst>
                   <a:ext uri="{0D108BD9-81ED-4DB2-BD59-A6C34878D82A}">
-                    <a16:rowId xmlns="" xmlns:a16="http://schemas.microsoft.com/office/drawing/2014/main" val="56228173"/>
+                    <a16:rowId xmlns:a16="http://schemas.microsoft.com/office/drawing/2014/main" xmlns="" val="56228173"/>
                   </a:ext>
                 </a:extLst>
               </a:tr>
@@ -14325,7 +13282,7 @@
                 </a:tc>
                 <a:extLst>
                   <a:ext uri="{0D108BD9-81ED-4DB2-BD59-A6C34878D82A}">
-                    <a16:rowId xmlns="" xmlns:a16="http://schemas.microsoft.com/office/drawing/2014/main" val="10005"/>
+                    <a16:rowId xmlns:a16="http://schemas.microsoft.com/office/drawing/2014/main" xmlns="" val="10005"/>
                   </a:ext>
                 </a:extLst>
               </a:tr>
@@ -31875,7 +30832,7 @@
         </p:nvSpPr>
         <p:spPr>
           <a:xfrm>
-            <a:off x="912399" y="3764521"/>
+            <a:off x="639685" y="3716395"/>
             <a:ext cx="3513735" cy="338554"/>
           </a:xfrm>
           <a:prstGeom prst="rect">
@@ -32198,7 +31155,7 @@
         </p:nvSpPr>
         <p:spPr>
           <a:xfrm>
-            <a:off x="7428526" y="3811212"/>
+            <a:off x="7155812" y="3763086"/>
             <a:ext cx="3513735" cy="338554"/>
           </a:xfrm>
           <a:prstGeom prst="rect">
@@ -32229,7 +31186,7 @@
           <p:nvPr>
             <p:extLst>
               <p:ext uri="{D42A27DB-BD31-4B8C-83A1-F6EECF244321}">
-                <p14:modId xmlns:p14="http://schemas.microsoft.com/office/powerpoint/2010/main" val="2936438745"/>
+                <p14:modId xmlns:p14="http://schemas.microsoft.com/office/powerpoint/2010/main" val="3087348644"/>
               </p:ext>
             </p:extLst>
           </p:nvPr>
@@ -32366,10 +31323,22 @@
                 </a:tabLst>
               </a:pPr>
               <a:r>
-                <a:rPr lang="en-US" sz="4400" dirty="0">
+                <a:rPr lang="en-US" sz="4400" dirty="0" smtClean="0">
                   <a:latin typeface="Tw Cen MT Condensed" panose="020B0606020104020203" pitchFamily="34" charset="0"/>
                 </a:rPr>
-                <a:t>178</a:t>
+                <a:t>[</a:t>
+              </a:r>
+              <a:r>
+                <a:rPr lang="en-US" sz="4400" dirty="0" err="1" smtClean="0">
+                  <a:latin typeface="Tw Cen MT Condensed" panose="020B0606020104020203" pitchFamily="34" charset="0"/>
+                </a:rPr>
+                <a:t>VisitsYTD</a:t>
+              </a:r>
+              <a:r>
+                <a:rPr lang="en-US" sz="4400" dirty="0" smtClean="0">
+                  <a:latin typeface="Tw Cen MT Condensed" panose="020B0606020104020203" pitchFamily="34" charset="0"/>
+                </a:rPr>
+                <a:t>]</a:t>
               </a:r>
               <a:endParaRPr lang="en-US" sz="4400" kern="1200" dirty="0">
                 <a:latin typeface="Tw Cen MT Condensed" panose="020B0606020104020203" pitchFamily="34" charset="0"/>
@@ -32495,49 +31464,42 @@
                 <a:t>  </a:t>
               </a:r>
               <a:r>
-                <a:rPr lang="en-US" sz="4000" kern="1200" cap="all" spc="83" dirty="0">
+                <a:rPr lang="en-US" sz="4000" kern="1200" cap="all" spc="83" dirty="0" smtClean="0">
                   <a:solidFill>
                     <a:schemeClr val="bg1"/>
                   </a:solidFill>
                   <a:latin typeface="Tw Cen MT Condensed" panose="020B0606020104020203" pitchFamily="34" charset="0"/>
                   <a:ea typeface="MS PGothic" pitchFamily="34" charset="-128"/>
                 </a:rPr>
-                <a:t>96</a:t>
+                <a:t>[</a:t>
               </a:r>
               <a:r>
-                <a:rPr lang="en-US" sz="4000" dirty="0">
+                <a:rPr lang="en-US" sz="4000" kern="1200" cap="all" spc="83" dirty="0" err="1" smtClean="0">
+                  <a:solidFill>
+                    <a:schemeClr val="bg1"/>
+                  </a:solidFill>
                   <a:latin typeface="Tw Cen MT Condensed" panose="020B0606020104020203" pitchFamily="34" charset="0"/>
+                  <a:ea typeface="MS PGothic" pitchFamily="34" charset="-128"/>
                 </a:rPr>
-                <a:t>%</a:t>
+                <a:t>ScoreYTD</a:t>
               </a:r>
+              <a:r>
+                <a:rPr lang="en-US" sz="4000" kern="1200" cap="all" spc="83" dirty="0" smtClean="0">
+                  <a:solidFill>
+                    <a:schemeClr val="bg1"/>
+                  </a:solidFill>
+                  <a:latin typeface="Tw Cen MT Condensed" panose="020B0606020104020203" pitchFamily="34" charset="0"/>
+                  <a:ea typeface="MS PGothic" pitchFamily="34" charset="-128"/>
+                </a:rPr>
+                <a:t>]</a:t>
+              </a:r>
+              <a:endParaRPr lang="en-US" sz="4000" dirty="0">
+                <a:latin typeface="Tw Cen MT Condensed" panose="020B0606020104020203" pitchFamily="34" charset="0"/>
+              </a:endParaRPr>
             </a:p>
           </p:txBody>
         </p:sp>
       </p:grpSp>
-      <p:graphicFrame>
-        <p:nvGraphicFramePr>
-          <p:cNvPr id="41" name="Chart 40"/>
-          <p:cNvGraphicFramePr>
-            <a:graphicFrameLocks/>
-          </p:cNvGraphicFramePr>
-          <p:nvPr>
-            <p:extLst>
-              <p:ext uri="{D42A27DB-BD31-4B8C-83A1-F6EECF244321}">
-                <p14:modId xmlns:p14="http://schemas.microsoft.com/office/powerpoint/2010/main" val="1744914317"/>
-              </p:ext>
-            </p:extLst>
-          </p:nvPr>
-        </p:nvGraphicFramePr>
-        <p:xfrm>
-          <a:off x="5945565" y="4199021"/>
-          <a:ext cx="6061539" cy="2372479"/>
-        </p:xfrm>
-        <a:graphic>
-          <a:graphicData uri="http://schemas.openxmlformats.org/drawingml/2006/chart">
-            <c:chart xmlns:c="http://schemas.openxmlformats.org/drawingml/2006/chart" xmlns:r="http://schemas.openxmlformats.org/officeDocument/2006/relationships" r:id="rId10"/>
-          </a:graphicData>
-        </a:graphic>
-      </p:graphicFrame>
       <p:graphicFrame>
         <p:nvGraphicFramePr>
           <p:cNvPr id="43" name="Table 42"/>
@@ -32573,42 +31535,42 @@
                 <a:gridCol w="1765802">
                   <a:extLst>
                     <a:ext uri="{9D8B030D-6E8A-4147-A177-3AD203B41FA5}">
-                      <a16:colId xmlns:a16="http://schemas.microsoft.com/office/drawing/2014/main" xmlns:c="http://schemas.openxmlformats.org/drawingml/2006/chart" xmlns:dgm="http://schemas.openxmlformats.org/drawingml/2006/diagram" xmlns:p14="http://schemas.microsoft.com/office/powerpoint/2010/main" xmlns:a14="http://schemas.microsoft.com/office/drawing/2010/main" xmlns="" val="20000"/>
+                      <a16:colId xmlns="" xmlns:a14="http://schemas.microsoft.com/office/drawing/2010/main" xmlns:p14="http://schemas.microsoft.com/office/powerpoint/2010/main" xmlns:dgm="http://schemas.openxmlformats.org/drawingml/2006/diagram" xmlns:c="http://schemas.openxmlformats.org/drawingml/2006/chart" xmlns:a16="http://schemas.microsoft.com/office/drawing/2014/main" val="20000"/>
                     </a:ext>
                   </a:extLst>
                 </a:gridCol>
                 <a:gridCol w="718551">
                   <a:extLst>
                     <a:ext uri="{9D8B030D-6E8A-4147-A177-3AD203B41FA5}">
-                      <a16:colId xmlns:a16="http://schemas.microsoft.com/office/drawing/2014/main" xmlns:c="http://schemas.openxmlformats.org/drawingml/2006/chart" xmlns:dgm="http://schemas.openxmlformats.org/drawingml/2006/diagram" xmlns:p14="http://schemas.microsoft.com/office/powerpoint/2010/main" xmlns:a14="http://schemas.microsoft.com/office/drawing/2010/main" xmlns="" val="20001"/>
+                      <a16:colId xmlns="" xmlns:a14="http://schemas.microsoft.com/office/drawing/2010/main" xmlns:p14="http://schemas.microsoft.com/office/powerpoint/2010/main" xmlns:dgm="http://schemas.openxmlformats.org/drawingml/2006/diagram" xmlns:c="http://schemas.openxmlformats.org/drawingml/2006/chart" xmlns:a16="http://schemas.microsoft.com/office/drawing/2014/main" val="20001"/>
                     </a:ext>
                   </a:extLst>
                 </a:gridCol>
                 <a:gridCol w="802638">
                   <a:extLst>
                     <a:ext uri="{9D8B030D-6E8A-4147-A177-3AD203B41FA5}">
-                      <a16:colId xmlns:a16="http://schemas.microsoft.com/office/drawing/2014/main" xmlns:c="http://schemas.openxmlformats.org/drawingml/2006/chart" xmlns:dgm="http://schemas.openxmlformats.org/drawingml/2006/diagram" xmlns:p14="http://schemas.microsoft.com/office/powerpoint/2010/main" xmlns:a14="http://schemas.microsoft.com/office/drawing/2010/main" xmlns="" val="20002"/>
+                      <a16:colId xmlns="" xmlns:a14="http://schemas.microsoft.com/office/drawing/2010/main" xmlns:p14="http://schemas.microsoft.com/office/powerpoint/2010/main" xmlns:dgm="http://schemas.openxmlformats.org/drawingml/2006/diagram" xmlns:c="http://schemas.openxmlformats.org/drawingml/2006/chart" xmlns:a16="http://schemas.microsoft.com/office/drawing/2014/main" val="20002"/>
                     </a:ext>
                   </a:extLst>
                 </a:gridCol>
                 <a:gridCol w="859969">
                   <a:extLst>
                     <a:ext uri="{9D8B030D-6E8A-4147-A177-3AD203B41FA5}">
-                      <a16:colId xmlns:a16="http://schemas.microsoft.com/office/drawing/2014/main" xmlns:c="http://schemas.openxmlformats.org/drawingml/2006/chart" xmlns:dgm="http://schemas.openxmlformats.org/drawingml/2006/diagram" xmlns:p14="http://schemas.microsoft.com/office/powerpoint/2010/main" xmlns:a14="http://schemas.microsoft.com/office/drawing/2010/main" xmlns="" val="20003"/>
+                      <a16:colId xmlns="" xmlns:a14="http://schemas.microsoft.com/office/drawing/2010/main" xmlns:p14="http://schemas.microsoft.com/office/powerpoint/2010/main" xmlns:dgm="http://schemas.openxmlformats.org/drawingml/2006/diagram" xmlns:c="http://schemas.openxmlformats.org/drawingml/2006/chart" xmlns:a16="http://schemas.microsoft.com/office/drawing/2014/main" val="20003"/>
                     </a:ext>
                   </a:extLst>
                 </a:gridCol>
                 <a:gridCol w="859969">
                   <a:extLst>
                     <a:ext uri="{9D8B030D-6E8A-4147-A177-3AD203B41FA5}">
-                      <a16:colId xmlns:a16="http://schemas.microsoft.com/office/drawing/2014/main" xmlns:c="http://schemas.openxmlformats.org/drawingml/2006/chart" xmlns:dgm="http://schemas.openxmlformats.org/drawingml/2006/diagram" xmlns:p14="http://schemas.microsoft.com/office/powerpoint/2010/main" xmlns:a14="http://schemas.microsoft.com/office/drawing/2010/main" xmlns="" val="1623038515"/>
+                      <a16:colId xmlns="" xmlns:a14="http://schemas.microsoft.com/office/drawing/2010/main" xmlns:p14="http://schemas.microsoft.com/office/powerpoint/2010/main" xmlns:dgm="http://schemas.openxmlformats.org/drawingml/2006/diagram" xmlns:c="http://schemas.openxmlformats.org/drawingml/2006/chart" xmlns:a16="http://schemas.microsoft.com/office/drawing/2014/main" val="1623038515"/>
                     </a:ext>
                   </a:extLst>
                 </a:gridCol>
                 <a:gridCol w="676510">
                   <a:extLst>
                     <a:ext uri="{9D8B030D-6E8A-4147-A177-3AD203B41FA5}">
-                      <a16:colId xmlns:a16="http://schemas.microsoft.com/office/drawing/2014/main" xmlns:c="http://schemas.openxmlformats.org/drawingml/2006/chart" xmlns:dgm="http://schemas.openxmlformats.org/drawingml/2006/diagram" xmlns:p14="http://schemas.microsoft.com/office/powerpoint/2010/main" xmlns:a14="http://schemas.microsoft.com/office/drawing/2010/main" xmlns="" val="20004"/>
+                      <a16:colId xmlns="" xmlns:a14="http://schemas.microsoft.com/office/drawing/2010/main" xmlns:p14="http://schemas.microsoft.com/office/powerpoint/2010/main" xmlns:dgm="http://schemas.openxmlformats.org/drawingml/2006/diagram" xmlns:c="http://schemas.openxmlformats.org/drawingml/2006/chart" xmlns:a16="http://schemas.microsoft.com/office/drawing/2014/main" val="20004"/>
                     </a:ext>
                   </a:extLst>
                 </a:gridCol>
@@ -32852,7 +31814,7 @@
                 </a:tc>
                 <a:extLst>
                   <a:ext uri="{0D108BD9-81ED-4DB2-BD59-A6C34878D82A}">
-                    <a16:rowId xmlns:a16="http://schemas.microsoft.com/office/drawing/2014/main" xmlns:c="http://schemas.openxmlformats.org/drawingml/2006/chart" xmlns:dgm="http://schemas.openxmlformats.org/drawingml/2006/diagram" xmlns:p14="http://schemas.microsoft.com/office/powerpoint/2010/main" xmlns:a14="http://schemas.microsoft.com/office/drawing/2010/main" xmlns="" val="10000"/>
+                    <a16:rowId xmlns="" xmlns:a14="http://schemas.microsoft.com/office/drawing/2010/main" xmlns:p14="http://schemas.microsoft.com/office/powerpoint/2010/main" xmlns:dgm="http://schemas.openxmlformats.org/drawingml/2006/diagram" xmlns:c="http://schemas.openxmlformats.org/drawingml/2006/chart" xmlns:a16="http://schemas.microsoft.com/office/drawing/2014/main" val="10000"/>
                   </a:ext>
                 </a:extLst>
               </a:tr>
@@ -33033,7 +31995,7 @@
                 </a:tc>
                 <a:extLst>
                   <a:ext uri="{0D108BD9-81ED-4DB2-BD59-A6C34878D82A}">
-                    <a16:rowId xmlns:a16="http://schemas.microsoft.com/office/drawing/2014/main" xmlns:c="http://schemas.openxmlformats.org/drawingml/2006/chart" xmlns:dgm="http://schemas.openxmlformats.org/drawingml/2006/diagram" xmlns:p14="http://schemas.microsoft.com/office/powerpoint/2010/main" xmlns:a14="http://schemas.microsoft.com/office/drawing/2010/main" xmlns="" val="10001"/>
+                    <a16:rowId xmlns="" xmlns:a14="http://schemas.microsoft.com/office/drawing/2010/main" xmlns:p14="http://schemas.microsoft.com/office/powerpoint/2010/main" xmlns:dgm="http://schemas.openxmlformats.org/drawingml/2006/diagram" xmlns:c="http://schemas.openxmlformats.org/drawingml/2006/chart" xmlns:a16="http://schemas.microsoft.com/office/drawing/2014/main" val="10001"/>
                   </a:ext>
                 </a:extLst>
               </a:tr>
@@ -33048,18 +32010,18 @@
           <p:nvPr>
             <p:extLst>
               <p:ext uri="{D42A27DB-BD31-4B8C-83A1-F6EECF244321}">
-                <p14:modId xmlns:p14="http://schemas.microsoft.com/office/powerpoint/2010/main" val="4132043158"/>
+                <p14:modId xmlns:p14="http://schemas.microsoft.com/office/powerpoint/2010/main" val="4194621967"/>
               </p:ext>
             </p:extLst>
           </p:nvPr>
         </p:nvGraphicFramePr>
         <p:xfrm>
-          <a:off x="587192" y="4103075"/>
+          <a:off x="314478" y="4054949"/>
           <a:ext cx="4987698" cy="2297725"/>
         </p:xfrm>
         <a:graphic>
           <a:graphicData uri="http://schemas.openxmlformats.org/drawingml/2006/chart">
-            <c:chart xmlns:c="http://schemas.openxmlformats.org/drawingml/2006/chart" xmlns:r="http://schemas.openxmlformats.org/officeDocument/2006/relationships" r:id="rId11"/>
+            <c:chart xmlns:c="http://schemas.openxmlformats.org/drawingml/2006/chart" xmlns:r="http://schemas.openxmlformats.org/officeDocument/2006/relationships" r:id="rId10"/>
           </a:graphicData>
         </a:graphic>
       </p:graphicFrame>
@@ -33070,18 +32032,18 @@
           <p:nvPr>
             <p:extLst>
               <p:ext uri="{D42A27DB-BD31-4B8C-83A1-F6EECF244321}">
-                <p14:modId xmlns:p14="http://schemas.microsoft.com/office/powerpoint/2010/main" val="3287328093"/>
+                <p14:modId xmlns:p14="http://schemas.microsoft.com/office/powerpoint/2010/main" val="1026935807"/>
               </p:ext>
             </p:extLst>
           </p:nvPr>
         </p:nvGraphicFramePr>
         <p:xfrm>
-          <a:off x="1619269" y="2264636"/>
-          <a:ext cx="4138982" cy="1806890"/>
+          <a:off x="5376085" y="4054949"/>
+          <a:ext cx="6543201" cy="2343422"/>
         </p:xfrm>
         <a:graphic>
           <a:graphicData uri="http://schemas.openxmlformats.org/drawingml/2006/chart">
-            <c:chart xmlns:c="http://schemas.openxmlformats.org/drawingml/2006/chart" xmlns:r="http://schemas.openxmlformats.org/officeDocument/2006/relationships" r:id="rId12"/>
+            <c:chart xmlns:c="http://schemas.openxmlformats.org/drawingml/2006/chart" xmlns:r="http://schemas.openxmlformats.org/officeDocument/2006/relationships" r:id="rId11"/>
           </a:graphicData>
         </a:graphic>
       </p:graphicFrame>
@@ -34794,42 +33756,42 @@
                 <a:gridCol w="807857">
                   <a:extLst>
                     <a:ext uri="{9D8B030D-6E8A-4147-A177-3AD203B41FA5}">
-                      <a16:colId xmlns="" xmlns:a16="http://schemas.microsoft.com/office/drawing/2014/main" val="2728497402"/>
+                      <a16:colId xmlns:a16="http://schemas.microsoft.com/office/drawing/2014/main" xmlns="" val="2728497402"/>
                     </a:ext>
                   </a:extLst>
                 </a:gridCol>
                 <a:gridCol w="1014306">
                   <a:extLst>
                     <a:ext uri="{9D8B030D-6E8A-4147-A177-3AD203B41FA5}">
-                      <a16:colId xmlns="" xmlns:a16="http://schemas.microsoft.com/office/drawing/2014/main" val="20000"/>
+                      <a16:colId xmlns:a16="http://schemas.microsoft.com/office/drawing/2014/main" xmlns="" val="20000"/>
                     </a:ext>
                   </a:extLst>
                 </a:gridCol>
                 <a:gridCol w="796995">
                   <a:extLst>
                     <a:ext uri="{9D8B030D-6E8A-4147-A177-3AD203B41FA5}">
-                      <a16:colId xmlns="" xmlns:a16="http://schemas.microsoft.com/office/drawing/2014/main" val="20001"/>
+                      <a16:colId xmlns:a16="http://schemas.microsoft.com/office/drawing/2014/main" xmlns="" val="20001"/>
                     </a:ext>
                   </a:extLst>
                 </a:gridCol>
                 <a:gridCol w="1131219">
                   <a:extLst>
                     <a:ext uri="{9D8B030D-6E8A-4147-A177-3AD203B41FA5}">
-                      <a16:colId xmlns="" xmlns:a16="http://schemas.microsoft.com/office/drawing/2014/main" val="20002"/>
+                      <a16:colId xmlns:a16="http://schemas.microsoft.com/office/drawing/2014/main" xmlns="" val="20002"/>
                     </a:ext>
                   </a:extLst>
                 </a:gridCol>
                 <a:gridCol w="5926047">
                   <a:extLst>
                     <a:ext uri="{9D8B030D-6E8A-4147-A177-3AD203B41FA5}">
-                      <a16:colId xmlns="" xmlns:a16="http://schemas.microsoft.com/office/drawing/2014/main" val="20003"/>
+                      <a16:colId xmlns:a16="http://schemas.microsoft.com/office/drawing/2014/main" xmlns="" val="20003"/>
                     </a:ext>
                   </a:extLst>
                 </a:gridCol>
                 <a:gridCol w="2204425">
                   <a:extLst>
                     <a:ext uri="{9D8B030D-6E8A-4147-A177-3AD203B41FA5}">
-                      <a16:colId xmlns="" xmlns:a16="http://schemas.microsoft.com/office/drawing/2014/main" val="20004"/>
+                      <a16:colId xmlns:a16="http://schemas.microsoft.com/office/drawing/2014/main" xmlns="" val="20004"/>
                     </a:ext>
                   </a:extLst>
                 </a:gridCol>
@@ -35070,7 +34032,7 @@
                 </a:tc>
                 <a:extLst>
                   <a:ext uri="{0D108BD9-81ED-4DB2-BD59-A6C34878D82A}">
-                    <a16:rowId xmlns="" xmlns:a16="http://schemas.microsoft.com/office/drawing/2014/main" val="10000"/>
+                    <a16:rowId xmlns:a16="http://schemas.microsoft.com/office/drawing/2014/main" xmlns="" val="10000"/>
                   </a:ext>
                 </a:extLst>
               </a:tr>
@@ -35291,7 +34253,7 @@
                 </a:tc>
                 <a:extLst>
                   <a:ext uri="{0D108BD9-81ED-4DB2-BD59-A6C34878D82A}">
-                    <a16:rowId xmlns="" xmlns:a16="http://schemas.microsoft.com/office/drawing/2014/main" val="10001"/>
+                    <a16:rowId xmlns:a16="http://schemas.microsoft.com/office/drawing/2014/main" xmlns="" val="10001"/>
                   </a:ext>
                 </a:extLst>
               </a:tr>
@@ -35493,7 +34455,7 @@
                 </a:tc>
                 <a:extLst>
                   <a:ext uri="{0D108BD9-81ED-4DB2-BD59-A6C34878D82A}">
-                    <a16:rowId xmlns="" xmlns:a16="http://schemas.microsoft.com/office/drawing/2014/main" val="10002"/>
+                    <a16:rowId xmlns:a16="http://schemas.microsoft.com/office/drawing/2014/main" xmlns="" val="10002"/>
                   </a:ext>
                 </a:extLst>
               </a:tr>
@@ -35771,7 +34733,7 @@
                 </a:tc>
                 <a:extLst>
                   <a:ext uri="{0D108BD9-81ED-4DB2-BD59-A6C34878D82A}">
-                    <a16:rowId xmlns="" xmlns:a16="http://schemas.microsoft.com/office/drawing/2014/main" val="3326529287"/>
+                    <a16:rowId xmlns:a16="http://schemas.microsoft.com/office/drawing/2014/main" xmlns="" val="3326529287"/>
                   </a:ext>
                 </a:extLst>
               </a:tr>
@@ -36053,7 +35015,7 @@
                 </a:tc>
                 <a:extLst>
                   <a:ext uri="{0D108BD9-81ED-4DB2-BD59-A6C34878D82A}">
-                    <a16:rowId xmlns="" xmlns:a16="http://schemas.microsoft.com/office/drawing/2014/main" val="10004"/>
+                    <a16:rowId xmlns:a16="http://schemas.microsoft.com/office/drawing/2014/main" xmlns="" val="10004"/>
                   </a:ext>
                 </a:extLst>
               </a:tr>
@@ -36263,7 +35225,7 @@
                 </a:tc>
                 <a:extLst>
                   <a:ext uri="{0D108BD9-81ED-4DB2-BD59-A6C34878D82A}">
-                    <a16:rowId xmlns="" xmlns:a16="http://schemas.microsoft.com/office/drawing/2014/main" val="10005"/>
+                    <a16:rowId xmlns:a16="http://schemas.microsoft.com/office/drawing/2014/main" xmlns="" val="10005"/>
                   </a:ext>
                 </a:extLst>
               </a:tr>
@@ -36489,7 +35451,7 @@
                 </a:tc>
                 <a:extLst>
                   <a:ext uri="{0D108BD9-81ED-4DB2-BD59-A6C34878D82A}">
-                    <a16:rowId xmlns="" xmlns:a16="http://schemas.microsoft.com/office/drawing/2014/main" val="10008"/>
+                    <a16:rowId xmlns:a16="http://schemas.microsoft.com/office/drawing/2014/main" xmlns="" val="10008"/>
                   </a:ext>
                 </a:extLst>
               </a:tr>
@@ -36945,42 +35907,42 @@
                 <a:gridCol w="991085">
                   <a:extLst>
                     <a:ext uri="{9D8B030D-6E8A-4147-A177-3AD203B41FA5}">
-                      <a16:colId xmlns:a16="http://schemas.microsoft.com/office/drawing/2014/main" xmlns:p14="http://schemas.microsoft.com/office/powerpoint/2010/main" xmlns:a14="http://schemas.microsoft.com/office/drawing/2010/main" xmlns="" val="2728497402"/>
+                      <a16:colId xmlns="" xmlns:a14="http://schemas.microsoft.com/office/drawing/2010/main" xmlns:p14="http://schemas.microsoft.com/office/powerpoint/2010/main" xmlns:a16="http://schemas.microsoft.com/office/drawing/2014/main" val="2728497402"/>
                     </a:ext>
                   </a:extLst>
                 </a:gridCol>
                 <a:gridCol w="1368795">
                   <a:extLst>
                     <a:ext uri="{9D8B030D-6E8A-4147-A177-3AD203B41FA5}">
-                      <a16:colId xmlns:a16="http://schemas.microsoft.com/office/drawing/2014/main" xmlns:p14="http://schemas.microsoft.com/office/powerpoint/2010/main" xmlns:a14="http://schemas.microsoft.com/office/drawing/2010/main" xmlns="" val="20000"/>
+                      <a16:colId xmlns="" xmlns:a14="http://schemas.microsoft.com/office/drawing/2010/main" xmlns:p14="http://schemas.microsoft.com/office/powerpoint/2010/main" xmlns:a16="http://schemas.microsoft.com/office/drawing/2014/main" val="20000"/>
                     </a:ext>
                   </a:extLst>
                 </a:gridCol>
                 <a:gridCol w="735745">
                   <a:extLst>
                     <a:ext uri="{9D8B030D-6E8A-4147-A177-3AD203B41FA5}">
-                      <a16:colId xmlns:a16="http://schemas.microsoft.com/office/drawing/2014/main" xmlns:p14="http://schemas.microsoft.com/office/powerpoint/2010/main" xmlns:a14="http://schemas.microsoft.com/office/drawing/2010/main" xmlns="" val="20001"/>
+                      <a16:colId xmlns="" xmlns:a14="http://schemas.microsoft.com/office/drawing/2010/main" xmlns:p14="http://schemas.microsoft.com/office/powerpoint/2010/main" xmlns:a16="http://schemas.microsoft.com/office/drawing/2014/main" val="20001"/>
                     </a:ext>
                   </a:extLst>
                 </a:gridCol>
                 <a:gridCol w="1371600">
                   <a:extLst>
                     <a:ext uri="{9D8B030D-6E8A-4147-A177-3AD203B41FA5}">
-                      <a16:colId xmlns:a16="http://schemas.microsoft.com/office/drawing/2014/main" xmlns:p14="http://schemas.microsoft.com/office/powerpoint/2010/main" xmlns:a14="http://schemas.microsoft.com/office/drawing/2010/main" xmlns="" val="20002"/>
+                      <a16:colId xmlns="" xmlns:a14="http://schemas.microsoft.com/office/drawing/2010/main" xmlns:p14="http://schemas.microsoft.com/office/powerpoint/2010/main" xmlns:a16="http://schemas.microsoft.com/office/drawing/2014/main" val="20002"/>
                     </a:ext>
                   </a:extLst>
                 </a:gridCol>
                 <a:gridCol w="5143500">
                   <a:extLst>
                     <a:ext uri="{9D8B030D-6E8A-4147-A177-3AD203B41FA5}">
-                      <a16:colId xmlns:a16="http://schemas.microsoft.com/office/drawing/2014/main" xmlns:p14="http://schemas.microsoft.com/office/powerpoint/2010/main" xmlns:a14="http://schemas.microsoft.com/office/drawing/2010/main" xmlns="" val="20003"/>
+                      <a16:colId xmlns="" xmlns:a14="http://schemas.microsoft.com/office/drawing/2010/main" xmlns:p14="http://schemas.microsoft.com/office/powerpoint/2010/main" xmlns:a16="http://schemas.microsoft.com/office/drawing/2014/main" val="20003"/>
                     </a:ext>
                   </a:extLst>
                 </a:gridCol>
                 <a:gridCol w="2324100">
                   <a:extLst>
                     <a:ext uri="{9D8B030D-6E8A-4147-A177-3AD203B41FA5}">
-                      <a16:colId xmlns:a16="http://schemas.microsoft.com/office/drawing/2014/main" xmlns:p14="http://schemas.microsoft.com/office/powerpoint/2010/main" xmlns:a14="http://schemas.microsoft.com/office/drawing/2010/main" xmlns="" val="20004"/>
+                      <a16:colId xmlns="" xmlns:a14="http://schemas.microsoft.com/office/drawing/2010/main" xmlns:p14="http://schemas.microsoft.com/office/powerpoint/2010/main" xmlns:a16="http://schemas.microsoft.com/office/drawing/2014/main" val="20004"/>
                     </a:ext>
                   </a:extLst>
                 </a:gridCol>
@@ -37221,7 +36183,7 @@
                 </a:tc>
                 <a:extLst>
                   <a:ext uri="{0D108BD9-81ED-4DB2-BD59-A6C34878D82A}">
-                    <a16:rowId xmlns:a16="http://schemas.microsoft.com/office/drawing/2014/main" xmlns:p14="http://schemas.microsoft.com/office/powerpoint/2010/main" xmlns:a14="http://schemas.microsoft.com/office/drawing/2010/main" xmlns="" val="10000"/>
+                    <a16:rowId xmlns="" xmlns:a14="http://schemas.microsoft.com/office/drawing/2010/main" xmlns:p14="http://schemas.microsoft.com/office/powerpoint/2010/main" xmlns:a16="http://schemas.microsoft.com/office/drawing/2014/main" val="10000"/>
                   </a:ext>
                 </a:extLst>
               </a:tr>
@@ -37404,7 +36366,7 @@
                 </a:tc>
                 <a:extLst>
                   <a:ext uri="{0D108BD9-81ED-4DB2-BD59-A6C34878D82A}">
-                    <a16:rowId xmlns:a16="http://schemas.microsoft.com/office/drawing/2014/main" xmlns:p14="http://schemas.microsoft.com/office/powerpoint/2010/main" xmlns:a14="http://schemas.microsoft.com/office/drawing/2010/main" xmlns="" val="10001"/>
+                    <a16:rowId xmlns="" xmlns:a14="http://schemas.microsoft.com/office/drawing/2010/main" xmlns:p14="http://schemas.microsoft.com/office/powerpoint/2010/main" xmlns:a16="http://schemas.microsoft.com/office/drawing/2014/main" val="10001"/>
                   </a:ext>
                 </a:extLst>
               </a:tr>
@@ -37610,7 +36572,7 @@
                 </a:tc>
                 <a:extLst>
                   <a:ext uri="{0D108BD9-81ED-4DB2-BD59-A6C34878D82A}">
-                    <a16:rowId xmlns:a16="http://schemas.microsoft.com/office/drawing/2014/main" xmlns:p14="http://schemas.microsoft.com/office/powerpoint/2010/main" xmlns:a14="http://schemas.microsoft.com/office/drawing/2010/main" xmlns="" val="10002"/>
+                    <a16:rowId xmlns="" xmlns:a14="http://schemas.microsoft.com/office/drawing/2010/main" xmlns:p14="http://schemas.microsoft.com/office/powerpoint/2010/main" xmlns:a16="http://schemas.microsoft.com/office/drawing/2014/main" val="10002"/>
                   </a:ext>
                 </a:extLst>
               </a:tr>
@@ -37796,7 +36758,7 @@
                 </a:tc>
                 <a:extLst>
                   <a:ext uri="{0D108BD9-81ED-4DB2-BD59-A6C34878D82A}">
-                    <a16:rowId xmlns:a16="http://schemas.microsoft.com/office/drawing/2014/main" xmlns:p14="http://schemas.microsoft.com/office/powerpoint/2010/main" xmlns:a14="http://schemas.microsoft.com/office/drawing/2010/main" xmlns="" val="10003"/>
+                    <a16:rowId xmlns="" xmlns:a14="http://schemas.microsoft.com/office/drawing/2010/main" xmlns:p14="http://schemas.microsoft.com/office/powerpoint/2010/main" xmlns:a16="http://schemas.microsoft.com/office/drawing/2014/main" val="10003"/>
                   </a:ext>
                 </a:extLst>
               </a:tr>
@@ -38050,7 +37012,7 @@
                 </a:tc>
                 <a:extLst>
                   <a:ext uri="{0D108BD9-81ED-4DB2-BD59-A6C34878D82A}">
-                    <a16:rowId xmlns:a16="http://schemas.microsoft.com/office/drawing/2014/main" xmlns:p14="http://schemas.microsoft.com/office/powerpoint/2010/main" xmlns:a14="http://schemas.microsoft.com/office/drawing/2010/main" xmlns="" val="3326529287"/>
+                    <a16:rowId xmlns="" xmlns:a14="http://schemas.microsoft.com/office/drawing/2010/main" xmlns:p14="http://schemas.microsoft.com/office/powerpoint/2010/main" xmlns:a16="http://schemas.microsoft.com/office/drawing/2014/main" val="3326529287"/>
                   </a:ext>
                 </a:extLst>
               </a:tr>
@@ -38253,7 +37215,7 @@
                 </a:tc>
                 <a:extLst>
                   <a:ext uri="{0D108BD9-81ED-4DB2-BD59-A6C34878D82A}">
-                    <a16:rowId xmlns:a16="http://schemas.microsoft.com/office/drawing/2014/main" xmlns:p14="http://schemas.microsoft.com/office/powerpoint/2010/main" xmlns:a14="http://schemas.microsoft.com/office/drawing/2010/main" xmlns="" val="10004"/>
+                    <a16:rowId xmlns="" xmlns:a14="http://schemas.microsoft.com/office/drawing/2010/main" xmlns:p14="http://schemas.microsoft.com/office/powerpoint/2010/main" xmlns:a16="http://schemas.microsoft.com/office/drawing/2014/main" val="10004"/>
                   </a:ext>
                 </a:extLst>
               </a:tr>
@@ -38436,7 +37398,7 @@
                 </a:tc>
                 <a:extLst>
                   <a:ext uri="{0D108BD9-81ED-4DB2-BD59-A6C34878D82A}">
-                    <a16:rowId xmlns:a16="http://schemas.microsoft.com/office/drawing/2014/main" xmlns:p14="http://schemas.microsoft.com/office/powerpoint/2010/main" xmlns:a14="http://schemas.microsoft.com/office/drawing/2010/main" xmlns="" val="10005"/>
+                    <a16:rowId xmlns="" xmlns:a14="http://schemas.microsoft.com/office/drawing/2010/main" xmlns:p14="http://schemas.microsoft.com/office/powerpoint/2010/main" xmlns:a16="http://schemas.microsoft.com/office/drawing/2014/main" val="10005"/>
                   </a:ext>
                 </a:extLst>
               </a:tr>
@@ -38599,7 +37561,7 @@
                 </a:tc>
                 <a:extLst>
                   <a:ext uri="{0D108BD9-81ED-4DB2-BD59-A6C34878D82A}">
-                    <a16:rowId xmlns:a16="http://schemas.microsoft.com/office/drawing/2014/main" xmlns:p14="http://schemas.microsoft.com/office/powerpoint/2010/main" xmlns:a14="http://schemas.microsoft.com/office/drawing/2010/main" xmlns="" val="10006"/>
+                    <a16:rowId xmlns="" xmlns:a14="http://schemas.microsoft.com/office/drawing/2010/main" xmlns:p14="http://schemas.microsoft.com/office/powerpoint/2010/main" xmlns:a16="http://schemas.microsoft.com/office/drawing/2014/main" val="10006"/>
                   </a:ext>
                 </a:extLst>
               </a:tr>
@@ -38782,7 +37744,7 @@
                 </a:tc>
                 <a:extLst>
                   <a:ext uri="{0D108BD9-81ED-4DB2-BD59-A6C34878D82A}">
-                    <a16:rowId xmlns:a16="http://schemas.microsoft.com/office/drawing/2014/main" xmlns:p14="http://schemas.microsoft.com/office/powerpoint/2010/main" xmlns:a14="http://schemas.microsoft.com/office/drawing/2010/main" xmlns="" val="10007"/>
+                    <a16:rowId xmlns="" xmlns:a14="http://schemas.microsoft.com/office/drawing/2010/main" xmlns:p14="http://schemas.microsoft.com/office/powerpoint/2010/main" xmlns:a16="http://schemas.microsoft.com/office/drawing/2014/main" val="10007"/>
                   </a:ext>
                 </a:extLst>
               </a:tr>
@@ -38965,7 +37927,7 @@
                 </a:tc>
                 <a:extLst>
                   <a:ext uri="{0D108BD9-81ED-4DB2-BD59-A6C34878D82A}">
-                    <a16:rowId xmlns:a16="http://schemas.microsoft.com/office/drawing/2014/main" xmlns:p14="http://schemas.microsoft.com/office/powerpoint/2010/main" xmlns:a14="http://schemas.microsoft.com/office/drawing/2010/main" xmlns="" val="10008"/>
+                    <a16:rowId xmlns="" xmlns:a14="http://schemas.microsoft.com/office/drawing/2010/main" xmlns:p14="http://schemas.microsoft.com/office/powerpoint/2010/main" xmlns:a16="http://schemas.microsoft.com/office/drawing/2014/main" val="10008"/>
                   </a:ext>
                 </a:extLst>
               </a:tr>
@@ -39421,42 +38383,42 @@
                 <a:gridCol w="977837">
                   <a:extLst>
                     <a:ext uri="{9D8B030D-6E8A-4147-A177-3AD203B41FA5}">
-                      <a16:colId xmlns="" xmlns:a16="http://schemas.microsoft.com/office/drawing/2014/main" val="2728497402"/>
+                      <a16:colId xmlns:a16="http://schemas.microsoft.com/office/drawing/2014/main" xmlns="" val="2728497402"/>
                     </a:ext>
                   </a:extLst>
                 </a:gridCol>
                 <a:gridCol w="1028700">
                   <a:extLst>
                     <a:ext uri="{9D8B030D-6E8A-4147-A177-3AD203B41FA5}">
-                      <a16:colId xmlns="" xmlns:a16="http://schemas.microsoft.com/office/drawing/2014/main" val="20000"/>
+                      <a16:colId xmlns:a16="http://schemas.microsoft.com/office/drawing/2014/main" xmlns="" val="20000"/>
                     </a:ext>
                   </a:extLst>
                 </a:gridCol>
                 <a:gridCol w="896566">
                   <a:extLst>
                     <a:ext uri="{9D8B030D-6E8A-4147-A177-3AD203B41FA5}">
-                      <a16:colId xmlns="" xmlns:a16="http://schemas.microsoft.com/office/drawing/2014/main" val="20001"/>
+                      <a16:colId xmlns:a16="http://schemas.microsoft.com/office/drawing/2014/main" xmlns="" val="20001"/>
                     </a:ext>
                   </a:extLst>
                 </a:gridCol>
                 <a:gridCol w="1427534">
                   <a:extLst>
                     <a:ext uri="{9D8B030D-6E8A-4147-A177-3AD203B41FA5}">
-                      <a16:colId xmlns="" xmlns:a16="http://schemas.microsoft.com/office/drawing/2014/main" val="20002"/>
+                      <a16:colId xmlns:a16="http://schemas.microsoft.com/office/drawing/2014/main" xmlns="" val="20002"/>
                     </a:ext>
                   </a:extLst>
                 </a:gridCol>
                 <a:gridCol w="4506090">
                   <a:extLst>
                     <a:ext uri="{9D8B030D-6E8A-4147-A177-3AD203B41FA5}">
-                      <a16:colId xmlns="" xmlns:a16="http://schemas.microsoft.com/office/drawing/2014/main" val="20003"/>
+                      <a16:colId xmlns:a16="http://schemas.microsoft.com/office/drawing/2014/main" xmlns="" val="20003"/>
                     </a:ext>
                   </a:extLst>
                 </a:gridCol>
                 <a:gridCol w="2891494">
                   <a:extLst>
                     <a:ext uri="{9D8B030D-6E8A-4147-A177-3AD203B41FA5}">
-                      <a16:colId xmlns="" xmlns:a16="http://schemas.microsoft.com/office/drawing/2014/main" val="20004"/>
+                      <a16:colId xmlns:a16="http://schemas.microsoft.com/office/drawing/2014/main" xmlns="" val="20004"/>
                     </a:ext>
                   </a:extLst>
                 </a:gridCol>
@@ -39697,7 +38659,7 @@
                 </a:tc>
                 <a:extLst>
                   <a:ext uri="{0D108BD9-81ED-4DB2-BD59-A6C34878D82A}">
-                    <a16:rowId xmlns="" xmlns:a16="http://schemas.microsoft.com/office/drawing/2014/main" val="10000"/>
+                    <a16:rowId xmlns:a16="http://schemas.microsoft.com/office/drawing/2014/main" xmlns="" val="10000"/>
                   </a:ext>
                 </a:extLst>
               </a:tr>
@@ -39883,7 +38845,7 @@
                 </a:tc>
                 <a:extLst>
                   <a:ext uri="{0D108BD9-81ED-4DB2-BD59-A6C34878D82A}">
-                    <a16:rowId xmlns="" xmlns:a16="http://schemas.microsoft.com/office/drawing/2014/main" val="10001"/>
+                    <a16:rowId xmlns:a16="http://schemas.microsoft.com/office/drawing/2014/main" xmlns="" val="10001"/>
                   </a:ext>
                 </a:extLst>
               </a:tr>
@@ -40079,7 +39041,7 @@
                 </a:tc>
                 <a:extLst>
                   <a:ext uri="{0D108BD9-81ED-4DB2-BD59-A6C34878D82A}">
-                    <a16:rowId xmlns="" xmlns:a16="http://schemas.microsoft.com/office/drawing/2014/main" val="10002"/>
+                    <a16:rowId xmlns:a16="http://schemas.microsoft.com/office/drawing/2014/main" xmlns="" val="10002"/>
                   </a:ext>
                 </a:extLst>
               </a:tr>
@@ -40259,7 +39221,7 @@
                 </a:tc>
                 <a:extLst>
                   <a:ext uri="{0D108BD9-81ED-4DB2-BD59-A6C34878D82A}">
-                    <a16:rowId xmlns="" xmlns:a16="http://schemas.microsoft.com/office/drawing/2014/main" val="2743832419"/>
+                    <a16:rowId xmlns:a16="http://schemas.microsoft.com/office/drawing/2014/main" xmlns="" val="2743832419"/>
                   </a:ext>
                 </a:extLst>
               </a:tr>
@@ -40419,7 +39381,7 @@
                 </a:tc>
                 <a:extLst>
                   <a:ext uri="{0D108BD9-81ED-4DB2-BD59-A6C34878D82A}">
-                    <a16:rowId xmlns="" xmlns:a16="http://schemas.microsoft.com/office/drawing/2014/main" val="10004"/>
+                    <a16:rowId xmlns:a16="http://schemas.microsoft.com/office/drawing/2014/main" xmlns="" val="10004"/>
                   </a:ext>
                 </a:extLst>
               </a:tr>
@@ -40576,7 +39538,7 @@
                 </a:tc>
                 <a:extLst>
                   <a:ext uri="{0D108BD9-81ED-4DB2-BD59-A6C34878D82A}">
-                    <a16:rowId xmlns="" xmlns:a16="http://schemas.microsoft.com/office/drawing/2014/main" val="10005"/>
+                    <a16:rowId xmlns:a16="http://schemas.microsoft.com/office/drawing/2014/main" xmlns="" val="10005"/>
                   </a:ext>
                 </a:extLst>
               </a:tr>
@@ -40713,7 +39675,7 @@
                 </a:tc>
                 <a:extLst>
                   <a:ext uri="{0D108BD9-81ED-4DB2-BD59-A6C34878D82A}">
-                    <a16:rowId xmlns="" xmlns:a16="http://schemas.microsoft.com/office/drawing/2014/main" val="2714929183"/>
+                    <a16:rowId xmlns:a16="http://schemas.microsoft.com/office/drawing/2014/main" xmlns="" val="2714929183"/>
                   </a:ext>
                 </a:extLst>
               </a:tr>
@@ -40796,7 +39758,7 @@
                 </a:tc>
                 <a:extLst>
                   <a:ext uri="{0D108BD9-81ED-4DB2-BD59-A6C34878D82A}">
-                    <a16:rowId xmlns="" xmlns:a16="http://schemas.microsoft.com/office/drawing/2014/main" val="756451213"/>
+                    <a16:rowId xmlns:a16="http://schemas.microsoft.com/office/drawing/2014/main" xmlns="" val="756451213"/>
                   </a:ext>
                 </a:extLst>
               </a:tr>
@@ -40979,7 +39941,7 @@
                 </a:tc>
                 <a:extLst>
                   <a:ext uri="{0D108BD9-81ED-4DB2-BD59-A6C34878D82A}">
-                    <a16:rowId xmlns="" xmlns:a16="http://schemas.microsoft.com/office/drawing/2014/main" val="10007"/>
+                    <a16:rowId xmlns:a16="http://schemas.microsoft.com/office/drawing/2014/main" xmlns="" val="10007"/>
                   </a:ext>
                 </a:extLst>
               </a:tr>
@@ -41435,42 +40397,42 @@
                 <a:gridCol w="1074386">
                   <a:extLst>
                     <a:ext uri="{9D8B030D-6E8A-4147-A177-3AD203B41FA5}">
-                      <a16:colId xmlns="" xmlns:a16="http://schemas.microsoft.com/office/drawing/2014/main" val="20000"/>
+                      <a16:colId xmlns:a16="http://schemas.microsoft.com/office/drawing/2014/main" xmlns="" val="20000"/>
                     </a:ext>
                   </a:extLst>
                 </a:gridCol>
                 <a:gridCol w="1153071">
                   <a:extLst>
                     <a:ext uri="{9D8B030D-6E8A-4147-A177-3AD203B41FA5}">
-                      <a16:colId xmlns="" xmlns:a16="http://schemas.microsoft.com/office/drawing/2014/main" val="3421738776"/>
+                      <a16:colId xmlns:a16="http://schemas.microsoft.com/office/drawing/2014/main" xmlns="" val="3421738776"/>
                     </a:ext>
                   </a:extLst>
                 </a:gridCol>
                 <a:gridCol w="969768">
                   <a:extLst>
                     <a:ext uri="{9D8B030D-6E8A-4147-A177-3AD203B41FA5}">
-                      <a16:colId xmlns="" xmlns:a16="http://schemas.microsoft.com/office/drawing/2014/main" val="20001"/>
+                      <a16:colId xmlns:a16="http://schemas.microsoft.com/office/drawing/2014/main" xmlns="" val="20001"/>
                     </a:ext>
                   </a:extLst>
                 </a:gridCol>
                 <a:gridCol w="1473200">
                   <a:extLst>
                     <a:ext uri="{9D8B030D-6E8A-4147-A177-3AD203B41FA5}">
-                      <a16:colId xmlns="" xmlns:a16="http://schemas.microsoft.com/office/drawing/2014/main" val="20002"/>
+                      <a16:colId xmlns:a16="http://schemas.microsoft.com/office/drawing/2014/main" xmlns="" val="20002"/>
                     </a:ext>
                   </a:extLst>
                 </a:gridCol>
                 <a:gridCol w="4013200">
                   <a:extLst>
                     <a:ext uri="{9D8B030D-6E8A-4147-A177-3AD203B41FA5}">
-                      <a16:colId xmlns="" xmlns:a16="http://schemas.microsoft.com/office/drawing/2014/main" val="20003"/>
+                      <a16:colId xmlns:a16="http://schemas.microsoft.com/office/drawing/2014/main" xmlns="" val="20003"/>
                     </a:ext>
                   </a:extLst>
                 </a:gridCol>
                 <a:gridCol w="3187699">
                   <a:extLst>
                     <a:ext uri="{9D8B030D-6E8A-4147-A177-3AD203B41FA5}">
-                      <a16:colId xmlns="" xmlns:a16="http://schemas.microsoft.com/office/drawing/2014/main" val="20004"/>
+                      <a16:colId xmlns:a16="http://schemas.microsoft.com/office/drawing/2014/main" xmlns="" val="20004"/>
                     </a:ext>
                   </a:extLst>
                 </a:gridCol>
@@ -41711,7 +40673,7 @@
                 </a:tc>
                 <a:extLst>
                   <a:ext uri="{0D108BD9-81ED-4DB2-BD59-A6C34878D82A}">
-                    <a16:rowId xmlns="" xmlns:a16="http://schemas.microsoft.com/office/drawing/2014/main" val="10000"/>
+                    <a16:rowId xmlns:a16="http://schemas.microsoft.com/office/drawing/2014/main" xmlns="" val="10000"/>
                   </a:ext>
                 </a:extLst>
               </a:tr>
@@ -41936,7 +40898,7 @@
                 </a:tc>
                 <a:extLst>
                   <a:ext uri="{0D108BD9-81ED-4DB2-BD59-A6C34878D82A}">
-                    <a16:rowId xmlns="" xmlns:a16="http://schemas.microsoft.com/office/drawing/2014/main" val="10003"/>
+                    <a16:rowId xmlns:a16="http://schemas.microsoft.com/office/drawing/2014/main" xmlns="" val="10003"/>
                   </a:ext>
                 </a:extLst>
               </a:tr>
@@ -42119,7 +41081,7 @@
                 </a:tc>
                 <a:extLst>
                   <a:ext uri="{0D108BD9-81ED-4DB2-BD59-A6C34878D82A}">
-                    <a16:rowId xmlns="" xmlns:a16="http://schemas.microsoft.com/office/drawing/2014/main" val="10004"/>
+                    <a16:rowId xmlns:a16="http://schemas.microsoft.com/office/drawing/2014/main" xmlns="" val="10004"/>
                   </a:ext>
                 </a:extLst>
               </a:tr>
@@ -42302,7 +41264,7 @@
                 </a:tc>
                 <a:extLst>
                   <a:ext uri="{0D108BD9-81ED-4DB2-BD59-A6C34878D82A}">
-                    <a16:rowId xmlns="" xmlns:a16="http://schemas.microsoft.com/office/drawing/2014/main" val="56228173"/>
+                    <a16:rowId xmlns:a16="http://schemas.microsoft.com/office/drawing/2014/main" xmlns="" val="56228173"/>
                   </a:ext>
                 </a:extLst>
               </a:tr>
@@ -42485,7 +41447,7 @@
                 </a:tc>
                 <a:extLst>
                   <a:ext uri="{0D108BD9-81ED-4DB2-BD59-A6C34878D82A}">
-                    <a16:rowId xmlns="" xmlns:a16="http://schemas.microsoft.com/office/drawing/2014/main" val="10005"/>
+                    <a16:rowId xmlns:a16="http://schemas.microsoft.com/office/drawing/2014/main" xmlns="" val="10005"/>
                   </a:ext>
                 </a:extLst>
               </a:tr>
@@ -42731,7 +41693,7 @@
                 </a:tc>
                 <a:extLst>
                   <a:ext uri="{0D108BD9-81ED-4DB2-BD59-A6C34878D82A}">
-                    <a16:rowId xmlns="" xmlns:a16="http://schemas.microsoft.com/office/drawing/2014/main" val="95556380"/>
+                    <a16:rowId xmlns:a16="http://schemas.microsoft.com/office/drawing/2014/main" xmlns="" val="95556380"/>
                   </a:ext>
                 </a:extLst>
               </a:tr>
@@ -42971,7 +41933,7 @@
                 </a:tc>
                 <a:extLst>
                   <a:ext uri="{0D108BD9-81ED-4DB2-BD59-A6C34878D82A}">
-                    <a16:rowId xmlns="" xmlns:a16="http://schemas.microsoft.com/office/drawing/2014/main" val="89238099"/>
+                    <a16:rowId xmlns:a16="http://schemas.microsoft.com/office/drawing/2014/main" xmlns="" val="89238099"/>
                   </a:ext>
                 </a:extLst>
               </a:tr>
@@ -43122,7 +42084,7 @@
                 </a:tc>
                 <a:extLst>
                   <a:ext uri="{0D108BD9-81ED-4DB2-BD59-A6C34878D82A}">
-                    <a16:rowId xmlns="" xmlns:a16="http://schemas.microsoft.com/office/drawing/2014/main" val="3781470431"/>
+                    <a16:rowId xmlns:a16="http://schemas.microsoft.com/office/drawing/2014/main" xmlns="" val="3781470431"/>
                   </a:ext>
                 </a:extLst>
               </a:tr>
@@ -43302,7 +42264,7 @@
                 </a:tc>
                 <a:extLst>
                   <a:ext uri="{0D108BD9-81ED-4DB2-BD59-A6C34878D82A}">
-                    <a16:rowId xmlns="" xmlns:a16="http://schemas.microsoft.com/office/drawing/2014/main" val="54731245"/>
+                    <a16:rowId xmlns:a16="http://schemas.microsoft.com/office/drawing/2014/main" xmlns="" val="54731245"/>
                   </a:ext>
                 </a:extLst>
               </a:tr>
@@ -43492,7 +42454,7 @@
                 </a:tc>
                 <a:extLst>
                   <a:ext uri="{0D108BD9-81ED-4DB2-BD59-A6C34878D82A}">
-                    <a16:rowId xmlns="" xmlns:a16="http://schemas.microsoft.com/office/drawing/2014/main" val="395080186"/>
+                    <a16:rowId xmlns:a16="http://schemas.microsoft.com/office/drawing/2014/main" xmlns="" val="395080186"/>
                   </a:ext>
                 </a:extLst>
               </a:tr>
@@ -43786,7 +42748,7 @@
   <a:extraClrSchemeLst/>
   <a:extLst>
     <a:ext uri="{05A4C25C-085E-4340-85A3-A5531E510DB2}">
-      <thm15:themeFamily xmlns="" xmlns:thm15="http://schemas.microsoft.com/office/thememl/2012/main" name="Office Theme" id="{62F939B6-93AF-4DB8-9C6B-D6C7DFDC589F}" vid="{4A3C46E8-61CC-4603-A589-7422A47A8E4A}"/>
+      <thm15:themeFamily xmlns:thm15="http://schemas.microsoft.com/office/thememl/2012/main" name="Office Theme" id="{62F939B6-93AF-4DB8-9C6B-D6C7DFDC589F}" vid="{4A3C46E8-61CC-4603-A589-7422A47A8E4A}"/>
     </a:ext>
   </a:extLst>
 </a:theme>
@@ -44047,7 +43009,7 @@
   <a:extraClrSchemeLst/>
   <a:extLst>
     <a:ext uri="{05A4C25C-085E-4340-85A3-A5531E510DB2}">
-      <thm15:themeFamily xmlns="" xmlns:thm15="http://schemas.microsoft.com/office/thememl/2012/main" name="Office Theme" id="{62F939B6-93AF-4DB8-9C6B-D6C7DFDC589F}" vid="{4A3C46E8-61CC-4603-A589-7422A47A8E4A}"/>
+      <thm15:themeFamily xmlns:thm15="http://schemas.microsoft.com/office/thememl/2012/main" name="Office Theme" id="{62F939B6-93AF-4DB8-9C6B-D6C7DFDC589F}" vid="{4A3C46E8-61CC-4603-A589-7422A47A8E4A}"/>
     </a:ext>
   </a:extLst>
 </a:theme>

--- a/CheckListTemplates/App_Data/TDMGuestServices.pptx
+++ b/CheckListTemplates/App_Data/TDMGuestServices.pptx
@@ -323,11 +323,11 @@
         </c:dLbls>
         <c:gapWidth val="150"/>
         <c:overlap val="100"/>
-        <c:axId val="307603016"/>
-        <c:axId val="307603408"/>
+        <c:axId val="240594864"/>
+        <c:axId val="240597608"/>
       </c:barChart>
       <c:catAx>
-        <c:axId val="307603016"/>
+        <c:axId val="240594864"/>
         <c:scaling>
           <c:orientation val="minMax"/>
         </c:scaling>
@@ -351,7 +351,7 @@
             <a:endParaRPr lang="en-US"/>
           </a:p>
         </c:txPr>
-        <c:crossAx val="307603408"/>
+        <c:crossAx val="240597608"/>
         <c:crosses val="autoZero"/>
         <c:auto val="1"/>
         <c:lblAlgn val="ctr"/>
@@ -359,7 +359,7 @@
         <c:noMultiLvlLbl val="0"/>
       </c:catAx>
       <c:valAx>
-        <c:axId val="307603408"/>
+        <c:axId val="240597608"/>
         <c:scaling>
           <c:orientation val="minMax"/>
         </c:scaling>
@@ -369,7 +369,7 @@
         <c:majorTickMark val="out"/>
         <c:minorTickMark val="none"/>
         <c:tickLblPos val="nextTo"/>
-        <c:crossAx val="307603016"/>
+        <c:crossAx val="240594864"/>
         <c:crosses val="autoZero"/>
         <c:crossBetween val="between"/>
       </c:valAx>
@@ -482,7 +482,7 @@
             <c:showPercent val="0"/>
             <c:showBubbleSize val="0"/>
             <c:showLeaderLines val="0"/>
-            <c:extLst>
+            <c:extLst xmlns:c15="http://schemas.microsoft.com/office/drawing/2012/chart" xmlns:c14="http://schemas.microsoft.com/office/drawing/2007/8/2/chart" xmlns:mc="http://schemas.openxmlformats.org/markup-compatibility/2006">
               <c:ext xmlns:c15="http://schemas.microsoft.com/office/drawing/2012/chart" uri="{CE6537A1-D6FC-4f65-9D91-7224C49458BB}">
                 <c15:layout/>
                 <c15:showLeaderLines val="1"/>
@@ -513,13 +513,13 @@
                 <c:formatCode>0%</c:formatCode>
                 <c:ptCount val="3"/>
                 <c:pt idx="0">
-                  <c:v>0.87</c:v>
+                  <c:v>0.5</c:v>
                 </c:pt>
                 <c:pt idx="1">
-                  <c:v>0.99</c:v>
+                  <c:v>0.1</c:v>
                 </c:pt>
                 <c:pt idx="2">
-                  <c:v>0.95</c:v>
+                  <c:v>0.4</c:v>
                 </c:pt>
               </c:numCache>
             </c:numRef>
@@ -571,7 +571,7 @@
             <c:showPercent val="0"/>
             <c:showBubbleSize val="0"/>
             <c:showLeaderLines val="0"/>
-            <c:extLst>
+            <c:extLst xmlns:c15="http://schemas.microsoft.com/office/drawing/2012/chart" xmlns:c14="http://schemas.microsoft.com/office/drawing/2007/8/2/chart" xmlns:mc="http://schemas.openxmlformats.org/markup-compatibility/2006">
               <c:ext xmlns:c15="http://schemas.microsoft.com/office/drawing/2012/chart" uri="{CE6537A1-D6FC-4f65-9D91-7224C49458BB}">
                 <c15:layout/>
                 <c15:showLeaderLines val="1"/>
@@ -602,13 +602,13 @@
                 <c:formatCode>0%</c:formatCode>
                 <c:ptCount val="3"/>
                 <c:pt idx="0">
-                  <c:v>0.97</c:v>
+                  <c:v>0.5</c:v>
                 </c:pt>
                 <c:pt idx="1">
-                  <c:v>0.99</c:v>
+                  <c:v>0.1</c:v>
                 </c:pt>
                 <c:pt idx="2">
-                  <c:v>0.99</c:v>
+                  <c:v>0.4</c:v>
                 </c:pt>
               </c:numCache>
             </c:numRef>
@@ -660,7 +660,7 @@
             <c:showPercent val="0"/>
             <c:showBubbleSize val="0"/>
             <c:showLeaderLines val="0"/>
-            <c:extLst>
+            <c:extLst xmlns:c15="http://schemas.microsoft.com/office/drawing/2012/chart" xmlns:c14="http://schemas.microsoft.com/office/drawing/2007/8/2/chart" xmlns:mc="http://schemas.openxmlformats.org/markup-compatibility/2006">
               <c:ext xmlns:c15="http://schemas.microsoft.com/office/drawing/2012/chart" uri="{CE6537A1-D6FC-4f65-9D91-7224C49458BB}">
                 <c15:layout/>
                 <c15:showLeaderLines val="1"/>
@@ -691,13 +691,13 @@
                 <c:formatCode>0%</c:formatCode>
                 <c:ptCount val="3"/>
                 <c:pt idx="0">
-                  <c:v>0.92</c:v>
+                  <c:v>0.5</c:v>
                 </c:pt>
                 <c:pt idx="1">
-                  <c:v>1</c:v>
+                  <c:v>0.1</c:v>
                 </c:pt>
                 <c:pt idx="2">
-                  <c:v>0.96</c:v>
+                  <c:v>0.4</c:v>
                 </c:pt>
               </c:numCache>
             </c:numRef>
@@ -749,7 +749,7 @@
             <c:showPercent val="0"/>
             <c:showBubbleSize val="0"/>
             <c:showLeaderLines val="0"/>
-            <c:extLst>
+            <c:extLst xmlns:c15="http://schemas.microsoft.com/office/drawing/2012/chart" xmlns:c14="http://schemas.microsoft.com/office/drawing/2007/8/2/chart" xmlns:mc="http://schemas.openxmlformats.org/markup-compatibility/2006">
               <c:ext xmlns:c15="http://schemas.microsoft.com/office/drawing/2012/chart" uri="{CE6537A1-D6FC-4f65-9D91-7224C49458BB}">
                 <c15:layout/>
                 <c15:showLeaderLines val="1"/>
@@ -780,13 +780,13 @@
                 <c:formatCode>0%</c:formatCode>
                 <c:ptCount val="3"/>
                 <c:pt idx="0">
-                  <c:v>0.88</c:v>
+                  <c:v>0.5</c:v>
                 </c:pt>
                 <c:pt idx="1">
-                  <c:v>0.97</c:v>
+                  <c:v>0.1</c:v>
                 </c:pt>
                 <c:pt idx="2">
-                  <c:v>0.96</c:v>
+                  <c:v>0.4</c:v>
                 </c:pt>
               </c:numCache>
             </c:numRef>
@@ -801,11 +801,11 @@
           <c:showBubbleSize val="0"/>
         </c:dLbls>
         <c:gapWidth val="150"/>
-        <c:axId val="307477208"/>
-        <c:axId val="307474072"/>
+        <c:axId val="240601528"/>
+        <c:axId val="240600352"/>
       </c:barChart>
       <c:catAx>
-        <c:axId val="307477208"/>
+        <c:axId val="240601528"/>
         <c:scaling>
           <c:orientation val="minMax"/>
         </c:scaling>
@@ -829,7 +829,7 @@
             <a:endParaRPr lang="en-US"/>
           </a:p>
         </c:txPr>
-        <c:crossAx val="307474072"/>
+        <c:crossAx val="240600352"/>
         <c:crosses val="autoZero"/>
         <c:auto val="1"/>
         <c:lblAlgn val="ctr"/>
@@ -837,7 +837,7 @@
         <c:noMultiLvlLbl val="0"/>
       </c:catAx>
       <c:valAx>
-        <c:axId val="307474072"/>
+        <c:axId val="240600352"/>
         <c:scaling>
           <c:orientation val="minMax"/>
         </c:scaling>
@@ -857,7 +857,7 @@
         <c:spPr>
           <a:ln/>
         </c:spPr>
-        <c:crossAx val="307477208"/>
+        <c:crossAx val="240601528"/>
         <c:crosses val="autoZero"/>
         <c:crossBetween val="between"/>
       </c:valAx>
@@ -1550,11 +1550,11 @@
         </c:dLbls>
         <c:gapWidth val="100"/>
         <c:overlap val="-24"/>
-        <c:axId val="309518216"/>
-        <c:axId val="309518608"/>
+        <c:axId val="347866712"/>
+        <c:axId val="347862792"/>
       </c:barChart>
       <c:catAx>
-        <c:axId val="309518216"/>
+        <c:axId val="347866712"/>
         <c:scaling>
           <c:orientation val="minMax"/>
         </c:scaling>
@@ -1594,7 +1594,7 @@
             <a:endParaRPr lang="en-US"/>
           </a:p>
         </c:txPr>
-        <c:crossAx val="309518608"/>
+        <c:crossAx val="347862792"/>
         <c:crosses val="min"/>
         <c:auto val="1"/>
         <c:lblAlgn val="ctr"/>
@@ -1602,7 +1602,7 @@
         <c:noMultiLvlLbl val="0"/>
       </c:catAx>
       <c:valAx>
-        <c:axId val="309518608"/>
+        <c:axId val="347862792"/>
         <c:scaling>
           <c:orientation val="minMax"/>
           <c:max val="1"/>
@@ -1628,7 +1628,7 @@
         <c:majorTickMark val="none"/>
         <c:minorTickMark val="none"/>
         <c:tickLblPos val="low"/>
-        <c:crossAx val="309518216"/>
+        <c:crossAx val="347866712"/>
         <c:crosses val="min"/>
         <c:crossBetween val="between"/>
         <c:majorUnit val="0"/>
@@ -1899,11 +1899,11 @@
         </c:dLbls>
         <c:gapWidth val="100"/>
         <c:overlap val="-24"/>
-        <c:axId val="309516648"/>
-        <c:axId val="309515864"/>
+        <c:axId val="347866320"/>
+        <c:axId val="347864752"/>
       </c:barChart>
       <c:catAx>
-        <c:axId val="309516648"/>
+        <c:axId val="347866320"/>
         <c:scaling>
           <c:orientation val="minMax"/>
         </c:scaling>
@@ -1943,7 +1943,7 @@
             <a:endParaRPr lang="en-US"/>
           </a:p>
         </c:txPr>
-        <c:crossAx val="309515864"/>
+        <c:crossAx val="347864752"/>
         <c:crosses val="min"/>
         <c:auto val="1"/>
         <c:lblAlgn val="ctr"/>
@@ -1951,7 +1951,7 @@
         <c:noMultiLvlLbl val="0"/>
       </c:catAx>
       <c:valAx>
-        <c:axId val="309515864"/>
+        <c:axId val="347864752"/>
         <c:scaling>
           <c:orientation val="minMax"/>
           <c:max val="1"/>
@@ -1977,7 +1977,7 @@
         <c:majorTickMark val="none"/>
         <c:minorTickMark val="none"/>
         <c:tickLblPos val="low"/>
-        <c:crossAx val="309516648"/>
+        <c:crossAx val="347866320"/>
         <c:crosses val="min"/>
         <c:crossBetween val="between"/>
         <c:majorUnit val="0"/>
@@ -11713,42 +11713,42 @@
                 <a:gridCol w="791901">
                   <a:extLst>
                     <a:ext uri="{9D8B030D-6E8A-4147-A177-3AD203B41FA5}">
-                      <a16:colId xmlns:a16="http://schemas.microsoft.com/office/drawing/2014/main" xmlns="" val="20000"/>
+                      <a16:colId xmlns="" xmlns:a16="http://schemas.microsoft.com/office/drawing/2014/main" val="20000"/>
                     </a:ext>
                   </a:extLst>
                 </a:gridCol>
                 <a:gridCol w="1075286">
                   <a:extLst>
                     <a:ext uri="{9D8B030D-6E8A-4147-A177-3AD203B41FA5}">
-                      <a16:colId xmlns:a16="http://schemas.microsoft.com/office/drawing/2014/main" xmlns="" val="3421738776"/>
+                      <a16:colId xmlns="" xmlns:a16="http://schemas.microsoft.com/office/drawing/2014/main" val="3421738776"/>
                     </a:ext>
                   </a:extLst>
                 </a:gridCol>
                 <a:gridCol w="800100">
                   <a:extLst>
                     <a:ext uri="{9D8B030D-6E8A-4147-A177-3AD203B41FA5}">
-                      <a16:colId xmlns:a16="http://schemas.microsoft.com/office/drawing/2014/main" xmlns="" val="20001"/>
+                      <a16:colId xmlns="" xmlns:a16="http://schemas.microsoft.com/office/drawing/2014/main" val="20001"/>
                     </a:ext>
                   </a:extLst>
                 </a:gridCol>
                 <a:gridCol w="2032000">
                   <a:extLst>
                     <a:ext uri="{9D8B030D-6E8A-4147-A177-3AD203B41FA5}">
-                      <a16:colId xmlns:a16="http://schemas.microsoft.com/office/drawing/2014/main" xmlns="" val="20002"/>
+                      <a16:colId xmlns="" xmlns:a16="http://schemas.microsoft.com/office/drawing/2014/main" val="20002"/>
                     </a:ext>
                   </a:extLst>
                 </a:gridCol>
                 <a:gridCol w="3644900">
                   <a:extLst>
                     <a:ext uri="{9D8B030D-6E8A-4147-A177-3AD203B41FA5}">
-                      <a16:colId xmlns:a16="http://schemas.microsoft.com/office/drawing/2014/main" xmlns="" val="20003"/>
+                      <a16:colId xmlns="" xmlns:a16="http://schemas.microsoft.com/office/drawing/2014/main" val="20003"/>
                     </a:ext>
                   </a:extLst>
                 </a:gridCol>
                 <a:gridCol w="3302000">
                   <a:extLst>
                     <a:ext uri="{9D8B030D-6E8A-4147-A177-3AD203B41FA5}">
-                      <a16:colId xmlns:a16="http://schemas.microsoft.com/office/drawing/2014/main" xmlns="" val="20004"/>
+                      <a16:colId xmlns="" xmlns:a16="http://schemas.microsoft.com/office/drawing/2014/main" val="20004"/>
                     </a:ext>
                   </a:extLst>
                 </a:gridCol>
@@ -11989,7 +11989,7 @@
                 </a:tc>
                 <a:extLst>
                   <a:ext uri="{0D108BD9-81ED-4DB2-BD59-A6C34878D82A}">
-                    <a16:rowId xmlns:a16="http://schemas.microsoft.com/office/drawing/2014/main" xmlns="" val="10000"/>
+                    <a16:rowId xmlns="" xmlns:a16="http://schemas.microsoft.com/office/drawing/2014/main" val="10000"/>
                   </a:ext>
                 </a:extLst>
               </a:tr>
@@ -12155,7 +12155,7 @@
                 </a:tc>
                 <a:extLst>
                   <a:ext uri="{0D108BD9-81ED-4DB2-BD59-A6C34878D82A}">
-                    <a16:rowId xmlns:a16="http://schemas.microsoft.com/office/drawing/2014/main" xmlns="" val="10001"/>
+                    <a16:rowId xmlns="" xmlns:a16="http://schemas.microsoft.com/office/drawing/2014/main" val="10001"/>
                   </a:ext>
                 </a:extLst>
               </a:tr>
@@ -12318,7 +12318,7 @@
                 </a:tc>
                 <a:extLst>
                   <a:ext uri="{0D108BD9-81ED-4DB2-BD59-A6C34878D82A}">
-                    <a16:rowId xmlns:a16="http://schemas.microsoft.com/office/drawing/2014/main" xmlns="" val="10002"/>
+                    <a16:rowId xmlns="" xmlns:a16="http://schemas.microsoft.com/office/drawing/2014/main" val="10002"/>
                   </a:ext>
                 </a:extLst>
               </a:tr>
@@ -12481,7 +12481,7 @@
                 </a:tc>
                 <a:extLst>
                   <a:ext uri="{0D108BD9-81ED-4DB2-BD59-A6C34878D82A}">
-                    <a16:rowId xmlns:a16="http://schemas.microsoft.com/office/drawing/2014/main" xmlns="" val="10003"/>
+                    <a16:rowId xmlns="" xmlns:a16="http://schemas.microsoft.com/office/drawing/2014/main" val="10003"/>
                   </a:ext>
                 </a:extLst>
               </a:tr>
@@ -12677,7 +12677,7 @@
                 </a:tc>
                 <a:extLst>
                   <a:ext uri="{0D108BD9-81ED-4DB2-BD59-A6C34878D82A}">
-                    <a16:rowId xmlns:a16="http://schemas.microsoft.com/office/drawing/2014/main" xmlns="" val="10004"/>
+                    <a16:rowId xmlns="" xmlns:a16="http://schemas.microsoft.com/office/drawing/2014/main" val="10004"/>
                   </a:ext>
                 </a:extLst>
               </a:tr>
@@ -12876,7 +12876,7 @@
                 </a:tc>
                 <a:extLst>
                   <a:ext uri="{0D108BD9-81ED-4DB2-BD59-A6C34878D82A}">
-                    <a16:rowId xmlns:a16="http://schemas.microsoft.com/office/drawing/2014/main" xmlns="" val="2903103802"/>
+                    <a16:rowId xmlns="" xmlns:a16="http://schemas.microsoft.com/office/drawing/2014/main" val="2903103802"/>
                   </a:ext>
                 </a:extLst>
               </a:tr>
@@ -13039,7 +13039,7 @@
                 </a:tc>
                 <a:extLst>
                   <a:ext uri="{0D108BD9-81ED-4DB2-BD59-A6C34878D82A}">
-                    <a16:rowId xmlns:a16="http://schemas.microsoft.com/office/drawing/2014/main" xmlns="" val="56228173"/>
+                    <a16:rowId xmlns="" xmlns:a16="http://schemas.microsoft.com/office/drawing/2014/main" val="56228173"/>
                   </a:ext>
                 </a:extLst>
               </a:tr>
@@ -13282,7 +13282,7 @@
                 </a:tc>
                 <a:extLst>
                   <a:ext uri="{0D108BD9-81ED-4DB2-BD59-A6C34878D82A}">
-                    <a16:rowId xmlns:a16="http://schemas.microsoft.com/office/drawing/2014/main" xmlns="" val="10005"/>
+                    <a16:rowId xmlns="" xmlns:a16="http://schemas.microsoft.com/office/drawing/2014/main" val="10005"/>
                   </a:ext>
                 </a:extLst>
               </a:tr>
@@ -31535,42 +31535,42 @@
                 <a:gridCol w="1765802">
                   <a:extLst>
                     <a:ext uri="{9D8B030D-6E8A-4147-A177-3AD203B41FA5}">
-                      <a16:colId xmlns="" xmlns:a14="http://schemas.microsoft.com/office/drawing/2010/main" xmlns:p14="http://schemas.microsoft.com/office/powerpoint/2010/main" xmlns:dgm="http://schemas.openxmlformats.org/drawingml/2006/diagram" xmlns:c="http://schemas.openxmlformats.org/drawingml/2006/chart" xmlns:a16="http://schemas.microsoft.com/office/drawing/2014/main" val="20000"/>
+                      <a16:colId xmlns:a16="http://schemas.microsoft.com/office/drawing/2014/main" xmlns:c="http://schemas.openxmlformats.org/drawingml/2006/chart" xmlns:dgm="http://schemas.openxmlformats.org/drawingml/2006/diagram" xmlns:p14="http://schemas.microsoft.com/office/powerpoint/2010/main" xmlns:a14="http://schemas.microsoft.com/office/drawing/2010/main" xmlns="" val="20000"/>
                     </a:ext>
                   </a:extLst>
                 </a:gridCol>
                 <a:gridCol w="718551">
                   <a:extLst>
                     <a:ext uri="{9D8B030D-6E8A-4147-A177-3AD203B41FA5}">
-                      <a16:colId xmlns="" xmlns:a14="http://schemas.microsoft.com/office/drawing/2010/main" xmlns:p14="http://schemas.microsoft.com/office/powerpoint/2010/main" xmlns:dgm="http://schemas.openxmlformats.org/drawingml/2006/diagram" xmlns:c="http://schemas.openxmlformats.org/drawingml/2006/chart" xmlns:a16="http://schemas.microsoft.com/office/drawing/2014/main" val="20001"/>
+                      <a16:colId xmlns:a16="http://schemas.microsoft.com/office/drawing/2014/main" xmlns:c="http://schemas.openxmlformats.org/drawingml/2006/chart" xmlns:dgm="http://schemas.openxmlformats.org/drawingml/2006/diagram" xmlns:p14="http://schemas.microsoft.com/office/powerpoint/2010/main" xmlns:a14="http://schemas.microsoft.com/office/drawing/2010/main" xmlns="" val="20001"/>
                     </a:ext>
                   </a:extLst>
                 </a:gridCol>
                 <a:gridCol w="802638">
                   <a:extLst>
                     <a:ext uri="{9D8B030D-6E8A-4147-A177-3AD203B41FA5}">
-                      <a16:colId xmlns="" xmlns:a14="http://schemas.microsoft.com/office/drawing/2010/main" xmlns:p14="http://schemas.microsoft.com/office/powerpoint/2010/main" xmlns:dgm="http://schemas.openxmlformats.org/drawingml/2006/diagram" xmlns:c="http://schemas.openxmlformats.org/drawingml/2006/chart" xmlns:a16="http://schemas.microsoft.com/office/drawing/2014/main" val="20002"/>
+                      <a16:colId xmlns:a16="http://schemas.microsoft.com/office/drawing/2014/main" xmlns:c="http://schemas.openxmlformats.org/drawingml/2006/chart" xmlns:dgm="http://schemas.openxmlformats.org/drawingml/2006/diagram" xmlns:p14="http://schemas.microsoft.com/office/powerpoint/2010/main" xmlns:a14="http://schemas.microsoft.com/office/drawing/2010/main" xmlns="" val="20002"/>
                     </a:ext>
                   </a:extLst>
                 </a:gridCol>
                 <a:gridCol w="859969">
                   <a:extLst>
                     <a:ext uri="{9D8B030D-6E8A-4147-A177-3AD203B41FA5}">
-                      <a16:colId xmlns="" xmlns:a14="http://schemas.microsoft.com/office/drawing/2010/main" xmlns:p14="http://schemas.microsoft.com/office/powerpoint/2010/main" xmlns:dgm="http://schemas.openxmlformats.org/drawingml/2006/diagram" xmlns:c="http://schemas.openxmlformats.org/drawingml/2006/chart" xmlns:a16="http://schemas.microsoft.com/office/drawing/2014/main" val="20003"/>
+                      <a16:colId xmlns:a16="http://schemas.microsoft.com/office/drawing/2014/main" xmlns:c="http://schemas.openxmlformats.org/drawingml/2006/chart" xmlns:dgm="http://schemas.openxmlformats.org/drawingml/2006/diagram" xmlns:p14="http://schemas.microsoft.com/office/powerpoint/2010/main" xmlns:a14="http://schemas.microsoft.com/office/drawing/2010/main" xmlns="" val="20003"/>
                     </a:ext>
                   </a:extLst>
                 </a:gridCol>
                 <a:gridCol w="859969">
                   <a:extLst>
                     <a:ext uri="{9D8B030D-6E8A-4147-A177-3AD203B41FA5}">
-                      <a16:colId xmlns="" xmlns:a14="http://schemas.microsoft.com/office/drawing/2010/main" xmlns:p14="http://schemas.microsoft.com/office/powerpoint/2010/main" xmlns:dgm="http://schemas.openxmlformats.org/drawingml/2006/diagram" xmlns:c="http://schemas.openxmlformats.org/drawingml/2006/chart" xmlns:a16="http://schemas.microsoft.com/office/drawing/2014/main" val="1623038515"/>
+                      <a16:colId xmlns:a16="http://schemas.microsoft.com/office/drawing/2014/main" xmlns:c="http://schemas.openxmlformats.org/drawingml/2006/chart" xmlns:dgm="http://schemas.openxmlformats.org/drawingml/2006/diagram" xmlns:p14="http://schemas.microsoft.com/office/powerpoint/2010/main" xmlns:a14="http://schemas.microsoft.com/office/drawing/2010/main" xmlns="" val="1623038515"/>
                     </a:ext>
                   </a:extLst>
                 </a:gridCol>
                 <a:gridCol w="676510">
                   <a:extLst>
                     <a:ext uri="{9D8B030D-6E8A-4147-A177-3AD203B41FA5}">
-                      <a16:colId xmlns="" xmlns:a14="http://schemas.microsoft.com/office/drawing/2010/main" xmlns:p14="http://schemas.microsoft.com/office/powerpoint/2010/main" xmlns:dgm="http://schemas.openxmlformats.org/drawingml/2006/diagram" xmlns:c="http://schemas.openxmlformats.org/drawingml/2006/chart" xmlns:a16="http://schemas.microsoft.com/office/drawing/2014/main" val="20004"/>
+                      <a16:colId xmlns:a16="http://schemas.microsoft.com/office/drawing/2014/main" xmlns:c="http://schemas.openxmlformats.org/drawingml/2006/chart" xmlns:dgm="http://schemas.openxmlformats.org/drawingml/2006/diagram" xmlns:p14="http://schemas.microsoft.com/office/powerpoint/2010/main" xmlns:a14="http://schemas.microsoft.com/office/drawing/2010/main" xmlns="" val="20004"/>
                     </a:ext>
                   </a:extLst>
                 </a:gridCol>
@@ -31814,7 +31814,7 @@
                 </a:tc>
                 <a:extLst>
                   <a:ext uri="{0D108BD9-81ED-4DB2-BD59-A6C34878D82A}">
-                    <a16:rowId xmlns="" xmlns:a14="http://schemas.microsoft.com/office/drawing/2010/main" xmlns:p14="http://schemas.microsoft.com/office/powerpoint/2010/main" xmlns:dgm="http://schemas.openxmlformats.org/drawingml/2006/diagram" xmlns:c="http://schemas.openxmlformats.org/drawingml/2006/chart" xmlns:a16="http://schemas.microsoft.com/office/drawing/2014/main" val="10000"/>
+                    <a16:rowId xmlns:a16="http://schemas.microsoft.com/office/drawing/2014/main" xmlns:c="http://schemas.openxmlformats.org/drawingml/2006/chart" xmlns:dgm="http://schemas.openxmlformats.org/drawingml/2006/diagram" xmlns:p14="http://schemas.microsoft.com/office/powerpoint/2010/main" xmlns:a14="http://schemas.microsoft.com/office/drawing/2010/main" xmlns="" val="10000"/>
                   </a:ext>
                 </a:extLst>
               </a:tr>
@@ -31995,7 +31995,7 @@
                 </a:tc>
                 <a:extLst>
                   <a:ext uri="{0D108BD9-81ED-4DB2-BD59-A6C34878D82A}">
-                    <a16:rowId xmlns="" xmlns:a14="http://schemas.microsoft.com/office/drawing/2010/main" xmlns:p14="http://schemas.microsoft.com/office/powerpoint/2010/main" xmlns:dgm="http://schemas.openxmlformats.org/drawingml/2006/diagram" xmlns:c="http://schemas.openxmlformats.org/drawingml/2006/chart" xmlns:a16="http://schemas.microsoft.com/office/drawing/2014/main" val="10001"/>
+                    <a16:rowId xmlns:a16="http://schemas.microsoft.com/office/drawing/2014/main" xmlns:c="http://schemas.openxmlformats.org/drawingml/2006/chart" xmlns:dgm="http://schemas.openxmlformats.org/drawingml/2006/diagram" xmlns:p14="http://schemas.microsoft.com/office/powerpoint/2010/main" xmlns:a14="http://schemas.microsoft.com/office/drawing/2010/main" xmlns="" val="10001"/>
                   </a:ext>
                 </a:extLst>
               </a:tr>
@@ -33756,42 +33756,42 @@
                 <a:gridCol w="807857">
                   <a:extLst>
                     <a:ext uri="{9D8B030D-6E8A-4147-A177-3AD203B41FA5}">
-                      <a16:colId xmlns:a16="http://schemas.microsoft.com/office/drawing/2014/main" xmlns="" val="2728497402"/>
+                      <a16:colId xmlns="" xmlns:a16="http://schemas.microsoft.com/office/drawing/2014/main" val="2728497402"/>
                     </a:ext>
                   </a:extLst>
                 </a:gridCol>
                 <a:gridCol w="1014306">
                   <a:extLst>
                     <a:ext uri="{9D8B030D-6E8A-4147-A177-3AD203B41FA5}">
-                      <a16:colId xmlns:a16="http://schemas.microsoft.com/office/drawing/2014/main" xmlns="" val="20000"/>
+                      <a16:colId xmlns="" xmlns:a16="http://schemas.microsoft.com/office/drawing/2014/main" val="20000"/>
                     </a:ext>
                   </a:extLst>
                 </a:gridCol>
                 <a:gridCol w="796995">
                   <a:extLst>
                     <a:ext uri="{9D8B030D-6E8A-4147-A177-3AD203B41FA5}">
-                      <a16:colId xmlns:a16="http://schemas.microsoft.com/office/drawing/2014/main" xmlns="" val="20001"/>
+                      <a16:colId xmlns="" xmlns:a16="http://schemas.microsoft.com/office/drawing/2014/main" val="20001"/>
                     </a:ext>
                   </a:extLst>
                 </a:gridCol>
                 <a:gridCol w="1131219">
                   <a:extLst>
                     <a:ext uri="{9D8B030D-6E8A-4147-A177-3AD203B41FA5}">
-                      <a16:colId xmlns:a16="http://schemas.microsoft.com/office/drawing/2014/main" xmlns="" val="20002"/>
+                      <a16:colId xmlns="" xmlns:a16="http://schemas.microsoft.com/office/drawing/2014/main" val="20002"/>
                     </a:ext>
                   </a:extLst>
                 </a:gridCol>
                 <a:gridCol w="5926047">
                   <a:extLst>
                     <a:ext uri="{9D8B030D-6E8A-4147-A177-3AD203B41FA5}">
-                      <a16:colId xmlns:a16="http://schemas.microsoft.com/office/drawing/2014/main" xmlns="" val="20003"/>
+                      <a16:colId xmlns="" xmlns:a16="http://schemas.microsoft.com/office/drawing/2014/main" val="20003"/>
                     </a:ext>
                   </a:extLst>
                 </a:gridCol>
                 <a:gridCol w="2204425">
                   <a:extLst>
                     <a:ext uri="{9D8B030D-6E8A-4147-A177-3AD203B41FA5}">
-                      <a16:colId xmlns:a16="http://schemas.microsoft.com/office/drawing/2014/main" xmlns="" val="20004"/>
+                      <a16:colId xmlns="" xmlns:a16="http://schemas.microsoft.com/office/drawing/2014/main" val="20004"/>
                     </a:ext>
                   </a:extLst>
                 </a:gridCol>
@@ -34032,7 +34032,7 @@
                 </a:tc>
                 <a:extLst>
                   <a:ext uri="{0D108BD9-81ED-4DB2-BD59-A6C34878D82A}">
-                    <a16:rowId xmlns:a16="http://schemas.microsoft.com/office/drawing/2014/main" xmlns="" val="10000"/>
+                    <a16:rowId xmlns="" xmlns:a16="http://schemas.microsoft.com/office/drawing/2014/main" val="10000"/>
                   </a:ext>
                 </a:extLst>
               </a:tr>
@@ -34253,7 +34253,7 @@
                 </a:tc>
                 <a:extLst>
                   <a:ext uri="{0D108BD9-81ED-4DB2-BD59-A6C34878D82A}">
-                    <a16:rowId xmlns:a16="http://schemas.microsoft.com/office/drawing/2014/main" xmlns="" val="10001"/>
+                    <a16:rowId xmlns="" xmlns:a16="http://schemas.microsoft.com/office/drawing/2014/main" val="10001"/>
                   </a:ext>
                 </a:extLst>
               </a:tr>
@@ -34455,7 +34455,7 @@
                 </a:tc>
                 <a:extLst>
                   <a:ext uri="{0D108BD9-81ED-4DB2-BD59-A6C34878D82A}">
-                    <a16:rowId xmlns:a16="http://schemas.microsoft.com/office/drawing/2014/main" xmlns="" val="10002"/>
+                    <a16:rowId xmlns="" xmlns:a16="http://schemas.microsoft.com/office/drawing/2014/main" val="10002"/>
                   </a:ext>
                 </a:extLst>
               </a:tr>
@@ -34733,7 +34733,7 @@
                 </a:tc>
                 <a:extLst>
                   <a:ext uri="{0D108BD9-81ED-4DB2-BD59-A6C34878D82A}">
-                    <a16:rowId xmlns:a16="http://schemas.microsoft.com/office/drawing/2014/main" xmlns="" val="3326529287"/>
+                    <a16:rowId xmlns="" xmlns:a16="http://schemas.microsoft.com/office/drawing/2014/main" val="3326529287"/>
                   </a:ext>
                 </a:extLst>
               </a:tr>
@@ -35015,7 +35015,7 @@
                 </a:tc>
                 <a:extLst>
                   <a:ext uri="{0D108BD9-81ED-4DB2-BD59-A6C34878D82A}">
-                    <a16:rowId xmlns:a16="http://schemas.microsoft.com/office/drawing/2014/main" xmlns="" val="10004"/>
+                    <a16:rowId xmlns="" xmlns:a16="http://schemas.microsoft.com/office/drawing/2014/main" val="10004"/>
                   </a:ext>
                 </a:extLst>
               </a:tr>
@@ -35225,7 +35225,7 @@
                 </a:tc>
                 <a:extLst>
                   <a:ext uri="{0D108BD9-81ED-4DB2-BD59-A6C34878D82A}">
-                    <a16:rowId xmlns:a16="http://schemas.microsoft.com/office/drawing/2014/main" xmlns="" val="10005"/>
+                    <a16:rowId xmlns="" xmlns:a16="http://schemas.microsoft.com/office/drawing/2014/main" val="10005"/>
                   </a:ext>
                 </a:extLst>
               </a:tr>
@@ -35451,7 +35451,7 @@
                 </a:tc>
                 <a:extLst>
                   <a:ext uri="{0D108BD9-81ED-4DB2-BD59-A6C34878D82A}">
-                    <a16:rowId xmlns:a16="http://schemas.microsoft.com/office/drawing/2014/main" xmlns="" val="10008"/>
+                    <a16:rowId xmlns="" xmlns:a16="http://schemas.microsoft.com/office/drawing/2014/main" val="10008"/>
                   </a:ext>
                 </a:extLst>
               </a:tr>
@@ -35907,42 +35907,42 @@
                 <a:gridCol w="991085">
                   <a:extLst>
                     <a:ext uri="{9D8B030D-6E8A-4147-A177-3AD203B41FA5}">
-                      <a16:colId xmlns="" xmlns:a14="http://schemas.microsoft.com/office/drawing/2010/main" xmlns:p14="http://schemas.microsoft.com/office/powerpoint/2010/main" xmlns:a16="http://schemas.microsoft.com/office/drawing/2014/main" val="2728497402"/>
+                      <a16:colId xmlns:a16="http://schemas.microsoft.com/office/drawing/2014/main" xmlns:p14="http://schemas.microsoft.com/office/powerpoint/2010/main" xmlns:a14="http://schemas.microsoft.com/office/drawing/2010/main" xmlns="" val="2728497402"/>
                     </a:ext>
                   </a:extLst>
                 </a:gridCol>
                 <a:gridCol w="1368795">
                   <a:extLst>
                     <a:ext uri="{9D8B030D-6E8A-4147-A177-3AD203B41FA5}">
-                      <a16:colId xmlns="" xmlns:a14="http://schemas.microsoft.com/office/drawing/2010/main" xmlns:p14="http://schemas.microsoft.com/office/powerpoint/2010/main" xmlns:a16="http://schemas.microsoft.com/office/drawing/2014/main" val="20000"/>
+                      <a16:colId xmlns:a16="http://schemas.microsoft.com/office/drawing/2014/main" xmlns:p14="http://schemas.microsoft.com/office/powerpoint/2010/main" xmlns:a14="http://schemas.microsoft.com/office/drawing/2010/main" xmlns="" val="20000"/>
                     </a:ext>
                   </a:extLst>
                 </a:gridCol>
                 <a:gridCol w="735745">
                   <a:extLst>
                     <a:ext uri="{9D8B030D-6E8A-4147-A177-3AD203B41FA5}">
-                      <a16:colId xmlns="" xmlns:a14="http://schemas.microsoft.com/office/drawing/2010/main" xmlns:p14="http://schemas.microsoft.com/office/powerpoint/2010/main" xmlns:a16="http://schemas.microsoft.com/office/drawing/2014/main" val="20001"/>
+                      <a16:colId xmlns:a16="http://schemas.microsoft.com/office/drawing/2014/main" xmlns:p14="http://schemas.microsoft.com/office/powerpoint/2010/main" xmlns:a14="http://schemas.microsoft.com/office/drawing/2010/main" xmlns="" val="20001"/>
                     </a:ext>
                   </a:extLst>
                 </a:gridCol>
                 <a:gridCol w="1371600">
                   <a:extLst>
                     <a:ext uri="{9D8B030D-6E8A-4147-A177-3AD203B41FA5}">
-                      <a16:colId xmlns="" xmlns:a14="http://schemas.microsoft.com/office/drawing/2010/main" xmlns:p14="http://schemas.microsoft.com/office/powerpoint/2010/main" xmlns:a16="http://schemas.microsoft.com/office/drawing/2014/main" val="20002"/>
+                      <a16:colId xmlns:a16="http://schemas.microsoft.com/office/drawing/2014/main" xmlns:p14="http://schemas.microsoft.com/office/powerpoint/2010/main" xmlns:a14="http://schemas.microsoft.com/office/drawing/2010/main" xmlns="" val="20002"/>
                     </a:ext>
                   </a:extLst>
                 </a:gridCol>
                 <a:gridCol w="5143500">
                   <a:extLst>
                     <a:ext uri="{9D8B030D-6E8A-4147-A177-3AD203B41FA5}">
-                      <a16:colId xmlns="" xmlns:a14="http://schemas.microsoft.com/office/drawing/2010/main" xmlns:p14="http://schemas.microsoft.com/office/powerpoint/2010/main" xmlns:a16="http://schemas.microsoft.com/office/drawing/2014/main" val="20003"/>
+                      <a16:colId xmlns:a16="http://schemas.microsoft.com/office/drawing/2014/main" xmlns:p14="http://schemas.microsoft.com/office/powerpoint/2010/main" xmlns:a14="http://schemas.microsoft.com/office/drawing/2010/main" xmlns="" val="20003"/>
                     </a:ext>
                   </a:extLst>
                 </a:gridCol>
                 <a:gridCol w="2324100">
                   <a:extLst>
                     <a:ext uri="{9D8B030D-6E8A-4147-A177-3AD203B41FA5}">
-                      <a16:colId xmlns="" xmlns:a14="http://schemas.microsoft.com/office/drawing/2010/main" xmlns:p14="http://schemas.microsoft.com/office/powerpoint/2010/main" xmlns:a16="http://schemas.microsoft.com/office/drawing/2014/main" val="20004"/>
+                      <a16:colId xmlns:a16="http://schemas.microsoft.com/office/drawing/2014/main" xmlns:p14="http://schemas.microsoft.com/office/powerpoint/2010/main" xmlns:a14="http://schemas.microsoft.com/office/drawing/2010/main" xmlns="" val="20004"/>
                     </a:ext>
                   </a:extLst>
                 </a:gridCol>
@@ -36183,7 +36183,7 @@
                 </a:tc>
                 <a:extLst>
                   <a:ext uri="{0D108BD9-81ED-4DB2-BD59-A6C34878D82A}">
-                    <a16:rowId xmlns="" xmlns:a14="http://schemas.microsoft.com/office/drawing/2010/main" xmlns:p14="http://schemas.microsoft.com/office/powerpoint/2010/main" xmlns:a16="http://schemas.microsoft.com/office/drawing/2014/main" val="10000"/>
+                    <a16:rowId xmlns:a16="http://schemas.microsoft.com/office/drawing/2014/main" xmlns:p14="http://schemas.microsoft.com/office/powerpoint/2010/main" xmlns:a14="http://schemas.microsoft.com/office/drawing/2010/main" xmlns="" val="10000"/>
                   </a:ext>
                 </a:extLst>
               </a:tr>
@@ -36366,7 +36366,7 @@
                 </a:tc>
                 <a:extLst>
                   <a:ext uri="{0D108BD9-81ED-4DB2-BD59-A6C34878D82A}">
-                    <a16:rowId xmlns="" xmlns:a14="http://schemas.microsoft.com/office/drawing/2010/main" xmlns:p14="http://schemas.microsoft.com/office/powerpoint/2010/main" xmlns:a16="http://schemas.microsoft.com/office/drawing/2014/main" val="10001"/>
+                    <a16:rowId xmlns:a16="http://schemas.microsoft.com/office/drawing/2014/main" xmlns:p14="http://schemas.microsoft.com/office/powerpoint/2010/main" xmlns:a14="http://schemas.microsoft.com/office/drawing/2010/main" xmlns="" val="10001"/>
                   </a:ext>
                 </a:extLst>
               </a:tr>
@@ -36572,7 +36572,7 @@
                 </a:tc>
                 <a:extLst>
                   <a:ext uri="{0D108BD9-81ED-4DB2-BD59-A6C34878D82A}">
-                    <a16:rowId xmlns="" xmlns:a14="http://schemas.microsoft.com/office/drawing/2010/main" xmlns:p14="http://schemas.microsoft.com/office/powerpoint/2010/main" xmlns:a16="http://schemas.microsoft.com/office/drawing/2014/main" val="10002"/>
+                    <a16:rowId xmlns:a16="http://schemas.microsoft.com/office/drawing/2014/main" xmlns:p14="http://schemas.microsoft.com/office/powerpoint/2010/main" xmlns:a14="http://schemas.microsoft.com/office/drawing/2010/main" xmlns="" val="10002"/>
                   </a:ext>
                 </a:extLst>
               </a:tr>
@@ -36758,7 +36758,7 @@
                 </a:tc>
                 <a:extLst>
                   <a:ext uri="{0D108BD9-81ED-4DB2-BD59-A6C34878D82A}">
-                    <a16:rowId xmlns="" xmlns:a14="http://schemas.microsoft.com/office/drawing/2010/main" xmlns:p14="http://schemas.microsoft.com/office/powerpoint/2010/main" xmlns:a16="http://schemas.microsoft.com/office/drawing/2014/main" val="10003"/>
+                    <a16:rowId xmlns:a16="http://schemas.microsoft.com/office/drawing/2014/main" xmlns:p14="http://schemas.microsoft.com/office/powerpoint/2010/main" xmlns:a14="http://schemas.microsoft.com/office/drawing/2010/main" xmlns="" val="10003"/>
                   </a:ext>
                 </a:extLst>
               </a:tr>
@@ -37012,7 +37012,7 @@
                 </a:tc>
                 <a:extLst>
                   <a:ext uri="{0D108BD9-81ED-4DB2-BD59-A6C34878D82A}">
-                    <a16:rowId xmlns="" xmlns:a14="http://schemas.microsoft.com/office/drawing/2010/main" xmlns:p14="http://schemas.microsoft.com/office/powerpoint/2010/main" xmlns:a16="http://schemas.microsoft.com/office/drawing/2014/main" val="3326529287"/>
+                    <a16:rowId xmlns:a16="http://schemas.microsoft.com/office/drawing/2014/main" xmlns:p14="http://schemas.microsoft.com/office/powerpoint/2010/main" xmlns:a14="http://schemas.microsoft.com/office/drawing/2010/main" xmlns="" val="3326529287"/>
                   </a:ext>
                 </a:extLst>
               </a:tr>
@@ -37215,7 +37215,7 @@
                 </a:tc>
                 <a:extLst>
                   <a:ext uri="{0D108BD9-81ED-4DB2-BD59-A6C34878D82A}">
-                    <a16:rowId xmlns="" xmlns:a14="http://schemas.microsoft.com/office/drawing/2010/main" xmlns:p14="http://schemas.microsoft.com/office/powerpoint/2010/main" xmlns:a16="http://schemas.microsoft.com/office/drawing/2014/main" val="10004"/>
+                    <a16:rowId xmlns:a16="http://schemas.microsoft.com/office/drawing/2014/main" xmlns:p14="http://schemas.microsoft.com/office/powerpoint/2010/main" xmlns:a14="http://schemas.microsoft.com/office/drawing/2010/main" xmlns="" val="10004"/>
                   </a:ext>
                 </a:extLst>
               </a:tr>
@@ -37398,7 +37398,7 @@
                 </a:tc>
                 <a:extLst>
                   <a:ext uri="{0D108BD9-81ED-4DB2-BD59-A6C34878D82A}">
-                    <a16:rowId xmlns="" xmlns:a14="http://schemas.microsoft.com/office/drawing/2010/main" xmlns:p14="http://schemas.microsoft.com/office/powerpoint/2010/main" xmlns:a16="http://schemas.microsoft.com/office/drawing/2014/main" val="10005"/>
+                    <a16:rowId xmlns:a16="http://schemas.microsoft.com/office/drawing/2014/main" xmlns:p14="http://schemas.microsoft.com/office/powerpoint/2010/main" xmlns:a14="http://schemas.microsoft.com/office/drawing/2010/main" xmlns="" val="10005"/>
                   </a:ext>
                 </a:extLst>
               </a:tr>
@@ -37561,7 +37561,7 @@
                 </a:tc>
                 <a:extLst>
                   <a:ext uri="{0D108BD9-81ED-4DB2-BD59-A6C34878D82A}">
-                    <a16:rowId xmlns="" xmlns:a14="http://schemas.microsoft.com/office/drawing/2010/main" xmlns:p14="http://schemas.microsoft.com/office/powerpoint/2010/main" xmlns:a16="http://schemas.microsoft.com/office/drawing/2014/main" val="10006"/>
+                    <a16:rowId xmlns:a16="http://schemas.microsoft.com/office/drawing/2014/main" xmlns:p14="http://schemas.microsoft.com/office/powerpoint/2010/main" xmlns:a14="http://schemas.microsoft.com/office/drawing/2010/main" xmlns="" val="10006"/>
                   </a:ext>
                 </a:extLst>
               </a:tr>
@@ -37744,7 +37744,7 @@
                 </a:tc>
                 <a:extLst>
                   <a:ext uri="{0D108BD9-81ED-4DB2-BD59-A6C34878D82A}">
-                    <a16:rowId xmlns="" xmlns:a14="http://schemas.microsoft.com/office/drawing/2010/main" xmlns:p14="http://schemas.microsoft.com/office/powerpoint/2010/main" xmlns:a16="http://schemas.microsoft.com/office/drawing/2014/main" val="10007"/>
+                    <a16:rowId xmlns:a16="http://schemas.microsoft.com/office/drawing/2014/main" xmlns:p14="http://schemas.microsoft.com/office/powerpoint/2010/main" xmlns:a14="http://schemas.microsoft.com/office/drawing/2010/main" xmlns="" val="10007"/>
                   </a:ext>
                 </a:extLst>
               </a:tr>
@@ -37927,7 +37927,7 @@
                 </a:tc>
                 <a:extLst>
                   <a:ext uri="{0D108BD9-81ED-4DB2-BD59-A6C34878D82A}">
-                    <a16:rowId xmlns="" xmlns:a14="http://schemas.microsoft.com/office/drawing/2010/main" xmlns:p14="http://schemas.microsoft.com/office/powerpoint/2010/main" xmlns:a16="http://schemas.microsoft.com/office/drawing/2014/main" val="10008"/>
+                    <a16:rowId xmlns:a16="http://schemas.microsoft.com/office/drawing/2014/main" xmlns:p14="http://schemas.microsoft.com/office/powerpoint/2010/main" xmlns:a14="http://schemas.microsoft.com/office/drawing/2010/main" xmlns="" val="10008"/>
                   </a:ext>
                 </a:extLst>
               </a:tr>
@@ -38383,42 +38383,42 @@
                 <a:gridCol w="977837">
                   <a:extLst>
                     <a:ext uri="{9D8B030D-6E8A-4147-A177-3AD203B41FA5}">
-                      <a16:colId xmlns:a16="http://schemas.microsoft.com/office/drawing/2014/main" xmlns="" val="2728497402"/>
+                      <a16:colId xmlns="" xmlns:a16="http://schemas.microsoft.com/office/drawing/2014/main" val="2728497402"/>
                     </a:ext>
                   </a:extLst>
                 </a:gridCol>
                 <a:gridCol w="1028700">
                   <a:extLst>
                     <a:ext uri="{9D8B030D-6E8A-4147-A177-3AD203B41FA5}">
-                      <a16:colId xmlns:a16="http://schemas.microsoft.com/office/drawing/2014/main" xmlns="" val="20000"/>
+                      <a16:colId xmlns="" xmlns:a16="http://schemas.microsoft.com/office/drawing/2014/main" val="20000"/>
                     </a:ext>
                   </a:extLst>
                 </a:gridCol>
                 <a:gridCol w="896566">
                   <a:extLst>
                     <a:ext uri="{9D8B030D-6E8A-4147-A177-3AD203B41FA5}">
-                      <a16:colId xmlns:a16="http://schemas.microsoft.com/office/drawing/2014/main" xmlns="" val="20001"/>
+                      <a16:colId xmlns="" xmlns:a16="http://schemas.microsoft.com/office/drawing/2014/main" val="20001"/>
                     </a:ext>
                   </a:extLst>
                 </a:gridCol>
                 <a:gridCol w="1427534">
                   <a:extLst>
                     <a:ext uri="{9D8B030D-6E8A-4147-A177-3AD203B41FA5}">
-                      <a16:colId xmlns:a16="http://schemas.microsoft.com/office/drawing/2014/main" xmlns="" val="20002"/>
+                      <a16:colId xmlns="" xmlns:a16="http://schemas.microsoft.com/office/drawing/2014/main" val="20002"/>
                     </a:ext>
                   </a:extLst>
                 </a:gridCol>
                 <a:gridCol w="4506090">
                   <a:extLst>
                     <a:ext uri="{9D8B030D-6E8A-4147-A177-3AD203B41FA5}">
-                      <a16:colId xmlns:a16="http://schemas.microsoft.com/office/drawing/2014/main" xmlns="" val="20003"/>
+                      <a16:colId xmlns="" xmlns:a16="http://schemas.microsoft.com/office/drawing/2014/main" val="20003"/>
                     </a:ext>
                   </a:extLst>
                 </a:gridCol>
                 <a:gridCol w="2891494">
                   <a:extLst>
                     <a:ext uri="{9D8B030D-6E8A-4147-A177-3AD203B41FA5}">
-                      <a16:colId xmlns:a16="http://schemas.microsoft.com/office/drawing/2014/main" xmlns="" val="20004"/>
+                      <a16:colId xmlns="" xmlns:a16="http://schemas.microsoft.com/office/drawing/2014/main" val="20004"/>
                     </a:ext>
                   </a:extLst>
                 </a:gridCol>
@@ -38659,7 +38659,7 @@
                 </a:tc>
                 <a:extLst>
                   <a:ext uri="{0D108BD9-81ED-4DB2-BD59-A6C34878D82A}">
-                    <a16:rowId xmlns:a16="http://schemas.microsoft.com/office/drawing/2014/main" xmlns="" val="10000"/>
+                    <a16:rowId xmlns="" xmlns:a16="http://schemas.microsoft.com/office/drawing/2014/main" val="10000"/>
                   </a:ext>
                 </a:extLst>
               </a:tr>
@@ -38845,7 +38845,7 @@
                 </a:tc>
                 <a:extLst>
                   <a:ext uri="{0D108BD9-81ED-4DB2-BD59-A6C34878D82A}">
-                    <a16:rowId xmlns:a16="http://schemas.microsoft.com/office/drawing/2014/main" xmlns="" val="10001"/>
+                    <a16:rowId xmlns="" xmlns:a16="http://schemas.microsoft.com/office/drawing/2014/main" val="10001"/>
                   </a:ext>
                 </a:extLst>
               </a:tr>
@@ -39041,7 +39041,7 @@
                 </a:tc>
                 <a:extLst>
                   <a:ext uri="{0D108BD9-81ED-4DB2-BD59-A6C34878D82A}">
-                    <a16:rowId xmlns:a16="http://schemas.microsoft.com/office/drawing/2014/main" xmlns="" val="10002"/>
+                    <a16:rowId xmlns="" xmlns:a16="http://schemas.microsoft.com/office/drawing/2014/main" val="10002"/>
                   </a:ext>
                 </a:extLst>
               </a:tr>
@@ -39221,7 +39221,7 @@
                 </a:tc>
                 <a:extLst>
                   <a:ext uri="{0D108BD9-81ED-4DB2-BD59-A6C34878D82A}">
-                    <a16:rowId xmlns:a16="http://schemas.microsoft.com/office/drawing/2014/main" xmlns="" val="2743832419"/>
+                    <a16:rowId xmlns="" xmlns:a16="http://schemas.microsoft.com/office/drawing/2014/main" val="2743832419"/>
                   </a:ext>
                 </a:extLst>
               </a:tr>
@@ -39381,7 +39381,7 @@
                 </a:tc>
                 <a:extLst>
                   <a:ext uri="{0D108BD9-81ED-4DB2-BD59-A6C34878D82A}">
-                    <a16:rowId xmlns:a16="http://schemas.microsoft.com/office/drawing/2014/main" xmlns="" val="10004"/>
+                    <a16:rowId xmlns="" xmlns:a16="http://schemas.microsoft.com/office/drawing/2014/main" val="10004"/>
                   </a:ext>
                 </a:extLst>
               </a:tr>
@@ -39538,7 +39538,7 @@
                 </a:tc>
                 <a:extLst>
                   <a:ext uri="{0D108BD9-81ED-4DB2-BD59-A6C34878D82A}">
-                    <a16:rowId xmlns:a16="http://schemas.microsoft.com/office/drawing/2014/main" xmlns="" val="10005"/>
+                    <a16:rowId xmlns="" xmlns:a16="http://schemas.microsoft.com/office/drawing/2014/main" val="10005"/>
                   </a:ext>
                 </a:extLst>
               </a:tr>
@@ -39675,7 +39675,7 @@
                 </a:tc>
                 <a:extLst>
                   <a:ext uri="{0D108BD9-81ED-4DB2-BD59-A6C34878D82A}">
-                    <a16:rowId xmlns:a16="http://schemas.microsoft.com/office/drawing/2014/main" xmlns="" val="2714929183"/>
+                    <a16:rowId xmlns="" xmlns:a16="http://schemas.microsoft.com/office/drawing/2014/main" val="2714929183"/>
                   </a:ext>
                 </a:extLst>
               </a:tr>
@@ -39758,7 +39758,7 @@
                 </a:tc>
                 <a:extLst>
                   <a:ext uri="{0D108BD9-81ED-4DB2-BD59-A6C34878D82A}">
-                    <a16:rowId xmlns:a16="http://schemas.microsoft.com/office/drawing/2014/main" xmlns="" val="756451213"/>
+                    <a16:rowId xmlns="" xmlns:a16="http://schemas.microsoft.com/office/drawing/2014/main" val="756451213"/>
                   </a:ext>
                 </a:extLst>
               </a:tr>
@@ -39941,7 +39941,7 @@
                 </a:tc>
                 <a:extLst>
                   <a:ext uri="{0D108BD9-81ED-4DB2-BD59-A6C34878D82A}">
-                    <a16:rowId xmlns:a16="http://schemas.microsoft.com/office/drawing/2014/main" xmlns="" val="10007"/>
+                    <a16:rowId xmlns="" xmlns:a16="http://schemas.microsoft.com/office/drawing/2014/main" val="10007"/>
                   </a:ext>
                 </a:extLst>
               </a:tr>
@@ -40397,42 +40397,42 @@
                 <a:gridCol w="1074386">
                   <a:extLst>
                     <a:ext uri="{9D8B030D-6E8A-4147-A177-3AD203B41FA5}">
-                      <a16:colId xmlns:a16="http://schemas.microsoft.com/office/drawing/2014/main" xmlns="" val="20000"/>
+                      <a16:colId xmlns="" xmlns:a16="http://schemas.microsoft.com/office/drawing/2014/main" val="20000"/>
                     </a:ext>
                   </a:extLst>
                 </a:gridCol>
                 <a:gridCol w="1153071">
                   <a:extLst>
                     <a:ext uri="{9D8B030D-6E8A-4147-A177-3AD203B41FA5}">
-                      <a16:colId xmlns:a16="http://schemas.microsoft.com/office/drawing/2014/main" xmlns="" val="3421738776"/>
+                      <a16:colId xmlns="" xmlns:a16="http://schemas.microsoft.com/office/drawing/2014/main" val="3421738776"/>
                     </a:ext>
                   </a:extLst>
                 </a:gridCol>
                 <a:gridCol w="969768">
                   <a:extLst>
                     <a:ext uri="{9D8B030D-6E8A-4147-A177-3AD203B41FA5}">
-                      <a16:colId xmlns:a16="http://schemas.microsoft.com/office/drawing/2014/main" xmlns="" val="20001"/>
+                      <a16:colId xmlns="" xmlns:a16="http://schemas.microsoft.com/office/drawing/2014/main" val="20001"/>
                     </a:ext>
                   </a:extLst>
                 </a:gridCol>
                 <a:gridCol w="1473200">
                   <a:extLst>
                     <a:ext uri="{9D8B030D-6E8A-4147-A177-3AD203B41FA5}">
-                      <a16:colId xmlns:a16="http://schemas.microsoft.com/office/drawing/2014/main" xmlns="" val="20002"/>
+                      <a16:colId xmlns="" xmlns:a16="http://schemas.microsoft.com/office/drawing/2014/main" val="20002"/>
                     </a:ext>
                   </a:extLst>
                 </a:gridCol>
                 <a:gridCol w="4013200">
                   <a:extLst>
                     <a:ext uri="{9D8B030D-6E8A-4147-A177-3AD203B41FA5}">
-                      <a16:colId xmlns:a16="http://schemas.microsoft.com/office/drawing/2014/main" xmlns="" val="20003"/>
+                      <a16:colId xmlns="" xmlns:a16="http://schemas.microsoft.com/office/drawing/2014/main" val="20003"/>
                     </a:ext>
                   </a:extLst>
                 </a:gridCol>
                 <a:gridCol w="3187699">
                   <a:extLst>
                     <a:ext uri="{9D8B030D-6E8A-4147-A177-3AD203B41FA5}">
-                      <a16:colId xmlns:a16="http://schemas.microsoft.com/office/drawing/2014/main" xmlns="" val="20004"/>
+                      <a16:colId xmlns="" xmlns:a16="http://schemas.microsoft.com/office/drawing/2014/main" val="20004"/>
                     </a:ext>
                   </a:extLst>
                 </a:gridCol>
@@ -40673,7 +40673,7 @@
                 </a:tc>
                 <a:extLst>
                   <a:ext uri="{0D108BD9-81ED-4DB2-BD59-A6C34878D82A}">
-                    <a16:rowId xmlns:a16="http://schemas.microsoft.com/office/drawing/2014/main" xmlns="" val="10000"/>
+                    <a16:rowId xmlns="" xmlns:a16="http://schemas.microsoft.com/office/drawing/2014/main" val="10000"/>
                   </a:ext>
                 </a:extLst>
               </a:tr>
@@ -40898,7 +40898,7 @@
                 </a:tc>
                 <a:extLst>
                   <a:ext uri="{0D108BD9-81ED-4DB2-BD59-A6C34878D82A}">
-                    <a16:rowId xmlns:a16="http://schemas.microsoft.com/office/drawing/2014/main" xmlns="" val="10003"/>
+                    <a16:rowId xmlns="" xmlns:a16="http://schemas.microsoft.com/office/drawing/2014/main" val="10003"/>
                   </a:ext>
                 </a:extLst>
               </a:tr>
@@ -41081,7 +41081,7 @@
                 </a:tc>
                 <a:extLst>
                   <a:ext uri="{0D108BD9-81ED-4DB2-BD59-A6C34878D82A}">
-                    <a16:rowId xmlns:a16="http://schemas.microsoft.com/office/drawing/2014/main" xmlns="" val="10004"/>
+                    <a16:rowId xmlns="" xmlns:a16="http://schemas.microsoft.com/office/drawing/2014/main" val="10004"/>
                   </a:ext>
                 </a:extLst>
               </a:tr>
@@ -41264,7 +41264,7 @@
                 </a:tc>
                 <a:extLst>
                   <a:ext uri="{0D108BD9-81ED-4DB2-BD59-A6C34878D82A}">
-                    <a16:rowId xmlns:a16="http://schemas.microsoft.com/office/drawing/2014/main" xmlns="" val="56228173"/>
+                    <a16:rowId xmlns="" xmlns:a16="http://schemas.microsoft.com/office/drawing/2014/main" val="56228173"/>
                   </a:ext>
                 </a:extLst>
               </a:tr>
@@ -41447,7 +41447,7 @@
                 </a:tc>
                 <a:extLst>
                   <a:ext uri="{0D108BD9-81ED-4DB2-BD59-A6C34878D82A}">
-                    <a16:rowId xmlns:a16="http://schemas.microsoft.com/office/drawing/2014/main" xmlns="" val="10005"/>
+                    <a16:rowId xmlns="" xmlns:a16="http://schemas.microsoft.com/office/drawing/2014/main" val="10005"/>
                   </a:ext>
                 </a:extLst>
               </a:tr>
@@ -41693,7 +41693,7 @@
                 </a:tc>
                 <a:extLst>
                   <a:ext uri="{0D108BD9-81ED-4DB2-BD59-A6C34878D82A}">
-                    <a16:rowId xmlns:a16="http://schemas.microsoft.com/office/drawing/2014/main" xmlns="" val="95556380"/>
+                    <a16:rowId xmlns="" xmlns:a16="http://schemas.microsoft.com/office/drawing/2014/main" val="95556380"/>
                   </a:ext>
                 </a:extLst>
               </a:tr>
@@ -41933,7 +41933,7 @@
                 </a:tc>
                 <a:extLst>
                   <a:ext uri="{0D108BD9-81ED-4DB2-BD59-A6C34878D82A}">
-                    <a16:rowId xmlns:a16="http://schemas.microsoft.com/office/drawing/2014/main" xmlns="" val="89238099"/>
+                    <a16:rowId xmlns="" xmlns:a16="http://schemas.microsoft.com/office/drawing/2014/main" val="89238099"/>
                   </a:ext>
                 </a:extLst>
               </a:tr>
@@ -42084,7 +42084,7 @@
                 </a:tc>
                 <a:extLst>
                   <a:ext uri="{0D108BD9-81ED-4DB2-BD59-A6C34878D82A}">
-                    <a16:rowId xmlns:a16="http://schemas.microsoft.com/office/drawing/2014/main" xmlns="" val="3781470431"/>
+                    <a16:rowId xmlns="" xmlns:a16="http://schemas.microsoft.com/office/drawing/2014/main" val="3781470431"/>
                   </a:ext>
                 </a:extLst>
               </a:tr>
@@ -42264,7 +42264,7 @@
                 </a:tc>
                 <a:extLst>
                   <a:ext uri="{0D108BD9-81ED-4DB2-BD59-A6C34878D82A}">
-                    <a16:rowId xmlns:a16="http://schemas.microsoft.com/office/drawing/2014/main" xmlns="" val="54731245"/>
+                    <a16:rowId xmlns="" xmlns:a16="http://schemas.microsoft.com/office/drawing/2014/main" val="54731245"/>
                   </a:ext>
                 </a:extLst>
               </a:tr>
@@ -42454,7 +42454,7 @@
                 </a:tc>
                 <a:extLst>
                   <a:ext uri="{0D108BD9-81ED-4DB2-BD59-A6C34878D82A}">
-                    <a16:rowId xmlns:a16="http://schemas.microsoft.com/office/drawing/2014/main" xmlns="" val="395080186"/>
+                    <a16:rowId xmlns="" xmlns:a16="http://schemas.microsoft.com/office/drawing/2014/main" val="395080186"/>
                   </a:ext>
                 </a:extLst>
               </a:tr>

--- a/CheckListTemplates/App_Data/TDMGuestServices.pptx
+++ b/CheckListTemplates/App_Data/TDMGuestServices.pptx
@@ -1,6 +1,6 @@
 
 <file path=ppt/presentation.xml><?xml version="1.0" encoding="utf-8"?>
-<p:presentation xmlns:a="http://schemas.openxmlformats.org/drawingml/2006/main" xmlns:r="http://schemas.openxmlformats.org/officeDocument/2006/relationships" xmlns:p="http://schemas.openxmlformats.org/presentationml/2006/main" saveSubsetFonts="1">
+<p:presentation xmlns:p15="http://schemas.microsoft.com/office/powerpoint/2012/main" xmlns:a="http://schemas.openxmlformats.org/drawingml/2006/main" xmlns:r="http://schemas.openxmlformats.org/officeDocument/2006/relationships" xmlns:p="http://schemas.openxmlformats.org/presentationml/2006/main" saveSubsetFonts="1">
   <p:sldMasterIdLst>
     <p:sldMasterId id="2147483685" r:id="rId1"/>
   </p:sldMasterIdLst>
@@ -137,7 +137,7 @@
 </file>
 
 <file path=ppt/charts/chart1.xml><?xml version="1.0" encoding="utf-8"?>
-<c:chartSpace xmlns:c="http://schemas.openxmlformats.org/drawingml/2006/chart" xmlns:a="http://schemas.openxmlformats.org/drawingml/2006/main" xmlns:r="http://schemas.openxmlformats.org/officeDocument/2006/relationships">
+<c:chartSpace xmlns:mc="http://schemas.openxmlformats.org/markup-compatibility/2006" xmlns:c14="http://schemas.microsoft.com/office/drawing/2007/8/2/chart" xmlns:c15="http://schemas.microsoft.com/office/drawing/2012/chart" xmlns:c="http://schemas.openxmlformats.org/drawingml/2006/chart" xmlns:a="http://schemas.openxmlformats.org/drawingml/2006/main" xmlns:r="http://schemas.openxmlformats.org/officeDocument/2006/relationships">
   <c:date1904 val="0"/>
   <c:lang val="en-US"/>
   <c:roundedCorners val="1"/>
@@ -176,7 +176,7 @@
               <c:strCache>
                 <c:ptCount val="1"/>
                 <c:pt idx="0">
-                  <c:v>Series 1</c:v>
+                  <c:v>Jun-2017</c:v>
                 </c:pt>
               </c:strCache>
             </c:strRef>
@@ -304,10 +304,10 @@
                   <c:v>0.05</c:v>
                 </c:pt>
                 <c:pt idx="1">
-                  <c:v>0.05</c:v>
+                  <c:v>0</c:v>
                 </c:pt>
                 <c:pt idx="2">
-                  <c:v>0.9</c:v>
+                  <c:v>0.95</c:v>
                 </c:pt>
               </c:numCache>
             </c:numRef>
@@ -323,11 +323,11 @@
         </c:dLbls>
         <c:gapWidth val="150"/>
         <c:overlap val="100"/>
-        <c:axId val="240594864"/>
-        <c:axId val="240597608"/>
+        <c:axId val="47117824"/>
+        <c:axId val="47119360"/>
       </c:barChart>
       <c:catAx>
-        <c:axId val="240594864"/>
+        <c:axId val="47117824"/>
         <c:scaling>
           <c:orientation val="minMax"/>
         </c:scaling>
@@ -351,7 +351,7 @@
             <a:endParaRPr lang="en-US"/>
           </a:p>
         </c:txPr>
-        <c:crossAx val="240597608"/>
+        <c:crossAx val="47119360"/>
         <c:crosses val="autoZero"/>
         <c:auto val="1"/>
         <c:lblAlgn val="ctr"/>
@@ -359,7 +359,7 @@
         <c:noMultiLvlLbl val="0"/>
       </c:catAx>
       <c:valAx>
-        <c:axId val="240597608"/>
+        <c:axId val="47119360"/>
         <c:scaling>
           <c:orientation val="minMax"/>
         </c:scaling>
@@ -369,7 +369,7 @@
         <c:majorTickMark val="out"/>
         <c:minorTickMark val="none"/>
         <c:tickLblPos val="nextTo"/>
-        <c:crossAx val="240594864"/>
+        <c:crossAx val="47117824"/>
         <c:crosses val="autoZero"/>
         <c:crossBetween val="between"/>
       </c:valAx>
@@ -416,7 +416,7 @@
 </file>
 
 <file path=ppt/charts/chart2.xml><?xml version="1.0" encoding="utf-8"?>
-<c:chartSpace xmlns:c="http://schemas.openxmlformats.org/drawingml/2006/chart" xmlns:a="http://schemas.openxmlformats.org/drawingml/2006/main" xmlns:r="http://schemas.openxmlformats.org/officeDocument/2006/relationships">
+<c:chartSpace xmlns:mc="http://schemas.openxmlformats.org/markup-compatibility/2006" xmlns:c14="http://schemas.microsoft.com/office/drawing/2007/8/2/chart" xmlns:c15="http://schemas.microsoft.com/office/drawing/2012/chart" xmlns:c="http://schemas.openxmlformats.org/drawingml/2006/chart" xmlns:a="http://schemas.openxmlformats.org/drawingml/2006/main" xmlns:r="http://schemas.openxmlformats.org/officeDocument/2006/relationships">
   <c:date1904 val="0"/>
   <c:lang val="en-US"/>
   <c:roundedCorners val="1"/>
@@ -445,7 +445,7 @@
               <c:strCache>
                 <c:ptCount val="1"/>
                 <c:pt idx="0">
-                  <c:v>Jan-17</c:v>
+                  <c:v>Jun-2017</c:v>
                 </c:pt>
               </c:strCache>
             </c:strRef>
@@ -482,7 +482,7 @@
             <c:showPercent val="0"/>
             <c:showBubbleSize val="0"/>
             <c:showLeaderLines val="0"/>
-            <c:extLst xmlns:c15="http://schemas.microsoft.com/office/drawing/2012/chart" xmlns:c14="http://schemas.microsoft.com/office/drawing/2007/8/2/chart" xmlns:mc="http://schemas.openxmlformats.org/markup-compatibility/2006">
+            <c:extLst xmlns:mc="http://schemas.openxmlformats.org/markup-compatibility/2006" xmlns:c14="http://schemas.microsoft.com/office/drawing/2007/8/2/chart" xmlns:c15="http://schemas.microsoft.com/office/drawing/2012/chart">
               <c:ext xmlns:c15="http://schemas.microsoft.com/office/drawing/2012/chart" uri="{CE6537A1-D6FC-4f65-9D91-7224C49458BB}">
                 <c15:layout/>
                 <c15:showLeaderLines val="1"/>
@@ -513,13 +513,13 @@
                 <c:formatCode>0%</c:formatCode>
                 <c:ptCount val="3"/>
                 <c:pt idx="0">
-                  <c:v>0.5</c:v>
+                  <c:v>0.05</c:v>
                 </c:pt>
                 <c:pt idx="1">
-                  <c:v>0.1</c:v>
+                  <c:v>0</c:v>
                 </c:pt>
                 <c:pt idx="2">
-                  <c:v>0.4</c:v>
+                  <c:v>0.95</c:v>
                 </c:pt>
               </c:numCache>
             </c:numRef>
@@ -571,7 +571,7 @@
             <c:showPercent val="0"/>
             <c:showBubbleSize val="0"/>
             <c:showLeaderLines val="0"/>
-            <c:extLst xmlns:c15="http://schemas.microsoft.com/office/drawing/2012/chart" xmlns:c14="http://schemas.microsoft.com/office/drawing/2007/8/2/chart" xmlns:mc="http://schemas.openxmlformats.org/markup-compatibility/2006">
+            <c:extLst xmlns:mc="http://schemas.openxmlformats.org/markup-compatibility/2006" xmlns:c14="http://schemas.microsoft.com/office/drawing/2007/8/2/chart" xmlns:c15="http://schemas.microsoft.com/office/drawing/2012/chart">
               <c:ext xmlns:c15="http://schemas.microsoft.com/office/drawing/2012/chart" uri="{CE6537A1-D6FC-4f65-9D91-7224C49458BB}">
                 <c15:layout/>
                 <c15:showLeaderLines val="1"/>
@@ -602,13 +602,13 @@
                 <c:formatCode>0%</c:formatCode>
                 <c:ptCount val="3"/>
                 <c:pt idx="0">
-                  <c:v>0.5</c:v>
+                  <c:v>0.15</c:v>
                 </c:pt>
                 <c:pt idx="1">
                   <c:v>0.1</c:v>
                 </c:pt>
                 <c:pt idx="2">
-                  <c:v>0.4</c:v>
+                  <c:v>0.75</c:v>
                 </c:pt>
               </c:numCache>
             </c:numRef>
@@ -660,7 +660,7 @@
             <c:showPercent val="0"/>
             <c:showBubbleSize val="0"/>
             <c:showLeaderLines val="0"/>
-            <c:extLst xmlns:c15="http://schemas.microsoft.com/office/drawing/2012/chart" xmlns:c14="http://schemas.microsoft.com/office/drawing/2007/8/2/chart" xmlns:mc="http://schemas.openxmlformats.org/markup-compatibility/2006">
+            <c:extLst xmlns:mc="http://schemas.openxmlformats.org/markup-compatibility/2006" xmlns:c14="http://schemas.microsoft.com/office/drawing/2007/8/2/chart" xmlns:c15="http://schemas.microsoft.com/office/drawing/2012/chart">
               <c:ext xmlns:c15="http://schemas.microsoft.com/office/drawing/2012/chart" uri="{CE6537A1-D6FC-4f65-9D91-7224C49458BB}">
                 <c15:layout/>
                 <c15:showLeaderLines val="1"/>
@@ -694,10 +694,10 @@
                   <c:v>0.5</c:v>
                 </c:pt>
                 <c:pt idx="1">
-                  <c:v>0.1</c:v>
+                  <c:v>0.7</c:v>
                 </c:pt>
                 <c:pt idx="2">
-                  <c:v>0.4</c:v>
+                  <c:v>0.25</c:v>
                 </c:pt>
               </c:numCache>
             </c:numRef>
@@ -749,7 +749,7 @@
             <c:showPercent val="0"/>
             <c:showBubbleSize val="0"/>
             <c:showLeaderLines val="0"/>
-            <c:extLst xmlns:c15="http://schemas.microsoft.com/office/drawing/2012/chart" xmlns:c14="http://schemas.microsoft.com/office/drawing/2007/8/2/chart" xmlns:mc="http://schemas.openxmlformats.org/markup-compatibility/2006">
+            <c:extLst xmlns:mc="http://schemas.openxmlformats.org/markup-compatibility/2006" xmlns:c14="http://schemas.microsoft.com/office/drawing/2007/8/2/chart" xmlns:c15="http://schemas.microsoft.com/office/drawing/2012/chart">
               <c:ext xmlns:c15="http://schemas.microsoft.com/office/drawing/2012/chart" uri="{CE6537A1-D6FC-4f65-9D91-7224C49458BB}">
                 <c15:layout/>
                 <c15:showLeaderLines val="1"/>
@@ -780,13 +780,13 @@
                 <c:formatCode>0%</c:formatCode>
                 <c:ptCount val="3"/>
                 <c:pt idx="0">
-                  <c:v>0.5</c:v>
+                  <c:v>0.35</c:v>
                 </c:pt>
                 <c:pt idx="1">
-                  <c:v>0.1</c:v>
+                  <c:v>0.4</c:v>
                 </c:pt>
                 <c:pt idx="2">
-                  <c:v>0.4</c:v>
+                  <c:v>0.25</c:v>
                 </c:pt>
               </c:numCache>
             </c:numRef>
@@ -801,11 +801,11 @@
           <c:showBubbleSize val="0"/>
         </c:dLbls>
         <c:gapWidth val="150"/>
-        <c:axId val="240601528"/>
-        <c:axId val="240600352"/>
+        <c:axId val="47558656"/>
+        <c:axId val="47560192"/>
       </c:barChart>
       <c:catAx>
-        <c:axId val="240601528"/>
+        <c:axId val="47558656"/>
         <c:scaling>
           <c:orientation val="minMax"/>
         </c:scaling>
@@ -829,7 +829,7 @@
             <a:endParaRPr lang="en-US"/>
           </a:p>
         </c:txPr>
-        <c:crossAx val="240600352"/>
+        <c:crossAx val="47560192"/>
         <c:crosses val="autoZero"/>
         <c:auto val="1"/>
         <c:lblAlgn val="ctr"/>
@@ -837,7 +837,7 @@
         <c:noMultiLvlLbl val="0"/>
       </c:catAx>
       <c:valAx>
-        <c:axId val="240600352"/>
+        <c:axId val="47560192"/>
         <c:scaling>
           <c:orientation val="minMax"/>
         </c:scaling>
@@ -857,7 +857,7 @@
         <c:spPr>
           <a:ln/>
         </c:spPr>
-        <c:crossAx val="240601528"/>
+        <c:crossAx val="47558656"/>
         <c:crosses val="autoZero"/>
         <c:crossBetween val="between"/>
       </c:valAx>
@@ -1550,11 +1550,11 @@
         </c:dLbls>
         <c:gapWidth val="100"/>
         <c:overlap val="-24"/>
-        <c:axId val="347866712"/>
-        <c:axId val="347862792"/>
+        <c:axId val="52536832"/>
+        <c:axId val="52538368"/>
       </c:barChart>
       <c:catAx>
-        <c:axId val="347866712"/>
+        <c:axId val="52536832"/>
         <c:scaling>
           <c:orientation val="minMax"/>
         </c:scaling>
@@ -1594,7 +1594,7 @@
             <a:endParaRPr lang="en-US"/>
           </a:p>
         </c:txPr>
-        <c:crossAx val="347862792"/>
+        <c:crossAx val="52538368"/>
         <c:crosses val="min"/>
         <c:auto val="1"/>
         <c:lblAlgn val="ctr"/>
@@ -1602,7 +1602,7 @@
         <c:noMultiLvlLbl val="0"/>
       </c:catAx>
       <c:valAx>
-        <c:axId val="347862792"/>
+        <c:axId val="52538368"/>
         <c:scaling>
           <c:orientation val="minMax"/>
           <c:max val="1"/>
@@ -1628,7 +1628,7 @@
         <c:majorTickMark val="none"/>
         <c:minorTickMark val="none"/>
         <c:tickLblPos val="low"/>
-        <c:crossAx val="347866712"/>
+        <c:crossAx val="52536832"/>
         <c:crosses val="min"/>
         <c:crossBetween val="between"/>
         <c:majorUnit val="0"/>
@@ -1710,7 +1710,7 @@
       <a:endParaRPr lang="en-US"/>
     </a:p>
   </c:txPr>
-  <c:externalData r:id="rId3">
+  <c:externalData r:id="rId1">
     <c:autoUpdate val="0"/>
   </c:externalData>
 </c:chartSpace>
@@ -1899,11 +1899,11 @@
         </c:dLbls>
         <c:gapWidth val="100"/>
         <c:overlap val="-24"/>
-        <c:axId val="347866320"/>
-        <c:axId val="347864752"/>
+        <c:axId val="46018560"/>
+        <c:axId val="46020096"/>
       </c:barChart>
       <c:catAx>
-        <c:axId val="347866320"/>
+        <c:axId val="46018560"/>
         <c:scaling>
           <c:orientation val="minMax"/>
         </c:scaling>
@@ -1943,7 +1943,7 @@
             <a:endParaRPr lang="en-US"/>
           </a:p>
         </c:txPr>
-        <c:crossAx val="347864752"/>
+        <c:crossAx val="46020096"/>
         <c:crosses val="min"/>
         <c:auto val="1"/>
         <c:lblAlgn val="ctr"/>
@@ -1951,7 +1951,7 @@
         <c:noMultiLvlLbl val="0"/>
       </c:catAx>
       <c:valAx>
-        <c:axId val="347864752"/>
+        <c:axId val="46020096"/>
         <c:scaling>
           <c:orientation val="minMax"/>
           <c:max val="1"/>
@@ -1977,7 +1977,7 @@
         <c:majorTickMark val="none"/>
         <c:minorTickMark val="none"/>
         <c:tickLblPos val="low"/>
-        <c:crossAx val="347866320"/>
+        <c:crossAx val="46018560"/>
         <c:crosses val="min"/>
         <c:crossBetween val="between"/>
         <c:majorUnit val="0"/>
@@ -2030,7 +2030,7 @@
       <a:endParaRPr lang="en-US"/>
     </a:p>
   </c:txPr>
-  <c:externalData r:id="rId3">
+  <c:externalData r:id="rId1">
     <c:autoUpdate val="0"/>
   </c:externalData>
 </c:chartSpace>
@@ -3940,19 +3940,9 @@
               <a:tab pos="403225" algn="l"/>
             </a:tabLst>
           </a:pPr>
-          <a:endParaRPr lang="en-US" sz="1600" dirty="0"/>
-        </a:p>
-        <a:p>
-          <a:pPr marL="349250" indent="0" algn="ctr">
-            <a:tabLst>
-              <a:tab pos="403225" algn="l"/>
-            </a:tabLst>
-          </a:pPr>
           <a:r>
-            <a:rPr lang="en-US" sz="4400" dirty="0" smtClean="0">
-              <a:latin typeface="Tw Cen MT Condensed" panose="020B0606020104020203" pitchFamily="34" charset="0"/>
-            </a:rPr>
-            <a:t>[Visits]</a:t>
+            <a:rPr lang="en-US" sz="4400" dirty="0" smtClean="0"/>
+            <a:t>VisitsSlide3</a:t>
           </a:r>
           <a:endParaRPr lang="en-US" sz="4400" dirty="0">
             <a:latin typeface="Tw Cen MT Condensed" panose="020B0606020104020203" pitchFamily="34" charset="0"/>
@@ -4051,7 +4041,7 @@
           <a:pPr algn="ctr"/>
           <a:r>
             <a:rPr lang="en-US" sz="4400" dirty="0" smtClean="0"/>
-            <a:t>[Score]</a:t>
+            <a:t>ScoreSlide3</a:t>
           </a:r>
           <a:endParaRPr lang="en-US" sz="4400" dirty="0"/>
         </a:p>
@@ -4669,29 +4659,12 @@
         </a:fontRef>
       </dsp:style>
       <dsp:txBody>
-        <a:bodyPr spcFirstLastPara="0" vert="horz" wrap="square" lIns="0" tIns="54864" rIns="0" bIns="0" numCol="1" spcCol="1270" anchor="t" anchorCtr="0">
+        <a:bodyPr spcFirstLastPara="0" vert="horz" wrap="square" lIns="0" tIns="150876" rIns="0" bIns="0" numCol="1" spcCol="1270" anchor="t" anchorCtr="0">
           <a:noAutofit/>
         </a:bodyPr>
         <a:lstStyle/>
         <a:p>
-          <a:pPr marL="349250" lvl="0" indent="0" algn="ctr" defTabSz="711200">
-            <a:lnSpc>
-              <a:spcPct val="90000"/>
-            </a:lnSpc>
-            <a:spcBef>
-              <a:spcPct val="0"/>
-            </a:spcBef>
-            <a:spcAft>
-              <a:spcPct val="35000"/>
-            </a:spcAft>
-            <a:tabLst>
-              <a:tab pos="403225" algn="l"/>
-            </a:tabLst>
-          </a:pPr>
-          <a:endParaRPr lang="en-US" sz="1600" kern="1200" dirty="0"/>
-        </a:p>
-        <a:p>
-          <a:pPr marL="349250" lvl="0" indent="0" algn="ctr" defTabSz="711200">
+          <a:pPr marL="349250" lvl="0" indent="0" algn="ctr" defTabSz="1955800">
             <a:lnSpc>
               <a:spcPct val="90000"/>
             </a:lnSpc>
@@ -4706,10 +4679,8 @@
             </a:tabLst>
           </a:pPr>
           <a:r>
-            <a:rPr lang="en-US" sz="4400" kern="1200" dirty="0" smtClean="0">
-              <a:latin typeface="Tw Cen MT Condensed" panose="020B0606020104020203" pitchFamily="34" charset="0"/>
-            </a:rPr>
-            <a:t>[Visits]</a:t>
+            <a:rPr lang="en-US" sz="4400" kern="1200" dirty="0" smtClean="0"/>
+            <a:t>VisitsSlide3</a:t>
           </a:r>
           <a:endParaRPr lang="en-US" sz="4400" kern="1200" dirty="0">
             <a:latin typeface="Tw Cen MT Condensed" panose="020B0606020104020203" pitchFamily="34" charset="0"/>
@@ -5048,7 +5019,7 @@
           </a:pPr>
           <a:r>
             <a:rPr lang="en-US" sz="4400" kern="1200" dirty="0" smtClean="0"/>
-            <a:t>[Score]</a:t>
+            <a:t>ScoreSlide3</a:t>
           </a:r>
           <a:endParaRPr lang="en-US" sz="4400" kern="1200" dirty="0"/>
         </a:p>
@@ -6645,7 +6616,7 @@
             <a:fld id="{B8D4DC83-3E1D-4C1F-AB39-E22BAFEFEAA8}" type="datetimeFigureOut">
               <a:rPr lang="en-US" smtClean="0"/>
               <a:pPr/>
-              <a:t>8/2/2017</a:t>
+              <a:t>8/3/2017</a:t>
             </a:fld>
             <a:endParaRPr lang="en-US" dirty="0"/>
           </a:p>
@@ -7898,7 +7869,7 @@
                 </a:solidFill>
               </a:rPr>
               <a:pPr/>
-              <a:t>8/2/2017</a:t>
+              <a:t>8/3/2017</a:t>
             </a:fld>
             <a:endParaRPr lang="en-US" dirty="0">
               <a:solidFill>
@@ -8098,7 +8069,7 @@
                 </a:solidFill>
               </a:rPr>
               <a:pPr/>
-              <a:t>8/2/2017</a:t>
+              <a:t>8/3/2017</a:t>
             </a:fld>
             <a:endParaRPr lang="en-US" dirty="0">
               <a:solidFill>
@@ -8308,7 +8279,7 @@
                 </a:solidFill>
               </a:rPr>
               <a:pPr/>
-              <a:t>8/2/2017</a:t>
+              <a:t>8/3/2017</a:t>
             </a:fld>
             <a:endParaRPr lang="en-US" dirty="0">
               <a:solidFill>
@@ -8508,7 +8479,7 @@
                 </a:solidFill>
               </a:rPr>
               <a:pPr/>
-              <a:t>8/2/2017</a:t>
+              <a:t>8/3/2017</a:t>
             </a:fld>
             <a:endParaRPr lang="en-US" dirty="0">
               <a:solidFill>
@@ -8785,7 +8756,7 @@
                 </a:solidFill>
               </a:rPr>
               <a:pPr/>
-              <a:t>8/2/2017</a:t>
+              <a:t>8/3/2017</a:t>
             </a:fld>
             <a:endParaRPr lang="en-US" dirty="0">
               <a:solidFill>
@@ -9046,7 +9017,7 @@
                 </a:solidFill>
               </a:rPr>
               <a:pPr/>
-              <a:t>8/2/2017</a:t>
+              <a:t>8/3/2017</a:t>
             </a:fld>
             <a:endParaRPr lang="en-US" dirty="0">
               <a:solidFill>
@@ -9442,7 +9413,7 @@
                 </a:solidFill>
               </a:rPr>
               <a:pPr/>
-              <a:t>8/2/2017</a:t>
+              <a:t>8/3/2017</a:t>
             </a:fld>
             <a:endParaRPr lang="en-US" dirty="0">
               <a:solidFill>
@@ -9591,7 +9562,7 @@
                 </a:solidFill>
               </a:rPr>
               <a:pPr/>
-              <a:t>8/2/2017</a:t>
+              <a:t>8/3/2017</a:t>
             </a:fld>
             <a:endParaRPr lang="en-US" dirty="0">
               <a:solidFill>
@@ -9718,7 +9689,7 @@
                 </a:solidFill>
               </a:rPr>
               <a:pPr/>
-              <a:t>8/2/2017</a:t>
+              <a:t>8/3/2017</a:t>
             </a:fld>
             <a:endParaRPr lang="en-US" dirty="0">
               <a:solidFill>
@@ -10025,7 +9996,7 @@
                 </a:solidFill>
               </a:rPr>
               <a:pPr/>
-              <a:t>8/2/2017</a:t>
+              <a:t>8/3/2017</a:t>
             </a:fld>
             <a:endParaRPr lang="en-US" dirty="0">
               <a:solidFill>
@@ -10309,7 +10280,7 @@
                 </a:solidFill>
               </a:rPr>
               <a:pPr/>
-              <a:t>8/2/2017</a:t>
+              <a:t>8/3/2017</a:t>
             </a:fld>
             <a:endParaRPr lang="en-US" dirty="0">
               <a:solidFill>
@@ -10396,7 +10367,7 @@
 </file>
 
 <file path=ppt/slideMasters/slideMaster1.xml><?xml version="1.0" encoding="utf-8"?>
-<p:sldMaster xmlns:a="http://schemas.openxmlformats.org/drawingml/2006/main" xmlns:r="http://schemas.openxmlformats.org/officeDocument/2006/relationships" xmlns:p="http://schemas.openxmlformats.org/presentationml/2006/main">
+<p:sldMaster xmlns:p14="http://schemas.microsoft.com/office/powerpoint/2010/main" xmlns:a="http://schemas.openxmlformats.org/drawingml/2006/main" xmlns:r="http://schemas.openxmlformats.org/officeDocument/2006/relationships" xmlns:p="http://schemas.openxmlformats.org/presentationml/2006/main">
   <p:cSld>
     <p:bg>
       <p:bgRef idx="1001">
@@ -10553,7 +10524,7 @@
                 <a:ea typeface="MS PGothic" pitchFamily="34" charset="-128"/>
               </a:rPr>
               <a:pPr/>
-              <a:t>8/2/2017</a:t>
+              <a:t>8/3/2017</a:t>
             </a:fld>
             <a:endParaRPr lang="en-US" dirty="0">
               <a:solidFill>
@@ -11367,7 +11338,7 @@
           <a:p>
             <a:fld id="{12AE51C9-88C8-41DD-A5F6-AF8AC58052B1}" type="datetime1">
               <a:rPr lang="en-US" smtClean="0"/>
-              <a:t>8/2/2017</a:t>
+              <a:t>8/3/2017</a:t>
             </a:fld>
             <a:endParaRPr lang="en-US"/>
           </a:p>
@@ -11713,42 +11684,42 @@
                 <a:gridCol w="791901">
                   <a:extLst>
                     <a:ext uri="{9D8B030D-6E8A-4147-A177-3AD203B41FA5}">
-                      <a16:colId xmlns="" xmlns:a16="http://schemas.microsoft.com/office/drawing/2014/main" val="20000"/>
+                      <a16:colId xmlns:a16="http://schemas.microsoft.com/office/drawing/2014/main" xmlns="" val="20000"/>
                     </a:ext>
                   </a:extLst>
                 </a:gridCol>
                 <a:gridCol w="1075286">
                   <a:extLst>
                     <a:ext uri="{9D8B030D-6E8A-4147-A177-3AD203B41FA5}">
-                      <a16:colId xmlns="" xmlns:a16="http://schemas.microsoft.com/office/drawing/2014/main" val="3421738776"/>
+                      <a16:colId xmlns:a16="http://schemas.microsoft.com/office/drawing/2014/main" xmlns="" val="3421738776"/>
                     </a:ext>
                   </a:extLst>
                 </a:gridCol>
                 <a:gridCol w="800100">
                   <a:extLst>
                     <a:ext uri="{9D8B030D-6E8A-4147-A177-3AD203B41FA5}">
-                      <a16:colId xmlns="" xmlns:a16="http://schemas.microsoft.com/office/drawing/2014/main" val="20001"/>
+                      <a16:colId xmlns:a16="http://schemas.microsoft.com/office/drawing/2014/main" xmlns="" val="20001"/>
                     </a:ext>
                   </a:extLst>
                 </a:gridCol>
                 <a:gridCol w="2032000">
                   <a:extLst>
                     <a:ext uri="{9D8B030D-6E8A-4147-A177-3AD203B41FA5}">
-                      <a16:colId xmlns="" xmlns:a16="http://schemas.microsoft.com/office/drawing/2014/main" val="20002"/>
+                      <a16:colId xmlns:a16="http://schemas.microsoft.com/office/drawing/2014/main" xmlns="" val="20002"/>
                     </a:ext>
                   </a:extLst>
                 </a:gridCol>
                 <a:gridCol w="3644900">
                   <a:extLst>
                     <a:ext uri="{9D8B030D-6E8A-4147-A177-3AD203B41FA5}">
-                      <a16:colId xmlns="" xmlns:a16="http://schemas.microsoft.com/office/drawing/2014/main" val="20003"/>
+                      <a16:colId xmlns:a16="http://schemas.microsoft.com/office/drawing/2014/main" xmlns="" val="20003"/>
                     </a:ext>
                   </a:extLst>
                 </a:gridCol>
                 <a:gridCol w="3302000">
                   <a:extLst>
                     <a:ext uri="{9D8B030D-6E8A-4147-A177-3AD203B41FA5}">
-                      <a16:colId xmlns="" xmlns:a16="http://schemas.microsoft.com/office/drawing/2014/main" val="20004"/>
+                      <a16:colId xmlns:a16="http://schemas.microsoft.com/office/drawing/2014/main" xmlns="" val="20004"/>
                     </a:ext>
                   </a:extLst>
                 </a:gridCol>
@@ -11989,7 +11960,7 @@
                 </a:tc>
                 <a:extLst>
                   <a:ext uri="{0D108BD9-81ED-4DB2-BD59-A6C34878D82A}">
-                    <a16:rowId xmlns="" xmlns:a16="http://schemas.microsoft.com/office/drawing/2014/main" val="10000"/>
+                    <a16:rowId xmlns:a16="http://schemas.microsoft.com/office/drawing/2014/main" xmlns="" val="10000"/>
                   </a:ext>
                 </a:extLst>
               </a:tr>
@@ -12155,7 +12126,7 @@
                 </a:tc>
                 <a:extLst>
                   <a:ext uri="{0D108BD9-81ED-4DB2-BD59-A6C34878D82A}">
-                    <a16:rowId xmlns="" xmlns:a16="http://schemas.microsoft.com/office/drawing/2014/main" val="10001"/>
+                    <a16:rowId xmlns:a16="http://schemas.microsoft.com/office/drawing/2014/main" xmlns="" val="10001"/>
                   </a:ext>
                 </a:extLst>
               </a:tr>
@@ -12318,7 +12289,7 @@
                 </a:tc>
                 <a:extLst>
                   <a:ext uri="{0D108BD9-81ED-4DB2-BD59-A6C34878D82A}">
-                    <a16:rowId xmlns="" xmlns:a16="http://schemas.microsoft.com/office/drawing/2014/main" val="10002"/>
+                    <a16:rowId xmlns:a16="http://schemas.microsoft.com/office/drawing/2014/main" xmlns="" val="10002"/>
                   </a:ext>
                 </a:extLst>
               </a:tr>
@@ -12481,7 +12452,7 @@
                 </a:tc>
                 <a:extLst>
                   <a:ext uri="{0D108BD9-81ED-4DB2-BD59-A6C34878D82A}">
-                    <a16:rowId xmlns="" xmlns:a16="http://schemas.microsoft.com/office/drawing/2014/main" val="10003"/>
+                    <a16:rowId xmlns:a16="http://schemas.microsoft.com/office/drawing/2014/main" xmlns="" val="10003"/>
                   </a:ext>
                 </a:extLst>
               </a:tr>
@@ -12677,7 +12648,7 @@
                 </a:tc>
                 <a:extLst>
                   <a:ext uri="{0D108BD9-81ED-4DB2-BD59-A6C34878D82A}">
-                    <a16:rowId xmlns="" xmlns:a16="http://schemas.microsoft.com/office/drawing/2014/main" val="10004"/>
+                    <a16:rowId xmlns:a16="http://schemas.microsoft.com/office/drawing/2014/main" xmlns="" val="10004"/>
                   </a:ext>
                 </a:extLst>
               </a:tr>
@@ -12876,7 +12847,7 @@
                 </a:tc>
                 <a:extLst>
                   <a:ext uri="{0D108BD9-81ED-4DB2-BD59-A6C34878D82A}">
-                    <a16:rowId xmlns="" xmlns:a16="http://schemas.microsoft.com/office/drawing/2014/main" val="2903103802"/>
+                    <a16:rowId xmlns:a16="http://schemas.microsoft.com/office/drawing/2014/main" xmlns="" val="2903103802"/>
                   </a:ext>
                 </a:extLst>
               </a:tr>
@@ -13039,7 +13010,7 @@
                 </a:tc>
                 <a:extLst>
                   <a:ext uri="{0D108BD9-81ED-4DB2-BD59-A6C34878D82A}">
-                    <a16:rowId xmlns="" xmlns:a16="http://schemas.microsoft.com/office/drawing/2014/main" val="56228173"/>
+                    <a16:rowId xmlns:a16="http://schemas.microsoft.com/office/drawing/2014/main" xmlns="" val="56228173"/>
                   </a:ext>
                 </a:extLst>
               </a:tr>
@@ -13282,7 +13253,7 @@
                 </a:tc>
                 <a:extLst>
                   <a:ext uri="{0D108BD9-81ED-4DB2-BD59-A6C34878D82A}">
-                    <a16:rowId xmlns="" xmlns:a16="http://schemas.microsoft.com/office/drawing/2014/main" val="10005"/>
+                    <a16:rowId xmlns:a16="http://schemas.microsoft.com/office/drawing/2014/main" xmlns="" val="10005"/>
                   </a:ext>
                 </a:extLst>
               </a:tr>
@@ -29618,7 +29589,7 @@
 </file>
 
 <file path=ppt/slides/slide2.xml><?xml version="1.0" encoding="utf-8"?>
-<p:sld xmlns:a="http://schemas.openxmlformats.org/drawingml/2006/main" xmlns:r="http://schemas.openxmlformats.org/officeDocument/2006/relationships" xmlns:p="http://schemas.openxmlformats.org/presentationml/2006/main">
+<p:sld xmlns:a14="http://schemas.microsoft.com/office/drawing/2010/main" xmlns:p14="http://schemas.microsoft.com/office/powerpoint/2010/main" xmlns:a="http://schemas.openxmlformats.org/drawingml/2006/main" xmlns:r="http://schemas.openxmlformats.org/officeDocument/2006/relationships" xmlns:p="http://schemas.openxmlformats.org/presentationml/2006/main">
   <p:cSld>
     <p:spTree>
       <p:nvGrpSpPr>
@@ -29935,7 +29906,7 @@
           <a:p>
             <a:fld id="{12AE51C9-88C8-41DD-A5F6-AF8AC58052B1}" type="datetime1">
               <a:rPr lang="en-US" smtClean="0"/>
-              <a:t>8/2/2017</a:t>
+              <a:t>8/3/2017</a:t>
             </a:fld>
             <a:endParaRPr lang="en-US"/>
           </a:p>
@@ -30135,7 +30106,48 @@
         <p:spPr>
           <a:xfrm>
             <a:off x="8213678" y="3805234"/>
-            <a:ext cx="881214" cy="923330"/>
+            <a:ext cx="881214" cy="1200329"/>
+          </a:xfrm>
+          <a:prstGeom prst="rect">
+            <a:avLst/>
+          </a:prstGeom>
+          <a:noFill/>
+        </p:spPr>
+        <p:txBody>
+          <a:bodyPr wrap="square" rtlCol="0">
+            <a:spAutoFit/>
+          </a:bodyPr>
+          <a:lstStyle/>
+          <a:p>
+            <a:pPr algn="ctr"/>
+            <a:r>
+              <a:rPr lang="en-US" b="1" dirty="0">
+                <a:solidFill>
+                  <a:srgbClr val="0070C0"/>
+                </a:solidFill>
+                <a:latin typeface="Tw Cen MT" panose="020B0602020104020603" pitchFamily="34" charset="0"/>
+              </a:rPr>
+              <a:t>ProfessionalImageSlide1</a:t>
+            </a:r>
+            <a:endParaRPr lang="en-US" b="1" dirty="0">
+              <a:solidFill>
+                <a:srgbClr val="0070C0"/>
+              </a:solidFill>
+              <a:latin typeface="Tw Cen MT" panose="020B0602020104020603" pitchFamily="34" charset="0"/>
+            </a:endParaRPr>
+          </a:p>
+        </p:txBody>
+      </p:sp>
+      <p:sp>
+        <p:nvSpPr>
+          <p:cNvPr id="67" name="TextBox 66"/>
+          <p:cNvSpPr txBox="1"/>
+          <p:nvPr/>
+        </p:nvSpPr>
+        <p:spPr>
+          <a:xfrm>
+            <a:off x="2688953" y="3761886"/>
+            <a:ext cx="849631" cy="1477328"/>
           </a:xfrm>
           <a:prstGeom prst="rect">
             <a:avLst/>
@@ -30156,84 +30168,7 @@
                 </a:solidFill>
                 <a:latin typeface="Tw Cen MT" panose="020B0602020104020603" pitchFamily="34" charset="0"/>
               </a:rPr>
-              <a:t>[</a:t>
-            </a:r>
-            <a:r>
-              <a:rPr lang="en-US" b="1" dirty="0" err="1" smtClean="0">
-                <a:solidFill>
-                  <a:srgbClr val="0070C0"/>
-                </a:solidFill>
-                <a:latin typeface="Tw Cen MT" panose="020B0602020104020603" pitchFamily="34" charset="0"/>
-              </a:rPr>
-              <a:t>ProfessionalImage</a:t>
-            </a:r>
-            <a:r>
-              <a:rPr lang="en-US" b="1" dirty="0" smtClean="0">
-                <a:solidFill>
-                  <a:srgbClr val="0070C0"/>
-                </a:solidFill>
-                <a:latin typeface="Tw Cen MT" panose="020B0602020104020603" pitchFamily="34" charset="0"/>
-              </a:rPr>
-              <a:t>]</a:t>
-            </a:r>
-            <a:endParaRPr lang="en-US" b="1" dirty="0">
-              <a:solidFill>
-                <a:srgbClr val="0070C0"/>
-              </a:solidFill>
-              <a:latin typeface="Tw Cen MT" panose="020B0602020104020603" pitchFamily="34" charset="0"/>
-            </a:endParaRPr>
-          </a:p>
-        </p:txBody>
-      </p:sp>
-      <p:sp>
-        <p:nvSpPr>
-          <p:cNvPr id="67" name="TextBox 66"/>
-          <p:cNvSpPr txBox="1"/>
-          <p:nvPr/>
-        </p:nvSpPr>
-        <p:spPr>
-          <a:xfrm>
-            <a:off x="2688953" y="3761886"/>
-            <a:ext cx="849631" cy="1200329"/>
-          </a:xfrm>
-          <a:prstGeom prst="rect">
-            <a:avLst/>
-          </a:prstGeom>
-          <a:noFill/>
-        </p:spPr>
-        <p:txBody>
-          <a:bodyPr wrap="square" rtlCol="0">
-            <a:spAutoFit/>
-          </a:bodyPr>
-          <a:lstStyle/>
-          <a:p>
-            <a:pPr algn="ctr"/>
-            <a:r>
-              <a:rPr lang="en-US" b="1" dirty="0" smtClean="0">
-                <a:solidFill>
-                  <a:srgbClr val="0070C0"/>
-                </a:solidFill>
-                <a:latin typeface="Tw Cen MT" panose="020B0602020104020603" pitchFamily="34" charset="0"/>
-              </a:rPr>
-              <a:t>[</a:t>
-            </a:r>
-            <a:r>
-              <a:rPr lang="en-US" b="1" dirty="0" err="1" smtClean="0">
-                <a:solidFill>
-                  <a:srgbClr val="0070C0"/>
-                </a:solidFill>
-                <a:latin typeface="Tw Cen MT" panose="020B0602020104020603" pitchFamily="34" charset="0"/>
-              </a:rPr>
-              <a:t>InterActionWithGuests</a:t>
-            </a:r>
-            <a:r>
-              <a:rPr lang="en-US" b="1" dirty="0" smtClean="0">
-                <a:solidFill>
-                  <a:srgbClr val="0070C0"/>
-                </a:solidFill>
-                <a:latin typeface="Tw Cen MT" panose="020B0602020104020603" pitchFamily="34" charset="0"/>
-              </a:rPr>
-              <a:t>]</a:t>
+              <a:t>InterActionWithGuestsSlide1</a:t>
             </a:r>
             <a:endParaRPr lang="en-US" b="1" dirty="0">
               <a:solidFill>
@@ -30253,7 +30188,7 @@
         <p:spPr>
           <a:xfrm>
             <a:off x="5385329" y="1204076"/>
-            <a:ext cx="938740" cy="923330"/>
+            <a:ext cx="938740" cy="1200329"/>
           </a:xfrm>
           <a:prstGeom prst="rect">
             <a:avLst/>
@@ -30268,13 +30203,13 @@
           <a:p>
             <a:pPr algn="ctr"/>
             <a:r>
-              <a:rPr lang="en-US" b="1" dirty="0" err="1" smtClean="0">
+              <a:rPr lang="en-US" b="1" dirty="0">
                 <a:solidFill>
                   <a:srgbClr val="0070C0"/>
                 </a:solidFill>
                 <a:latin typeface="Tw Cen MT" panose="020B0602020104020603" pitchFamily="34" charset="0"/>
               </a:rPr>
-              <a:t>ProductKnowledge</a:t>
+              <a:t>ProductKnowledgeSlide1</a:t>
             </a:r>
             <a:endParaRPr lang="en-US" b="1" dirty="0">
               <a:solidFill>
@@ -30537,7 +30472,7 @@
 </file>
 
 <file path=ppt/slides/slide3.xml><?xml version="1.0" encoding="utf-8"?>
-<p:sld xmlns:a="http://schemas.openxmlformats.org/drawingml/2006/main" xmlns:r="http://schemas.openxmlformats.org/officeDocument/2006/relationships" xmlns:p="http://schemas.openxmlformats.org/presentationml/2006/main">
+<p:sld xmlns:a14="http://schemas.microsoft.com/office/drawing/2010/main" xmlns:p14="http://schemas.microsoft.com/office/powerpoint/2010/main" xmlns:dgm="http://schemas.openxmlformats.org/drawingml/2006/diagram" xmlns:c="http://schemas.openxmlformats.org/drawingml/2006/chart" xmlns:a16="http://schemas.microsoft.com/office/drawing/2014/main" xmlns:a="http://schemas.openxmlformats.org/drawingml/2006/main" xmlns:r="http://schemas.openxmlformats.org/officeDocument/2006/relationships" xmlns:p="http://schemas.openxmlformats.org/presentationml/2006/main">
   <p:cSld>
     <p:spTree>
       <p:nvGrpSpPr>
@@ -30625,7 +30560,7 @@
           <a:p>
             <a:fld id="{12AE51C9-88C8-41DD-A5F6-AF8AC58052B1}" type="datetime1">
               <a:rPr lang="en-US" smtClean="0"/>
-              <a:t>8/2/2017</a:t>
+              <a:t>8/3/2017</a:t>
             </a:fld>
             <a:endParaRPr lang="en-US"/>
           </a:p>
@@ -31186,7 +31121,7 @@
           <p:nvPr>
             <p:extLst>
               <p:ext uri="{D42A27DB-BD31-4B8C-83A1-F6EECF244321}">
-                <p14:modId xmlns:p14="http://schemas.microsoft.com/office/powerpoint/2010/main" val="3087348644"/>
+                <p14:modId xmlns:p14="http://schemas.microsoft.com/office/powerpoint/2010/main" val="1891288659"/>
               </p:ext>
             </p:extLst>
           </p:nvPr>
@@ -31305,40 +31240,9 @@
                   <a:tab pos="403225" algn="l"/>
                 </a:tabLst>
               </a:pPr>
-              <a:endParaRPr lang="en-US" sz="1600" kern="1200" dirty="0"/>
-            </a:p>
-            <a:p>
-              <a:pPr marL="349250" lvl="0" indent="0" algn="ctr" defTabSz="711200">
-                <a:lnSpc>
-                  <a:spcPct val="90000"/>
-                </a:lnSpc>
-                <a:spcBef>
-                  <a:spcPct val="0"/>
-                </a:spcBef>
-                <a:spcAft>
-                  <a:spcPct val="35000"/>
-                </a:spcAft>
-                <a:tabLst>
-                  <a:tab pos="403225" algn="l"/>
-                </a:tabLst>
-              </a:pPr>
               <a:r>
-                <a:rPr lang="en-US" sz="4400" dirty="0" smtClean="0">
-                  <a:latin typeface="Tw Cen MT Condensed" panose="020B0606020104020203" pitchFamily="34" charset="0"/>
-                </a:rPr>
-                <a:t>[</a:t>
-              </a:r>
-              <a:r>
-                <a:rPr lang="en-US" sz="4400" dirty="0" err="1" smtClean="0">
-                  <a:latin typeface="Tw Cen MT Condensed" panose="020B0606020104020203" pitchFamily="34" charset="0"/>
-                </a:rPr>
-                <a:t>VisitsYTD</a:t>
-              </a:r>
-              <a:r>
-                <a:rPr lang="en-US" sz="4400" dirty="0" smtClean="0">
-                  <a:latin typeface="Tw Cen MT Condensed" panose="020B0606020104020203" pitchFamily="34" charset="0"/>
-                </a:rPr>
-                <a:t>]</a:t>
+                <a:rPr lang="en-US" sz="4400" dirty="0" smtClean="0"/>
+                <a:t>VisitsYTDSlide3</a:t>
               </a:r>
               <a:endParaRPr lang="en-US" sz="4400" kern="1200" dirty="0">
                 <a:latin typeface="Tw Cen MT Condensed" panose="020B0606020104020203" pitchFamily="34" charset="0"/>
@@ -31449,51 +31353,10 @@
                 </a:spcAft>
               </a:pPr>
               <a:r>
-                <a:rPr lang="en-US" sz="2000" kern="1200" dirty="0"/>
-                <a:t>   </a:t>
+                <a:rPr lang="en-US" sz="4400" dirty="0"/>
+                <a:t>ScoreYTDlide3</a:t>
               </a:r>
-              <a:r>
-                <a:rPr lang="en-US" sz="6000" kern="1200" cap="all" spc="83" dirty="0">
-                  <a:solidFill>
-                    <a:schemeClr val="bg1"/>
-                  </a:solidFill>
-                  <a:latin typeface="Tw Cen MT Condensed" panose="020B0606020104020203"/>
-                  <a:ea typeface="MS PGothic" pitchFamily="34" charset="-128"/>
-                  <a:cs typeface="+mn-cs"/>
-                </a:rPr>
-                <a:t>  </a:t>
-              </a:r>
-              <a:r>
-                <a:rPr lang="en-US" sz="4000" kern="1200" cap="all" spc="83" dirty="0" smtClean="0">
-                  <a:solidFill>
-                    <a:schemeClr val="bg1"/>
-                  </a:solidFill>
-                  <a:latin typeface="Tw Cen MT Condensed" panose="020B0606020104020203" pitchFamily="34" charset="0"/>
-                  <a:ea typeface="MS PGothic" pitchFamily="34" charset="-128"/>
-                </a:rPr>
-                <a:t>[</a:t>
-              </a:r>
-              <a:r>
-                <a:rPr lang="en-US" sz="4000" kern="1200" cap="all" spc="83" dirty="0" err="1" smtClean="0">
-                  <a:solidFill>
-                    <a:schemeClr val="bg1"/>
-                  </a:solidFill>
-                  <a:latin typeface="Tw Cen MT Condensed" panose="020B0606020104020203" pitchFamily="34" charset="0"/>
-                  <a:ea typeface="MS PGothic" pitchFamily="34" charset="-128"/>
-                </a:rPr>
-                <a:t>ScoreYTD</a:t>
-              </a:r>
-              <a:r>
-                <a:rPr lang="en-US" sz="4000" kern="1200" cap="all" spc="83" dirty="0" smtClean="0">
-                  <a:solidFill>
-                    <a:schemeClr val="bg1"/>
-                  </a:solidFill>
-                  <a:latin typeface="Tw Cen MT Condensed" panose="020B0606020104020203" pitchFamily="34" charset="0"/>
-                  <a:ea typeface="MS PGothic" pitchFamily="34" charset="-128"/>
-                </a:rPr>
-                <a:t>]</a:t>
-              </a:r>
-              <a:endParaRPr lang="en-US" sz="4000" dirty="0">
+              <a:endParaRPr lang="en-US" sz="4400" dirty="0">
                 <a:latin typeface="Tw Cen MT Condensed" panose="020B0606020104020203" pitchFamily="34" charset="0"/>
               </a:endParaRPr>
             </a:p>
@@ -31535,42 +31398,42 @@
                 <a:gridCol w="1765802">
                   <a:extLst>
                     <a:ext uri="{9D8B030D-6E8A-4147-A177-3AD203B41FA5}">
-                      <a16:colId xmlns:a16="http://schemas.microsoft.com/office/drawing/2014/main" xmlns:c="http://schemas.openxmlformats.org/drawingml/2006/chart" xmlns:dgm="http://schemas.openxmlformats.org/drawingml/2006/diagram" xmlns:p14="http://schemas.microsoft.com/office/powerpoint/2010/main" xmlns:a14="http://schemas.microsoft.com/office/drawing/2010/main" xmlns="" val="20000"/>
+                      <a16:colId xmlns:a14="http://schemas.microsoft.com/office/drawing/2010/main" xmlns:p14="http://schemas.microsoft.com/office/powerpoint/2010/main" xmlns:dgm="http://schemas.openxmlformats.org/drawingml/2006/diagram" xmlns:c="http://schemas.openxmlformats.org/drawingml/2006/chart" xmlns:a16="http://schemas.microsoft.com/office/drawing/2014/main" val="20000"/>
                     </a:ext>
                   </a:extLst>
                 </a:gridCol>
                 <a:gridCol w="718551">
                   <a:extLst>
                     <a:ext uri="{9D8B030D-6E8A-4147-A177-3AD203B41FA5}">
-                      <a16:colId xmlns:a16="http://schemas.microsoft.com/office/drawing/2014/main" xmlns:c="http://schemas.openxmlformats.org/drawingml/2006/chart" xmlns:dgm="http://schemas.openxmlformats.org/drawingml/2006/diagram" xmlns:p14="http://schemas.microsoft.com/office/powerpoint/2010/main" xmlns:a14="http://schemas.microsoft.com/office/drawing/2010/main" xmlns="" val="20001"/>
+                      <a16:colId xmlns:a14="http://schemas.microsoft.com/office/drawing/2010/main" xmlns:p14="http://schemas.microsoft.com/office/powerpoint/2010/main" xmlns:dgm="http://schemas.openxmlformats.org/drawingml/2006/diagram" xmlns:c="http://schemas.openxmlformats.org/drawingml/2006/chart" xmlns:a16="http://schemas.microsoft.com/office/drawing/2014/main" val="20001"/>
                     </a:ext>
                   </a:extLst>
                 </a:gridCol>
                 <a:gridCol w="802638">
                   <a:extLst>
                     <a:ext uri="{9D8B030D-6E8A-4147-A177-3AD203B41FA5}">
-                      <a16:colId xmlns:a16="http://schemas.microsoft.com/office/drawing/2014/main" xmlns:c="http://schemas.openxmlformats.org/drawingml/2006/chart" xmlns:dgm="http://schemas.openxmlformats.org/drawingml/2006/diagram" xmlns:p14="http://schemas.microsoft.com/office/powerpoint/2010/main" xmlns:a14="http://schemas.microsoft.com/office/drawing/2010/main" xmlns="" val="20002"/>
+                      <a16:colId xmlns:a14="http://schemas.microsoft.com/office/drawing/2010/main" xmlns:p14="http://schemas.microsoft.com/office/powerpoint/2010/main" xmlns:dgm="http://schemas.openxmlformats.org/drawingml/2006/diagram" xmlns:c="http://schemas.openxmlformats.org/drawingml/2006/chart" xmlns:a16="http://schemas.microsoft.com/office/drawing/2014/main" val="20002"/>
                     </a:ext>
                   </a:extLst>
                 </a:gridCol>
                 <a:gridCol w="859969">
                   <a:extLst>
                     <a:ext uri="{9D8B030D-6E8A-4147-A177-3AD203B41FA5}">
-                      <a16:colId xmlns:a16="http://schemas.microsoft.com/office/drawing/2014/main" xmlns:c="http://schemas.openxmlformats.org/drawingml/2006/chart" xmlns:dgm="http://schemas.openxmlformats.org/drawingml/2006/diagram" xmlns:p14="http://schemas.microsoft.com/office/powerpoint/2010/main" xmlns:a14="http://schemas.microsoft.com/office/drawing/2010/main" xmlns="" val="20003"/>
+                      <a16:colId xmlns:a14="http://schemas.microsoft.com/office/drawing/2010/main" xmlns:p14="http://schemas.microsoft.com/office/powerpoint/2010/main" xmlns:dgm="http://schemas.openxmlformats.org/drawingml/2006/diagram" xmlns:c="http://schemas.openxmlformats.org/drawingml/2006/chart" xmlns:a16="http://schemas.microsoft.com/office/drawing/2014/main" val="20003"/>
                     </a:ext>
                   </a:extLst>
                 </a:gridCol>
                 <a:gridCol w="859969">
                   <a:extLst>
                     <a:ext uri="{9D8B030D-6E8A-4147-A177-3AD203B41FA5}">
-                      <a16:colId xmlns:a16="http://schemas.microsoft.com/office/drawing/2014/main" xmlns:c="http://schemas.openxmlformats.org/drawingml/2006/chart" xmlns:dgm="http://schemas.openxmlformats.org/drawingml/2006/diagram" xmlns:p14="http://schemas.microsoft.com/office/powerpoint/2010/main" xmlns:a14="http://schemas.microsoft.com/office/drawing/2010/main" xmlns="" val="1623038515"/>
+                      <a16:colId xmlns:a14="http://schemas.microsoft.com/office/drawing/2010/main" xmlns:p14="http://schemas.microsoft.com/office/powerpoint/2010/main" xmlns:dgm="http://schemas.openxmlformats.org/drawingml/2006/diagram" xmlns:c="http://schemas.openxmlformats.org/drawingml/2006/chart" xmlns:a16="http://schemas.microsoft.com/office/drawing/2014/main" val="1623038515"/>
                     </a:ext>
                   </a:extLst>
                 </a:gridCol>
                 <a:gridCol w="676510">
                   <a:extLst>
                     <a:ext uri="{9D8B030D-6E8A-4147-A177-3AD203B41FA5}">
-                      <a16:colId xmlns:a16="http://schemas.microsoft.com/office/drawing/2014/main" xmlns:c="http://schemas.openxmlformats.org/drawingml/2006/chart" xmlns:dgm="http://schemas.openxmlformats.org/drawingml/2006/diagram" xmlns:p14="http://schemas.microsoft.com/office/powerpoint/2010/main" xmlns:a14="http://schemas.microsoft.com/office/drawing/2010/main" xmlns="" val="20004"/>
+                      <a16:colId xmlns:a14="http://schemas.microsoft.com/office/drawing/2010/main" xmlns:p14="http://schemas.microsoft.com/office/powerpoint/2010/main" xmlns:dgm="http://schemas.openxmlformats.org/drawingml/2006/diagram" xmlns:c="http://schemas.openxmlformats.org/drawingml/2006/chart" xmlns:a16="http://schemas.microsoft.com/office/drawing/2014/main" val="20004"/>
                     </a:ext>
                   </a:extLst>
                 </a:gridCol>
@@ -31814,7 +31677,7 @@
                 </a:tc>
                 <a:extLst>
                   <a:ext uri="{0D108BD9-81ED-4DB2-BD59-A6C34878D82A}">
-                    <a16:rowId xmlns:a16="http://schemas.microsoft.com/office/drawing/2014/main" xmlns:c="http://schemas.openxmlformats.org/drawingml/2006/chart" xmlns:dgm="http://schemas.openxmlformats.org/drawingml/2006/diagram" xmlns:p14="http://schemas.microsoft.com/office/powerpoint/2010/main" xmlns:a14="http://schemas.microsoft.com/office/drawing/2010/main" xmlns="" val="10000"/>
+                    <a16:rowId xmlns:a14="http://schemas.microsoft.com/office/drawing/2010/main" xmlns:p14="http://schemas.microsoft.com/office/powerpoint/2010/main" xmlns:dgm="http://schemas.openxmlformats.org/drawingml/2006/diagram" xmlns:c="http://schemas.openxmlformats.org/drawingml/2006/chart" xmlns:a16="http://schemas.microsoft.com/office/drawing/2014/main" val="10000"/>
                   </a:ext>
                 </a:extLst>
               </a:tr>
@@ -31995,7 +31858,7 @@
                 </a:tc>
                 <a:extLst>
                   <a:ext uri="{0D108BD9-81ED-4DB2-BD59-A6C34878D82A}">
-                    <a16:rowId xmlns:a16="http://schemas.microsoft.com/office/drawing/2014/main" xmlns:c="http://schemas.openxmlformats.org/drawingml/2006/chart" xmlns:dgm="http://schemas.openxmlformats.org/drawingml/2006/diagram" xmlns:p14="http://schemas.microsoft.com/office/powerpoint/2010/main" xmlns:a14="http://schemas.microsoft.com/office/drawing/2010/main" xmlns="" val="10001"/>
+                    <a16:rowId xmlns:a14="http://schemas.microsoft.com/office/drawing/2010/main" xmlns:p14="http://schemas.microsoft.com/office/powerpoint/2010/main" xmlns:dgm="http://schemas.openxmlformats.org/drawingml/2006/diagram" xmlns:c="http://schemas.openxmlformats.org/drawingml/2006/chart" xmlns:a16="http://schemas.microsoft.com/office/drawing/2014/main" val="10001"/>
                   </a:ext>
                 </a:extLst>
               </a:tr>
@@ -32099,7 +31962,7 @@
           <a:p>
             <a:fld id="{12AE51C9-88C8-41DD-A5F6-AF8AC58052B1}" type="datetime1">
               <a:rPr lang="en-US" smtClean="0"/>
-              <a:t>8/2/2017</a:t>
+              <a:t>8/3/2017</a:t>
             </a:fld>
             <a:endParaRPr lang="en-US"/>
           </a:p>
@@ -32802,7 +32665,7 @@
           <a:p>
             <a:fld id="{12AE51C9-88C8-41DD-A5F6-AF8AC58052B1}" type="datetime1">
               <a:rPr lang="en-US" smtClean="0"/>
-              <a:t>8/2/2017</a:t>
+              <a:t>8/3/2017</a:t>
             </a:fld>
             <a:endParaRPr lang="en-US"/>
           </a:p>
@@ -33410,7 +33273,7 @@
           <a:p>
             <a:fld id="{12AE51C9-88C8-41DD-A5F6-AF8AC58052B1}" type="datetime1">
               <a:rPr lang="en-US" smtClean="0"/>
-              <a:t>8/2/2017</a:t>
+              <a:t>8/3/2017</a:t>
             </a:fld>
             <a:endParaRPr lang="en-US"/>
           </a:p>
@@ -33756,42 +33619,42 @@
                 <a:gridCol w="807857">
                   <a:extLst>
                     <a:ext uri="{9D8B030D-6E8A-4147-A177-3AD203B41FA5}">
-                      <a16:colId xmlns="" xmlns:a16="http://schemas.microsoft.com/office/drawing/2014/main" val="2728497402"/>
+                      <a16:colId xmlns:a16="http://schemas.microsoft.com/office/drawing/2014/main" xmlns="" val="2728497402"/>
                     </a:ext>
                   </a:extLst>
                 </a:gridCol>
                 <a:gridCol w="1014306">
                   <a:extLst>
                     <a:ext uri="{9D8B030D-6E8A-4147-A177-3AD203B41FA5}">
-                      <a16:colId xmlns="" xmlns:a16="http://schemas.microsoft.com/office/drawing/2014/main" val="20000"/>
+                      <a16:colId xmlns:a16="http://schemas.microsoft.com/office/drawing/2014/main" xmlns="" val="20000"/>
                     </a:ext>
                   </a:extLst>
                 </a:gridCol>
                 <a:gridCol w="796995">
                   <a:extLst>
                     <a:ext uri="{9D8B030D-6E8A-4147-A177-3AD203B41FA5}">
-                      <a16:colId xmlns="" xmlns:a16="http://schemas.microsoft.com/office/drawing/2014/main" val="20001"/>
+                      <a16:colId xmlns:a16="http://schemas.microsoft.com/office/drawing/2014/main" xmlns="" val="20001"/>
                     </a:ext>
                   </a:extLst>
                 </a:gridCol>
                 <a:gridCol w="1131219">
                   <a:extLst>
                     <a:ext uri="{9D8B030D-6E8A-4147-A177-3AD203B41FA5}">
-                      <a16:colId xmlns="" xmlns:a16="http://schemas.microsoft.com/office/drawing/2014/main" val="20002"/>
+                      <a16:colId xmlns:a16="http://schemas.microsoft.com/office/drawing/2014/main" xmlns="" val="20002"/>
                     </a:ext>
                   </a:extLst>
                 </a:gridCol>
                 <a:gridCol w="5926047">
                   <a:extLst>
                     <a:ext uri="{9D8B030D-6E8A-4147-A177-3AD203B41FA5}">
-                      <a16:colId xmlns="" xmlns:a16="http://schemas.microsoft.com/office/drawing/2014/main" val="20003"/>
+                      <a16:colId xmlns:a16="http://schemas.microsoft.com/office/drawing/2014/main" xmlns="" val="20003"/>
                     </a:ext>
                   </a:extLst>
                 </a:gridCol>
                 <a:gridCol w="2204425">
                   <a:extLst>
                     <a:ext uri="{9D8B030D-6E8A-4147-A177-3AD203B41FA5}">
-                      <a16:colId xmlns="" xmlns:a16="http://schemas.microsoft.com/office/drawing/2014/main" val="20004"/>
+                      <a16:colId xmlns:a16="http://schemas.microsoft.com/office/drawing/2014/main" xmlns="" val="20004"/>
                     </a:ext>
                   </a:extLst>
                 </a:gridCol>
@@ -34032,7 +33895,7 @@
                 </a:tc>
                 <a:extLst>
                   <a:ext uri="{0D108BD9-81ED-4DB2-BD59-A6C34878D82A}">
-                    <a16:rowId xmlns="" xmlns:a16="http://schemas.microsoft.com/office/drawing/2014/main" val="10000"/>
+                    <a16:rowId xmlns:a16="http://schemas.microsoft.com/office/drawing/2014/main" xmlns="" val="10000"/>
                   </a:ext>
                 </a:extLst>
               </a:tr>
@@ -34253,7 +34116,7 @@
                 </a:tc>
                 <a:extLst>
                   <a:ext uri="{0D108BD9-81ED-4DB2-BD59-A6C34878D82A}">
-                    <a16:rowId xmlns="" xmlns:a16="http://schemas.microsoft.com/office/drawing/2014/main" val="10001"/>
+                    <a16:rowId xmlns:a16="http://schemas.microsoft.com/office/drawing/2014/main" xmlns="" val="10001"/>
                   </a:ext>
                 </a:extLst>
               </a:tr>
@@ -34455,7 +34318,7 @@
                 </a:tc>
                 <a:extLst>
                   <a:ext uri="{0D108BD9-81ED-4DB2-BD59-A6C34878D82A}">
-                    <a16:rowId xmlns="" xmlns:a16="http://schemas.microsoft.com/office/drawing/2014/main" val="10002"/>
+                    <a16:rowId xmlns:a16="http://schemas.microsoft.com/office/drawing/2014/main" xmlns="" val="10002"/>
                   </a:ext>
                 </a:extLst>
               </a:tr>
@@ -34733,7 +34596,7 @@
                 </a:tc>
                 <a:extLst>
                   <a:ext uri="{0D108BD9-81ED-4DB2-BD59-A6C34878D82A}">
-                    <a16:rowId xmlns="" xmlns:a16="http://schemas.microsoft.com/office/drawing/2014/main" val="3326529287"/>
+                    <a16:rowId xmlns:a16="http://schemas.microsoft.com/office/drawing/2014/main" xmlns="" val="3326529287"/>
                   </a:ext>
                 </a:extLst>
               </a:tr>
@@ -35015,7 +34878,7 @@
                 </a:tc>
                 <a:extLst>
                   <a:ext uri="{0D108BD9-81ED-4DB2-BD59-A6C34878D82A}">
-                    <a16:rowId xmlns="" xmlns:a16="http://schemas.microsoft.com/office/drawing/2014/main" val="10004"/>
+                    <a16:rowId xmlns:a16="http://schemas.microsoft.com/office/drawing/2014/main" xmlns="" val="10004"/>
                   </a:ext>
                 </a:extLst>
               </a:tr>
@@ -35225,7 +35088,7 @@
                 </a:tc>
                 <a:extLst>
                   <a:ext uri="{0D108BD9-81ED-4DB2-BD59-A6C34878D82A}">
-                    <a16:rowId xmlns="" xmlns:a16="http://schemas.microsoft.com/office/drawing/2014/main" val="10005"/>
+                    <a16:rowId xmlns:a16="http://schemas.microsoft.com/office/drawing/2014/main" xmlns="" val="10005"/>
                   </a:ext>
                 </a:extLst>
               </a:tr>
@@ -35451,7 +35314,7 @@
                 </a:tc>
                 <a:extLst>
                   <a:ext uri="{0D108BD9-81ED-4DB2-BD59-A6C34878D82A}">
-                    <a16:rowId xmlns="" xmlns:a16="http://schemas.microsoft.com/office/drawing/2014/main" val="10008"/>
+                    <a16:rowId xmlns:a16="http://schemas.microsoft.com/office/drawing/2014/main" xmlns="" val="10008"/>
                   </a:ext>
                 </a:extLst>
               </a:tr>
@@ -35473,7 +35336,7 @@
 </file>
 
 <file path=ppt/slides/slide7.xml><?xml version="1.0" encoding="utf-8"?>
-<p:sld xmlns:a="http://schemas.openxmlformats.org/drawingml/2006/main" xmlns:r="http://schemas.openxmlformats.org/officeDocument/2006/relationships" xmlns:p="http://schemas.openxmlformats.org/presentationml/2006/main">
+<p:sld xmlns:a14="http://schemas.microsoft.com/office/drawing/2010/main" xmlns:p14="http://schemas.microsoft.com/office/powerpoint/2010/main" xmlns:a16="http://schemas.microsoft.com/office/drawing/2014/main" xmlns:a="http://schemas.openxmlformats.org/drawingml/2006/main" xmlns:r="http://schemas.openxmlformats.org/officeDocument/2006/relationships" xmlns:p="http://schemas.openxmlformats.org/presentationml/2006/main">
   <p:cSld>
     <p:spTree>
       <p:nvGrpSpPr>
@@ -35561,7 +35424,7 @@
           <a:p>
             <a:fld id="{12AE51C9-88C8-41DD-A5F6-AF8AC58052B1}" type="datetime1">
               <a:rPr lang="en-US" smtClean="0"/>
-              <a:t>8/2/2017</a:t>
+              <a:t>8/3/2017</a:t>
             </a:fld>
             <a:endParaRPr lang="en-US"/>
           </a:p>
@@ -35907,42 +35770,42 @@
                 <a:gridCol w="991085">
                   <a:extLst>
                     <a:ext uri="{9D8B030D-6E8A-4147-A177-3AD203B41FA5}">
-                      <a16:colId xmlns:a16="http://schemas.microsoft.com/office/drawing/2014/main" xmlns:p14="http://schemas.microsoft.com/office/powerpoint/2010/main" xmlns:a14="http://schemas.microsoft.com/office/drawing/2010/main" xmlns="" val="2728497402"/>
+                      <a16:colId xmlns:a14="http://schemas.microsoft.com/office/drawing/2010/main" xmlns:p14="http://schemas.microsoft.com/office/powerpoint/2010/main" xmlns:a16="http://schemas.microsoft.com/office/drawing/2014/main" val="2728497402"/>
                     </a:ext>
                   </a:extLst>
                 </a:gridCol>
                 <a:gridCol w="1368795">
                   <a:extLst>
                     <a:ext uri="{9D8B030D-6E8A-4147-A177-3AD203B41FA5}">
-                      <a16:colId xmlns:a16="http://schemas.microsoft.com/office/drawing/2014/main" xmlns:p14="http://schemas.microsoft.com/office/powerpoint/2010/main" xmlns:a14="http://schemas.microsoft.com/office/drawing/2010/main" xmlns="" val="20000"/>
+                      <a16:colId xmlns:a14="http://schemas.microsoft.com/office/drawing/2010/main" xmlns:p14="http://schemas.microsoft.com/office/powerpoint/2010/main" xmlns:a16="http://schemas.microsoft.com/office/drawing/2014/main" val="20000"/>
                     </a:ext>
                   </a:extLst>
                 </a:gridCol>
                 <a:gridCol w="735745">
                   <a:extLst>
                     <a:ext uri="{9D8B030D-6E8A-4147-A177-3AD203B41FA5}">
-                      <a16:colId xmlns:a16="http://schemas.microsoft.com/office/drawing/2014/main" xmlns:p14="http://schemas.microsoft.com/office/powerpoint/2010/main" xmlns:a14="http://schemas.microsoft.com/office/drawing/2010/main" xmlns="" val="20001"/>
+                      <a16:colId xmlns:a14="http://schemas.microsoft.com/office/drawing/2010/main" xmlns:p14="http://schemas.microsoft.com/office/powerpoint/2010/main" xmlns:a16="http://schemas.microsoft.com/office/drawing/2014/main" val="20001"/>
                     </a:ext>
                   </a:extLst>
                 </a:gridCol>
                 <a:gridCol w="1371600">
                   <a:extLst>
                     <a:ext uri="{9D8B030D-6E8A-4147-A177-3AD203B41FA5}">
-                      <a16:colId xmlns:a16="http://schemas.microsoft.com/office/drawing/2014/main" xmlns:p14="http://schemas.microsoft.com/office/powerpoint/2010/main" xmlns:a14="http://schemas.microsoft.com/office/drawing/2010/main" xmlns="" val="20002"/>
+                      <a16:colId xmlns:a14="http://schemas.microsoft.com/office/drawing/2010/main" xmlns:p14="http://schemas.microsoft.com/office/powerpoint/2010/main" xmlns:a16="http://schemas.microsoft.com/office/drawing/2014/main" val="20002"/>
                     </a:ext>
                   </a:extLst>
                 </a:gridCol>
                 <a:gridCol w="5143500">
                   <a:extLst>
                     <a:ext uri="{9D8B030D-6E8A-4147-A177-3AD203B41FA5}">
-                      <a16:colId xmlns:a16="http://schemas.microsoft.com/office/drawing/2014/main" xmlns:p14="http://schemas.microsoft.com/office/powerpoint/2010/main" xmlns:a14="http://schemas.microsoft.com/office/drawing/2010/main" xmlns="" val="20003"/>
+                      <a16:colId xmlns:a14="http://schemas.microsoft.com/office/drawing/2010/main" xmlns:p14="http://schemas.microsoft.com/office/powerpoint/2010/main" xmlns:a16="http://schemas.microsoft.com/office/drawing/2014/main" val="20003"/>
                     </a:ext>
                   </a:extLst>
                 </a:gridCol>
                 <a:gridCol w="2324100">
                   <a:extLst>
                     <a:ext uri="{9D8B030D-6E8A-4147-A177-3AD203B41FA5}">
-                      <a16:colId xmlns:a16="http://schemas.microsoft.com/office/drawing/2014/main" xmlns:p14="http://schemas.microsoft.com/office/powerpoint/2010/main" xmlns:a14="http://schemas.microsoft.com/office/drawing/2010/main" xmlns="" val="20004"/>
+                      <a16:colId xmlns:a14="http://schemas.microsoft.com/office/drawing/2010/main" xmlns:p14="http://schemas.microsoft.com/office/powerpoint/2010/main" xmlns:a16="http://schemas.microsoft.com/office/drawing/2014/main" val="20004"/>
                     </a:ext>
                   </a:extLst>
                 </a:gridCol>
@@ -36183,7 +36046,7 @@
                 </a:tc>
                 <a:extLst>
                   <a:ext uri="{0D108BD9-81ED-4DB2-BD59-A6C34878D82A}">
-                    <a16:rowId xmlns:a16="http://schemas.microsoft.com/office/drawing/2014/main" xmlns:p14="http://schemas.microsoft.com/office/powerpoint/2010/main" xmlns:a14="http://schemas.microsoft.com/office/drawing/2010/main" xmlns="" val="10000"/>
+                    <a16:rowId xmlns:a14="http://schemas.microsoft.com/office/drawing/2010/main" xmlns:p14="http://schemas.microsoft.com/office/powerpoint/2010/main" xmlns:a16="http://schemas.microsoft.com/office/drawing/2014/main" val="10000"/>
                   </a:ext>
                 </a:extLst>
               </a:tr>
@@ -36366,7 +36229,7 @@
                 </a:tc>
                 <a:extLst>
                   <a:ext uri="{0D108BD9-81ED-4DB2-BD59-A6C34878D82A}">
-                    <a16:rowId xmlns:a16="http://schemas.microsoft.com/office/drawing/2014/main" xmlns:p14="http://schemas.microsoft.com/office/powerpoint/2010/main" xmlns:a14="http://schemas.microsoft.com/office/drawing/2010/main" xmlns="" val="10001"/>
+                    <a16:rowId xmlns:a14="http://schemas.microsoft.com/office/drawing/2010/main" xmlns:p14="http://schemas.microsoft.com/office/powerpoint/2010/main" xmlns:a16="http://schemas.microsoft.com/office/drawing/2014/main" val="10001"/>
                   </a:ext>
                 </a:extLst>
               </a:tr>
@@ -36572,7 +36435,7 @@
                 </a:tc>
                 <a:extLst>
                   <a:ext uri="{0D108BD9-81ED-4DB2-BD59-A6C34878D82A}">
-                    <a16:rowId xmlns:a16="http://schemas.microsoft.com/office/drawing/2014/main" xmlns:p14="http://schemas.microsoft.com/office/powerpoint/2010/main" xmlns:a14="http://schemas.microsoft.com/office/drawing/2010/main" xmlns="" val="10002"/>
+                    <a16:rowId xmlns:a14="http://schemas.microsoft.com/office/drawing/2010/main" xmlns:p14="http://schemas.microsoft.com/office/powerpoint/2010/main" xmlns:a16="http://schemas.microsoft.com/office/drawing/2014/main" val="10002"/>
                   </a:ext>
                 </a:extLst>
               </a:tr>
@@ -36758,7 +36621,7 @@
                 </a:tc>
                 <a:extLst>
                   <a:ext uri="{0D108BD9-81ED-4DB2-BD59-A6C34878D82A}">
-                    <a16:rowId xmlns:a16="http://schemas.microsoft.com/office/drawing/2014/main" xmlns:p14="http://schemas.microsoft.com/office/powerpoint/2010/main" xmlns:a14="http://schemas.microsoft.com/office/drawing/2010/main" xmlns="" val="10003"/>
+                    <a16:rowId xmlns:a14="http://schemas.microsoft.com/office/drawing/2010/main" xmlns:p14="http://schemas.microsoft.com/office/powerpoint/2010/main" xmlns:a16="http://schemas.microsoft.com/office/drawing/2014/main" val="10003"/>
                   </a:ext>
                 </a:extLst>
               </a:tr>
@@ -37012,7 +36875,7 @@
                 </a:tc>
                 <a:extLst>
                   <a:ext uri="{0D108BD9-81ED-4DB2-BD59-A6C34878D82A}">
-                    <a16:rowId xmlns:a16="http://schemas.microsoft.com/office/drawing/2014/main" xmlns:p14="http://schemas.microsoft.com/office/powerpoint/2010/main" xmlns:a14="http://schemas.microsoft.com/office/drawing/2010/main" xmlns="" val="3326529287"/>
+                    <a16:rowId xmlns:a14="http://schemas.microsoft.com/office/drawing/2010/main" xmlns:p14="http://schemas.microsoft.com/office/powerpoint/2010/main" xmlns:a16="http://schemas.microsoft.com/office/drawing/2014/main" val="3326529287"/>
                   </a:ext>
                 </a:extLst>
               </a:tr>
@@ -37215,7 +37078,7 @@
                 </a:tc>
                 <a:extLst>
                   <a:ext uri="{0D108BD9-81ED-4DB2-BD59-A6C34878D82A}">
-                    <a16:rowId xmlns:a16="http://schemas.microsoft.com/office/drawing/2014/main" xmlns:p14="http://schemas.microsoft.com/office/powerpoint/2010/main" xmlns:a14="http://schemas.microsoft.com/office/drawing/2010/main" xmlns="" val="10004"/>
+                    <a16:rowId xmlns:a14="http://schemas.microsoft.com/office/drawing/2010/main" xmlns:p14="http://schemas.microsoft.com/office/powerpoint/2010/main" xmlns:a16="http://schemas.microsoft.com/office/drawing/2014/main" val="10004"/>
                   </a:ext>
                 </a:extLst>
               </a:tr>
@@ -37398,7 +37261,7 @@
                 </a:tc>
                 <a:extLst>
                   <a:ext uri="{0D108BD9-81ED-4DB2-BD59-A6C34878D82A}">
-                    <a16:rowId xmlns:a16="http://schemas.microsoft.com/office/drawing/2014/main" xmlns:p14="http://schemas.microsoft.com/office/powerpoint/2010/main" xmlns:a14="http://schemas.microsoft.com/office/drawing/2010/main" xmlns="" val="10005"/>
+                    <a16:rowId xmlns:a14="http://schemas.microsoft.com/office/drawing/2010/main" xmlns:p14="http://schemas.microsoft.com/office/powerpoint/2010/main" xmlns:a16="http://schemas.microsoft.com/office/drawing/2014/main" val="10005"/>
                   </a:ext>
                 </a:extLst>
               </a:tr>
@@ -37561,7 +37424,7 @@
                 </a:tc>
                 <a:extLst>
                   <a:ext uri="{0D108BD9-81ED-4DB2-BD59-A6C34878D82A}">
-                    <a16:rowId xmlns:a16="http://schemas.microsoft.com/office/drawing/2014/main" xmlns:p14="http://schemas.microsoft.com/office/powerpoint/2010/main" xmlns:a14="http://schemas.microsoft.com/office/drawing/2010/main" xmlns="" val="10006"/>
+                    <a16:rowId xmlns:a14="http://schemas.microsoft.com/office/drawing/2010/main" xmlns:p14="http://schemas.microsoft.com/office/powerpoint/2010/main" xmlns:a16="http://schemas.microsoft.com/office/drawing/2014/main" val="10006"/>
                   </a:ext>
                 </a:extLst>
               </a:tr>
@@ -37744,7 +37607,7 @@
                 </a:tc>
                 <a:extLst>
                   <a:ext uri="{0D108BD9-81ED-4DB2-BD59-A6C34878D82A}">
-                    <a16:rowId xmlns:a16="http://schemas.microsoft.com/office/drawing/2014/main" xmlns:p14="http://schemas.microsoft.com/office/powerpoint/2010/main" xmlns:a14="http://schemas.microsoft.com/office/drawing/2010/main" xmlns="" val="10007"/>
+                    <a16:rowId xmlns:a14="http://schemas.microsoft.com/office/drawing/2010/main" xmlns:p14="http://schemas.microsoft.com/office/powerpoint/2010/main" xmlns:a16="http://schemas.microsoft.com/office/drawing/2014/main" val="10007"/>
                   </a:ext>
                 </a:extLst>
               </a:tr>
@@ -37927,7 +37790,7 @@
                 </a:tc>
                 <a:extLst>
                   <a:ext uri="{0D108BD9-81ED-4DB2-BD59-A6C34878D82A}">
-                    <a16:rowId xmlns:a16="http://schemas.microsoft.com/office/drawing/2014/main" xmlns:p14="http://schemas.microsoft.com/office/powerpoint/2010/main" xmlns:a14="http://schemas.microsoft.com/office/drawing/2010/main" xmlns="" val="10008"/>
+                    <a16:rowId xmlns:a14="http://schemas.microsoft.com/office/drawing/2010/main" xmlns:p14="http://schemas.microsoft.com/office/powerpoint/2010/main" xmlns:a16="http://schemas.microsoft.com/office/drawing/2014/main" val="10008"/>
                   </a:ext>
                 </a:extLst>
               </a:tr>
@@ -38037,7 +37900,7 @@
           <a:p>
             <a:fld id="{12AE51C9-88C8-41DD-A5F6-AF8AC58052B1}" type="datetime1">
               <a:rPr lang="en-US" smtClean="0"/>
-              <a:t>8/2/2017</a:t>
+              <a:t>8/3/2017</a:t>
             </a:fld>
             <a:endParaRPr lang="en-US"/>
           </a:p>
@@ -38383,42 +38246,42 @@
                 <a:gridCol w="977837">
                   <a:extLst>
                     <a:ext uri="{9D8B030D-6E8A-4147-A177-3AD203B41FA5}">
-                      <a16:colId xmlns="" xmlns:a16="http://schemas.microsoft.com/office/drawing/2014/main" val="2728497402"/>
+                      <a16:colId xmlns:a16="http://schemas.microsoft.com/office/drawing/2014/main" xmlns="" val="2728497402"/>
                     </a:ext>
                   </a:extLst>
                 </a:gridCol>
                 <a:gridCol w="1028700">
                   <a:extLst>
                     <a:ext uri="{9D8B030D-6E8A-4147-A177-3AD203B41FA5}">
-                      <a16:colId xmlns="" xmlns:a16="http://schemas.microsoft.com/office/drawing/2014/main" val="20000"/>
+                      <a16:colId xmlns:a16="http://schemas.microsoft.com/office/drawing/2014/main" xmlns="" val="20000"/>
                     </a:ext>
                   </a:extLst>
                 </a:gridCol>
                 <a:gridCol w="896566">
                   <a:extLst>
                     <a:ext uri="{9D8B030D-6E8A-4147-A177-3AD203B41FA5}">
-                      <a16:colId xmlns="" xmlns:a16="http://schemas.microsoft.com/office/drawing/2014/main" val="20001"/>
+                      <a16:colId xmlns:a16="http://schemas.microsoft.com/office/drawing/2014/main" xmlns="" val="20001"/>
                     </a:ext>
                   </a:extLst>
                 </a:gridCol>
                 <a:gridCol w="1427534">
                   <a:extLst>
                     <a:ext uri="{9D8B030D-6E8A-4147-A177-3AD203B41FA5}">
-                      <a16:colId xmlns="" xmlns:a16="http://schemas.microsoft.com/office/drawing/2014/main" val="20002"/>
+                      <a16:colId xmlns:a16="http://schemas.microsoft.com/office/drawing/2014/main" xmlns="" val="20002"/>
                     </a:ext>
                   </a:extLst>
                 </a:gridCol>
                 <a:gridCol w="4506090">
                   <a:extLst>
                     <a:ext uri="{9D8B030D-6E8A-4147-A177-3AD203B41FA5}">
-                      <a16:colId xmlns="" xmlns:a16="http://schemas.microsoft.com/office/drawing/2014/main" val="20003"/>
+                      <a16:colId xmlns:a16="http://schemas.microsoft.com/office/drawing/2014/main" xmlns="" val="20003"/>
                     </a:ext>
                   </a:extLst>
                 </a:gridCol>
                 <a:gridCol w="2891494">
                   <a:extLst>
                     <a:ext uri="{9D8B030D-6E8A-4147-A177-3AD203B41FA5}">
-                      <a16:colId xmlns="" xmlns:a16="http://schemas.microsoft.com/office/drawing/2014/main" val="20004"/>
+                      <a16:colId xmlns:a16="http://schemas.microsoft.com/office/drawing/2014/main" xmlns="" val="20004"/>
                     </a:ext>
                   </a:extLst>
                 </a:gridCol>
@@ -38659,7 +38522,7 @@
                 </a:tc>
                 <a:extLst>
                   <a:ext uri="{0D108BD9-81ED-4DB2-BD59-A6C34878D82A}">
-                    <a16:rowId xmlns="" xmlns:a16="http://schemas.microsoft.com/office/drawing/2014/main" val="10000"/>
+                    <a16:rowId xmlns:a16="http://schemas.microsoft.com/office/drawing/2014/main" xmlns="" val="10000"/>
                   </a:ext>
                 </a:extLst>
               </a:tr>
@@ -38845,7 +38708,7 @@
                 </a:tc>
                 <a:extLst>
                   <a:ext uri="{0D108BD9-81ED-4DB2-BD59-A6C34878D82A}">
-                    <a16:rowId xmlns="" xmlns:a16="http://schemas.microsoft.com/office/drawing/2014/main" val="10001"/>
+                    <a16:rowId xmlns:a16="http://schemas.microsoft.com/office/drawing/2014/main" xmlns="" val="10001"/>
                   </a:ext>
                 </a:extLst>
               </a:tr>
@@ -39041,7 +38904,7 @@
                 </a:tc>
                 <a:extLst>
                   <a:ext uri="{0D108BD9-81ED-4DB2-BD59-A6C34878D82A}">
-                    <a16:rowId xmlns="" xmlns:a16="http://schemas.microsoft.com/office/drawing/2014/main" val="10002"/>
+                    <a16:rowId xmlns:a16="http://schemas.microsoft.com/office/drawing/2014/main" xmlns="" val="10002"/>
                   </a:ext>
                 </a:extLst>
               </a:tr>
@@ -39221,7 +39084,7 @@
                 </a:tc>
                 <a:extLst>
                   <a:ext uri="{0D108BD9-81ED-4DB2-BD59-A6C34878D82A}">
-                    <a16:rowId xmlns="" xmlns:a16="http://schemas.microsoft.com/office/drawing/2014/main" val="2743832419"/>
+                    <a16:rowId xmlns:a16="http://schemas.microsoft.com/office/drawing/2014/main" xmlns="" val="2743832419"/>
                   </a:ext>
                 </a:extLst>
               </a:tr>
@@ -39381,7 +39244,7 @@
                 </a:tc>
                 <a:extLst>
                   <a:ext uri="{0D108BD9-81ED-4DB2-BD59-A6C34878D82A}">
-                    <a16:rowId xmlns="" xmlns:a16="http://schemas.microsoft.com/office/drawing/2014/main" val="10004"/>
+                    <a16:rowId xmlns:a16="http://schemas.microsoft.com/office/drawing/2014/main" xmlns="" val="10004"/>
                   </a:ext>
                 </a:extLst>
               </a:tr>
@@ -39538,7 +39401,7 @@
                 </a:tc>
                 <a:extLst>
                   <a:ext uri="{0D108BD9-81ED-4DB2-BD59-A6C34878D82A}">
-                    <a16:rowId xmlns="" xmlns:a16="http://schemas.microsoft.com/office/drawing/2014/main" val="10005"/>
+                    <a16:rowId xmlns:a16="http://schemas.microsoft.com/office/drawing/2014/main" xmlns="" val="10005"/>
                   </a:ext>
                 </a:extLst>
               </a:tr>
@@ -39675,7 +39538,7 @@
                 </a:tc>
                 <a:extLst>
                   <a:ext uri="{0D108BD9-81ED-4DB2-BD59-A6C34878D82A}">
-                    <a16:rowId xmlns="" xmlns:a16="http://schemas.microsoft.com/office/drawing/2014/main" val="2714929183"/>
+                    <a16:rowId xmlns:a16="http://schemas.microsoft.com/office/drawing/2014/main" xmlns="" val="2714929183"/>
                   </a:ext>
                 </a:extLst>
               </a:tr>
@@ -39758,7 +39621,7 @@
                 </a:tc>
                 <a:extLst>
                   <a:ext uri="{0D108BD9-81ED-4DB2-BD59-A6C34878D82A}">
-                    <a16:rowId xmlns="" xmlns:a16="http://schemas.microsoft.com/office/drawing/2014/main" val="756451213"/>
+                    <a16:rowId xmlns:a16="http://schemas.microsoft.com/office/drawing/2014/main" xmlns="" val="756451213"/>
                   </a:ext>
                 </a:extLst>
               </a:tr>
@@ -39941,7 +39804,7 @@
                 </a:tc>
                 <a:extLst>
                   <a:ext uri="{0D108BD9-81ED-4DB2-BD59-A6C34878D82A}">
-                    <a16:rowId xmlns="" xmlns:a16="http://schemas.microsoft.com/office/drawing/2014/main" val="10007"/>
+                    <a16:rowId xmlns:a16="http://schemas.microsoft.com/office/drawing/2014/main" xmlns="" val="10007"/>
                   </a:ext>
                 </a:extLst>
               </a:tr>
@@ -40051,7 +39914,7 @@
           <a:p>
             <a:fld id="{12AE51C9-88C8-41DD-A5F6-AF8AC58052B1}" type="datetime1">
               <a:rPr lang="en-US" smtClean="0"/>
-              <a:t>8/2/2017</a:t>
+              <a:t>8/3/2017</a:t>
             </a:fld>
             <a:endParaRPr lang="en-US"/>
           </a:p>
@@ -40397,42 +40260,42 @@
                 <a:gridCol w="1074386">
                   <a:extLst>
                     <a:ext uri="{9D8B030D-6E8A-4147-A177-3AD203B41FA5}">
-                      <a16:colId xmlns="" xmlns:a16="http://schemas.microsoft.com/office/drawing/2014/main" val="20000"/>
+                      <a16:colId xmlns:a16="http://schemas.microsoft.com/office/drawing/2014/main" xmlns="" val="20000"/>
                     </a:ext>
                   </a:extLst>
                 </a:gridCol>
                 <a:gridCol w="1153071">
                   <a:extLst>
                     <a:ext uri="{9D8B030D-6E8A-4147-A177-3AD203B41FA5}">
-                      <a16:colId xmlns="" xmlns:a16="http://schemas.microsoft.com/office/drawing/2014/main" val="3421738776"/>
+                      <a16:colId xmlns:a16="http://schemas.microsoft.com/office/drawing/2014/main" xmlns="" val="3421738776"/>
                     </a:ext>
                   </a:extLst>
                 </a:gridCol>
                 <a:gridCol w="969768">
                   <a:extLst>
                     <a:ext uri="{9D8B030D-6E8A-4147-A177-3AD203B41FA5}">
-                      <a16:colId xmlns="" xmlns:a16="http://schemas.microsoft.com/office/drawing/2014/main" val="20001"/>
+                      <a16:colId xmlns:a16="http://schemas.microsoft.com/office/drawing/2014/main" xmlns="" val="20001"/>
                     </a:ext>
                   </a:extLst>
                 </a:gridCol>
                 <a:gridCol w="1473200">
                   <a:extLst>
                     <a:ext uri="{9D8B030D-6E8A-4147-A177-3AD203B41FA5}">
-                      <a16:colId xmlns="" xmlns:a16="http://schemas.microsoft.com/office/drawing/2014/main" val="20002"/>
+                      <a16:colId xmlns:a16="http://schemas.microsoft.com/office/drawing/2014/main" xmlns="" val="20002"/>
                     </a:ext>
                   </a:extLst>
                 </a:gridCol>
                 <a:gridCol w="4013200">
                   <a:extLst>
                     <a:ext uri="{9D8B030D-6E8A-4147-A177-3AD203B41FA5}">
-                      <a16:colId xmlns="" xmlns:a16="http://schemas.microsoft.com/office/drawing/2014/main" val="20003"/>
+                      <a16:colId xmlns:a16="http://schemas.microsoft.com/office/drawing/2014/main" xmlns="" val="20003"/>
                     </a:ext>
                   </a:extLst>
                 </a:gridCol>
                 <a:gridCol w="3187699">
                   <a:extLst>
                     <a:ext uri="{9D8B030D-6E8A-4147-A177-3AD203B41FA5}">
-                      <a16:colId xmlns="" xmlns:a16="http://schemas.microsoft.com/office/drawing/2014/main" val="20004"/>
+                      <a16:colId xmlns:a16="http://schemas.microsoft.com/office/drawing/2014/main" xmlns="" val="20004"/>
                     </a:ext>
                   </a:extLst>
                 </a:gridCol>
@@ -40673,7 +40536,7 @@
                 </a:tc>
                 <a:extLst>
                   <a:ext uri="{0D108BD9-81ED-4DB2-BD59-A6C34878D82A}">
-                    <a16:rowId xmlns="" xmlns:a16="http://schemas.microsoft.com/office/drawing/2014/main" val="10000"/>
+                    <a16:rowId xmlns:a16="http://schemas.microsoft.com/office/drawing/2014/main" xmlns="" val="10000"/>
                   </a:ext>
                 </a:extLst>
               </a:tr>
@@ -40898,7 +40761,7 @@
                 </a:tc>
                 <a:extLst>
                   <a:ext uri="{0D108BD9-81ED-4DB2-BD59-A6C34878D82A}">
-                    <a16:rowId xmlns="" xmlns:a16="http://schemas.microsoft.com/office/drawing/2014/main" val="10003"/>
+                    <a16:rowId xmlns:a16="http://schemas.microsoft.com/office/drawing/2014/main" xmlns="" val="10003"/>
                   </a:ext>
                 </a:extLst>
               </a:tr>
@@ -41081,7 +40944,7 @@
                 </a:tc>
                 <a:extLst>
                   <a:ext uri="{0D108BD9-81ED-4DB2-BD59-A6C34878D82A}">
-                    <a16:rowId xmlns="" xmlns:a16="http://schemas.microsoft.com/office/drawing/2014/main" val="10004"/>
+                    <a16:rowId xmlns:a16="http://schemas.microsoft.com/office/drawing/2014/main" xmlns="" val="10004"/>
                   </a:ext>
                 </a:extLst>
               </a:tr>
@@ -41264,7 +41127,7 @@
                 </a:tc>
                 <a:extLst>
                   <a:ext uri="{0D108BD9-81ED-4DB2-BD59-A6C34878D82A}">
-                    <a16:rowId xmlns="" xmlns:a16="http://schemas.microsoft.com/office/drawing/2014/main" val="56228173"/>
+                    <a16:rowId xmlns:a16="http://schemas.microsoft.com/office/drawing/2014/main" xmlns="" val="56228173"/>
                   </a:ext>
                 </a:extLst>
               </a:tr>
@@ -41447,7 +41310,7 @@
                 </a:tc>
                 <a:extLst>
                   <a:ext uri="{0D108BD9-81ED-4DB2-BD59-A6C34878D82A}">
-                    <a16:rowId xmlns="" xmlns:a16="http://schemas.microsoft.com/office/drawing/2014/main" val="10005"/>
+                    <a16:rowId xmlns:a16="http://schemas.microsoft.com/office/drawing/2014/main" xmlns="" val="10005"/>
                   </a:ext>
                 </a:extLst>
               </a:tr>
@@ -41693,7 +41556,7 @@
                 </a:tc>
                 <a:extLst>
                   <a:ext uri="{0D108BD9-81ED-4DB2-BD59-A6C34878D82A}">
-                    <a16:rowId xmlns="" xmlns:a16="http://schemas.microsoft.com/office/drawing/2014/main" val="95556380"/>
+                    <a16:rowId xmlns:a16="http://schemas.microsoft.com/office/drawing/2014/main" xmlns="" val="95556380"/>
                   </a:ext>
                 </a:extLst>
               </a:tr>
@@ -41933,7 +41796,7 @@
                 </a:tc>
                 <a:extLst>
                   <a:ext uri="{0D108BD9-81ED-4DB2-BD59-A6C34878D82A}">
-                    <a16:rowId xmlns="" xmlns:a16="http://schemas.microsoft.com/office/drawing/2014/main" val="89238099"/>
+                    <a16:rowId xmlns:a16="http://schemas.microsoft.com/office/drawing/2014/main" xmlns="" val="89238099"/>
                   </a:ext>
                 </a:extLst>
               </a:tr>
@@ -42084,7 +41947,7 @@
                 </a:tc>
                 <a:extLst>
                   <a:ext uri="{0D108BD9-81ED-4DB2-BD59-A6C34878D82A}">
-                    <a16:rowId xmlns="" xmlns:a16="http://schemas.microsoft.com/office/drawing/2014/main" val="3781470431"/>
+                    <a16:rowId xmlns:a16="http://schemas.microsoft.com/office/drawing/2014/main" xmlns="" val="3781470431"/>
                   </a:ext>
                 </a:extLst>
               </a:tr>
@@ -42264,7 +42127,7 @@
                 </a:tc>
                 <a:extLst>
                   <a:ext uri="{0D108BD9-81ED-4DB2-BD59-A6C34878D82A}">
-                    <a16:rowId xmlns="" xmlns:a16="http://schemas.microsoft.com/office/drawing/2014/main" val="54731245"/>
+                    <a16:rowId xmlns:a16="http://schemas.microsoft.com/office/drawing/2014/main" xmlns="" val="54731245"/>
                   </a:ext>
                 </a:extLst>
               </a:tr>
@@ -42454,7 +42317,7 @@
                 </a:tc>
                 <a:extLst>
                   <a:ext uri="{0D108BD9-81ED-4DB2-BD59-A6C34878D82A}">
-                    <a16:rowId xmlns="" xmlns:a16="http://schemas.microsoft.com/office/drawing/2014/main" val="395080186"/>
+                    <a16:rowId xmlns:a16="http://schemas.microsoft.com/office/drawing/2014/main" xmlns="" val="395080186"/>
                   </a:ext>
                 </a:extLst>
               </a:tr>
@@ -42748,7 +42611,7 @@
   <a:extraClrSchemeLst/>
   <a:extLst>
     <a:ext uri="{05A4C25C-085E-4340-85A3-A5531E510DB2}">
-      <thm15:themeFamily xmlns:thm15="http://schemas.microsoft.com/office/thememl/2012/main" name="Office Theme" id="{62F939B6-93AF-4DB8-9C6B-D6C7DFDC589F}" vid="{4A3C46E8-61CC-4603-A589-7422A47A8E4A}"/>
+      <thm15:themeFamily xmlns:thm15="http://schemas.microsoft.com/office/thememl/2012/main" xmlns="" name="Office Theme" id="{62F939B6-93AF-4DB8-9C6B-D6C7DFDC589F}" vid="{4A3C46E8-61CC-4603-A589-7422A47A8E4A}"/>
     </a:ext>
   </a:extLst>
 </a:theme>
@@ -43009,7 +42872,7 @@
   <a:extraClrSchemeLst/>
   <a:extLst>
     <a:ext uri="{05A4C25C-085E-4340-85A3-A5531E510DB2}">
-      <thm15:themeFamily xmlns:thm15="http://schemas.microsoft.com/office/thememl/2012/main" name="Office Theme" id="{62F939B6-93AF-4DB8-9C6B-D6C7DFDC589F}" vid="{4A3C46E8-61CC-4603-A589-7422A47A8E4A}"/>
+      <thm15:themeFamily xmlns:thm15="http://schemas.microsoft.com/office/thememl/2012/main" xmlns="" name="Office Theme" id="{62F939B6-93AF-4DB8-9C6B-D6C7DFDC589F}" vid="{4A3C46E8-61CC-4603-A589-7422A47A8E4A}"/>
     </a:ext>
   </a:extLst>
 </a:theme>

--- a/CheckListTemplates/App_Data/TDMGuestServices.pptx
+++ b/CheckListTemplates/App_Data/TDMGuestServices.pptx
@@ -140,6 +140,473 @@
 <c:chartSpace xmlns:c="http://schemas.openxmlformats.org/drawingml/2006/chart" xmlns:a="http://schemas.openxmlformats.org/drawingml/2006/main" xmlns:r="http://schemas.openxmlformats.org/officeDocument/2006/relationships">
   <c:date1904 val="0"/>
   <c:lang val="en-US"/>
+  <c:roundedCorners val="0"/>
+  <mc:AlternateContent xmlns:mc="http://schemas.openxmlformats.org/markup-compatibility/2006">
+    <mc:Choice xmlns:c14="http://schemas.microsoft.com/office/drawing/2007/8/2/chart" Requires="c14">
+      <c14:style val="102"/>
+    </mc:Choice>
+    <mc:Fallback>
+      <c:style val="2"/>
+    </mc:Fallback>
+  </mc:AlternateContent>
+  <c:chart>
+    <c:title>
+      <c:tx>
+        <c:rich>
+          <a:bodyPr rot="0" spcFirstLastPara="1" vertOverflow="ellipsis" vert="horz" wrap="square" anchor="ctr" anchorCtr="1"/>
+          <a:lstStyle/>
+          <a:p>
+            <a:pPr>
+              <a:defRPr sz="1862" b="0" i="0" u="none" strike="noStrike" kern="1200" spc="0" baseline="0">
+                <a:solidFill>
+                  <a:schemeClr val="tx1">
+                    <a:lumMod val="65000"/>
+                    <a:lumOff val="35000"/>
+                  </a:schemeClr>
+                </a:solidFill>
+                <a:latin typeface="+mn-lt"/>
+                <a:ea typeface="+mn-ea"/>
+                <a:cs typeface="+mn-cs"/>
+              </a:defRPr>
+            </a:pPr>
+            <a:r>
+              <a:rPr lang="en-US" dirty="0"/>
+              <a:t>Chart </a:t>
+            </a:r>
+            <a:r>
+              <a:rPr lang="en-US" dirty="0" smtClean="0"/>
+              <a:t>Title1</a:t>
+            </a:r>
+            <a:endParaRPr lang="en-US" dirty="0"/>
+          </a:p>
+        </c:rich>
+      </c:tx>
+      <c:layout/>
+      <c:overlay val="0"/>
+      <c:spPr>
+        <a:noFill/>
+        <a:ln>
+          <a:noFill/>
+        </a:ln>
+        <a:effectLst/>
+      </c:spPr>
+      <c:txPr>
+        <a:bodyPr rot="0" spcFirstLastPara="1" vertOverflow="ellipsis" vert="horz" wrap="square" anchor="ctr" anchorCtr="1"/>
+        <a:lstStyle/>
+        <a:p>
+          <a:pPr>
+            <a:defRPr sz="1862" b="0" i="0" u="none" strike="noStrike" kern="1200" spc="0" baseline="0">
+              <a:solidFill>
+                <a:schemeClr val="tx1">
+                  <a:lumMod val="65000"/>
+                  <a:lumOff val="35000"/>
+                </a:schemeClr>
+              </a:solidFill>
+              <a:latin typeface="+mn-lt"/>
+              <a:ea typeface="+mn-ea"/>
+              <a:cs typeface="+mn-cs"/>
+            </a:defRPr>
+          </a:pPr>
+          <a:endParaRPr lang="en-US"/>
+        </a:p>
+      </c:txPr>
+    </c:title>
+    <c:autoTitleDeleted val="0"/>
+    <c:plotArea>
+      <c:layout/>
+      <c:barChart>
+        <c:barDir val="col"/>
+        <c:grouping val="clustered"/>
+        <c:varyColors val="0"/>
+        <c:ser>
+          <c:idx val="0"/>
+          <c:order val="0"/>
+          <c:tx>
+            <c:strRef>
+              <c:f>Sheet1!$B$1</c:f>
+              <c:strCache>
+                <c:ptCount val="1"/>
+                <c:pt idx="0">
+                  <c:v>Series 1</c:v>
+                </c:pt>
+              </c:strCache>
+            </c:strRef>
+          </c:tx>
+          <c:spPr>
+            <a:solidFill>
+              <a:schemeClr val="accent1"/>
+            </a:solidFill>
+            <a:ln>
+              <a:noFill/>
+            </a:ln>
+            <a:effectLst/>
+          </c:spPr>
+          <c:invertIfNegative val="0"/>
+          <c:cat>
+            <c:strRef>
+              <c:f>Sheet1!$A$2:$A$5</c:f>
+              <c:strCache>
+                <c:ptCount val="4"/>
+                <c:pt idx="0">
+                  <c:v>Category 1</c:v>
+                </c:pt>
+                <c:pt idx="1">
+                  <c:v>Category 2</c:v>
+                </c:pt>
+                <c:pt idx="2">
+                  <c:v>Category 3</c:v>
+                </c:pt>
+                <c:pt idx="3">
+                  <c:v>Category 4</c:v>
+                </c:pt>
+              </c:strCache>
+            </c:strRef>
+          </c:cat>
+          <c:val>
+            <c:numRef>
+              <c:f>Sheet1!$B$2:$B$5</c:f>
+              <c:numCache>
+                <c:formatCode>General</c:formatCode>
+                <c:ptCount val="4"/>
+                <c:pt idx="0">
+                  <c:v>4.3</c:v>
+                </c:pt>
+                <c:pt idx="1">
+                  <c:v>2.5</c:v>
+                </c:pt>
+                <c:pt idx="2">
+                  <c:v>3.5</c:v>
+                </c:pt>
+                <c:pt idx="3">
+                  <c:v>4.5</c:v>
+                </c:pt>
+              </c:numCache>
+            </c:numRef>
+          </c:val>
+        </c:ser>
+        <c:ser>
+          <c:idx val="1"/>
+          <c:order val="1"/>
+          <c:tx>
+            <c:strRef>
+              <c:f>Sheet1!$C$1</c:f>
+              <c:strCache>
+                <c:ptCount val="1"/>
+                <c:pt idx="0">
+                  <c:v>Series 2</c:v>
+                </c:pt>
+              </c:strCache>
+            </c:strRef>
+          </c:tx>
+          <c:spPr>
+            <a:solidFill>
+              <a:schemeClr val="accent2"/>
+            </a:solidFill>
+            <a:ln>
+              <a:noFill/>
+            </a:ln>
+            <a:effectLst/>
+          </c:spPr>
+          <c:invertIfNegative val="0"/>
+          <c:cat>
+            <c:strRef>
+              <c:f>Sheet1!$A$2:$A$5</c:f>
+              <c:strCache>
+                <c:ptCount val="4"/>
+                <c:pt idx="0">
+                  <c:v>Category 1</c:v>
+                </c:pt>
+                <c:pt idx="1">
+                  <c:v>Category 2</c:v>
+                </c:pt>
+                <c:pt idx="2">
+                  <c:v>Category 3</c:v>
+                </c:pt>
+                <c:pt idx="3">
+                  <c:v>Category 4</c:v>
+                </c:pt>
+              </c:strCache>
+            </c:strRef>
+          </c:cat>
+          <c:val>
+            <c:numRef>
+              <c:f>Sheet1!$C$2:$C$5</c:f>
+              <c:numCache>
+                <c:formatCode>General</c:formatCode>
+                <c:ptCount val="4"/>
+                <c:pt idx="0">
+                  <c:v>2.4</c:v>
+                </c:pt>
+                <c:pt idx="1">
+                  <c:v>4.4000000000000004</c:v>
+                </c:pt>
+                <c:pt idx="2">
+                  <c:v>1.8</c:v>
+                </c:pt>
+                <c:pt idx="3">
+                  <c:v>2.8</c:v>
+                </c:pt>
+              </c:numCache>
+            </c:numRef>
+          </c:val>
+        </c:ser>
+        <c:ser>
+          <c:idx val="2"/>
+          <c:order val="2"/>
+          <c:tx>
+            <c:strRef>
+              <c:f>Sheet1!$D$1</c:f>
+              <c:strCache>
+                <c:ptCount val="1"/>
+                <c:pt idx="0">
+                  <c:v>Series 3</c:v>
+                </c:pt>
+              </c:strCache>
+            </c:strRef>
+          </c:tx>
+          <c:spPr>
+            <a:solidFill>
+              <a:schemeClr val="accent3"/>
+            </a:solidFill>
+            <a:ln>
+              <a:noFill/>
+            </a:ln>
+            <a:effectLst/>
+          </c:spPr>
+          <c:invertIfNegative val="0"/>
+          <c:cat>
+            <c:strRef>
+              <c:f>Sheet1!$A$2:$A$5</c:f>
+              <c:strCache>
+                <c:ptCount val="4"/>
+                <c:pt idx="0">
+                  <c:v>Category 1</c:v>
+                </c:pt>
+                <c:pt idx="1">
+                  <c:v>Category 2</c:v>
+                </c:pt>
+                <c:pt idx="2">
+                  <c:v>Category 3</c:v>
+                </c:pt>
+                <c:pt idx="3">
+                  <c:v>Category 4</c:v>
+                </c:pt>
+              </c:strCache>
+            </c:strRef>
+          </c:cat>
+          <c:val>
+            <c:numRef>
+              <c:f>Sheet1!$D$2:$D$5</c:f>
+              <c:numCache>
+                <c:formatCode>General</c:formatCode>
+                <c:ptCount val="4"/>
+                <c:pt idx="0">
+                  <c:v>2</c:v>
+                </c:pt>
+                <c:pt idx="1">
+                  <c:v>2</c:v>
+                </c:pt>
+                <c:pt idx="2">
+                  <c:v>3</c:v>
+                </c:pt>
+                <c:pt idx="3">
+                  <c:v>5</c:v>
+                </c:pt>
+              </c:numCache>
+            </c:numRef>
+          </c:val>
+        </c:ser>
+        <c:dLbls>
+          <c:showLegendKey val="0"/>
+          <c:showVal val="0"/>
+          <c:showCatName val="0"/>
+          <c:showSerName val="0"/>
+          <c:showPercent val="0"/>
+          <c:showBubbleSize val="0"/>
+        </c:dLbls>
+        <c:gapWidth val="219"/>
+        <c:overlap val="-27"/>
+        <c:axId val="564292536"/>
+        <c:axId val="564288616"/>
+      </c:barChart>
+      <c:catAx>
+        <c:axId val="564292536"/>
+        <c:scaling>
+          <c:orientation val="minMax"/>
+        </c:scaling>
+        <c:delete val="0"/>
+        <c:axPos val="b"/>
+        <c:numFmt formatCode="General" sourceLinked="1"/>
+        <c:majorTickMark val="none"/>
+        <c:minorTickMark val="none"/>
+        <c:tickLblPos val="nextTo"/>
+        <c:spPr>
+          <a:noFill/>
+          <a:ln w="9525" cap="flat" cmpd="sng" algn="ctr">
+            <a:solidFill>
+              <a:schemeClr val="tx1">
+                <a:lumMod val="15000"/>
+                <a:lumOff val="85000"/>
+              </a:schemeClr>
+            </a:solidFill>
+            <a:round/>
+          </a:ln>
+          <a:effectLst/>
+        </c:spPr>
+        <c:txPr>
+          <a:bodyPr rot="-60000000" spcFirstLastPara="1" vertOverflow="ellipsis" vert="horz" wrap="square" anchor="ctr" anchorCtr="1"/>
+          <a:lstStyle/>
+          <a:p>
+            <a:pPr>
+              <a:defRPr sz="1197" b="0" i="0" u="none" strike="noStrike" kern="1200" baseline="0">
+                <a:solidFill>
+                  <a:schemeClr val="tx1">
+                    <a:lumMod val="65000"/>
+                    <a:lumOff val="35000"/>
+                  </a:schemeClr>
+                </a:solidFill>
+                <a:latin typeface="+mn-lt"/>
+                <a:ea typeface="+mn-ea"/>
+                <a:cs typeface="+mn-cs"/>
+              </a:defRPr>
+            </a:pPr>
+            <a:endParaRPr lang="en-US"/>
+          </a:p>
+        </c:txPr>
+        <c:crossAx val="564288616"/>
+        <c:crosses val="autoZero"/>
+        <c:auto val="1"/>
+        <c:lblAlgn val="ctr"/>
+        <c:lblOffset val="100"/>
+        <c:noMultiLvlLbl val="0"/>
+      </c:catAx>
+      <c:valAx>
+        <c:axId val="564288616"/>
+        <c:scaling>
+          <c:orientation val="minMax"/>
+        </c:scaling>
+        <c:delete val="0"/>
+        <c:axPos val="l"/>
+        <c:majorGridlines>
+          <c:spPr>
+            <a:ln w="9525" cap="flat" cmpd="sng" algn="ctr">
+              <a:solidFill>
+                <a:schemeClr val="tx1">
+                  <a:lumMod val="15000"/>
+                  <a:lumOff val="85000"/>
+                </a:schemeClr>
+              </a:solidFill>
+              <a:round/>
+            </a:ln>
+            <a:effectLst/>
+          </c:spPr>
+        </c:majorGridlines>
+        <c:numFmt formatCode="General" sourceLinked="1"/>
+        <c:majorTickMark val="none"/>
+        <c:minorTickMark val="none"/>
+        <c:tickLblPos val="nextTo"/>
+        <c:spPr>
+          <a:noFill/>
+          <a:ln>
+            <a:noFill/>
+          </a:ln>
+          <a:effectLst/>
+        </c:spPr>
+        <c:txPr>
+          <a:bodyPr rot="-60000000" spcFirstLastPara="1" vertOverflow="ellipsis" vert="horz" wrap="square" anchor="ctr" anchorCtr="1"/>
+          <a:lstStyle/>
+          <a:p>
+            <a:pPr>
+              <a:defRPr sz="1197" b="0" i="0" u="none" strike="noStrike" kern="1200" baseline="0">
+                <a:solidFill>
+                  <a:schemeClr val="tx1">
+                    <a:lumMod val="65000"/>
+                    <a:lumOff val="35000"/>
+                  </a:schemeClr>
+                </a:solidFill>
+                <a:latin typeface="+mn-lt"/>
+                <a:ea typeface="+mn-ea"/>
+                <a:cs typeface="+mn-cs"/>
+              </a:defRPr>
+            </a:pPr>
+            <a:endParaRPr lang="en-US"/>
+          </a:p>
+        </c:txPr>
+        <c:crossAx val="564292536"/>
+        <c:crosses val="autoZero"/>
+        <c:crossBetween val="between"/>
+      </c:valAx>
+      <c:spPr>
+        <a:noFill/>
+        <a:ln>
+          <a:noFill/>
+        </a:ln>
+        <a:effectLst/>
+      </c:spPr>
+    </c:plotArea>
+    <c:legend>
+      <c:legendPos val="b"/>
+      <c:layout/>
+      <c:overlay val="0"/>
+      <c:spPr>
+        <a:noFill/>
+        <a:ln>
+          <a:noFill/>
+        </a:ln>
+        <a:effectLst/>
+      </c:spPr>
+      <c:txPr>
+        <a:bodyPr rot="0" spcFirstLastPara="1" vertOverflow="ellipsis" vert="horz" wrap="square" anchor="ctr" anchorCtr="1"/>
+        <a:lstStyle/>
+        <a:p>
+          <a:pPr>
+            <a:defRPr sz="1197" b="0" i="0" u="none" strike="noStrike" kern="1200" baseline="0">
+              <a:solidFill>
+                <a:schemeClr val="tx1">
+                  <a:lumMod val="65000"/>
+                  <a:lumOff val="35000"/>
+                </a:schemeClr>
+              </a:solidFill>
+              <a:latin typeface="+mn-lt"/>
+              <a:ea typeface="+mn-ea"/>
+              <a:cs typeface="+mn-cs"/>
+            </a:defRPr>
+          </a:pPr>
+          <a:endParaRPr lang="en-US"/>
+        </a:p>
+      </c:txPr>
+    </c:legend>
+    <c:plotVisOnly val="1"/>
+    <c:dispBlanksAs val="gap"/>
+    <c:showDLblsOverMax val="0"/>
+  </c:chart>
+  <c:spPr>
+    <a:noFill/>
+    <a:ln>
+      <a:noFill/>
+    </a:ln>
+    <a:effectLst/>
+  </c:spPr>
+  <c:txPr>
+    <a:bodyPr/>
+    <a:lstStyle/>
+    <a:p>
+      <a:pPr>
+        <a:defRPr/>
+      </a:pPr>
+      <a:endParaRPr lang="en-US"/>
+    </a:p>
+  </c:txPr>
+  <c:externalData r:id="rId3">
+    <c:autoUpdate val="0"/>
+  </c:externalData>
+</c:chartSpace>
+</file>
+
+<file path=ppt/charts/chart2.xml><?xml version="1.0" encoding="utf-8"?>
+<c:chartSpace xmlns:c="http://schemas.openxmlformats.org/drawingml/2006/chart" xmlns:a="http://schemas.openxmlformats.org/drawingml/2006/main" xmlns:r="http://schemas.openxmlformats.org/officeDocument/2006/relationships">
+  <c:date1904 val="0"/>
+  <c:lang val="en-US"/>
   <c:roundedCorners val="1"/>
   <mc:AlternateContent xmlns:mc="http://schemas.openxmlformats.org/markup-compatibility/2006">
     <mc:Choice xmlns:c14="http://schemas.microsoft.com/office/drawing/2007/8/2/chart" Requires="c14">
@@ -176,7 +643,7 @@
               <c:strCache>
                 <c:ptCount val="1"/>
                 <c:pt idx="0">
-                  <c:v>Series 1</c:v>
+                  <c:v>Jun-2017</c:v>
                 </c:pt>
               </c:strCache>
             </c:strRef>
@@ -198,9 +665,7 @@
               <c:showPercent val="0"/>
               <c:showBubbleSize val="0"/>
               <c:extLst xmlns:c15="http://schemas.microsoft.com/office/drawing/2012/chart" xmlns:c14="http://schemas.microsoft.com/office/drawing/2007/8/2/chart" xmlns:mc="http://schemas.openxmlformats.org/markup-compatibility/2006">
-                <c:ext xmlns:c15="http://schemas.microsoft.com/office/drawing/2012/chart" uri="{CE6537A1-D6FC-4f65-9D91-7224C49458BB}">
-                  <c15:layout/>
-                </c:ext>
+                <c:ext xmlns:c15="http://schemas.microsoft.com/office/drawing/2012/chart" uri="{CE6537A1-D6FC-4f65-9D91-7224C49458BB}"/>
               </c:extLst>
             </c:dLbl>
             <c:dLbl>
@@ -218,9 +683,7 @@
               <c:showPercent val="0"/>
               <c:showBubbleSize val="0"/>
               <c:extLst xmlns:c15="http://schemas.microsoft.com/office/drawing/2012/chart" xmlns:c14="http://schemas.microsoft.com/office/drawing/2007/8/2/chart" xmlns:mc="http://schemas.openxmlformats.org/markup-compatibility/2006">
-                <c:ext xmlns:c15="http://schemas.microsoft.com/office/drawing/2012/chart" uri="{CE6537A1-D6FC-4f65-9D91-7224C49458BB}">
-                  <c15:layout/>
-                </c:ext>
+                <c:ext xmlns:c15="http://schemas.microsoft.com/office/drawing/2012/chart" uri="{CE6537A1-D6FC-4f65-9D91-7224C49458BB}"/>
               </c:extLst>
             </c:dLbl>
             <c:dLbl>
@@ -238,9 +701,7 @@
               <c:showPercent val="0"/>
               <c:showBubbleSize val="0"/>
               <c:extLst xmlns:c15="http://schemas.microsoft.com/office/drawing/2012/chart" xmlns:c14="http://schemas.microsoft.com/office/drawing/2007/8/2/chart" xmlns:mc="http://schemas.openxmlformats.org/markup-compatibility/2006">
-                <c:ext xmlns:c15="http://schemas.microsoft.com/office/drawing/2012/chart" uri="{CE6537A1-D6FC-4f65-9D91-7224C49458BB}">
-                  <c15:layout/>
-                </c:ext>
+                <c:ext xmlns:c15="http://schemas.microsoft.com/office/drawing/2012/chart" uri="{CE6537A1-D6FC-4f65-9D91-7224C49458BB}"/>
               </c:extLst>
             </c:dLbl>
             <c:spPr>
@@ -301,13 +762,13 @@
                 <c:formatCode>0.00%</c:formatCode>
                 <c:ptCount val="3"/>
                 <c:pt idx="0">
-                  <c:v>0</c:v>
+                  <c:v>0.05</c:v>
                 </c:pt>
                 <c:pt idx="1">
                   <c:v>0</c:v>
                 </c:pt>
                 <c:pt idx="2">
-                  <c:v>0</c:v>
+                  <c:v>0.95</c:v>
                 </c:pt>
               </c:numCache>
             </c:numRef>
@@ -323,11 +784,11 @@
         </c:dLbls>
         <c:gapWidth val="150"/>
         <c:overlap val="100"/>
-        <c:axId val="281411704"/>
-        <c:axId val="281412488"/>
+        <c:axId val="297720952"/>
+        <c:axId val="297719776"/>
       </c:barChart>
       <c:catAx>
-        <c:axId val="281411704"/>
+        <c:axId val="297720952"/>
         <c:scaling>
           <c:orientation val="minMax"/>
         </c:scaling>
@@ -351,7 +812,7 @@
             <a:endParaRPr lang="en-US"/>
           </a:p>
         </c:txPr>
-        <c:crossAx val="281412488"/>
+        <c:crossAx val="297719776"/>
         <c:crosses val="autoZero"/>
         <c:auto val="1"/>
         <c:lblAlgn val="ctr"/>
@@ -359,7 +820,7 @@
         <c:noMultiLvlLbl val="0"/>
       </c:catAx>
       <c:valAx>
-        <c:axId val="281412488"/>
+        <c:axId val="297719776"/>
         <c:scaling>
           <c:orientation val="minMax"/>
         </c:scaling>
@@ -369,7 +830,7 @@
         <c:majorTickMark val="out"/>
         <c:minorTickMark val="none"/>
         <c:tickLblPos val="nextTo"/>
-        <c:crossAx val="281411704"/>
+        <c:crossAx val="297720952"/>
         <c:crosses val="autoZero"/>
         <c:crossBetween val="between"/>
       </c:valAx>
@@ -415,7 +876,7 @@
 </c:chartSpace>
 </file>
 
-<file path=ppt/charts/chart2.xml><?xml version="1.0" encoding="utf-8"?>
+<file path=ppt/charts/chart3.xml><?xml version="1.0" encoding="utf-8"?>
 <c:chartSpace xmlns:c="http://schemas.openxmlformats.org/drawingml/2006/chart" xmlns:a="http://schemas.openxmlformats.org/drawingml/2006/main" xmlns:r="http://schemas.openxmlformats.org/officeDocument/2006/relationships">
   <c:date1904 val="0"/>
   <c:lang val="en-US"/>
@@ -445,7 +906,7 @@
               <c:strCache>
                 <c:ptCount val="1"/>
                 <c:pt idx="0">
-                  <c:v>Jan-17</c:v>
+                  <c:v>Jun-2017</c:v>
                 </c:pt>
               </c:strCache>
             </c:strRef>
@@ -484,7 +945,6 @@
             <c:showLeaderLines val="0"/>
             <c:extLst xmlns:c15="http://schemas.microsoft.com/office/drawing/2012/chart" xmlns:c14="http://schemas.microsoft.com/office/drawing/2007/8/2/chart" xmlns:mc="http://schemas.openxmlformats.org/markup-compatibility/2006">
               <c:ext xmlns:c15="http://schemas.microsoft.com/office/drawing/2012/chart" uri="{CE6537A1-D6FC-4f65-9D91-7224C49458BB}">
-                <c15:layout/>
                 <c15:showLeaderLines val="1"/>
               </c:ext>
             </c:extLst>
@@ -513,13 +973,13 @@
                 <c:formatCode>0%</c:formatCode>
                 <c:ptCount val="3"/>
                 <c:pt idx="0">
-                  <c:v>0</c:v>
+                  <c:v>0.35</c:v>
                 </c:pt>
                 <c:pt idx="1">
                   <c:v>0</c:v>
                 </c:pt>
                 <c:pt idx="2">
-                  <c:v>0</c:v>
+                  <c:v>0.65</c:v>
                 </c:pt>
               </c:numCache>
             </c:numRef>
@@ -534,7 +994,7 @@
               <c:strCache>
                 <c:ptCount val="1"/>
                 <c:pt idx="0">
-                  <c:v>Feb-17</c:v>
+                  <c:v>July-2017</c:v>
                 </c:pt>
               </c:strCache>
             </c:strRef>
@@ -573,7 +1033,6 @@
             <c:showLeaderLines val="0"/>
             <c:extLst xmlns:c15="http://schemas.microsoft.com/office/drawing/2012/chart" xmlns:c14="http://schemas.microsoft.com/office/drawing/2007/8/2/chart" xmlns:mc="http://schemas.openxmlformats.org/markup-compatibility/2006">
               <c:ext xmlns:c15="http://schemas.microsoft.com/office/drawing/2012/chart" uri="{CE6537A1-D6FC-4f65-9D91-7224C49458BB}">
-                <c15:layout/>
                 <c15:showLeaderLines val="1"/>
               </c:ext>
             </c:extLst>
@@ -602,13 +1061,13 @@
                 <c:formatCode>0%</c:formatCode>
                 <c:ptCount val="3"/>
                 <c:pt idx="0">
-                  <c:v>0</c:v>
+                  <c:v>0.15</c:v>
                 </c:pt>
                 <c:pt idx="1">
-                  <c:v>0</c:v>
+                  <c:v>0.1</c:v>
                 </c:pt>
                 <c:pt idx="2">
-                  <c:v>0</c:v>
+                  <c:v>0.75</c:v>
                 </c:pt>
               </c:numCache>
             </c:numRef>
@@ -623,7 +1082,7 @@
               <c:strCache>
                 <c:ptCount val="1"/>
                 <c:pt idx="0">
-                  <c:v>Mar-17</c:v>
+                  <c:v>Aug-2017</c:v>
                 </c:pt>
               </c:strCache>
             </c:strRef>
@@ -662,7 +1121,6 @@
             <c:showLeaderLines val="0"/>
             <c:extLst xmlns:c15="http://schemas.microsoft.com/office/drawing/2012/chart" xmlns:c14="http://schemas.microsoft.com/office/drawing/2007/8/2/chart" xmlns:mc="http://schemas.openxmlformats.org/markup-compatibility/2006">
               <c:ext xmlns:c15="http://schemas.microsoft.com/office/drawing/2012/chart" uri="{CE6537A1-D6FC-4f65-9D91-7224C49458BB}">
-                <c15:layout/>
                 <c15:showLeaderLines val="1"/>
               </c:ext>
             </c:extLst>
@@ -691,13 +1149,13 @@
                 <c:formatCode>0%</c:formatCode>
                 <c:ptCount val="3"/>
                 <c:pt idx="0">
-                  <c:v>0</c:v>
+                  <c:v>0.5</c:v>
                 </c:pt>
                 <c:pt idx="1">
-                  <c:v>0</c:v>
+                  <c:v>0.7</c:v>
                 </c:pt>
                 <c:pt idx="2">
-                  <c:v>0</c:v>
+                  <c:v>0.25</c:v>
                 </c:pt>
               </c:numCache>
             </c:numRef>
@@ -712,7 +1170,7 @@
               <c:strCache>
                 <c:ptCount val="1"/>
                 <c:pt idx="0">
-                  <c:v>Apr-17</c:v>
+                  <c:v>Sep-2017</c:v>
                 </c:pt>
               </c:strCache>
             </c:strRef>
@@ -751,7 +1209,6 @@
             <c:showLeaderLines val="0"/>
             <c:extLst xmlns:c15="http://schemas.microsoft.com/office/drawing/2012/chart" xmlns:c14="http://schemas.microsoft.com/office/drawing/2007/8/2/chart" xmlns:mc="http://schemas.openxmlformats.org/markup-compatibility/2006">
               <c:ext xmlns:c15="http://schemas.microsoft.com/office/drawing/2012/chart" uri="{CE6537A1-D6FC-4f65-9D91-7224C49458BB}">
-                <c15:layout/>
                 <c15:showLeaderLines val="1"/>
               </c:ext>
             </c:extLst>
@@ -780,13 +1237,13 @@
                 <c:formatCode>0%</c:formatCode>
                 <c:ptCount val="3"/>
                 <c:pt idx="0">
-                  <c:v>0</c:v>
+                  <c:v>0.35</c:v>
                 </c:pt>
                 <c:pt idx="1">
-                  <c:v>0</c:v>
+                  <c:v>0.4</c:v>
                 </c:pt>
                 <c:pt idx="2">
-                  <c:v>0</c:v>
+                  <c:v>0.25</c:v>
                 </c:pt>
               </c:numCache>
             </c:numRef>
@@ -801,11 +1258,11 @@
           <c:showBubbleSize val="0"/>
         </c:dLbls>
         <c:gapWidth val="150"/>
-        <c:axId val="281414840"/>
-        <c:axId val="281413664"/>
+        <c:axId val="297718208"/>
+        <c:axId val="297718600"/>
       </c:barChart>
       <c:catAx>
-        <c:axId val="281414840"/>
+        <c:axId val="297718208"/>
         <c:scaling>
           <c:orientation val="minMax"/>
         </c:scaling>
@@ -829,7 +1286,7 @@
             <a:endParaRPr lang="en-US"/>
           </a:p>
         </c:txPr>
-        <c:crossAx val="281413664"/>
+        <c:crossAx val="297718600"/>
         <c:crosses val="autoZero"/>
         <c:auto val="1"/>
         <c:lblAlgn val="ctr"/>
@@ -837,7 +1294,7 @@
         <c:noMultiLvlLbl val="0"/>
       </c:catAx>
       <c:valAx>
-        <c:axId val="281413664"/>
+        <c:axId val="297718600"/>
         <c:scaling>
           <c:orientation val="minMax"/>
         </c:scaling>
@@ -857,14 +1314,13 @@
         <c:spPr>
           <a:ln/>
         </c:spPr>
-        <c:crossAx val="281414840"/>
+        <c:crossAx val="297718208"/>
         <c:crosses val="autoZero"/>
         <c:crossBetween val="between"/>
       </c:valAx>
     </c:plotArea>
     <c:legend>
       <c:legendPos val="b"/>
-      <c:layout/>
       <c:overlay val="0"/>
       <c:txPr>
         <a:bodyPr/>
@@ -929,7 +1385,7 @@
 </c:chartSpace>
 </file>
 
-<file path=ppt/charts/chart3.xml><?xml version="1.0" encoding="utf-8"?>
+<file path=ppt/charts/chart4.xml><?xml version="1.0" encoding="utf-8"?>
 <c:chartSpace xmlns:c="http://schemas.openxmlformats.org/drawingml/2006/chart" xmlns:a="http://schemas.openxmlformats.org/drawingml/2006/main" xmlns:r="http://schemas.openxmlformats.org/officeDocument/2006/relationships">
   <c:date1904 val="0"/>
   <c:lang val="en-US"/>
@@ -1546,11 +2002,11 @@
         </c:dLbls>
         <c:gapWidth val="100"/>
         <c:overlap val="-24"/>
-        <c:axId val="347970656"/>
-        <c:axId val="347964776"/>
+        <c:axId val="351173912"/>
+        <c:axId val="351171560"/>
       </c:barChart>
       <c:catAx>
-        <c:axId val="347970656"/>
+        <c:axId val="351173912"/>
         <c:scaling>
           <c:orientation val="minMax"/>
         </c:scaling>
@@ -1590,7 +2046,7 @@
             <a:endParaRPr lang="en-US"/>
           </a:p>
         </c:txPr>
-        <c:crossAx val="347964776"/>
+        <c:crossAx val="351171560"/>
         <c:crosses val="min"/>
         <c:auto val="1"/>
         <c:lblAlgn val="ctr"/>
@@ -1598,7 +2054,7 @@
         <c:noMultiLvlLbl val="0"/>
       </c:catAx>
       <c:valAx>
-        <c:axId val="347964776"/>
+        <c:axId val="351171560"/>
         <c:scaling>
           <c:orientation val="minMax"/>
           <c:max val="1"/>
@@ -1624,7 +2080,7 @@
         <c:majorTickMark val="none"/>
         <c:minorTickMark val="none"/>
         <c:tickLblPos val="low"/>
-        <c:crossAx val="347970656"/>
+        <c:crossAx val="351173912"/>
         <c:crosses val="min"/>
         <c:crossBetween val="between"/>
         <c:majorUnit val="0"/>
@@ -1711,7 +2167,7 @@
 </c:chartSpace>
 </file>
 
-<file path=ppt/charts/chart4.xml><?xml version="1.0" encoding="utf-8"?>
+<file path=ppt/charts/chart5.xml><?xml version="1.0" encoding="utf-8"?>
 <c:chartSpace xmlns:c="http://schemas.openxmlformats.org/drawingml/2006/chart" xmlns:a="http://schemas.openxmlformats.org/drawingml/2006/main" xmlns:r="http://schemas.openxmlformats.org/officeDocument/2006/relationships">
   <c:date1904 val="0"/>
   <c:lang val="en-US"/>
@@ -1893,11 +2349,11 @@
         </c:dLbls>
         <c:gapWidth val="100"/>
         <c:overlap val="-24"/>
-        <c:axId val="347968696"/>
-        <c:axId val="347969088"/>
+        <c:axId val="351171952"/>
+        <c:axId val="351172344"/>
       </c:barChart>
       <c:catAx>
-        <c:axId val="347968696"/>
+        <c:axId val="351171952"/>
         <c:scaling>
           <c:orientation val="minMax"/>
         </c:scaling>
@@ -1937,7 +2393,7 @@
             <a:endParaRPr lang="en-US"/>
           </a:p>
         </c:txPr>
-        <c:crossAx val="347969088"/>
+        <c:crossAx val="351172344"/>
         <c:crosses val="min"/>
         <c:auto val="1"/>
         <c:lblAlgn val="ctr"/>
@@ -1945,7 +2401,7 @@
         <c:noMultiLvlLbl val="0"/>
       </c:catAx>
       <c:valAx>
-        <c:axId val="347969088"/>
+        <c:axId val="351172344"/>
         <c:scaling>
           <c:orientation val="minMax"/>
           <c:max val="1"/>
@@ -1971,7 +2427,7 @@
         <c:majorTickMark val="none"/>
         <c:minorTickMark val="none"/>
         <c:tickLblPos val="low"/>
-        <c:crossAx val="347968696"/>
+        <c:crossAx val="351171952"/>
         <c:crosses val="min"/>
         <c:crossBetween val="between"/>
         <c:majorUnit val="0"/>
@@ -2110,7 +2566,550 @@
 </cs:colorStyle>
 </file>
 
+<file path=ppt/charts/colors3.xml><?xml version="1.0" encoding="utf-8"?>
+<cs:colorStyle xmlns:cs="http://schemas.microsoft.com/office/drawing/2012/chartStyle" xmlns:a="http://schemas.openxmlformats.org/drawingml/2006/main" meth="cycle" id="10">
+  <a:schemeClr val="accent1"/>
+  <a:schemeClr val="accent2"/>
+  <a:schemeClr val="accent3"/>
+  <a:schemeClr val="accent4"/>
+  <a:schemeClr val="accent5"/>
+  <a:schemeClr val="accent6"/>
+  <cs:variation/>
+  <cs:variation>
+    <a:lumMod val="60000"/>
+  </cs:variation>
+  <cs:variation>
+    <a:lumMod val="80000"/>
+    <a:lumOff val="20000"/>
+  </cs:variation>
+  <cs:variation>
+    <a:lumMod val="80000"/>
+  </cs:variation>
+  <cs:variation>
+    <a:lumMod val="60000"/>
+    <a:lumOff val="40000"/>
+  </cs:variation>
+  <cs:variation>
+    <a:lumMod val="50000"/>
+  </cs:variation>
+  <cs:variation>
+    <a:lumMod val="70000"/>
+    <a:lumOff val="30000"/>
+  </cs:variation>
+  <cs:variation>
+    <a:lumMod val="70000"/>
+  </cs:variation>
+  <cs:variation>
+    <a:lumMod val="50000"/>
+    <a:lumOff val="50000"/>
+  </cs:variation>
+</cs:colorStyle>
+</file>
+
 <file path=ppt/charts/style1.xml><?xml version="1.0" encoding="utf-8"?>
+<cs:chartStyle xmlns:cs="http://schemas.microsoft.com/office/drawing/2012/chartStyle" xmlns:a="http://schemas.openxmlformats.org/drawingml/2006/main" id="201">
+  <cs:axisTitle>
+    <cs:lnRef idx="0"/>
+    <cs:fillRef idx="0"/>
+    <cs:effectRef idx="0"/>
+    <cs:fontRef idx="minor">
+      <a:schemeClr val="tx1">
+        <a:lumMod val="65000"/>
+        <a:lumOff val="35000"/>
+      </a:schemeClr>
+    </cs:fontRef>
+    <cs:defRPr sz="1330" kern="1200"/>
+  </cs:axisTitle>
+  <cs:categoryAxis>
+    <cs:lnRef idx="0"/>
+    <cs:fillRef idx="0"/>
+    <cs:effectRef idx="0"/>
+    <cs:fontRef idx="minor">
+      <a:schemeClr val="tx1">
+        <a:lumMod val="65000"/>
+        <a:lumOff val="35000"/>
+      </a:schemeClr>
+    </cs:fontRef>
+    <cs:spPr>
+      <a:ln w="9525" cap="flat" cmpd="sng" algn="ctr">
+        <a:solidFill>
+          <a:schemeClr val="tx1">
+            <a:lumMod val="15000"/>
+            <a:lumOff val="85000"/>
+          </a:schemeClr>
+        </a:solidFill>
+        <a:round/>
+      </a:ln>
+    </cs:spPr>
+    <cs:defRPr sz="1197" kern="1200"/>
+  </cs:categoryAxis>
+  <cs:chartArea mods="allowNoFillOverride allowNoLineOverride">
+    <cs:lnRef idx="0"/>
+    <cs:fillRef idx="0"/>
+    <cs:effectRef idx="0"/>
+    <cs:fontRef idx="minor">
+      <a:schemeClr val="tx1"/>
+    </cs:fontRef>
+    <cs:spPr>
+      <a:solidFill>
+        <a:schemeClr val="bg1"/>
+      </a:solidFill>
+      <a:ln w="9525" cap="flat" cmpd="sng" algn="ctr">
+        <a:solidFill>
+          <a:schemeClr val="tx1">
+            <a:lumMod val="15000"/>
+            <a:lumOff val="85000"/>
+          </a:schemeClr>
+        </a:solidFill>
+        <a:round/>
+      </a:ln>
+    </cs:spPr>
+    <cs:defRPr sz="1330" kern="1200"/>
+  </cs:chartArea>
+  <cs:dataLabel>
+    <cs:lnRef idx="0"/>
+    <cs:fillRef idx="0"/>
+    <cs:effectRef idx="0"/>
+    <cs:fontRef idx="minor">
+      <a:schemeClr val="tx1">
+        <a:lumMod val="75000"/>
+        <a:lumOff val="25000"/>
+      </a:schemeClr>
+    </cs:fontRef>
+    <cs:defRPr sz="1197" kern="1200"/>
+  </cs:dataLabel>
+  <cs:dataLabelCallout>
+    <cs:lnRef idx="0"/>
+    <cs:fillRef idx="0"/>
+    <cs:effectRef idx="0"/>
+    <cs:fontRef idx="minor">
+      <a:schemeClr val="dk1">
+        <a:lumMod val="65000"/>
+        <a:lumOff val="35000"/>
+      </a:schemeClr>
+    </cs:fontRef>
+    <cs:spPr>
+      <a:solidFill>
+        <a:schemeClr val="lt1"/>
+      </a:solidFill>
+      <a:ln>
+        <a:solidFill>
+          <a:schemeClr val="dk1">
+            <a:lumMod val="25000"/>
+            <a:lumOff val="75000"/>
+          </a:schemeClr>
+        </a:solidFill>
+      </a:ln>
+    </cs:spPr>
+    <cs:defRPr sz="1197" kern="1200"/>
+    <cs:bodyPr rot="0" spcFirstLastPara="1" vertOverflow="clip" horzOverflow="clip" vert="horz" wrap="square" lIns="36576" tIns="18288" rIns="36576" bIns="18288" anchor="ctr" anchorCtr="1">
+      <a:spAutoFit/>
+    </cs:bodyPr>
+  </cs:dataLabelCallout>
+  <cs:dataPoint>
+    <cs:lnRef idx="0"/>
+    <cs:fillRef idx="1">
+      <cs:styleClr val="auto"/>
+    </cs:fillRef>
+    <cs:effectRef idx="0"/>
+    <cs:fontRef idx="minor">
+      <a:schemeClr val="tx1"/>
+    </cs:fontRef>
+  </cs:dataPoint>
+  <cs:dataPoint3D>
+    <cs:lnRef idx="0"/>
+    <cs:fillRef idx="1">
+      <cs:styleClr val="auto"/>
+    </cs:fillRef>
+    <cs:effectRef idx="0"/>
+    <cs:fontRef idx="minor">
+      <a:schemeClr val="tx1"/>
+    </cs:fontRef>
+  </cs:dataPoint3D>
+  <cs:dataPointLine>
+    <cs:lnRef idx="0">
+      <cs:styleClr val="auto"/>
+    </cs:lnRef>
+    <cs:fillRef idx="1"/>
+    <cs:effectRef idx="0"/>
+    <cs:fontRef idx="minor">
+      <a:schemeClr val="tx1"/>
+    </cs:fontRef>
+    <cs:spPr>
+      <a:ln w="28575" cap="rnd">
+        <a:solidFill>
+          <a:schemeClr val="phClr"/>
+        </a:solidFill>
+        <a:round/>
+      </a:ln>
+    </cs:spPr>
+  </cs:dataPointLine>
+  <cs:dataPointMarker>
+    <cs:lnRef idx="0">
+      <cs:styleClr val="auto"/>
+    </cs:lnRef>
+    <cs:fillRef idx="1">
+      <cs:styleClr val="auto"/>
+    </cs:fillRef>
+    <cs:effectRef idx="0"/>
+    <cs:fontRef idx="minor">
+      <a:schemeClr val="tx1"/>
+    </cs:fontRef>
+    <cs:spPr>
+      <a:ln w="9525">
+        <a:solidFill>
+          <a:schemeClr val="phClr"/>
+        </a:solidFill>
+      </a:ln>
+    </cs:spPr>
+  </cs:dataPointMarker>
+  <cs:dataPointMarkerLayout symbol="circle" size="5"/>
+  <cs:dataPointWireframe>
+    <cs:lnRef idx="0">
+      <cs:styleClr val="auto"/>
+    </cs:lnRef>
+    <cs:fillRef idx="1"/>
+    <cs:effectRef idx="0"/>
+    <cs:fontRef idx="minor">
+      <a:schemeClr val="tx1"/>
+    </cs:fontRef>
+    <cs:spPr>
+      <a:ln w="9525" cap="rnd">
+        <a:solidFill>
+          <a:schemeClr val="phClr"/>
+        </a:solidFill>
+        <a:round/>
+      </a:ln>
+    </cs:spPr>
+  </cs:dataPointWireframe>
+  <cs:dataTable>
+    <cs:lnRef idx="0"/>
+    <cs:fillRef idx="0"/>
+    <cs:effectRef idx="0"/>
+    <cs:fontRef idx="minor">
+      <a:schemeClr val="tx1">
+        <a:lumMod val="65000"/>
+        <a:lumOff val="35000"/>
+      </a:schemeClr>
+    </cs:fontRef>
+    <cs:spPr>
+      <a:noFill/>
+      <a:ln w="9525" cap="flat" cmpd="sng" algn="ctr">
+        <a:solidFill>
+          <a:schemeClr val="tx1">
+            <a:lumMod val="15000"/>
+            <a:lumOff val="85000"/>
+          </a:schemeClr>
+        </a:solidFill>
+        <a:round/>
+      </a:ln>
+    </cs:spPr>
+    <cs:defRPr sz="1197" kern="1200"/>
+  </cs:dataTable>
+  <cs:downBar>
+    <cs:lnRef idx="0"/>
+    <cs:fillRef idx="0"/>
+    <cs:effectRef idx="0"/>
+    <cs:fontRef idx="minor">
+      <a:schemeClr val="dk1"/>
+    </cs:fontRef>
+    <cs:spPr>
+      <a:solidFill>
+        <a:schemeClr val="dk1">
+          <a:lumMod val="65000"/>
+          <a:lumOff val="35000"/>
+        </a:schemeClr>
+      </a:solidFill>
+      <a:ln w="9525">
+        <a:solidFill>
+          <a:schemeClr val="tx1">
+            <a:lumMod val="65000"/>
+            <a:lumOff val="35000"/>
+          </a:schemeClr>
+        </a:solidFill>
+      </a:ln>
+    </cs:spPr>
+  </cs:downBar>
+  <cs:dropLine>
+    <cs:lnRef idx="0"/>
+    <cs:fillRef idx="0"/>
+    <cs:effectRef idx="0"/>
+    <cs:fontRef idx="minor">
+      <a:schemeClr val="tx1"/>
+    </cs:fontRef>
+    <cs:spPr>
+      <a:ln w="9525" cap="flat" cmpd="sng" algn="ctr">
+        <a:solidFill>
+          <a:schemeClr val="tx1">
+            <a:lumMod val="35000"/>
+            <a:lumOff val="65000"/>
+          </a:schemeClr>
+        </a:solidFill>
+        <a:round/>
+      </a:ln>
+    </cs:spPr>
+  </cs:dropLine>
+  <cs:errorBar>
+    <cs:lnRef idx="0"/>
+    <cs:fillRef idx="0"/>
+    <cs:effectRef idx="0"/>
+    <cs:fontRef idx="minor">
+      <a:schemeClr val="tx1"/>
+    </cs:fontRef>
+    <cs:spPr>
+      <a:ln w="9525" cap="flat" cmpd="sng" algn="ctr">
+        <a:solidFill>
+          <a:schemeClr val="tx1">
+            <a:lumMod val="65000"/>
+            <a:lumOff val="35000"/>
+          </a:schemeClr>
+        </a:solidFill>
+        <a:round/>
+      </a:ln>
+    </cs:spPr>
+  </cs:errorBar>
+  <cs:floor>
+    <cs:lnRef idx="0"/>
+    <cs:fillRef idx="0"/>
+    <cs:effectRef idx="0"/>
+    <cs:fontRef idx="minor">
+      <a:schemeClr val="tx1"/>
+    </cs:fontRef>
+    <cs:spPr>
+      <a:noFill/>
+      <a:ln>
+        <a:noFill/>
+      </a:ln>
+    </cs:spPr>
+  </cs:floor>
+  <cs:gridlineMajor>
+    <cs:lnRef idx="0"/>
+    <cs:fillRef idx="0"/>
+    <cs:effectRef idx="0"/>
+    <cs:fontRef idx="minor">
+      <a:schemeClr val="tx1"/>
+    </cs:fontRef>
+    <cs:spPr>
+      <a:ln w="9525" cap="flat" cmpd="sng" algn="ctr">
+        <a:solidFill>
+          <a:schemeClr val="tx1">
+            <a:lumMod val="15000"/>
+            <a:lumOff val="85000"/>
+          </a:schemeClr>
+        </a:solidFill>
+        <a:round/>
+      </a:ln>
+    </cs:spPr>
+  </cs:gridlineMajor>
+  <cs:gridlineMinor>
+    <cs:lnRef idx="0"/>
+    <cs:fillRef idx="0"/>
+    <cs:effectRef idx="0"/>
+    <cs:fontRef idx="minor">
+      <a:schemeClr val="tx1"/>
+    </cs:fontRef>
+    <cs:spPr>
+      <a:ln w="9525" cap="flat" cmpd="sng" algn="ctr">
+        <a:solidFill>
+          <a:schemeClr val="tx1">
+            <a:lumMod val="5000"/>
+            <a:lumOff val="95000"/>
+          </a:schemeClr>
+        </a:solidFill>
+        <a:round/>
+      </a:ln>
+    </cs:spPr>
+  </cs:gridlineMinor>
+  <cs:hiLoLine>
+    <cs:lnRef idx="0"/>
+    <cs:fillRef idx="0"/>
+    <cs:effectRef idx="0"/>
+    <cs:fontRef idx="minor">
+      <a:schemeClr val="tx1"/>
+    </cs:fontRef>
+    <cs:spPr>
+      <a:ln w="9525" cap="flat" cmpd="sng" algn="ctr">
+        <a:solidFill>
+          <a:schemeClr val="tx1">
+            <a:lumMod val="75000"/>
+            <a:lumOff val="25000"/>
+          </a:schemeClr>
+        </a:solidFill>
+        <a:round/>
+      </a:ln>
+    </cs:spPr>
+  </cs:hiLoLine>
+  <cs:leaderLine>
+    <cs:lnRef idx="0"/>
+    <cs:fillRef idx="0"/>
+    <cs:effectRef idx="0"/>
+    <cs:fontRef idx="minor">
+      <a:schemeClr val="tx1"/>
+    </cs:fontRef>
+    <cs:spPr>
+      <a:ln w="9525" cap="flat" cmpd="sng" algn="ctr">
+        <a:solidFill>
+          <a:schemeClr val="tx1">
+            <a:lumMod val="35000"/>
+            <a:lumOff val="65000"/>
+          </a:schemeClr>
+        </a:solidFill>
+        <a:round/>
+      </a:ln>
+    </cs:spPr>
+  </cs:leaderLine>
+  <cs:legend>
+    <cs:lnRef idx="0"/>
+    <cs:fillRef idx="0"/>
+    <cs:effectRef idx="0"/>
+    <cs:fontRef idx="minor">
+      <a:schemeClr val="tx1">
+        <a:lumMod val="65000"/>
+        <a:lumOff val="35000"/>
+      </a:schemeClr>
+    </cs:fontRef>
+    <cs:defRPr sz="1197" kern="1200"/>
+  </cs:legend>
+  <cs:plotArea mods="allowNoFillOverride allowNoLineOverride">
+    <cs:lnRef idx="0"/>
+    <cs:fillRef idx="0"/>
+    <cs:effectRef idx="0"/>
+    <cs:fontRef idx="minor">
+      <a:schemeClr val="tx1"/>
+    </cs:fontRef>
+  </cs:plotArea>
+  <cs:plotArea3D mods="allowNoFillOverride allowNoLineOverride">
+    <cs:lnRef idx="0"/>
+    <cs:fillRef idx="0"/>
+    <cs:effectRef idx="0"/>
+    <cs:fontRef idx="minor">
+      <a:schemeClr val="tx1"/>
+    </cs:fontRef>
+  </cs:plotArea3D>
+  <cs:seriesAxis>
+    <cs:lnRef idx="0"/>
+    <cs:fillRef idx="0"/>
+    <cs:effectRef idx="0"/>
+    <cs:fontRef idx="minor">
+      <a:schemeClr val="tx1">
+        <a:lumMod val="65000"/>
+        <a:lumOff val="35000"/>
+      </a:schemeClr>
+    </cs:fontRef>
+    <cs:defRPr sz="1197" kern="1200"/>
+  </cs:seriesAxis>
+  <cs:seriesLine>
+    <cs:lnRef idx="0"/>
+    <cs:fillRef idx="0"/>
+    <cs:effectRef idx="0"/>
+    <cs:fontRef idx="minor">
+      <a:schemeClr val="tx1"/>
+    </cs:fontRef>
+    <cs:spPr>
+      <a:ln w="9525" cap="flat" cmpd="sng" algn="ctr">
+        <a:solidFill>
+          <a:schemeClr val="tx1">
+            <a:lumMod val="35000"/>
+            <a:lumOff val="65000"/>
+          </a:schemeClr>
+        </a:solidFill>
+        <a:round/>
+      </a:ln>
+    </cs:spPr>
+  </cs:seriesLine>
+  <cs:title>
+    <cs:lnRef idx="0"/>
+    <cs:fillRef idx="0"/>
+    <cs:effectRef idx="0"/>
+    <cs:fontRef idx="minor">
+      <a:schemeClr val="tx1">
+        <a:lumMod val="65000"/>
+        <a:lumOff val="35000"/>
+      </a:schemeClr>
+    </cs:fontRef>
+    <cs:defRPr sz="1862" b="0" kern="1200" spc="0" baseline="0"/>
+  </cs:title>
+  <cs:trendline>
+    <cs:lnRef idx="0">
+      <cs:styleClr val="auto"/>
+    </cs:lnRef>
+    <cs:fillRef idx="0"/>
+    <cs:effectRef idx="0"/>
+    <cs:fontRef idx="minor">
+      <a:schemeClr val="tx1"/>
+    </cs:fontRef>
+    <cs:spPr>
+      <a:ln w="19050" cap="rnd">
+        <a:solidFill>
+          <a:schemeClr val="phClr"/>
+        </a:solidFill>
+        <a:prstDash val="sysDot"/>
+      </a:ln>
+    </cs:spPr>
+  </cs:trendline>
+  <cs:trendlineLabel>
+    <cs:lnRef idx="0"/>
+    <cs:fillRef idx="0"/>
+    <cs:effectRef idx="0"/>
+    <cs:fontRef idx="minor">
+      <a:schemeClr val="tx1">
+        <a:lumMod val="65000"/>
+        <a:lumOff val="35000"/>
+      </a:schemeClr>
+    </cs:fontRef>
+    <cs:defRPr sz="1197" kern="1200"/>
+  </cs:trendlineLabel>
+  <cs:upBar>
+    <cs:lnRef idx="0"/>
+    <cs:fillRef idx="0"/>
+    <cs:effectRef idx="0"/>
+    <cs:fontRef idx="minor">
+      <a:schemeClr val="dk1"/>
+    </cs:fontRef>
+    <cs:spPr>
+      <a:solidFill>
+        <a:schemeClr val="lt1"/>
+      </a:solidFill>
+      <a:ln w="9525">
+        <a:solidFill>
+          <a:schemeClr val="tx1">
+            <a:lumMod val="15000"/>
+            <a:lumOff val="85000"/>
+          </a:schemeClr>
+        </a:solidFill>
+      </a:ln>
+    </cs:spPr>
+  </cs:upBar>
+  <cs:valueAxis>
+    <cs:lnRef idx="0"/>
+    <cs:fillRef idx="0"/>
+    <cs:effectRef idx="0"/>
+    <cs:fontRef idx="minor">
+      <a:schemeClr val="tx1">
+        <a:lumMod val="65000"/>
+        <a:lumOff val="35000"/>
+      </a:schemeClr>
+    </cs:fontRef>
+    <cs:defRPr sz="1197" kern="1200"/>
+  </cs:valueAxis>
+  <cs:wall>
+    <cs:lnRef idx="0"/>
+    <cs:fillRef idx="0"/>
+    <cs:effectRef idx="0"/>
+    <cs:fontRef idx="minor">
+      <a:schemeClr val="tx1"/>
+    </cs:fontRef>
+    <cs:spPr>
+      <a:noFill/>
+      <a:ln>
+        <a:noFill/>
+      </a:ln>
+    </cs:spPr>
+  </cs:wall>
+</cs:chartStyle>
+</file>
+
+<file path=ppt/charts/style2.xml><?xml version="1.0" encoding="utf-8"?>
 <cs:chartStyle xmlns:cs="http://schemas.microsoft.com/office/drawing/2012/chartStyle" xmlns:a="http://schemas.openxmlformats.org/drawingml/2006/main" id="209">
   <cs:axisTitle>
     <cs:lnRef idx="0"/>
@@ -2606,7 +3605,7 @@
 </cs:chartStyle>
 </file>
 
-<file path=ppt/charts/style2.xml><?xml version="1.0" encoding="utf-8"?>
+<file path=ppt/charts/style3.xml><?xml version="1.0" encoding="utf-8"?>
 <cs:chartStyle xmlns:cs="http://schemas.microsoft.com/office/drawing/2012/chartStyle" xmlns:a="http://schemas.openxmlformats.org/drawingml/2006/main" id="209">
   <cs:axisTitle>
     <cs:lnRef idx="0"/>
@@ -4405,499 +5404,6 @@
       <dsp:cNvGrpSpPr/>
     </dsp:nvGrpSpPr>
     <dsp:grpSpPr/>
-    <dsp:sp modelId="{FFFE27BD-6EBC-4F2F-911B-A511E3276A30}">
-      <dsp:nvSpPr>
-        <dsp:cNvPr id="0" name=""/>
-        <dsp:cNvSpPr/>
-      </dsp:nvSpPr>
-      <dsp:spPr>
-        <a:xfrm>
-          <a:off x="30904" y="0"/>
-          <a:ext cx="2075837" cy="1278009"/>
-        </a:xfrm>
-        <a:prstGeom prst="roundRect">
-          <a:avLst>
-            <a:gd name="adj" fmla="val 5000"/>
-          </a:avLst>
-        </a:prstGeom>
-        <a:solidFill>
-          <a:schemeClr val="bg2">
-            <a:lumMod val="25000"/>
-          </a:schemeClr>
-        </a:solidFill>
-        <a:ln w="12700" cap="flat" cmpd="sng" algn="ctr">
-          <a:solidFill>
-            <a:schemeClr val="lt1">
-              <a:hueOff val="0"/>
-              <a:satOff val="0"/>
-              <a:lumOff val="0"/>
-              <a:alphaOff val="0"/>
-            </a:schemeClr>
-          </a:solidFill>
-          <a:prstDash val="solid"/>
-          <a:miter lim="800000"/>
-        </a:ln>
-        <a:effectLst/>
-      </dsp:spPr>
-      <dsp:style>
-        <a:lnRef idx="2">
-          <a:scrgbClr r="0" g="0" b="0"/>
-        </a:lnRef>
-        <a:fillRef idx="1">
-          <a:scrgbClr r="0" g="0" b="0"/>
-        </a:fillRef>
-        <a:effectRef idx="0">
-          <a:scrgbClr r="0" g="0" b="0"/>
-        </a:effectRef>
-        <a:fontRef idx="minor">
-          <a:schemeClr val="lt1"/>
-        </a:fontRef>
-      </dsp:style>
-      <dsp:txBody>
-        <a:bodyPr spcFirstLastPara="0" vert="horz" wrap="square" lIns="0" tIns="48006" rIns="62230" bIns="0" numCol="1" spcCol="1270" anchor="t" anchorCtr="0">
-          <a:noAutofit/>
-        </a:bodyPr>
-        <a:lstStyle/>
-        <a:p>
-          <a:pPr lvl="0" algn="r" defTabSz="622300">
-            <a:lnSpc>
-              <a:spcPct val="90000"/>
-            </a:lnSpc>
-            <a:spcBef>
-              <a:spcPct val="0"/>
-            </a:spcBef>
-            <a:spcAft>
-              <a:spcPct val="35000"/>
-            </a:spcAft>
-          </a:pPr>
-          <a:r>
-            <a:rPr lang="en-US" sz="1400" b="1" kern="1200" cap="all" spc="83" dirty="0">
-              <a:solidFill>
-                <a:schemeClr val="accent1">
-                  <a:lumMod val="40000"/>
-                  <a:lumOff val="60000"/>
-                </a:schemeClr>
-              </a:solidFill>
-              <a:latin typeface="Tw Cen MT Condensed" panose="020B0606020104020203"/>
-              <a:ea typeface="MS PGothic" pitchFamily="34" charset="-128"/>
-            </a:rPr>
-            <a:t>Number of MS visits conducted</a:t>
-          </a:r>
-          <a:endParaRPr lang="en-US" sz="1400" b="1" kern="1200" dirty="0">
-            <a:solidFill>
-              <a:schemeClr val="accent1">
-                <a:lumMod val="40000"/>
-                <a:lumOff val="60000"/>
-              </a:schemeClr>
-            </a:solidFill>
-          </a:endParaRPr>
-        </a:p>
-      </dsp:txBody>
-      <dsp:txXfrm rot="16200000">
-        <a:off x="-285496" y="316400"/>
-        <a:ext cx="1047968" cy="415167"/>
-      </dsp:txXfrm>
-    </dsp:sp>
-    <dsp:sp modelId="{55765B98-9E79-476F-8F77-6F3A72A725A6}">
-      <dsp:nvSpPr>
-        <dsp:cNvPr id="0" name=""/>
-        <dsp:cNvSpPr/>
-      </dsp:nvSpPr>
-      <dsp:spPr>
-        <a:xfrm>
-          <a:off x="2220785" y="0"/>
-          <a:ext cx="2075837" cy="1278009"/>
-        </a:xfrm>
-        <a:prstGeom prst="roundRect">
-          <a:avLst>
-            <a:gd name="adj" fmla="val 5000"/>
-          </a:avLst>
-        </a:prstGeom>
-        <a:solidFill>
-          <a:schemeClr val="bg2">
-            <a:lumMod val="25000"/>
-          </a:schemeClr>
-        </a:solidFill>
-        <a:ln w="12700" cap="flat" cmpd="sng" algn="ctr">
-          <a:solidFill>
-            <a:schemeClr val="lt1">
-              <a:hueOff val="0"/>
-              <a:satOff val="0"/>
-              <a:lumOff val="0"/>
-              <a:alphaOff val="0"/>
-            </a:schemeClr>
-          </a:solidFill>
-          <a:prstDash val="solid"/>
-          <a:miter lim="800000"/>
-        </a:ln>
-        <a:effectLst/>
-      </dsp:spPr>
-      <dsp:style>
-        <a:lnRef idx="2">
-          <a:scrgbClr r="0" g="0" b="0"/>
-        </a:lnRef>
-        <a:fillRef idx="1">
-          <a:scrgbClr r="0" g="0" b="0"/>
-        </a:fillRef>
-        <a:effectRef idx="0">
-          <a:scrgbClr r="0" g="0" b="0"/>
-        </a:effectRef>
-        <a:fontRef idx="minor">
-          <a:schemeClr val="lt1"/>
-        </a:fontRef>
-      </dsp:style>
-      <dsp:txBody>
-        <a:bodyPr spcFirstLastPara="0" vert="horz" wrap="square" lIns="0" tIns="48006" rIns="62230" bIns="0" numCol="1" spcCol="1270" anchor="t" anchorCtr="0">
-          <a:noAutofit/>
-        </a:bodyPr>
-        <a:lstStyle/>
-        <a:p>
-          <a:pPr lvl="0" algn="r" defTabSz="622300">
-            <a:lnSpc>
-              <a:spcPct val="90000"/>
-            </a:lnSpc>
-            <a:spcBef>
-              <a:spcPct val="0"/>
-            </a:spcBef>
-            <a:spcAft>
-              <a:spcPct val="35000"/>
-            </a:spcAft>
-          </a:pPr>
-          <a:r>
-            <a:rPr lang="en-US" sz="1400" b="1" kern="1200" cap="all" spc="83" dirty="0">
-              <a:solidFill>
-                <a:schemeClr val="accent1">
-                  <a:lumMod val="40000"/>
-                  <a:lumOff val="60000"/>
-                </a:schemeClr>
-              </a:solidFill>
-              <a:latin typeface="Tw Cen MT Condensed" panose="020B0606020104020203"/>
-              <a:ea typeface="MS PGothic" pitchFamily="34" charset="-128"/>
-            </a:rPr>
-            <a:t>MS visits conducted YTD</a:t>
-          </a:r>
-          <a:endParaRPr lang="en-US" sz="1400" b="1" kern="1200" dirty="0">
-            <a:solidFill>
-              <a:schemeClr val="accent1">
-                <a:lumMod val="40000"/>
-                <a:lumOff val="60000"/>
-              </a:schemeClr>
-            </a:solidFill>
-          </a:endParaRPr>
-        </a:p>
-      </dsp:txBody>
-      <dsp:txXfrm rot="16200000">
-        <a:off x="1904385" y="316400"/>
-        <a:ext cx="1047968" cy="415167"/>
-      </dsp:txXfrm>
-    </dsp:sp>
-    <dsp:sp modelId="{CC5BE8DC-F4CE-4343-B781-D07BDA4049BA}">
-      <dsp:nvSpPr>
-        <dsp:cNvPr id="0" name=""/>
-        <dsp:cNvSpPr/>
-      </dsp:nvSpPr>
-      <dsp:spPr>
-        <a:xfrm rot="5400000">
-          <a:off x="2068256" y="759621"/>
-          <a:ext cx="187727" cy="477570"/>
-        </a:xfrm>
-        <a:prstGeom prst="flowChartExtract">
-          <a:avLst/>
-        </a:prstGeom>
-        <a:solidFill>
-          <a:schemeClr val="lt1">
-            <a:hueOff val="0"/>
-            <a:satOff val="0"/>
-            <a:lumOff val="0"/>
-            <a:alphaOff val="0"/>
-          </a:schemeClr>
-        </a:solidFill>
-        <a:ln w="12700" cap="flat" cmpd="sng" algn="ctr">
-          <a:solidFill>
-            <a:schemeClr val="tx1"/>
-          </a:solidFill>
-          <a:prstDash val="solid"/>
-          <a:miter lim="800000"/>
-        </a:ln>
-        <a:effectLst/>
-      </dsp:spPr>
-      <dsp:style>
-        <a:lnRef idx="2">
-          <a:scrgbClr r="0" g="0" b="0"/>
-        </a:lnRef>
-        <a:fillRef idx="1">
-          <a:scrgbClr r="0" g="0" b="0"/>
-        </a:fillRef>
-        <a:effectRef idx="0">
-          <a:scrgbClr r="0" g="0" b="0"/>
-        </a:effectRef>
-        <a:fontRef idx="minor"/>
-      </dsp:style>
-    </dsp:sp>
-    <dsp:sp modelId="{8C8D17DB-A217-48A3-900A-3C60DCB28C28}">
-      <dsp:nvSpPr>
-        <dsp:cNvPr id="0" name=""/>
-        <dsp:cNvSpPr/>
-      </dsp:nvSpPr>
-      <dsp:spPr>
-        <a:xfrm>
-          <a:off x="4343584" y="0"/>
-          <a:ext cx="2050972" cy="1278009"/>
-        </a:xfrm>
-        <a:prstGeom prst="roundRect">
-          <a:avLst>
-            <a:gd name="adj" fmla="val 5000"/>
-          </a:avLst>
-        </a:prstGeom>
-        <a:solidFill>
-          <a:schemeClr val="bg2">
-            <a:lumMod val="25000"/>
-          </a:schemeClr>
-        </a:solidFill>
-        <a:ln w="12700" cap="flat" cmpd="sng" algn="ctr">
-          <a:solidFill>
-            <a:schemeClr val="lt1">
-              <a:hueOff val="0"/>
-              <a:satOff val="0"/>
-              <a:lumOff val="0"/>
-              <a:alphaOff val="0"/>
-            </a:schemeClr>
-          </a:solidFill>
-          <a:prstDash val="solid"/>
-          <a:miter lim="800000"/>
-        </a:ln>
-        <a:effectLst/>
-      </dsp:spPr>
-      <dsp:style>
-        <a:lnRef idx="2">
-          <a:scrgbClr r="0" g="0" b="0"/>
-        </a:lnRef>
-        <a:fillRef idx="1">
-          <a:scrgbClr r="0" g="0" b="0"/>
-        </a:fillRef>
-        <a:effectRef idx="0">
-          <a:scrgbClr r="0" g="0" b="0"/>
-        </a:effectRef>
-        <a:fontRef idx="minor">
-          <a:schemeClr val="lt1"/>
-        </a:fontRef>
-      </dsp:style>
-      <dsp:txBody>
-        <a:bodyPr spcFirstLastPara="0" vert="horz" wrap="square" lIns="0" tIns="48006" rIns="62230" bIns="0" numCol="1" spcCol="1270" anchor="t" anchorCtr="0">
-          <a:noAutofit/>
-        </a:bodyPr>
-        <a:lstStyle/>
-        <a:p>
-          <a:pPr lvl="0" algn="r" defTabSz="622300">
-            <a:lnSpc>
-              <a:spcPct val="90000"/>
-            </a:lnSpc>
-            <a:spcBef>
-              <a:spcPct val="0"/>
-            </a:spcBef>
-            <a:spcAft>
-              <a:spcPct val="35000"/>
-            </a:spcAft>
-          </a:pPr>
-          <a:r>
-            <a:rPr lang="en-US" sz="1400" b="1" kern="1200" cap="all" spc="83" dirty="0">
-              <a:solidFill>
-                <a:schemeClr val="accent1">
-                  <a:lumMod val="40000"/>
-                  <a:lumOff val="60000"/>
-                </a:schemeClr>
-              </a:solidFill>
-              <a:latin typeface="Tw Cen MT Condensed" panose="020B0606020104020203"/>
-              <a:ea typeface="MS PGothic" pitchFamily="34" charset="-128"/>
-            </a:rPr>
-            <a:t>Overall score for the month</a:t>
-          </a:r>
-          <a:endParaRPr lang="en-US" sz="1400" b="1" kern="1200" dirty="0">
-            <a:solidFill>
-              <a:schemeClr val="accent1">
-                <a:lumMod val="40000"/>
-                <a:lumOff val="60000"/>
-              </a:schemeClr>
-            </a:solidFill>
-          </a:endParaRPr>
-        </a:p>
-      </dsp:txBody>
-      <dsp:txXfrm rot="16200000">
-        <a:off x="4024697" y="318886"/>
-        <a:ext cx="1047968" cy="410194"/>
-      </dsp:txXfrm>
-    </dsp:sp>
-    <dsp:sp modelId="{66A16925-887F-4986-B7A0-21A5705EA49A}">
-      <dsp:nvSpPr>
-        <dsp:cNvPr id="0" name=""/>
-        <dsp:cNvSpPr/>
-      </dsp:nvSpPr>
-      <dsp:spPr>
-        <a:xfrm rot="5400000">
-          <a:off x="4287348" y="730046"/>
-          <a:ext cx="187727" cy="477570"/>
-        </a:xfrm>
-        <a:prstGeom prst="flowChartExtract">
-          <a:avLst/>
-        </a:prstGeom>
-        <a:solidFill>
-          <a:schemeClr val="lt1">
-            <a:hueOff val="0"/>
-            <a:satOff val="0"/>
-            <a:lumOff val="0"/>
-            <a:alphaOff val="0"/>
-          </a:schemeClr>
-        </a:solidFill>
-        <a:ln w="12700" cap="flat" cmpd="sng" algn="ctr">
-          <a:solidFill>
-            <a:schemeClr val="tx1"/>
-          </a:solidFill>
-          <a:prstDash val="solid"/>
-          <a:miter lim="800000"/>
-        </a:ln>
-        <a:effectLst/>
-      </dsp:spPr>
-      <dsp:style>
-        <a:lnRef idx="2">
-          <a:scrgbClr r="0" g="0" b="0"/>
-        </a:lnRef>
-        <a:fillRef idx="1">
-          <a:scrgbClr r="0" g="0" b="0"/>
-        </a:fillRef>
-        <a:effectRef idx="0">
-          <a:scrgbClr r="0" g="0" b="0"/>
-        </a:effectRef>
-        <a:fontRef idx="minor"/>
-      </dsp:style>
-    </dsp:sp>
-    <dsp:sp modelId="{C7A8D011-5327-4C8A-B9FA-0ED8036C5794}">
-      <dsp:nvSpPr>
-        <dsp:cNvPr id="0" name=""/>
-        <dsp:cNvSpPr/>
-      </dsp:nvSpPr>
-      <dsp:spPr>
-        <a:xfrm>
-          <a:off x="6492012" y="0"/>
-          <a:ext cx="1961921" cy="1278009"/>
-        </a:xfrm>
-        <a:prstGeom prst="roundRect">
-          <a:avLst>
-            <a:gd name="adj" fmla="val 5000"/>
-          </a:avLst>
-        </a:prstGeom>
-        <a:solidFill>
-          <a:schemeClr val="bg2">
-            <a:lumMod val="25000"/>
-          </a:schemeClr>
-        </a:solidFill>
-        <a:ln w="12700" cap="flat" cmpd="sng" algn="ctr">
-          <a:solidFill>
-            <a:schemeClr val="lt1">
-              <a:hueOff val="0"/>
-              <a:satOff val="0"/>
-              <a:lumOff val="0"/>
-              <a:alphaOff val="0"/>
-            </a:schemeClr>
-          </a:solidFill>
-          <a:prstDash val="solid"/>
-          <a:miter lim="800000"/>
-        </a:ln>
-        <a:effectLst/>
-      </dsp:spPr>
-      <dsp:style>
-        <a:lnRef idx="2">
-          <a:scrgbClr r="0" g="0" b="0"/>
-        </a:lnRef>
-        <a:fillRef idx="1">
-          <a:scrgbClr r="0" g="0" b="0"/>
-        </a:fillRef>
-        <a:effectRef idx="0">
-          <a:scrgbClr r="0" g="0" b="0"/>
-        </a:effectRef>
-        <a:fontRef idx="minor">
-          <a:schemeClr val="lt1"/>
-        </a:fontRef>
-      </dsp:style>
-      <dsp:txBody>
-        <a:bodyPr spcFirstLastPara="0" vert="horz" wrap="square" lIns="0" tIns="48006" rIns="62230" bIns="0" numCol="1" spcCol="1270" anchor="t" anchorCtr="0">
-          <a:noAutofit/>
-        </a:bodyPr>
-        <a:lstStyle/>
-        <a:p>
-          <a:pPr lvl="0" algn="ctr" defTabSz="622300">
-            <a:lnSpc>
-              <a:spcPct val="90000"/>
-            </a:lnSpc>
-            <a:spcBef>
-              <a:spcPct val="0"/>
-            </a:spcBef>
-            <a:spcAft>
-              <a:spcPct val="35000"/>
-            </a:spcAft>
-          </a:pPr>
-          <a:r>
-            <a:rPr lang="en-US" sz="1400" kern="1200" cap="all" spc="83" dirty="0">
-              <a:solidFill>
-                <a:schemeClr val="accent1">
-                  <a:lumMod val="40000"/>
-                  <a:lumOff val="60000"/>
-                </a:schemeClr>
-              </a:solidFill>
-              <a:latin typeface="Tw Cen MT Condensed" panose="020B0606020104020203"/>
-              <a:ea typeface="MS PGothic" pitchFamily="34" charset="-128"/>
-            </a:rPr>
-            <a:t>YTD Score</a:t>
-          </a:r>
-        </a:p>
-      </dsp:txBody>
-      <dsp:txXfrm rot="16200000">
-        <a:off x="6164220" y="327791"/>
-        <a:ext cx="1047968" cy="392384"/>
-      </dsp:txXfrm>
-    </dsp:sp>
-    <dsp:sp modelId="{170D0286-CDBC-471B-8D7E-381E86EA9FC5}">
-      <dsp:nvSpPr>
-        <dsp:cNvPr id="0" name=""/>
-        <dsp:cNvSpPr/>
-      </dsp:nvSpPr>
-      <dsp:spPr>
-        <a:xfrm rot="5400000">
-          <a:off x="6370319" y="776161"/>
-          <a:ext cx="187727" cy="477570"/>
-        </a:xfrm>
-        <a:prstGeom prst="flowChartExtract">
-          <a:avLst/>
-        </a:prstGeom>
-        <a:solidFill>
-          <a:schemeClr val="lt1">
-            <a:hueOff val="0"/>
-            <a:satOff val="0"/>
-            <a:lumOff val="0"/>
-            <a:alphaOff val="0"/>
-          </a:schemeClr>
-        </a:solidFill>
-        <a:ln w="12700" cap="flat" cmpd="sng" algn="ctr">
-          <a:solidFill>
-            <a:schemeClr val="tx1"/>
-          </a:solidFill>
-          <a:prstDash val="solid"/>
-          <a:miter lim="800000"/>
-        </a:ln>
-        <a:effectLst/>
-      </dsp:spPr>
-      <dsp:style>
-        <a:lnRef idx="2">
-          <a:scrgbClr r="0" g="0" b="0"/>
-        </a:lnRef>
-        <a:fillRef idx="1">
-          <a:scrgbClr r="0" g="0" b="0"/>
-        </a:fillRef>
-        <a:effectRef idx="0">
-          <a:scrgbClr r="0" g="0" b="0"/>
-        </a:effectRef>
-        <a:fontRef idx="minor"/>
-      </dsp:style>
-    </dsp:sp>
   </dsp:spTree>
 </dsp:drawing>
 </file>
@@ -6357,7 +6863,7 @@
             <a:fld id="{B8D4DC83-3E1D-4C1F-AB39-E22BAFEFEAA8}" type="datetimeFigureOut">
               <a:rPr lang="en-US" smtClean="0"/>
               <a:pPr/>
-              <a:t>8/4/2017</a:t>
+              <a:t>8/16/2017</a:t>
             </a:fld>
             <a:endParaRPr lang="en-US" dirty="0"/>
           </a:p>
@@ -7610,7 +8116,7 @@
                 </a:solidFill>
               </a:rPr>
               <a:pPr/>
-              <a:t>8/4/2017</a:t>
+              <a:t>8/16/2017</a:t>
             </a:fld>
             <a:endParaRPr lang="en-US" dirty="0">
               <a:solidFill>
@@ -7810,7 +8316,7 @@
                 </a:solidFill>
               </a:rPr>
               <a:pPr/>
-              <a:t>8/4/2017</a:t>
+              <a:t>8/16/2017</a:t>
             </a:fld>
             <a:endParaRPr lang="en-US" dirty="0">
               <a:solidFill>
@@ -8020,7 +8526,7 @@
                 </a:solidFill>
               </a:rPr>
               <a:pPr/>
-              <a:t>8/4/2017</a:t>
+              <a:t>8/16/2017</a:t>
             </a:fld>
             <a:endParaRPr lang="en-US" dirty="0">
               <a:solidFill>
@@ -8220,7 +8726,7 @@
                 </a:solidFill>
               </a:rPr>
               <a:pPr/>
-              <a:t>8/4/2017</a:t>
+              <a:t>8/16/2017</a:t>
             </a:fld>
             <a:endParaRPr lang="en-US" dirty="0">
               <a:solidFill>
@@ -8497,7 +9003,7 @@
                 </a:solidFill>
               </a:rPr>
               <a:pPr/>
-              <a:t>8/4/2017</a:t>
+              <a:t>8/16/2017</a:t>
             </a:fld>
             <a:endParaRPr lang="en-US" dirty="0">
               <a:solidFill>
@@ -8758,7 +9264,7 @@
                 </a:solidFill>
               </a:rPr>
               <a:pPr/>
-              <a:t>8/4/2017</a:t>
+              <a:t>8/16/2017</a:t>
             </a:fld>
             <a:endParaRPr lang="en-US" dirty="0">
               <a:solidFill>
@@ -9154,7 +9660,7 @@
                 </a:solidFill>
               </a:rPr>
               <a:pPr/>
-              <a:t>8/4/2017</a:t>
+              <a:t>8/16/2017</a:t>
             </a:fld>
             <a:endParaRPr lang="en-US" dirty="0">
               <a:solidFill>
@@ -9303,7 +9809,7 @@
                 </a:solidFill>
               </a:rPr>
               <a:pPr/>
-              <a:t>8/4/2017</a:t>
+              <a:t>8/16/2017</a:t>
             </a:fld>
             <a:endParaRPr lang="en-US" dirty="0">
               <a:solidFill>
@@ -9430,7 +9936,7 @@
                 </a:solidFill>
               </a:rPr>
               <a:pPr/>
-              <a:t>8/4/2017</a:t>
+              <a:t>8/16/2017</a:t>
             </a:fld>
             <a:endParaRPr lang="en-US" dirty="0">
               <a:solidFill>
@@ -9737,7 +10243,7 @@
                 </a:solidFill>
               </a:rPr>
               <a:pPr/>
-              <a:t>8/4/2017</a:t>
+              <a:t>8/16/2017</a:t>
             </a:fld>
             <a:endParaRPr lang="en-US" dirty="0">
               <a:solidFill>
@@ -10021,7 +10527,7 @@
                 </a:solidFill>
               </a:rPr>
               <a:pPr/>
-              <a:t>8/4/2017</a:t>
+              <a:t>8/16/2017</a:t>
             </a:fld>
             <a:endParaRPr lang="en-US" dirty="0">
               <a:solidFill>
@@ -10265,7 +10771,7 @@
                 <a:ea typeface="MS PGothic" pitchFamily="34" charset="-128"/>
               </a:rPr>
               <a:pPr/>
-              <a:t>8/4/2017</a:t>
+              <a:t>8/16/2017</a:t>
             </a:fld>
             <a:endParaRPr lang="en-US" dirty="0">
               <a:solidFill>
@@ -11079,7 +11585,7 @@
           <a:p>
             <a:fld id="{12AE51C9-88C8-41DD-A5F6-AF8AC58052B1}" type="datetime1">
               <a:rPr lang="en-US" smtClean="0"/>
-              <a:t>8/4/2017</a:t>
+              <a:t>8/16/2017</a:t>
             </a:fld>
             <a:endParaRPr lang="en-US"/>
           </a:p>
@@ -29647,7 +30153,7 @@
           <a:p>
             <a:fld id="{12AE51C9-88C8-41DD-A5F6-AF8AC58052B1}" type="datetime1">
               <a:rPr lang="en-US" smtClean="0"/>
-              <a:t>8/4/2017</a:t>
+              <a:t>8/16/2017</a:t>
             </a:fld>
             <a:endParaRPr lang="en-US"/>
           </a:p>
@@ -29785,7 +30291,7 @@
         <p:spPr>
           <a:xfrm>
             <a:off x="8213678" y="3805234"/>
-            <a:ext cx="881214" cy="1200329"/>
+            <a:ext cx="881214" cy="646331"/>
           </a:xfrm>
           <a:prstGeom prst="rect">
             <a:avLst/>
@@ -29800,12 +30306,12 @@
           <a:p>
             <a:pPr algn="ctr"/>
             <a:r>
-              <a:rPr lang="en-US" b="1" dirty="0">
+              <a:rPr lang="en-US" b="1" dirty="0" smtClean="0">
                 <a:solidFill>
                   <a:srgbClr val="0070C0"/>
                 </a:solidFill>
               </a:rPr>
-              <a:t>ProfessionalImageSlide2</a:t>
+              <a:t>[prop3]</a:t>
             </a:r>
             <a:endParaRPr lang="en-US" b="1" dirty="0">
               <a:solidFill>
@@ -29825,7 +30331,7 @@
         <p:spPr>
           <a:xfrm>
             <a:off x="2688953" y="3761886"/>
-            <a:ext cx="849631" cy="1477328"/>
+            <a:ext cx="849631" cy="646331"/>
           </a:xfrm>
           <a:prstGeom prst="rect">
             <a:avLst/>
@@ -29840,12 +30346,12 @@
           <a:p>
             <a:pPr algn="ctr"/>
             <a:r>
-              <a:rPr lang="en-US" b="1" dirty="0">
+              <a:rPr lang="en-US" b="1" dirty="0" smtClean="0">
                 <a:solidFill>
                   <a:srgbClr val="0070C0"/>
                 </a:solidFill>
               </a:rPr>
-              <a:t>InterActionWithGuestsSlide2</a:t>
+              <a:t>[prop2]</a:t>
             </a:r>
             <a:endParaRPr lang="en-US" b="1" dirty="0">
               <a:solidFill>
@@ -29865,7 +30371,7 @@
         <p:spPr>
           <a:xfrm>
             <a:off x="5385329" y="1204076"/>
-            <a:ext cx="938740" cy="1200329"/>
+            <a:ext cx="938740" cy="369332"/>
           </a:xfrm>
           <a:prstGeom prst="rect">
             <a:avLst/>
@@ -29880,12 +30386,12 @@
           <a:p>
             <a:pPr algn="ctr"/>
             <a:r>
-              <a:rPr lang="en-US" b="1" dirty="0">
+              <a:rPr lang="en-US" b="1" dirty="0" smtClean="0">
                 <a:solidFill>
                   <a:srgbClr val="0070C0"/>
                 </a:solidFill>
               </a:rPr>
-              <a:t>ProductKnowledgeSlide2</a:t>
+              <a:t>[prop1]</a:t>
             </a:r>
             <a:endParaRPr lang="en-US" b="1" dirty="0">
               <a:solidFill>
@@ -30165,7 +30671,7 @@
             </a:pPr>
             <a:r>
               <a:rPr lang="en-US" sz="2400" dirty="0"/>
-              <a:t>Title1Slide3</a:t>
+              <a:t>Customer journey and touchpoints assessment</a:t>
             </a:r>
             <a:endParaRPr lang="en-US" altLang="en-US" sz="2400" cap="all" spc="83" dirty="0">
               <a:solidFill>
@@ -30208,7 +30714,7 @@
             </a:pPr>
             <a:r>
               <a:rPr lang="en-US" sz="2400" dirty="0"/>
-              <a:t>Title2Slide3</a:t>
+              <a:t>Guest Service April 17</a:t>
             </a:r>
             <a:endParaRPr lang="en-US" altLang="en-US" sz="2400" cap="all" spc="83" dirty="0">
               <a:solidFill>
@@ -30220,6 +30726,28 @@
           </a:p>
         </p:txBody>
       </p:sp>
+      <p:graphicFrame>
+        <p:nvGraphicFramePr>
+          <p:cNvPr id="28" name="Chart 27"/>
+          <p:cNvGraphicFramePr/>
+          <p:nvPr>
+            <p:extLst>
+              <p:ext uri="{D42A27DB-BD31-4B8C-83A1-F6EECF244321}">
+                <p14:modId xmlns:p14="http://schemas.microsoft.com/office/powerpoint/2010/main" val="3464157589"/>
+              </p:ext>
+            </p:extLst>
+          </p:nvPr>
+        </p:nvGraphicFramePr>
+        <p:xfrm>
+          <a:off x="8708807" y="3806167"/>
+          <a:ext cx="3114225" cy="2358432"/>
+        </p:xfrm>
+        <a:graphic>
+          <a:graphicData uri="http://schemas.openxmlformats.org/drawingml/2006/chart">
+            <c:chart xmlns:c="http://schemas.openxmlformats.org/drawingml/2006/chart" xmlns:r="http://schemas.openxmlformats.org/officeDocument/2006/relationships" r:id="rId8"/>
+          </a:graphicData>
+        </a:graphic>
+      </p:graphicFrame>
     </p:spTree>
     <p:extLst>
       <p:ext uri="{BB962C8B-B14F-4D97-AF65-F5344CB8AC3E}">
@@ -30272,7 +30800,7 @@
           <a:p>
             <a:fld id="{12AE51C9-88C8-41DD-A5F6-AF8AC58052B1}" type="datetime1">
               <a:rPr lang="en-US" smtClean="0"/>
-              <a:t>8/4/2017</a:t>
+              <a:t>8/16/2017</a:t>
             </a:fld>
             <a:endParaRPr lang="en-US"/>
           </a:p>
@@ -30361,7 +30889,7 @@
             </a:pPr>
             <a:r>
               <a:rPr lang="en-US" sz="2400" dirty="0"/>
-              <a:t>Title1Slide3</a:t>
+              <a:t>Customer journey and touchpoints assessment</a:t>
             </a:r>
             <a:endParaRPr lang="en-US" altLang="en-US" sz="2400" cap="all" spc="83" dirty="0">
               <a:solidFill>
@@ -30477,7 +31005,7 @@
             <a:pPr algn="ctr"/>
             <a:r>
               <a:rPr lang="en-US" sz="1600" dirty="0"/>
-              <a:t>Chart2Title</a:t>
+              <a:t>Overall Score April 17</a:t>
             </a:r>
             <a:endParaRPr lang="en-US" sz="1600" b="1" u="sng" dirty="0">
               <a:latin typeface="Tw Cen MT" panose="020B0602020104020603" pitchFamily="34" charset="0"/>
@@ -30801,7 +31329,7 @@
             <a:pPr algn="ctr"/>
             <a:r>
               <a:rPr lang="en-US" sz="1600" dirty="0"/>
-              <a:t>Chart1Title</a:t>
+              <a:t>Overall Score per month</a:t>
             </a:r>
             <a:endParaRPr lang="en-US" sz="1600" b="1" u="sng" dirty="0">
               <a:latin typeface="Tw Cen MT" panose="020B0602020104020603" pitchFamily="34" charset="0"/>
@@ -30937,7 +31465,7 @@
               </a:pPr>
               <a:r>
                 <a:rPr lang="en-US" sz="4400" dirty="0"/>
-                <a:t>VisitsYTDSlide3</a:t>
+                <a:t>81</a:t>
               </a:r>
               <a:endParaRPr lang="en-US" sz="4400" kern="1200" dirty="0">
                 <a:latin typeface="Tw Cen MT Condensed" panose="020B0606020104020203" pitchFamily="34" charset="0"/>
@@ -31049,7 +31577,7 @@
               </a:pPr>
               <a:r>
                 <a:rPr lang="en-US" sz="4400" dirty="0"/>
-                <a:t>ScoreYTDlide3</a:t>
+                <a:t>9</a:t>
               </a:r>
               <a:endParaRPr lang="en-US" sz="4400" dirty="0">
                 <a:latin typeface="Tw Cen MT Condensed" panose="020B0606020104020203" pitchFamily="34" charset="0"/>
@@ -31154,7 +31682,7 @@
             </a:pPr>
             <a:r>
               <a:rPr lang="en-US" sz="4400" dirty="0"/>
-              <a:t>VisitsSlide3</a:t>
+              <a:t>107</a:t>
             </a:r>
             <a:endParaRPr lang="en-US" sz="4400" kern="1200" dirty="0">
               <a:latin typeface="Tw Cen MT Condensed" panose="020B0606020104020203" pitchFamily="34" charset="0"/>
@@ -31214,7 +31742,7 @@
             </a:pPr>
             <a:r>
               <a:rPr lang="en-US" sz="4400" dirty="0"/>
-              <a:t>ScoreSlide3</a:t>
+              <a:t>12</a:t>
             </a:r>
             <a:endParaRPr lang="en-US" sz="4400" kern="1200" dirty="0">
               <a:latin typeface="Tw Cen MT Condensed" panose="020B0606020104020203" pitchFamily="34" charset="0"/>
@@ -31253,7 +31781,7 @@
             </a:pPr>
             <a:r>
               <a:rPr lang="en-US" sz="2400" dirty="0"/>
-              <a:t>Title2Slide3</a:t>
+              <a:t>Guest Service April 17</a:t>
             </a:r>
             <a:endParaRPr lang="en-US" altLang="en-US" sz="2400" cap="all" spc="83" dirty="0">
               <a:solidFill>
@@ -31370,7 +31898,7 @@
                           </a:solidFill>
                           <a:effectLst/>
                         </a:rPr>
-                        <a:t>Guest</a:t>
+                        <a:t>12</a:t>
                       </a:r>
                       <a:r>
                         <a:rPr lang="en-US" sz="1200" b="1" u="none" strike="noStrike" baseline="0" dirty="0" smtClean="0">
@@ -31423,7 +31951,7 @@
                           <a:ea typeface="+mn-ea"/>
                           <a:cs typeface="+mn-cs"/>
                         </a:rPr>
-                        <a:t>Month1MiddleSlide3</a:t>
+                        <a:t>JAN 2017</a:t>
                       </a:r>
                       <a:endParaRPr lang="en-US" sz="1050" b="1" i="0" u="none" strike="noStrike" dirty="0">
                         <a:solidFill>
@@ -31458,7 +31986,7 @@
                           <a:ea typeface="+mn-ea"/>
                           <a:cs typeface="+mn-cs"/>
                         </a:rPr>
-                        <a:t>Month2MiddleSlide3</a:t>
+                        <a:t>FEB 2017</a:t>
                       </a:r>
                       <a:endParaRPr lang="en-US" sz="1050" b="1" i="0" u="none" strike="noStrike" dirty="0">
                         <a:solidFill>
@@ -31493,7 +32021,7 @@
                           <a:ea typeface="+mn-ea"/>
                           <a:cs typeface="+mn-cs"/>
                         </a:rPr>
-                        <a:t>Month3MiddleSlide3</a:t>
+                        <a:t>MAR 2017</a:t>
                       </a:r>
                       <a:endParaRPr lang="en-US" sz="1050" b="1" i="0" u="none" strike="noStrike" dirty="0">
                         <a:solidFill>
@@ -31528,7 +32056,7 @@
                           <a:ea typeface="+mn-ea"/>
                           <a:cs typeface="+mn-cs"/>
                         </a:rPr>
-                        <a:t>Month4MiddleSlide3</a:t>
+                        <a:t>APR 2017</a:t>
                       </a:r>
                       <a:endParaRPr lang="en-US" sz="1050" b="1" i="0" u="none" strike="noStrike" dirty="0">
                         <a:solidFill>
@@ -31561,7 +32089,7 @@
                           </a:solidFill>
                           <a:effectLst/>
                         </a:rPr>
-                        <a:t>YTD</a:t>
+                        <a:t>9</a:t>
                       </a:r>
                       <a:r>
                         <a:rPr lang="en-US" sz="1200" b="1" u="none" strike="noStrike" baseline="0" dirty="0">
@@ -31645,7 +32173,7 @@
                           <a:ea typeface="+mn-ea"/>
                           <a:cs typeface="+mn-cs"/>
                         </a:rPr>
-                        <a:t>MonthValue1MiddleSlide3</a:t>
+                        <a:t>68%</a:t>
                       </a:r>
                       <a:endParaRPr lang="en-US" sz="1200" b="1" i="0" u="none" strike="noStrike" dirty="0">
                         <a:solidFill>
@@ -31680,7 +32208,7 @@
                           <a:ea typeface="+mn-ea"/>
                           <a:cs typeface="+mn-cs"/>
                         </a:rPr>
-                        <a:t>MonthValue2MiddleSlide3</a:t>
+                        <a:t>18%</a:t>
                       </a:r>
                       <a:endParaRPr lang="en-US" sz="1050" b="1" i="0" u="none" strike="noStrike" dirty="0">
                         <a:solidFill>
@@ -31715,7 +32243,7 @@
                           <a:ea typeface="+mn-ea"/>
                           <a:cs typeface="+mn-cs"/>
                         </a:rPr>
-                        <a:t>MonthValue3MiddleSlide3</a:t>
+                        <a:t>39%</a:t>
                       </a:r>
                       <a:endParaRPr lang="en-US" sz="1050" b="1" i="0" u="none" strike="noStrike" dirty="0">
                         <a:solidFill>
@@ -31750,7 +32278,7 @@
                           <a:ea typeface="+mn-ea"/>
                           <a:cs typeface="+mn-cs"/>
                         </a:rPr>
-                        <a:t>MonthValue4MiddleSlide3</a:t>
+                        <a:t>39%</a:t>
                       </a:r>
                       <a:endParaRPr lang="en-US" sz="1050" b="1" i="0" u="none" strike="noStrike" dirty="0">
                         <a:solidFill>
@@ -31785,7 +32313,7 @@
                           <a:ea typeface="+mn-ea"/>
                           <a:cs typeface="+mn-cs"/>
                         </a:rPr>
-                        <a:t>ScoreValueMiddleSlide3</a:t>
+                        <a:t>40%</a:t>
                       </a:r>
                       <a:endParaRPr lang="en-US" sz="1050" b="1" i="0" u="none" strike="noStrike" dirty="0">
                         <a:solidFill>
@@ -31867,7 +32395,7 @@
           <a:p>
             <a:fld id="{12AE51C9-88C8-41DD-A5F6-AF8AC58052B1}" type="datetime1">
               <a:rPr lang="en-US" smtClean="0"/>
-              <a:t>8/4/2017</a:t>
+              <a:t>8/16/2017</a:t>
             </a:fld>
             <a:endParaRPr lang="en-US"/>
           </a:p>
@@ -32570,7 +33098,7 @@
           <a:p>
             <a:fld id="{12AE51C9-88C8-41DD-A5F6-AF8AC58052B1}" type="datetime1">
               <a:rPr lang="en-US" smtClean="0"/>
-              <a:t>8/4/2017</a:t>
+              <a:t>8/16/2017</a:t>
             </a:fld>
             <a:endParaRPr lang="en-US"/>
           </a:p>
@@ -33178,7 +33706,7 @@
           <a:p>
             <a:fld id="{12AE51C9-88C8-41DD-A5F6-AF8AC58052B1}" type="datetime1">
               <a:rPr lang="en-US" smtClean="0"/>
-              <a:t>8/4/2017</a:t>
+              <a:t>8/16/2017</a:t>
             </a:fld>
             <a:endParaRPr lang="en-US"/>
           </a:p>
@@ -33398,7 +33926,7 @@
               </a:pPr>
               <a:r>
                 <a:rPr lang="en-US" sz="4400" kern="1200" dirty="0"/>
-                <a:t>2</a:t>
+                <a:t>Guest Service April 17</a:t>
               </a:r>
             </a:p>
           </p:txBody>
@@ -33462,42 +33990,42 @@
                 <a:gridCol w="807857">
                   <a:extLst>
                     <a:ext uri="{9D8B030D-6E8A-4147-A177-3AD203B41FA5}">
-                      <a16:colId xmlns="" xmlns:a16="http://schemas.microsoft.com/office/drawing/2014/main" val="2728497402"/>
+                      <a16:colId xmlns:a14="http://schemas.microsoft.com/office/drawing/2010/main" xmlns:p14="http://schemas.microsoft.com/office/powerpoint/2010/main" xmlns:a16="http://schemas.microsoft.com/office/drawing/2014/main" xmlns="" val="2728497402"/>
                     </a:ext>
                   </a:extLst>
                 </a:gridCol>
                 <a:gridCol w="1014306">
                   <a:extLst>
                     <a:ext uri="{9D8B030D-6E8A-4147-A177-3AD203B41FA5}">
-                      <a16:colId xmlns="" xmlns:a16="http://schemas.microsoft.com/office/drawing/2014/main" val="20000"/>
+                      <a16:colId xmlns:a14="http://schemas.microsoft.com/office/drawing/2010/main" xmlns:p14="http://schemas.microsoft.com/office/powerpoint/2010/main" xmlns:a16="http://schemas.microsoft.com/office/drawing/2014/main" xmlns="" val="20000"/>
                     </a:ext>
                   </a:extLst>
                 </a:gridCol>
                 <a:gridCol w="796995">
                   <a:extLst>
                     <a:ext uri="{9D8B030D-6E8A-4147-A177-3AD203B41FA5}">
-                      <a16:colId xmlns="" xmlns:a16="http://schemas.microsoft.com/office/drawing/2014/main" val="20001"/>
+                      <a16:colId xmlns:a14="http://schemas.microsoft.com/office/drawing/2010/main" xmlns:p14="http://schemas.microsoft.com/office/powerpoint/2010/main" xmlns:a16="http://schemas.microsoft.com/office/drawing/2014/main" xmlns="" val="20001"/>
                     </a:ext>
                   </a:extLst>
                 </a:gridCol>
                 <a:gridCol w="1131219">
                   <a:extLst>
                     <a:ext uri="{9D8B030D-6E8A-4147-A177-3AD203B41FA5}">
-                      <a16:colId xmlns="" xmlns:a16="http://schemas.microsoft.com/office/drawing/2014/main" val="20002"/>
+                      <a16:colId xmlns:a14="http://schemas.microsoft.com/office/drawing/2010/main" xmlns:p14="http://schemas.microsoft.com/office/powerpoint/2010/main" xmlns:a16="http://schemas.microsoft.com/office/drawing/2014/main" xmlns="" val="20002"/>
                     </a:ext>
                   </a:extLst>
                 </a:gridCol>
                 <a:gridCol w="5926047">
                   <a:extLst>
                     <a:ext uri="{9D8B030D-6E8A-4147-A177-3AD203B41FA5}">
-                      <a16:colId xmlns="" xmlns:a16="http://schemas.microsoft.com/office/drawing/2014/main" val="20003"/>
+                      <a16:colId xmlns:a14="http://schemas.microsoft.com/office/drawing/2010/main" xmlns:p14="http://schemas.microsoft.com/office/powerpoint/2010/main" xmlns:a16="http://schemas.microsoft.com/office/drawing/2014/main" xmlns="" val="20003"/>
                     </a:ext>
                   </a:extLst>
                 </a:gridCol>
                 <a:gridCol w="2204425">
                   <a:extLst>
                     <a:ext uri="{9D8B030D-6E8A-4147-A177-3AD203B41FA5}">
-                      <a16:colId xmlns="" xmlns:a16="http://schemas.microsoft.com/office/drawing/2014/main" val="20004"/>
+                      <a16:colId xmlns:a14="http://schemas.microsoft.com/office/drawing/2010/main" xmlns:p14="http://schemas.microsoft.com/office/powerpoint/2010/main" xmlns:a16="http://schemas.microsoft.com/office/drawing/2014/main" xmlns="" val="20004"/>
                     </a:ext>
                   </a:extLst>
                 </a:gridCol>
@@ -33738,7 +34266,7 @@
                 </a:tc>
                 <a:extLst>
                   <a:ext uri="{0D108BD9-81ED-4DB2-BD59-A6C34878D82A}">
-                    <a16:rowId xmlns="" xmlns:a16="http://schemas.microsoft.com/office/drawing/2014/main" val="10000"/>
+                    <a16:rowId xmlns:a14="http://schemas.microsoft.com/office/drawing/2010/main" xmlns:p14="http://schemas.microsoft.com/office/powerpoint/2010/main" xmlns:a16="http://schemas.microsoft.com/office/drawing/2014/main" xmlns="" val="10000"/>
                   </a:ext>
                 </a:extLst>
               </a:tr>
@@ -33757,7 +34285,7 @@
                           <a:effectLst/>
                           <a:latin typeface="Tw Cen MT" panose="020B0602020104020603" pitchFamily="34" charset="0"/>
                         </a:rPr>
-                        <a:t>Empty</a:t>
+                        <a:t>26.04.17</a:t>
                       </a:r>
                       <a:endParaRPr lang="en-US" sz="1300" b="0" i="0" u="none" strike="noStrike" dirty="0">
                         <a:solidFill>
@@ -33790,7 +34318,7 @@
                           <a:effectLst/>
                           <a:latin typeface="Tw Cen MT" panose="020B0602020104020603" pitchFamily="34" charset="0"/>
                         </a:rPr>
-                        <a:t>Empty</a:t>
+                        <a:t>FF Cinema Parking</a:t>
                       </a:r>
                       <a:endParaRPr lang="en-US" sz="1300" b="1" i="0" u="none" strike="noStrike" dirty="0">
                         <a:solidFill>
@@ -33823,7 +34351,7 @@
                           <a:effectLst/>
                           <a:latin typeface="Tw Cen MT" panose="020B0602020104020603" pitchFamily="34" charset="0"/>
                         </a:rPr>
-                        <a:t>Empty</a:t>
+                        <a:t>14:30</a:t>
                       </a:r>
                       <a:endParaRPr lang="en-US" sz="1300" b="0" i="0" u="none" strike="noStrike" dirty="0">
                         <a:solidFill>
@@ -33856,7 +34384,7 @@
                           <a:effectLst/>
                           <a:latin typeface="Tw Cen MT" panose="020B0602020104020603" pitchFamily="34" charset="0"/>
                         </a:rPr>
-                        <a:t>Empty</a:t>
+                        <a:t>Interaction with Guest</a:t>
                       </a:r>
                       <a:endParaRPr lang="en-US" sz="1300" b="1" i="0" u="none" strike="noStrike" dirty="0">
                         <a:solidFill>
@@ -33892,7 +34420,7 @@
                           <a:effectLst/>
                           <a:latin typeface="Tw Cen MT" panose="020B0602020104020603" pitchFamily="34" charset="0"/>
                         </a:rPr>
-                        <a:t>Empty</a:t>
+                        <a:t>Associate Iman smiled warmly to customer. She was friendly &amp; Helpful.</a:t>
                       </a:r>
                       <a:endParaRPr lang="en-US" sz="1300" b="0" i="0" u="none" strike="noStrike" dirty="0">
                         <a:solidFill>
@@ -33928,7 +34456,7 @@
                           <a:effectLst/>
                           <a:latin typeface="Tw Cen MT" panose="020B0602020104020603" pitchFamily="34" charset="0"/>
                         </a:rPr>
-                        <a:t>Empty</a:t>
+                        <a:t>It was difficult to identify the staff's name as it was covered by their Abaya.</a:t>
                       </a:r>
                       <a:endParaRPr lang="en-US" sz="1300" b="0" i="0" u="none" strike="noStrike" dirty="0">
                         <a:solidFill>
@@ -33949,7 +34477,7 @@
                 </a:tc>
                 <a:extLst>
                   <a:ext uri="{0D108BD9-81ED-4DB2-BD59-A6C34878D82A}">
-                    <a16:rowId xmlns="" xmlns:a16="http://schemas.microsoft.com/office/drawing/2014/main" val="10001"/>
+                    <a16:rowId xmlns:a14="http://schemas.microsoft.com/office/drawing/2010/main" xmlns:p14="http://schemas.microsoft.com/office/powerpoint/2010/main" xmlns:a16="http://schemas.microsoft.com/office/drawing/2014/main" xmlns="" val="10001"/>
                   </a:ext>
                 </a:extLst>
               </a:tr>
@@ -33968,7 +34496,7 @@
                           <a:effectLst/>
                           <a:latin typeface="Tw Cen MT" panose="020B0602020104020603" pitchFamily="34" charset="0"/>
                         </a:rPr>
-                        <a:t>Empty</a:t>
+                        <a:t>26.04.17</a:t>
                       </a:r>
                       <a:endParaRPr lang="en-US" sz="1300" b="0" i="0" u="none" strike="noStrike" dirty="0">
                         <a:solidFill>
@@ -34024,7 +34552,7 @@
                           <a:effectLst/>
                           <a:latin typeface="Tw Cen MT" panose="020B0602020104020603" pitchFamily="34" charset="0"/>
                         </a:rPr>
-                        <a:t>Empty</a:t>
+                        <a:t>14:30</a:t>
                       </a:r>
                       <a:endParaRPr lang="en-US" sz="1300" b="0" i="0" u="none" strike="noStrike" dirty="0">
                         <a:solidFill>
@@ -34057,7 +34585,7 @@
                           <a:effectLst/>
                           <a:latin typeface="Tw Cen MT" panose="020B0602020104020603" pitchFamily="34" charset="0"/>
                         </a:rPr>
-                        <a:t>Empty</a:t>
+                        <a:t>Interaction with Guest</a:t>
                       </a:r>
                       <a:endParaRPr lang="en-US" sz="1300" b="1" i="0" u="none" strike="noStrike" dirty="0">
                         <a:solidFill>
@@ -34093,7 +34621,7 @@
                           <a:effectLst/>
                           <a:latin typeface="Tw Cen MT" panose="020B0602020104020603" pitchFamily="34" charset="0"/>
                         </a:rPr>
-                        <a:t>Empty</a:t>
+                        <a:t>Associate Iman smiled warmly to customer. She was friendly &amp; Helpful.</a:t>
                       </a:r>
                       <a:endParaRPr lang="en-US" sz="1300" b="0" i="0" u="none" strike="noStrike" dirty="0">
                         <a:solidFill>
@@ -34129,7 +34657,7 @@
                           <a:effectLst/>
                           <a:latin typeface="Tw Cen MT" panose="020B0602020104020603" pitchFamily="34" charset="0"/>
                         </a:rPr>
-                        <a:t>Empty</a:t>
+                        <a:t>It was difficult to identify the staff's name as it was covered by their Abaya.</a:t>
                       </a:r>
                       <a:endParaRPr lang="en-US" sz="1300" b="0" i="0" u="none" strike="noStrike" dirty="0">
                         <a:solidFill>
@@ -34150,7 +34678,7 @@
                 </a:tc>
                 <a:extLst>
                   <a:ext uri="{0D108BD9-81ED-4DB2-BD59-A6C34878D82A}">
-                    <a16:rowId xmlns="" xmlns:a16="http://schemas.microsoft.com/office/drawing/2014/main" val="10002"/>
+                    <a16:rowId xmlns:a14="http://schemas.microsoft.com/office/drawing/2010/main" xmlns:p14="http://schemas.microsoft.com/office/powerpoint/2010/main" xmlns:a16="http://schemas.microsoft.com/office/drawing/2014/main" xmlns="" val="10002"/>
                   </a:ext>
                 </a:extLst>
               </a:tr>
@@ -34169,7 +34697,7 @@
                           <a:effectLst/>
                           <a:latin typeface="Tw Cen MT" panose="020B0602020104020603" pitchFamily="34" charset="0"/>
                         </a:rPr>
-                        <a:t>Empty</a:t>
+                        <a:t>26.04.17</a:t>
                       </a:r>
                       <a:endParaRPr lang="en-US" sz="1300" b="0" i="0" u="none" strike="noStrike" dirty="0">
                         <a:solidFill>
@@ -34225,7 +34753,7 @@
                           <a:effectLst/>
                           <a:latin typeface="Tw Cen MT" panose="020B0602020104020603" pitchFamily="34" charset="0"/>
                         </a:rPr>
-                        <a:t>Empty</a:t>
+                        <a:t>14:30</a:t>
                       </a:r>
                       <a:endParaRPr lang="en-US" sz="1300" b="0" i="0" u="none" strike="noStrike" dirty="0">
                         <a:solidFill>
@@ -34258,7 +34786,7 @@
                           <a:effectLst/>
                           <a:latin typeface="Tw Cen MT" panose="020B0602020104020603" pitchFamily="34" charset="0"/>
                         </a:rPr>
-                        <a:t>Empty</a:t>
+                        <a:t>Interaction with Guest</a:t>
                       </a:r>
                       <a:endParaRPr lang="en-US" sz="1300" b="1" i="0" u="none" strike="noStrike" dirty="0">
                         <a:solidFill>
@@ -34294,7 +34822,7 @@
                           <a:effectLst/>
                           <a:latin typeface="Tw Cen MT" panose="020B0602020104020603" pitchFamily="34" charset="0"/>
                         </a:rPr>
-                        <a:t>Empty</a:t>
+                        <a:t>Associate Iman smiled warmly to customer. She was friendly &amp; Helpful.</a:t>
                       </a:r>
                       <a:endParaRPr lang="en-US" sz="1300" b="0" i="0" u="none" strike="noStrike" dirty="0">
                         <a:solidFill>
@@ -34330,7 +34858,7 @@
                           <a:effectLst/>
                           <a:latin typeface="Tw Cen MT" panose="020B0602020104020603" pitchFamily="34" charset="0"/>
                         </a:rPr>
-                        <a:t>Empty</a:t>
+                        <a:t>It was difficult to identify the staff's name as it was covered by their Abaya.</a:t>
                       </a:r>
                       <a:endParaRPr lang="en-US" sz="1300" b="0" i="0" u="none" strike="noStrike" dirty="0">
                         <a:solidFill>
@@ -34351,7 +34879,7 @@
                 </a:tc>
                 <a:extLst>
                   <a:ext uri="{0D108BD9-81ED-4DB2-BD59-A6C34878D82A}">
-                    <a16:rowId xmlns="" xmlns:a16="http://schemas.microsoft.com/office/drawing/2014/main" val="3326529287"/>
+                    <a16:rowId xmlns:a14="http://schemas.microsoft.com/office/drawing/2010/main" xmlns:p14="http://schemas.microsoft.com/office/powerpoint/2010/main" xmlns:a16="http://schemas.microsoft.com/office/drawing/2014/main" xmlns="" val="3326529287"/>
                   </a:ext>
                 </a:extLst>
               </a:tr>
@@ -34370,7 +34898,7 @@
                           <a:effectLst/>
                           <a:latin typeface="Tw Cen MT" panose="020B0602020104020603" pitchFamily="34" charset="0"/>
                         </a:rPr>
-                        <a:t>Empty</a:t>
+                        <a:t>26.04.17</a:t>
                       </a:r>
                       <a:endParaRPr lang="en-US" sz="1300" b="0" i="0" u="none" strike="noStrike" dirty="0">
                         <a:solidFill>
@@ -34426,7 +34954,7 @@
                           <a:effectLst/>
                           <a:latin typeface="Tw Cen MT" panose="020B0602020104020603" pitchFamily="34" charset="0"/>
                         </a:rPr>
-                        <a:t>Empty</a:t>
+                        <a:t>14:30</a:t>
                       </a:r>
                       <a:endParaRPr lang="en-US" sz="1300" b="0" i="0" u="none" strike="noStrike" dirty="0">
                         <a:solidFill>
@@ -34459,7 +34987,7 @@
                           <a:effectLst/>
                           <a:latin typeface="Tw Cen MT" panose="020B0602020104020603" pitchFamily="34" charset="0"/>
                         </a:rPr>
-                        <a:t>Empty</a:t>
+                        <a:t>Interaction with Guest</a:t>
                       </a:r>
                       <a:endParaRPr lang="en-US" sz="1300" b="1" i="0" u="none" strike="noStrike" dirty="0">
                         <a:solidFill>
@@ -34495,7 +35023,7 @@
                           <a:effectLst/>
                           <a:latin typeface="Tw Cen MT" panose="020B0602020104020603" pitchFamily="34" charset="0"/>
                         </a:rPr>
-                        <a:t>Empty</a:t>
+                        <a:t>Associate Iman smiled warmly to customer. She was friendly &amp; Helpful.</a:t>
                       </a:r>
                       <a:endParaRPr lang="en-US" sz="1300" b="0" i="0" u="none" strike="noStrike" dirty="0">
                         <a:solidFill>
@@ -34531,7 +35059,7 @@
                           <a:effectLst/>
                           <a:latin typeface="Tw Cen MT" panose="020B0602020104020603" pitchFamily="34" charset="0"/>
                         </a:rPr>
-                        <a:t>Empty</a:t>
+                        <a:t>It was difficult to identify the staff's name as it was covered by their Abaya.</a:t>
                       </a:r>
                       <a:endParaRPr lang="en-US" sz="1300" b="0" i="0" u="none" strike="noStrike" dirty="0">
                         <a:solidFill>
@@ -34552,7 +35080,7 @@
                 </a:tc>
                 <a:extLst>
                   <a:ext uri="{0D108BD9-81ED-4DB2-BD59-A6C34878D82A}">
-                    <a16:rowId xmlns="" xmlns:a16="http://schemas.microsoft.com/office/drawing/2014/main" val="10004"/>
+                    <a16:rowId xmlns:a14="http://schemas.microsoft.com/office/drawing/2010/main" xmlns:p14="http://schemas.microsoft.com/office/powerpoint/2010/main" xmlns:a16="http://schemas.microsoft.com/office/drawing/2014/main" xmlns="" val="10004"/>
                   </a:ext>
                 </a:extLst>
               </a:tr>
@@ -34571,7 +35099,7 @@
                           <a:effectLst/>
                           <a:latin typeface="Tw Cen MT" panose="020B0602020104020603" pitchFamily="34" charset="0"/>
                         </a:rPr>
-                        <a:t>Empty</a:t>
+                        <a:t>26.04.17</a:t>
                       </a:r>
                       <a:endParaRPr lang="en-US" sz="1300" b="0" i="0" u="none" strike="noStrike" dirty="0">
                         <a:solidFill>
@@ -34621,7 +35149,7 @@
                           <a:effectLst/>
                           <a:latin typeface="Tw Cen MT" panose="020B0602020104020603" pitchFamily="34" charset="0"/>
                         </a:rPr>
-                        <a:t>Empty</a:t>
+                        <a:t>14:30</a:t>
                       </a:r>
                       <a:endParaRPr lang="en-US" sz="1300" b="0" i="0" u="none" strike="noStrike" dirty="0">
                         <a:solidFill>
@@ -34654,7 +35182,7 @@
                           <a:effectLst/>
                           <a:latin typeface="Tw Cen MT" panose="020B0602020104020603" pitchFamily="34" charset="0"/>
                         </a:rPr>
-                        <a:t>Empty</a:t>
+                        <a:t>Interaction with Guest</a:t>
                       </a:r>
                       <a:endParaRPr lang="en-US" sz="1300" b="1" i="0" u="none" strike="noStrike" dirty="0">
                         <a:solidFill>
@@ -34690,7 +35218,7 @@
                           <a:effectLst/>
                           <a:latin typeface="Tw Cen MT" panose="020B0602020104020603" pitchFamily="34" charset="0"/>
                         </a:rPr>
-                        <a:t>Empty</a:t>
+                        <a:t>Associate Iman smiled warmly to customer. She was friendly &amp; Helpful.</a:t>
                       </a:r>
                       <a:endParaRPr lang="en-US" sz="1300" b="0" i="0" u="none" strike="noStrike" dirty="0">
                         <a:solidFill>
@@ -34726,7 +35254,7 @@
                           <a:effectLst/>
                           <a:latin typeface="Tw Cen MT" panose="020B0602020104020603" pitchFamily="34" charset="0"/>
                         </a:rPr>
-                        <a:t>Empty</a:t>
+                        <a:t>It was difficult to identify the staff's name as it was covered by their Abaya.</a:t>
                       </a:r>
                       <a:endParaRPr lang="en-US" sz="1300" b="0" i="0" u="none" strike="noStrike" dirty="0">
                         <a:solidFill>
@@ -34747,7 +35275,7 @@
                 </a:tc>
                 <a:extLst>
                   <a:ext uri="{0D108BD9-81ED-4DB2-BD59-A6C34878D82A}">
-                    <a16:rowId xmlns="" xmlns:a16="http://schemas.microsoft.com/office/drawing/2014/main" val="10005"/>
+                    <a16:rowId xmlns:a14="http://schemas.microsoft.com/office/drawing/2010/main" xmlns:p14="http://schemas.microsoft.com/office/powerpoint/2010/main" xmlns:a16="http://schemas.microsoft.com/office/drawing/2014/main" xmlns="" val="10005"/>
                   </a:ext>
                 </a:extLst>
               </a:tr>
@@ -34766,7 +35294,7 @@
                           <a:effectLst/>
                           <a:latin typeface="Tw Cen MT" panose="020B0602020104020603" pitchFamily="34" charset="0"/>
                         </a:rPr>
-                        <a:t>Empty</a:t>
+                        <a:t>26.04.17</a:t>
                       </a:r>
                       <a:endParaRPr lang="en-US" sz="1300" b="0" i="0" u="none" strike="noStrike" dirty="0">
                         <a:solidFill>
@@ -34822,7 +35350,7 @@
                           <a:effectLst/>
                           <a:latin typeface="Tw Cen MT" panose="020B0602020104020603" pitchFamily="34" charset="0"/>
                         </a:rPr>
-                        <a:t>Empty</a:t>
+                        <a:t>14:30</a:t>
                       </a:r>
                       <a:endParaRPr lang="en-US" sz="1300" b="0" i="0" u="none" strike="noStrike" dirty="0">
                         <a:solidFill>
@@ -34855,7 +35383,7 @@
                           <a:effectLst/>
                           <a:latin typeface="Tw Cen MT" panose="020B0602020104020603" pitchFamily="34" charset="0"/>
                         </a:rPr>
-                        <a:t>Empty</a:t>
+                        <a:t>Interaction with Guest</a:t>
                       </a:r>
                       <a:endParaRPr lang="en-US" sz="1300" b="1" i="0" u="none" strike="noStrike" dirty="0">
                         <a:solidFill>
@@ -34891,7 +35419,7 @@
                           <a:effectLst/>
                           <a:latin typeface="Tw Cen MT" panose="020B0602020104020603" pitchFamily="34" charset="0"/>
                         </a:rPr>
-                        <a:t>Empty</a:t>
+                        <a:t>Associate Iman smiled warmly to customer. She was friendly &amp; Helpful.</a:t>
                       </a:r>
                       <a:endParaRPr lang="en-US" sz="1300" b="0" i="0" u="none" strike="noStrike" dirty="0">
                         <a:solidFill>
@@ -34927,7 +35455,7 @@
                           <a:effectLst/>
                           <a:latin typeface="Tw Cen MT" panose="020B0602020104020603" pitchFamily="34" charset="0"/>
                         </a:rPr>
-                        <a:t>Empty</a:t>
+                        <a:t>It was difficult to identify the staff's name as it was covered by their Abaya.</a:t>
                       </a:r>
                       <a:endParaRPr lang="en-US" sz="1300" b="0" i="0" u="none" strike="noStrike" dirty="0">
                         <a:solidFill>
@@ -34948,7 +35476,7 @@
                 </a:tc>
                 <a:extLst>
                   <a:ext uri="{0D108BD9-81ED-4DB2-BD59-A6C34878D82A}">
-                    <a16:rowId xmlns="" xmlns:a16="http://schemas.microsoft.com/office/drawing/2014/main" val="10008"/>
+                    <a16:rowId xmlns:a14="http://schemas.microsoft.com/office/drawing/2010/main" xmlns:p14="http://schemas.microsoft.com/office/powerpoint/2010/main" xmlns:a16="http://schemas.microsoft.com/office/drawing/2014/main" xmlns="" val="10008"/>
                   </a:ext>
                 </a:extLst>
               </a:tr>
@@ -34987,7 +35515,7 @@
             </a:pPr>
             <a:r>
               <a:rPr lang="en-US" sz="2400" dirty="0" smtClean="0"/>
-              <a:t>Title1Slide6</a:t>
+              <a:t>Customer journey and touchpoints assessment</a:t>
             </a:r>
             <a:endParaRPr lang="en-US" altLang="en-US" sz="2400" cap="all" spc="83" dirty="0">
               <a:solidFill>
@@ -35030,7 +35558,7 @@
             </a:pPr>
             <a:r>
               <a:rPr lang="en-US" sz="2400" dirty="0" smtClean="0"/>
-              <a:t>Title2Slide6</a:t>
+              <a:t>Guest Service April 17</a:t>
             </a:r>
             <a:endParaRPr lang="en-US" altLang="en-US" sz="2400" cap="all" spc="83" dirty="0">
               <a:solidFill>
@@ -35144,7 +35672,7 @@
           <a:p>
             <a:fld id="{12AE51C9-88C8-41DD-A5F6-AF8AC58052B1}" type="datetime1">
               <a:rPr lang="en-US" smtClean="0"/>
-              <a:t>8/4/2017</a:t>
+              <a:t>8/16/2017</a:t>
             </a:fld>
             <a:endParaRPr lang="en-US"/>
           </a:p>
@@ -37620,7 +38148,7 @@
           <a:p>
             <a:fld id="{12AE51C9-88C8-41DD-A5F6-AF8AC58052B1}" type="datetime1">
               <a:rPr lang="en-US" smtClean="0"/>
-              <a:t>8/4/2017</a:t>
+              <a:t>8/16/2017</a:t>
             </a:fld>
             <a:endParaRPr lang="en-US"/>
           </a:p>
@@ -39634,7 +40162,7 @@
           <a:p>
             <a:fld id="{12AE51C9-88C8-41DD-A5F6-AF8AC58052B1}" type="datetime1">
               <a:rPr lang="en-US" smtClean="0"/>
-              <a:t>8/4/2017</a:t>
+              <a:t>8/16/2017</a:t>
             </a:fld>
             <a:endParaRPr lang="en-US"/>
           </a:p>

--- a/CheckListTemplates/App_Data/TDMGuestServices.pptx
+++ b/CheckListTemplates/App_Data/TDMGuestServices.pptx
@@ -1,6 +1,6 @@
 
 <file path=ppt/presentation.xml><?xml version="1.0" encoding="utf-8"?>
-<p:presentation xmlns:a="http://schemas.openxmlformats.org/drawingml/2006/main" xmlns:r="http://schemas.openxmlformats.org/officeDocument/2006/relationships" xmlns:p="http://schemas.openxmlformats.org/presentationml/2006/main" saveSubsetFonts="1">
+<p:presentation xmlns:p15="http://schemas.microsoft.com/office/powerpoint/2012/main" xmlns:a="http://schemas.openxmlformats.org/drawingml/2006/main" xmlns:r="http://schemas.openxmlformats.org/officeDocument/2006/relationships" xmlns:p="http://schemas.openxmlformats.org/presentationml/2006/main" saveSubsetFonts="1">
   <p:sldMasterIdLst>
     <p:sldMasterId id="2147483685" r:id="rId1"/>
   </p:sldMasterIdLst>
@@ -426,11 +426,11 @@
         </c:dLbls>
         <c:gapWidth val="219"/>
         <c:overlap val="-27"/>
-        <c:axId val="564292536"/>
-        <c:axId val="564288616"/>
+        <c:axId val="202394544"/>
+        <c:axId val="202394936"/>
       </c:barChart>
       <c:catAx>
-        <c:axId val="564292536"/>
+        <c:axId val="202394544"/>
         <c:scaling>
           <c:orientation val="minMax"/>
         </c:scaling>
@@ -473,7 +473,7 @@
             <a:endParaRPr lang="en-US"/>
           </a:p>
         </c:txPr>
-        <c:crossAx val="564288616"/>
+        <c:crossAx val="202394936"/>
         <c:crosses val="autoZero"/>
         <c:auto val="1"/>
         <c:lblAlgn val="ctr"/>
@@ -481,7 +481,7 @@
         <c:noMultiLvlLbl val="0"/>
       </c:catAx>
       <c:valAx>
-        <c:axId val="564288616"/>
+        <c:axId val="202394936"/>
         <c:scaling>
           <c:orientation val="minMax"/>
         </c:scaling>
@@ -532,7 +532,7 @@
             <a:endParaRPr lang="en-US"/>
           </a:p>
         </c:txPr>
-        <c:crossAx val="564292536"/>
+        <c:crossAx val="202394544"/>
         <c:crosses val="autoZero"/>
         <c:crossBetween val="between"/>
       </c:valAx>
@@ -604,7 +604,7 @@
 </file>
 
 <file path=ppt/charts/chart2.xml><?xml version="1.0" encoding="utf-8"?>
-<c:chartSpace xmlns:c="http://schemas.openxmlformats.org/drawingml/2006/chart" xmlns:a="http://schemas.openxmlformats.org/drawingml/2006/main" xmlns:r="http://schemas.openxmlformats.org/officeDocument/2006/relationships">
+<c:chartSpace xmlns:mc="http://schemas.openxmlformats.org/markup-compatibility/2006" xmlns:c14="http://schemas.microsoft.com/office/drawing/2007/8/2/chart" xmlns:c15="http://schemas.microsoft.com/office/drawing/2012/chart" xmlns:c="http://schemas.openxmlformats.org/drawingml/2006/chart" xmlns:a="http://schemas.openxmlformats.org/drawingml/2006/main" xmlns:r="http://schemas.openxmlformats.org/officeDocument/2006/relationships">
   <c:date1904 val="0"/>
   <c:lang val="en-US"/>
   <c:roundedCorners val="1"/>
@@ -664,7 +664,7 @@
               <c:showSerName val="0"/>
               <c:showPercent val="0"/>
               <c:showBubbleSize val="0"/>
-              <c:extLst xmlns:c15="http://schemas.microsoft.com/office/drawing/2012/chart" xmlns:c14="http://schemas.microsoft.com/office/drawing/2007/8/2/chart" xmlns:mc="http://schemas.openxmlformats.org/markup-compatibility/2006">
+              <c:extLst xmlns:mc="http://schemas.openxmlformats.org/markup-compatibility/2006" xmlns:c14="http://schemas.microsoft.com/office/drawing/2007/8/2/chart" xmlns:c15="http://schemas.microsoft.com/office/drawing/2012/chart">
                 <c:ext xmlns:c15="http://schemas.microsoft.com/office/drawing/2012/chart" uri="{CE6537A1-D6FC-4f65-9D91-7224C49458BB}"/>
               </c:extLst>
             </c:dLbl>
@@ -682,7 +682,7 @@
               <c:showSerName val="0"/>
               <c:showPercent val="0"/>
               <c:showBubbleSize val="0"/>
-              <c:extLst xmlns:c15="http://schemas.microsoft.com/office/drawing/2012/chart" xmlns:c14="http://schemas.microsoft.com/office/drawing/2007/8/2/chart" xmlns:mc="http://schemas.openxmlformats.org/markup-compatibility/2006">
+              <c:extLst xmlns:mc="http://schemas.openxmlformats.org/markup-compatibility/2006" xmlns:c14="http://schemas.microsoft.com/office/drawing/2007/8/2/chart" xmlns:c15="http://schemas.microsoft.com/office/drawing/2012/chart">
                 <c:ext xmlns:c15="http://schemas.microsoft.com/office/drawing/2012/chart" uri="{CE6537A1-D6FC-4f65-9D91-7224C49458BB}"/>
               </c:extLst>
             </c:dLbl>
@@ -700,7 +700,7 @@
               <c:showSerName val="0"/>
               <c:showPercent val="0"/>
               <c:showBubbleSize val="0"/>
-              <c:extLst xmlns:c15="http://schemas.microsoft.com/office/drawing/2012/chart" xmlns:c14="http://schemas.microsoft.com/office/drawing/2007/8/2/chart" xmlns:mc="http://schemas.openxmlformats.org/markup-compatibility/2006">
+              <c:extLst xmlns:mc="http://schemas.openxmlformats.org/markup-compatibility/2006" xmlns:c14="http://schemas.microsoft.com/office/drawing/2007/8/2/chart" xmlns:c15="http://schemas.microsoft.com/office/drawing/2012/chart">
                 <c:ext xmlns:c15="http://schemas.microsoft.com/office/drawing/2012/chart" uri="{CE6537A1-D6FC-4f65-9D91-7224C49458BB}"/>
               </c:extLst>
             </c:dLbl>
@@ -732,7 +732,7 @@
             <c:showPercent val="0"/>
             <c:showBubbleSize val="0"/>
             <c:showLeaderLines val="0"/>
-            <c:extLst xmlns:c15="http://schemas.microsoft.com/office/drawing/2012/chart" xmlns:c14="http://schemas.microsoft.com/office/drawing/2007/8/2/chart" xmlns:mc="http://schemas.openxmlformats.org/markup-compatibility/2006">
+            <c:extLst xmlns:mc="http://schemas.openxmlformats.org/markup-compatibility/2006" xmlns:c14="http://schemas.microsoft.com/office/drawing/2007/8/2/chart" xmlns:c15="http://schemas.microsoft.com/office/drawing/2012/chart">
               <c:ext xmlns:c15="http://schemas.microsoft.com/office/drawing/2012/chart" uri="{CE6537A1-D6FC-4f65-9D91-7224C49458BB}">
                 <c15:showLeaderLines val="0"/>
               </c:ext>
@@ -784,11 +784,11 @@
         </c:dLbls>
         <c:gapWidth val="150"/>
         <c:overlap val="100"/>
-        <c:axId val="297720952"/>
-        <c:axId val="297719776"/>
+        <c:axId val="301393088"/>
+        <c:axId val="301388384"/>
       </c:barChart>
       <c:catAx>
-        <c:axId val="297720952"/>
+        <c:axId val="301393088"/>
         <c:scaling>
           <c:orientation val="minMax"/>
         </c:scaling>
@@ -812,7 +812,7 @@
             <a:endParaRPr lang="en-US"/>
           </a:p>
         </c:txPr>
-        <c:crossAx val="297719776"/>
+        <c:crossAx val="301388384"/>
         <c:crosses val="autoZero"/>
         <c:auto val="1"/>
         <c:lblAlgn val="ctr"/>
@@ -820,7 +820,7 @@
         <c:noMultiLvlLbl val="0"/>
       </c:catAx>
       <c:valAx>
-        <c:axId val="297719776"/>
+        <c:axId val="301388384"/>
         <c:scaling>
           <c:orientation val="minMax"/>
         </c:scaling>
@@ -830,7 +830,7 @@
         <c:majorTickMark val="out"/>
         <c:minorTickMark val="none"/>
         <c:tickLblPos val="nextTo"/>
-        <c:crossAx val="297720952"/>
+        <c:crossAx val="301393088"/>
         <c:crosses val="autoZero"/>
         <c:crossBetween val="between"/>
       </c:valAx>
@@ -877,7 +877,7 @@
 </file>
 
 <file path=ppt/charts/chart3.xml><?xml version="1.0" encoding="utf-8"?>
-<c:chartSpace xmlns:c="http://schemas.openxmlformats.org/drawingml/2006/chart" xmlns:a="http://schemas.openxmlformats.org/drawingml/2006/main" xmlns:r="http://schemas.openxmlformats.org/officeDocument/2006/relationships">
+<c:chartSpace xmlns:mc="http://schemas.openxmlformats.org/markup-compatibility/2006" xmlns:c14="http://schemas.microsoft.com/office/drawing/2007/8/2/chart" xmlns:c15="http://schemas.microsoft.com/office/drawing/2012/chart" xmlns:c="http://schemas.openxmlformats.org/drawingml/2006/chart" xmlns:a="http://schemas.openxmlformats.org/drawingml/2006/main" xmlns:r="http://schemas.openxmlformats.org/officeDocument/2006/relationships">
   <c:date1904 val="0"/>
   <c:lang val="en-US"/>
   <c:roundedCorners val="1"/>
@@ -943,7 +943,7 @@
             <c:showPercent val="0"/>
             <c:showBubbleSize val="0"/>
             <c:showLeaderLines val="0"/>
-            <c:extLst xmlns:c15="http://schemas.microsoft.com/office/drawing/2012/chart" xmlns:c14="http://schemas.microsoft.com/office/drawing/2007/8/2/chart" xmlns:mc="http://schemas.openxmlformats.org/markup-compatibility/2006">
+            <c:extLst xmlns:mc="http://schemas.openxmlformats.org/markup-compatibility/2006" xmlns:c14="http://schemas.microsoft.com/office/drawing/2007/8/2/chart" xmlns:c15="http://schemas.microsoft.com/office/drawing/2012/chart">
               <c:ext xmlns:c15="http://schemas.microsoft.com/office/drawing/2012/chart" uri="{CE6537A1-D6FC-4f65-9D91-7224C49458BB}">
                 <c15:showLeaderLines val="1"/>
               </c:ext>
@@ -1031,7 +1031,7 @@
             <c:showPercent val="0"/>
             <c:showBubbleSize val="0"/>
             <c:showLeaderLines val="0"/>
-            <c:extLst xmlns:c15="http://schemas.microsoft.com/office/drawing/2012/chart" xmlns:c14="http://schemas.microsoft.com/office/drawing/2007/8/2/chart" xmlns:mc="http://schemas.openxmlformats.org/markup-compatibility/2006">
+            <c:extLst xmlns:mc="http://schemas.openxmlformats.org/markup-compatibility/2006" xmlns:c14="http://schemas.microsoft.com/office/drawing/2007/8/2/chart" xmlns:c15="http://schemas.microsoft.com/office/drawing/2012/chart">
               <c:ext xmlns:c15="http://schemas.microsoft.com/office/drawing/2012/chart" uri="{CE6537A1-D6FC-4f65-9D91-7224C49458BB}">
                 <c15:showLeaderLines val="1"/>
               </c:ext>
@@ -1119,7 +1119,7 @@
             <c:showPercent val="0"/>
             <c:showBubbleSize val="0"/>
             <c:showLeaderLines val="0"/>
-            <c:extLst xmlns:c15="http://schemas.microsoft.com/office/drawing/2012/chart" xmlns:c14="http://schemas.microsoft.com/office/drawing/2007/8/2/chart" xmlns:mc="http://schemas.openxmlformats.org/markup-compatibility/2006">
+            <c:extLst xmlns:mc="http://schemas.openxmlformats.org/markup-compatibility/2006" xmlns:c14="http://schemas.microsoft.com/office/drawing/2007/8/2/chart" xmlns:c15="http://schemas.microsoft.com/office/drawing/2012/chart">
               <c:ext xmlns:c15="http://schemas.microsoft.com/office/drawing/2012/chart" uri="{CE6537A1-D6FC-4f65-9D91-7224C49458BB}">
                 <c15:showLeaderLines val="1"/>
               </c:ext>
@@ -1207,7 +1207,7 @@
             <c:showPercent val="0"/>
             <c:showBubbleSize val="0"/>
             <c:showLeaderLines val="0"/>
-            <c:extLst xmlns:c15="http://schemas.microsoft.com/office/drawing/2012/chart" xmlns:c14="http://schemas.microsoft.com/office/drawing/2007/8/2/chart" xmlns:mc="http://schemas.openxmlformats.org/markup-compatibility/2006">
+            <c:extLst xmlns:mc="http://schemas.openxmlformats.org/markup-compatibility/2006" xmlns:c14="http://schemas.microsoft.com/office/drawing/2007/8/2/chart" xmlns:c15="http://schemas.microsoft.com/office/drawing/2012/chart">
               <c:ext xmlns:c15="http://schemas.microsoft.com/office/drawing/2012/chart" uri="{CE6537A1-D6FC-4f65-9D91-7224C49458BB}">
                 <c15:showLeaderLines val="1"/>
               </c:ext>
@@ -1258,11 +1258,11 @@
           <c:showBubbleSize val="0"/>
         </c:dLbls>
         <c:gapWidth val="150"/>
-        <c:axId val="297718208"/>
-        <c:axId val="297718600"/>
+        <c:axId val="301387600"/>
+        <c:axId val="301395048"/>
       </c:barChart>
       <c:catAx>
-        <c:axId val="297718208"/>
+        <c:axId val="301387600"/>
         <c:scaling>
           <c:orientation val="minMax"/>
         </c:scaling>
@@ -1286,7 +1286,7 @@
             <a:endParaRPr lang="en-US"/>
           </a:p>
         </c:txPr>
-        <c:crossAx val="297718600"/>
+        <c:crossAx val="301395048"/>
         <c:crosses val="autoZero"/>
         <c:auto val="1"/>
         <c:lblAlgn val="ctr"/>
@@ -1294,7 +1294,7 @@
         <c:noMultiLvlLbl val="0"/>
       </c:catAx>
       <c:valAx>
-        <c:axId val="297718600"/>
+        <c:axId val="301395048"/>
         <c:scaling>
           <c:orientation val="minMax"/>
         </c:scaling>
@@ -1314,7 +1314,7 @@
         <c:spPr>
           <a:ln/>
         </c:spPr>
-        <c:crossAx val="297718208"/>
+        <c:crossAx val="301387600"/>
         <c:crosses val="autoZero"/>
         <c:crossBetween val="between"/>
       </c:valAx>
@@ -2002,11 +2002,11 @@
         </c:dLbls>
         <c:gapWidth val="100"/>
         <c:overlap val="-24"/>
-        <c:axId val="351173912"/>
-        <c:axId val="351171560"/>
+        <c:axId val="299960592"/>
+        <c:axId val="299960200"/>
       </c:barChart>
       <c:catAx>
-        <c:axId val="351173912"/>
+        <c:axId val="299960592"/>
         <c:scaling>
           <c:orientation val="minMax"/>
         </c:scaling>
@@ -2046,7 +2046,7 @@
             <a:endParaRPr lang="en-US"/>
           </a:p>
         </c:txPr>
-        <c:crossAx val="351171560"/>
+        <c:crossAx val="299960200"/>
         <c:crosses val="min"/>
         <c:auto val="1"/>
         <c:lblAlgn val="ctr"/>
@@ -2054,7 +2054,7 @@
         <c:noMultiLvlLbl val="0"/>
       </c:catAx>
       <c:valAx>
-        <c:axId val="351171560"/>
+        <c:axId val="299960200"/>
         <c:scaling>
           <c:orientation val="minMax"/>
           <c:max val="1"/>
@@ -2080,7 +2080,7 @@
         <c:majorTickMark val="none"/>
         <c:minorTickMark val="none"/>
         <c:tickLblPos val="low"/>
-        <c:crossAx val="351173912"/>
+        <c:crossAx val="299960592"/>
         <c:crosses val="min"/>
         <c:crossBetween val="between"/>
         <c:majorUnit val="0"/>
@@ -2349,11 +2349,11 @@
         </c:dLbls>
         <c:gapWidth val="100"/>
         <c:overlap val="-24"/>
-        <c:axId val="351171952"/>
-        <c:axId val="351172344"/>
+        <c:axId val="299958240"/>
+        <c:axId val="299959808"/>
       </c:barChart>
       <c:catAx>
-        <c:axId val="351171952"/>
+        <c:axId val="299958240"/>
         <c:scaling>
           <c:orientation val="minMax"/>
         </c:scaling>
@@ -2393,7 +2393,7 @@
             <a:endParaRPr lang="en-US"/>
           </a:p>
         </c:txPr>
-        <c:crossAx val="351172344"/>
+        <c:crossAx val="299959808"/>
         <c:crosses val="min"/>
         <c:auto val="1"/>
         <c:lblAlgn val="ctr"/>
@@ -2401,7 +2401,7 @@
         <c:noMultiLvlLbl val="0"/>
       </c:catAx>
       <c:valAx>
-        <c:axId val="351172344"/>
+        <c:axId val="299959808"/>
         <c:scaling>
           <c:orientation val="minMax"/>
           <c:max val="1"/>
@@ -2427,7 +2427,7 @@
         <c:majorTickMark val="none"/>
         <c:minorTickMark val="none"/>
         <c:tickLblPos val="low"/>
-        <c:crossAx val="351171952"/>
+        <c:crossAx val="299958240"/>
         <c:crosses val="min"/>
         <c:crossBetween val="between"/>
         <c:majorUnit val="0"/>
@@ -10614,7 +10614,7 @@
 </file>
 
 <file path=ppt/slideMasters/slideMaster1.xml><?xml version="1.0" encoding="utf-8"?>
-<p:sldMaster xmlns:a="http://schemas.openxmlformats.org/drawingml/2006/main" xmlns:r="http://schemas.openxmlformats.org/officeDocument/2006/relationships" xmlns:p="http://schemas.openxmlformats.org/presentationml/2006/main">
+<p:sldMaster xmlns:p14="http://schemas.microsoft.com/office/powerpoint/2010/main" xmlns:a="http://schemas.openxmlformats.org/drawingml/2006/main" xmlns:r="http://schemas.openxmlformats.org/officeDocument/2006/relationships" xmlns:p="http://schemas.openxmlformats.org/presentationml/2006/main">
   <p:cSld>
     <p:bg>
       <p:bgRef idx="1001">
@@ -11931,42 +11931,42 @@
                 <a:gridCol w="791901">
                   <a:extLst>
                     <a:ext uri="{9D8B030D-6E8A-4147-A177-3AD203B41FA5}">
-                      <a16:colId xmlns="" xmlns:a16="http://schemas.microsoft.com/office/drawing/2014/main" val="20000"/>
+                      <a16:colId xmlns:a16="http://schemas.microsoft.com/office/drawing/2014/main" xmlns="" val="20000"/>
                     </a:ext>
                   </a:extLst>
                 </a:gridCol>
                 <a:gridCol w="1075286">
                   <a:extLst>
                     <a:ext uri="{9D8B030D-6E8A-4147-A177-3AD203B41FA5}">
-                      <a16:colId xmlns="" xmlns:a16="http://schemas.microsoft.com/office/drawing/2014/main" val="3421738776"/>
+                      <a16:colId xmlns:a16="http://schemas.microsoft.com/office/drawing/2014/main" xmlns="" val="3421738776"/>
                     </a:ext>
                   </a:extLst>
                 </a:gridCol>
                 <a:gridCol w="800100">
                   <a:extLst>
                     <a:ext uri="{9D8B030D-6E8A-4147-A177-3AD203B41FA5}">
-                      <a16:colId xmlns="" xmlns:a16="http://schemas.microsoft.com/office/drawing/2014/main" val="20001"/>
+                      <a16:colId xmlns:a16="http://schemas.microsoft.com/office/drawing/2014/main" xmlns="" val="20001"/>
                     </a:ext>
                   </a:extLst>
                 </a:gridCol>
                 <a:gridCol w="2032000">
                   <a:extLst>
                     <a:ext uri="{9D8B030D-6E8A-4147-A177-3AD203B41FA5}">
-                      <a16:colId xmlns="" xmlns:a16="http://schemas.microsoft.com/office/drawing/2014/main" val="20002"/>
+                      <a16:colId xmlns:a16="http://schemas.microsoft.com/office/drawing/2014/main" xmlns="" val="20002"/>
                     </a:ext>
                   </a:extLst>
                 </a:gridCol>
                 <a:gridCol w="3644900">
                   <a:extLst>
                     <a:ext uri="{9D8B030D-6E8A-4147-A177-3AD203B41FA5}">
-                      <a16:colId xmlns="" xmlns:a16="http://schemas.microsoft.com/office/drawing/2014/main" val="20003"/>
+                      <a16:colId xmlns:a16="http://schemas.microsoft.com/office/drawing/2014/main" xmlns="" val="20003"/>
                     </a:ext>
                   </a:extLst>
                 </a:gridCol>
                 <a:gridCol w="3302000">
                   <a:extLst>
                     <a:ext uri="{9D8B030D-6E8A-4147-A177-3AD203B41FA5}">
-                      <a16:colId xmlns="" xmlns:a16="http://schemas.microsoft.com/office/drawing/2014/main" val="20004"/>
+                      <a16:colId xmlns:a16="http://schemas.microsoft.com/office/drawing/2014/main" xmlns="" val="20004"/>
                     </a:ext>
                   </a:extLst>
                 </a:gridCol>
@@ -12207,7 +12207,7 @@
                 </a:tc>
                 <a:extLst>
                   <a:ext uri="{0D108BD9-81ED-4DB2-BD59-A6C34878D82A}">
-                    <a16:rowId xmlns="" xmlns:a16="http://schemas.microsoft.com/office/drawing/2014/main" val="10000"/>
+                    <a16:rowId xmlns:a16="http://schemas.microsoft.com/office/drawing/2014/main" xmlns="" val="10000"/>
                   </a:ext>
                 </a:extLst>
               </a:tr>
@@ -12373,7 +12373,7 @@
                 </a:tc>
                 <a:extLst>
                   <a:ext uri="{0D108BD9-81ED-4DB2-BD59-A6C34878D82A}">
-                    <a16:rowId xmlns="" xmlns:a16="http://schemas.microsoft.com/office/drawing/2014/main" val="10001"/>
+                    <a16:rowId xmlns:a16="http://schemas.microsoft.com/office/drawing/2014/main" xmlns="" val="10001"/>
                   </a:ext>
                 </a:extLst>
               </a:tr>
@@ -12536,7 +12536,7 @@
                 </a:tc>
                 <a:extLst>
                   <a:ext uri="{0D108BD9-81ED-4DB2-BD59-A6C34878D82A}">
-                    <a16:rowId xmlns="" xmlns:a16="http://schemas.microsoft.com/office/drawing/2014/main" val="10002"/>
+                    <a16:rowId xmlns:a16="http://schemas.microsoft.com/office/drawing/2014/main" xmlns="" val="10002"/>
                   </a:ext>
                 </a:extLst>
               </a:tr>
@@ -12699,7 +12699,7 @@
                 </a:tc>
                 <a:extLst>
                   <a:ext uri="{0D108BD9-81ED-4DB2-BD59-A6C34878D82A}">
-                    <a16:rowId xmlns="" xmlns:a16="http://schemas.microsoft.com/office/drawing/2014/main" val="10003"/>
+                    <a16:rowId xmlns:a16="http://schemas.microsoft.com/office/drawing/2014/main" xmlns="" val="10003"/>
                   </a:ext>
                 </a:extLst>
               </a:tr>
@@ -12895,7 +12895,7 @@
                 </a:tc>
                 <a:extLst>
                   <a:ext uri="{0D108BD9-81ED-4DB2-BD59-A6C34878D82A}">
-                    <a16:rowId xmlns="" xmlns:a16="http://schemas.microsoft.com/office/drawing/2014/main" val="10004"/>
+                    <a16:rowId xmlns:a16="http://schemas.microsoft.com/office/drawing/2014/main" xmlns="" val="10004"/>
                   </a:ext>
                 </a:extLst>
               </a:tr>
@@ -13094,7 +13094,7 @@
                 </a:tc>
                 <a:extLst>
                   <a:ext uri="{0D108BD9-81ED-4DB2-BD59-A6C34878D82A}">
-                    <a16:rowId xmlns="" xmlns:a16="http://schemas.microsoft.com/office/drawing/2014/main" val="2903103802"/>
+                    <a16:rowId xmlns:a16="http://schemas.microsoft.com/office/drawing/2014/main" xmlns="" val="2903103802"/>
                   </a:ext>
                 </a:extLst>
               </a:tr>
@@ -13257,7 +13257,7 @@
                 </a:tc>
                 <a:extLst>
                   <a:ext uri="{0D108BD9-81ED-4DB2-BD59-A6C34878D82A}">
-                    <a16:rowId xmlns="" xmlns:a16="http://schemas.microsoft.com/office/drawing/2014/main" val="56228173"/>
+                    <a16:rowId xmlns:a16="http://schemas.microsoft.com/office/drawing/2014/main" xmlns="" val="56228173"/>
                   </a:ext>
                 </a:extLst>
               </a:tr>
@@ -13500,7 +13500,7 @@
                 </a:tc>
                 <a:extLst>
                   <a:ext uri="{0D108BD9-81ED-4DB2-BD59-A6C34878D82A}">
-                    <a16:rowId xmlns="" xmlns:a16="http://schemas.microsoft.com/office/drawing/2014/main" val="10005"/>
+                    <a16:rowId xmlns:a16="http://schemas.microsoft.com/office/drawing/2014/main" xmlns="" val="10005"/>
                   </a:ext>
                 </a:extLst>
               </a:tr>
@@ -29836,7 +29836,7 @@
 </file>
 
 <file path=ppt/slides/slide2.xml><?xml version="1.0" encoding="utf-8"?>
-<p:sld xmlns:a="http://schemas.openxmlformats.org/drawingml/2006/main" xmlns:r="http://schemas.openxmlformats.org/officeDocument/2006/relationships" xmlns:p="http://schemas.openxmlformats.org/presentationml/2006/main">
+<p:sld xmlns:a14="http://schemas.microsoft.com/office/drawing/2010/main" xmlns:p14="http://schemas.microsoft.com/office/powerpoint/2010/main" xmlns:c="http://schemas.openxmlformats.org/drawingml/2006/chart" xmlns:a="http://schemas.openxmlformats.org/drawingml/2006/main" xmlns:r="http://schemas.openxmlformats.org/officeDocument/2006/relationships" xmlns:p="http://schemas.openxmlformats.org/presentationml/2006/main">
   <p:cSld>
     <p:spTree>
       <p:nvGrpSpPr>
@@ -30748,6 +30748,166 @@
           </a:graphicData>
         </a:graphic>
       </p:graphicFrame>
+      <p:graphicFrame>
+        <p:nvGraphicFramePr>
+          <p:cNvPr id="2" name="Table 1"/>
+          <p:cNvGraphicFramePr>
+            <a:graphicFrameLocks noGrp="1"/>
+          </p:cNvGraphicFramePr>
+          <p:nvPr>
+            <p:extLst>
+              <p:ext uri="{D42A27DB-BD31-4B8C-83A1-F6EECF244321}">
+                <p14:modId xmlns:p14="http://schemas.microsoft.com/office/powerpoint/2010/main" val="3391206075"/>
+              </p:ext>
+            </p:extLst>
+          </p:nvPr>
+        </p:nvGraphicFramePr>
+        <p:xfrm>
+          <a:off x="154057" y="5333977"/>
+          <a:ext cx="4292068" cy="1112520"/>
+        </p:xfrm>
+        <a:graphic>
+          <a:graphicData uri="http://schemas.openxmlformats.org/drawingml/2006/table">
+            <a:tbl>
+              <a:tblPr firstRow="1" bandRow="1">
+                <a:tableStyleId>{5C22544A-7EE6-4342-B048-85BDC9FD1C3A}</a:tableStyleId>
+              </a:tblPr>
+              <a:tblGrid>
+                <a:gridCol w="1073017"/>
+                <a:gridCol w="1073017"/>
+                <a:gridCol w="1073017"/>
+                <a:gridCol w="1073017"/>
+              </a:tblGrid>
+              <a:tr h="370840">
+                <a:tc>
+                  <a:txBody>
+                    <a:bodyPr/>
+                    <a:lstStyle/>
+                    <a:p>
+                      <a:endParaRPr lang="en-US" dirty="0"/>
+                    </a:p>
+                  </a:txBody>
+                  <a:tcPr/>
+                </a:tc>
+                <a:tc>
+                  <a:txBody>
+                    <a:bodyPr/>
+                    <a:lstStyle/>
+                    <a:p>
+                      <a:endParaRPr lang="en-US"/>
+                    </a:p>
+                  </a:txBody>
+                  <a:tcPr/>
+                </a:tc>
+                <a:tc>
+                  <a:txBody>
+                    <a:bodyPr/>
+                    <a:lstStyle/>
+                    <a:p>
+                      <a:endParaRPr lang="en-US"/>
+                    </a:p>
+                  </a:txBody>
+                  <a:tcPr/>
+                </a:tc>
+                <a:tc>
+                  <a:txBody>
+                    <a:bodyPr/>
+                    <a:lstStyle/>
+                    <a:p>
+                      <a:endParaRPr lang="en-US"/>
+                    </a:p>
+                  </a:txBody>
+                  <a:tcPr/>
+                </a:tc>
+              </a:tr>
+              <a:tr h="370840">
+                <a:tc>
+                  <a:txBody>
+                    <a:bodyPr/>
+                    <a:lstStyle/>
+                    <a:p>
+                      <a:endParaRPr lang="en-US"/>
+                    </a:p>
+                  </a:txBody>
+                  <a:tcPr/>
+                </a:tc>
+                <a:tc>
+                  <a:txBody>
+                    <a:bodyPr/>
+                    <a:lstStyle/>
+                    <a:p>
+                      <a:endParaRPr lang="en-US"/>
+                    </a:p>
+                  </a:txBody>
+                  <a:tcPr/>
+                </a:tc>
+                <a:tc>
+                  <a:txBody>
+                    <a:bodyPr/>
+                    <a:lstStyle/>
+                    <a:p>
+                      <a:endParaRPr lang="en-US"/>
+                    </a:p>
+                  </a:txBody>
+                  <a:tcPr/>
+                </a:tc>
+                <a:tc>
+                  <a:txBody>
+                    <a:bodyPr/>
+                    <a:lstStyle/>
+                    <a:p>
+                      <a:endParaRPr lang="en-US"/>
+                    </a:p>
+                  </a:txBody>
+                  <a:tcPr/>
+                </a:tc>
+              </a:tr>
+              <a:tr h="370840">
+                <a:tc>
+                  <a:txBody>
+                    <a:bodyPr/>
+                    <a:lstStyle/>
+                    <a:p>
+                      <a:endParaRPr lang="en-US"/>
+                    </a:p>
+                  </a:txBody>
+                  <a:tcPr/>
+                </a:tc>
+                <a:tc>
+                  <a:txBody>
+                    <a:bodyPr/>
+                    <a:lstStyle/>
+                    <a:p>
+                      <a:endParaRPr lang="en-US"/>
+                    </a:p>
+                  </a:txBody>
+                  <a:tcPr/>
+                </a:tc>
+                <a:tc>
+                  <a:txBody>
+                    <a:bodyPr/>
+                    <a:lstStyle/>
+                    <a:p>
+                      <a:endParaRPr lang="en-US"/>
+                    </a:p>
+                  </a:txBody>
+                  <a:tcPr/>
+                </a:tc>
+                <a:tc>
+                  <a:txBody>
+                    <a:bodyPr/>
+                    <a:lstStyle/>
+                    <a:p>
+                      <a:endParaRPr lang="en-US" dirty="0"/>
+                    </a:p>
+                  </a:txBody>
+                  <a:tcPr/>
+                </a:tc>
+              </a:tr>
+            </a:tbl>
+          </a:graphicData>
+        </a:graphic>
+      </p:graphicFrame>
     </p:spTree>
     <p:extLst>
       <p:ext uri="{BB962C8B-B14F-4D97-AF65-F5344CB8AC3E}">
@@ -30762,7 +30922,7 @@
 </file>
 
 <file path=ppt/slides/slide3.xml><?xml version="1.0" encoding="utf-8"?>
-<p:sld xmlns:a="http://schemas.openxmlformats.org/drawingml/2006/main" xmlns:r="http://schemas.openxmlformats.org/officeDocument/2006/relationships" xmlns:p="http://schemas.openxmlformats.org/presentationml/2006/main">
+<p:sld xmlns:a14="http://schemas.microsoft.com/office/drawing/2010/main" xmlns:p14="http://schemas.microsoft.com/office/powerpoint/2010/main" xmlns:dgm="http://schemas.openxmlformats.org/drawingml/2006/diagram" xmlns:c="http://schemas.openxmlformats.org/drawingml/2006/chart" xmlns:a16="http://schemas.microsoft.com/office/drawing/2014/main" xmlns:a="http://schemas.openxmlformats.org/drawingml/2006/main" xmlns:r="http://schemas.openxmlformats.org/officeDocument/2006/relationships" xmlns:p="http://schemas.openxmlformats.org/presentationml/2006/main">
   <p:cSld>
     <p:spTree>
       <p:nvGrpSpPr>
@@ -31828,42 +31988,42 @@
                 <a:gridCol w="1765802">
                   <a:extLst>
                     <a:ext uri="{9D8B030D-6E8A-4147-A177-3AD203B41FA5}">
-                      <a16:colId xmlns:a14="http://schemas.microsoft.com/office/drawing/2010/main" xmlns:p14="http://schemas.microsoft.com/office/powerpoint/2010/main" xmlns:dgm="http://schemas.openxmlformats.org/drawingml/2006/diagram" xmlns:c="http://schemas.openxmlformats.org/drawingml/2006/chart" xmlns:a16="http://schemas.microsoft.com/office/drawing/2014/main" xmlns="" val="20000"/>
+                      <a16:colId xmlns:a16="http://schemas.microsoft.com/office/drawing/2014/main" xmlns:c="http://schemas.openxmlformats.org/drawingml/2006/chart" xmlns:dgm="http://schemas.openxmlformats.org/drawingml/2006/diagram" xmlns:p14="http://schemas.microsoft.com/office/powerpoint/2010/main" xmlns:a14="http://schemas.microsoft.com/office/drawing/2010/main" val="20000"/>
                     </a:ext>
                   </a:extLst>
                 </a:gridCol>
                 <a:gridCol w="718551">
                   <a:extLst>
                     <a:ext uri="{9D8B030D-6E8A-4147-A177-3AD203B41FA5}">
-                      <a16:colId xmlns:a14="http://schemas.microsoft.com/office/drawing/2010/main" xmlns:p14="http://schemas.microsoft.com/office/powerpoint/2010/main" xmlns:dgm="http://schemas.openxmlformats.org/drawingml/2006/diagram" xmlns:c="http://schemas.openxmlformats.org/drawingml/2006/chart" xmlns:a16="http://schemas.microsoft.com/office/drawing/2014/main" xmlns="" val="20001"/>
+                      <a16:colId xmlns:a16="http://schemas.microsoft.com/office/drawing/2014/main" xmlns:c="http://schemas.openxmlformats.org/drawingml/2006/chart" xmlns:dgm="http://schemas.openxmlformats.org/drawingml/2006/diagram" xmlns:p14="http://schemas.microsoft.com/office/powerpoint/2010/main" xmlns:a14="http://schemas.microsoft.com/office/drawing/2010/main" val="20001"/>
                     </a:ext>
                   </a:extLst>
                 </a:gridCol>
                 <a:gridCol w="802638">
                   <a:extLst>
                     <a:ext uri="{9D8B030D-6E8A-4147-A177-3AD203B41FA5}">
-                      <a16:colId xmlns:a14="http://schemas.microsoft.com/office/drawing/2010/main" xmlns:p14="http://schemas.microsoft.com/office/powerpoint/2010/main" xmlns:dgm="http://schemas.openxmlformats.org/drawingml/2006/diagram" xmlns:c="http://schemas.openxmlformats.org/drawingml/2006/chart" xmlns:a16="http://schemas.microsoft.com/office/drawing/2014/main" xmlns="" val="20002"/>
+                      <a16:colId xmlns:a16="http://schemas.microsoft.com/office/drawing/2014/main" xmlns:c="http://schemas.openxmlformats.org/drawingml/2006/chart" xmlns:dgm="http://schemas.openxmlformats.org/drawingml/2006/diagram" xmlns:p14="http://schemas.microsoft.com/office/powerpoint/2010/main" xmlns:a14="http://schemas.microsoft.com/office/drawing/2010/main" val="20002"/>
                     </a:ext>
                   </a:extLst>
                 </a:gridCol>
                 <a:gridCol w="859969">
                   <a:extLst>
                     <a:ext uri="{9D8B030D-6E8A-4147-A177-3AD203B41FA5}">
-                      <a16:colId xmlns:a14="http://schemas.microsoft.com/office/drawing/2010/main" xmlns:p14="http://schemas.microsoft.com/office/powerpoint/2010/main" xmlns:dgm="http://schemas.openxmlformats.org/drawingml/2006/diagram" xmlns:c="http://schemas.openxmlformats.org/drawingml/2006/chart" xmlns:a16="http://schemas.microsoft.com/office/drawing/2014/main" xmlns="" val="20003"/>
+                      <a16:colId xmlns:a16="http://schemas.microsoft.com/office/drawing/2014/main" xmlns:c="http://schemas.openxmlformats.org/drawingml/2006/chart" xmlns:dgm="http://schemas.openxmlformats.org/drawingml/2006/diagram" xmlns:p14="http://schemas.microsoft.com/office/powerpoint/2010/main" xmlns:a14="http://schemas.microsoft.com/office/drawing/2010/main" val="20003"/>
                     </a:ext>
                   </a:extLst>
                 </a:gridCol>
                 <a:gridCol w="859969">
                   <a:extLst>
                     <a:ext uri="{9D8B030D-6E8A-4147-A177-3AD203B41FA5}">
-                      <a16:colId xmlns:a14="http://schemas.microsoft.com/office/drawing/2010/main" xmlns:p14="http://schemas.microsoft.com/office/powerpoint/2010/main" xmlns:dgm="http://schemas.openxmlformats.org/drawingml/2006/diagram" xmlns:c="http://schemas.openxmlformats.org/drawingml/2006/chart" xmlns:a16="http://schemas.microsoft.com/office/drawing/2014/main" xmlns="" val="1623038515"/>
+                      <a16:colId xmlns:a16="http://schemas.microsoft.com/office/drawing/2014/main" xmlns:c="http://schemas.openxmlformats.org/drawingml/2006/chart" xmlns:dgm="http://schemas.openxmlformats.org/drawingml/2006/diagram" xmlns:p14="http://schemas.microsoft.com/office/powerpoint/2010/main" xmlns:a14="http://schemas.microsoft.com/office/drawing/2010/main" val="1623038515"/>
                     </a:ext>
                   </a:extLst>
                 </a:gridCol>
                 <a:gridCol w="676510">
                   <a:extLst>
                     <a:ext uri="{9D8B030D-6E8A-4147-A177-3AD203B41FA5}">
-                      <a16:colId xmlns:a14="http://schemas.microsoft.com/office/drawing/2010/main" xmlns:p14="http://schemas.microsoft.com/office/powerpoint/2010/main" xmlns:dgm="http://schemas.openxmlformats.org/drawingml/2006/diagram" xmlns:c="http://schemas.openxmlformats.org/drawingml/2006/chart" xmlns:a16="http://schemas.microsoft.com/office/drawing/2014/main" xmlns="" val="20004"/>
+                      <a16:colId xmlns:a16="http://schemas.microsoft.com/office/drawing/2014/main" xmlns:c="http://schemas.openxmlformats.org/drawingml/2006/chart" xmlns:dgm="http://schemas.openxmlformats.org/drawingml/2006/diagram" xmlns:p14="http://schemas.microsoft.com/office/powerpoint/2010/main" xmlns:a14="http://schemas.microsoft.com/office/drawing/2010/main" val="20004"/>
                     </a:ext>
                   </a:extLst>
                 </a:gridCol>
@@ -32120,7 +32280,7 @@
                 </a:tc>
                 <a:extLst>
                   <a:ext uri="{0D108BD9-81ED-4DB2-BD59-A6C34878D82A}">
-                    <a16:rowId xmlns:a14="http://schemas.microsoft.com/office/drawing/2010/main" xmlns:p14="http://schemas.microsoft.com/office/powerpoint/2010/main" xmlns:dgm="http://schemas.openxmlformats.org/drawingml/2006/diagram" xmlns:c="http://schemas.openxmlformats.org/drawingml/2006/chart" xmlns:a16="http://schemas.microsoft.com/office/drawing/2014/main" xmlns="" val="10000"/>
+                    <a16:rowId xmlns:a16="http://schemas.microsoft.com/office/drawing/2014/main" xmlns:c="http://schemas.openxmlformats.org/drawingml/2006/chart" xmlns:dgm="http://schemas.openxmlformats.org/drawingml/2006/diagram" xmlns:p14="http://schemas.microsoft.com/office/powerpoint/2010/main" xmlns:a14="http://schemas.microsoft.com/office/drawing/2010/main" val="10000"/>
                   </a:ext>
                 </a:extLst>
               </a:tr>
@@ -32335,7 +32495,7 @@
                 </a:tc>
                 <a:extLst>
                   <a:ext uri="{0D108BD9-81ED-4DB2-BD59-A6C34878D82A}">
-                    <a16:rowId xmlns:a14="http://schemas.microsoft.com/office/drawing/2010/main" xmlns:p14="http://schemas.microsoft.com/office/powerpoint/2010/main" xmlns:dgm="http://schemas.openxmlformats.org/drawingml/2006/diagram" xmlns:c="http://schemas.openxmlformats.org/drawingml/2006/chart" xmlns:a16="http://schemas.microsoft.com/office/drawing/2014/main" xmlns="" val="10001"/>
+                    <a16:rowId xmlns:a16="http://schemas.microsoft.com/office/drawing/2014/main" xmlns:c="http://schemas.openxmlformats.org/drawingml/2006/chart" xmlns:dgm="http://schemas.openxmlformats.org/drawingml/2006/diagram" xmlns:p14="http://schemas.microsoft.com/office/powerpoint/2010/main" xmlns:a14="http://schemas.microsoft.com/office/drawing/2010/main" val="10001"/>
                   </a:ext>
                 </a:extLst>
               </a:tr>
@@ -33618,7 +33778,7 @@
 </file>
 
 <file path=ppt/slides/slide6.xml><?xml version="1.0" encoding="utf-8"?>
-<p:sld xmlns:a="http://schemas.openxmlformats.org/drawingml/2006/main" xmlns:r="http://schemas.openxmlformats.org/officeDocument/2006/relationships" xmlns:p="http://schemas.openxmlformats.org/presentationml/2006/main">
+<p:sld xmlns:a14="http://schemas.microsoft.com/office/drawing/2010/main" xmlns:p14="http://schemas.microsoft.com/office/powerpoint/2010/main" xmlns:a16="http://schemas.microsoft.com/office/drawing/2014/main" xmlns:a="http://schemas.openxmlformats.org/drawingml/2006/main" xmlns:r="http://schemas.openxmlformats.org/officeDocument/2006/relationships" xmlns:p="http://schemas.openxmlformats.org/presentationml/2006/main">
   <p:cSld>
     <p:spTree>
       <p:nvGrpSpPr>
@@ -33990,42 +34150,42 @@
                 <a:gridCol w="807857">
                   <a:extLst>
                     <a:ext uri="{9D8B030D-6E8A-4147-A177-3AD203B41FA5}">
-                      <a16:colId xmlns:a14="http://schemas.microsoft.com/office/drawing/2010/main" xmlns:p14="http://schemas.microsoft.com/office/powerpoint/2010/main" xmlns:a16="http://schemas.microsoft.com/office/drawing/2014/main" xmlns="" val="2728497402"/>
+                      <a16:colId xmlns:a16="http://schemas.microsoft.com/office/drawing/2014/main" xmlns:p14="http://schemas.microsoft.com/office/powerpoint/2010/main" xmlns:a14="http://schemas.microsoft.com/office/drawing/2010/main" val="2728497402"/>
                     </a:ext>
                   </a:extLst>
                 </a:gridCol>
                 <a:gridCol w="1014306">
                   <a:extLst>
                     <a:ext uri="{9D8B030D-6E8A-4147-A177-3AD203B41FA5}">
-                      <a16:colId xmlns:a14="http://schemas.microsoft.com/office/drawing/2010/main" xmlns:p14="http://schemas.microsoft.com/office/powerpoint/2010/main" xmlns:a16="http://schemas.microsoft.com/office/drawing/2014/main" xmlns="" val="20000"/>
+                      <a16:colId xmlns:a16="http://schemas.microsoft.com/office/drawing/2014/main" xmlns:p14="http://schemas.microsoft.com/office/powerpoint/2010/main" xmlns:a14="http://schemas.microsoft.com/office/drawing/2010/main" val="20000"/>
                     </a:ext>
                   </a:extLst>
                 </a:gridCol>
                 <a:gridCol w="796995">
                   <a:extLst>
                     <a:ext uri="{9D8B030D-6E8A-4147-A177-3AD203B41FA5}">
-                      <a16:colId xmlns:a14="http://schemas.microsoft.com/office/drawing/2010/main" xmlns:p14="http://schemas.microsoft.com/office/powerpoint/2010/main" xmlns:a16="http://schemas.microsoft.com/office/drawing/2014/main" xmlns="" val="20001"/>
+                      <a16:colId xmlns:a16="http://schemas.microsoft.com/office/drawing/2014/main" xmlns:p14="http://schemas.microsoft.com/office/powerpoint/2010/main" xmlns:a14="http://schemas.microsoft.com/office/drawing/2010/main" val="20001"/>
                     </a:ext>
                   </a:extLst>
                 </a:gridCol>
                 <a:gridCol w="1131219">
                   <a:extLst>
                     <a:ext uri="{9D8B030D-6E8A-4147-A177-3AD203B41FA5}">
-                      <a16:colId xmlns:a14="http://schemas.microsoft.com/office/drawing/2010/main" xmlns:p14="http://schemas.microsoft.com/office/powerpoint/2010/main" xmlns:a16="http://schemas.microsoft.com/office/drawing/2014/main" xmlns="" val="20002"/>
+                      <a16:colId xmlns:a16="http://schemas.microsoft.com/office/drawing/2014/main" xmlns:p14="http://schemas.microsoft.com/office/powerpoint/2010/main" xmlns:a14="http://schemas.microsoft.com/office/drawing/2010/main" val="20002"/>
                     </a:ext>
                   </a:extLst>
                 </a:gridCol>
                 <a:gridCol w="5926047">
                   <a:extLst>
                     <a:ext uri="{9D8B030D-6E8A-4147-A177-3AD203B41FA5}">
-                      <a16:colId xmlns:a14="http://schemas.microsoft.com/office/drawing/2010/main" xmlns:p14="http://schemas.microsoft.com/office/powerpoint/2010/main" xmlns:a16="http://schemas.microsoft.com/office/drawing/2014/main" xmlns="" val="20003"/>
+                      <a16:colId xmlns:a16="http://schemas.microsoft.com/office/drawing/2014/main" xmlns:p14="http://schemas.microsoft.com/office/powerpoint/2010/main" xmlns:a14="http://schemas.microsoft.com/office/drawing/2010/main" val="20003"/>
                     </a:ext>
                   </a:extLst>
                 </a:gridCol>
                 <a:gridCol w="2204425">
                   <a:extLst>
                     <a:ext uri="{9D8B030D-6E8A-4147-A177-3AD203B41FA5}">
-                      <a16:colId xmlns:a14="http://schemas.microsoft.com/office/drawing/2010/main" xmlns:p14="http://schemas.microsoft.com/office/powerpoint/2010/main" xmlns:a16="http://schemas.microsoft.com/office/drawing/2014/main" xmlns="" val="20004"/>
+                      <a16:colId xmlns:a16="http://schemas.microsoft.com/office/drawing/2014/main" xmlns:p14="http://schemas.microsoft.com/office/powerpoint/2010/main" xmlns:a14="http://schemas.microsoft.com/office/drawing/2010/main" val="20004"/>
                     </a:ext>
                   </a:extLst>
                 </a:gridCol>
@@ -34266,7 +34426,7 @@
                 </a:tc>
                 <a:extLst>
                   <a:ext uri="{0D108BD9-81ED-4DB2-BD59-A6C34878D82A}">
-                    <a16:rowId xmlns:a14="http://schemas.microsoft.com/office/drawing/2010/main" xmlns:p14="http://schemas.microsoft.com/office/powerpoint/2010/main" xmlns:a16="http://schemas.microsoft.com/office/drawing/2014/main" xmlns="" val="10000"/>
+                    <a16:rowId xmlns:a16="http://schemas.microsoft.com/office/drawing/2014/main" xmlns:p14="http://schemas.microsoft.com/office/powerpoint/2010/main" xmlns:a14="http://schemas.microsoft.com/office/drawing/2010/main" val="10000"/>
                   </a:ext>
                 </a:extLst>
               </a:tr>
@@ -34477,7 +34637,7 @@
                 </a:tc>
                 <a:extLst>
                   <a:ext uri="{0D108BD9-81ED-4DB2-BD59-A6C34878D82A}">
-                    <a16:rowId xmlns:a14="http://schemas.microsoft.com/office/drawing/2010/main" xmlns:p14="http://schemas.microsoft.com/office/powerpoint/2010/main" xmlns:a16="http://schemas.microsoft.com/office/drawing/2014/main" xmlns="" val="10001"/>
+                    <a16:rowId xmlns:a16="http://schemas.microsoft.com/office/drawing/2014/main" xmlns:p14="http://schemas.microsoft.com/office/powerpoint/2010/main" xmlns:a14="http://schemas.microsoft.com/office/drawing/2010/main" val="10001"/>
                   </a:ext>
                 </a:extLst>
               </a:tr>
@@ -34678,7 +34838,7 @@
                 </a:tc>
                 <a:extLst>
                   <a:ext uri="{0D108BD9-81ED-4DB2-BD59-A6C34878D82A}">
-                    <a16:rowId xmlns:a14="http://schemas.microsoft.com/office/drawing/2010/main" xmlns:p14="http://schemas.microsoft.com/office/powerpoint/2010/main" xmlns:a16="http://schemas.microsoft.com/office/drawing/2014/main" xmlns="" val="10002"/>
+                    <a16:rowId xmlns:a16="http://schemas.microsoft.com/office/drawing/2014/main" xmlns:p14="http://schemas.microsoft.com/office/powerpoint/2010/main" xmlns:a14="http://schemas.microsoft.com/office/drawing/2010/main" val="10002"/>
                   </a:ext>
                 </a:extLst>
               </a:tr>
@@ -34879,7 +35039,7 @@
                 </a:tc>
                 <a:extLst>
                   <a:ext uri="{0D108BD9-81ED-4DB2-BD59-A6C34878D82A}">
-                    <a16:rowId xmlns:a14="http://schemas.microsoft.com/office/drawing/2010/main" xmlns:p14="http://schemas.microsoft.com/office/powerpoint/2010/main" xmlns:a16="http://schemas.microsoft.com/office/drawing/2014/main" xmlns="" val="3326529287"/>
+                    <a16:rowId xmlns:a16="http://schemas.microsoft.com/office/drawing/2014/main" xmlns:p14="http://schemas.microsoft.com/office/powerpoint/2010/main" xmlns:a14="http://schemas.microsoft.com/office/drawing/2010/main" val="3326529287"/>
                   </a:ext>
                 </a:extLst>
               </a:tr>
@@ -35080,7 +35240,7 @@
                 </a:tc>
                 <a:extLst>
                   <a:ext uri="{0D108BD9-81ED-4DB2-BD59-A6C34878D82A}">
-                    <a16:rowId xmlns:a14="http://schemas.microsoft.com/office/drawing/2010/main" xmlns:p14="http://schemas.microsoft.com/office/powerpoint/2010/main" xmlns:a16="http://schemas.microsoft.com/office/drawing/2014/main" xmlns="" val="10004"/>
+                    <a16:rowId xmlns:a16="http://schemas.microsoft.com/office/drawing/2014/main" xmlns:p14="http://schemas.microsoft.com/office/powerpoint/2010/main" xmlns:a14="http://schemas.microsoft.com/office/drawing/2010/main" val="10004"/>
                   </a:ext>
                 </a:extLst>
               </a:tr>
@@ -35275,7 +35435,7 @@
                 </a:tc>
                 <a:extLst>
                   <a:ext uri="{0D108BD9-81ED-4DB2-BD59-A6C34878D82A}">
-                    <a16:rowId xmlns:a14="http://schemas.microsoft.com/office/drawing/2010/main" xmlns:p14="http://schemas.microsoft.com/office/powerpoint/2010/main" xmlns:a16="http://schemas.microsoft.com/office/drawing/2014/main" xmlns="" val="10005"/>
+                    <a16:rowId xmlns:a16="http://schemas.microsoft.com/office/drawing/2014/main" xmlns:p14="http://schemas.microsoft.com/office/powerpoint/2010/main" xmlns:a14="http://schemas.microsoft.com/office/drawing/2010/main" val="10005"/>
                   </a:ext>
                 </a:extLst>
               </a:tr>
@@ -35476,7 +35636,7 @@
                 </a:tc>
                 <a:extLst>
                   <a:ext uri="{0D108BD9-81ED-4DB2-BD59-A6C34878D82A}">
-                    <a16:rowId xmlns:a14="http://schemas.microsoft.com/office/drawing/2010/main" xmlns:p14="http://schemas.microsoft.com/office/powerpoint/2010/main" xmlns:a16="http://schemas.microsoft.com/office/drawing/2014/main" xmlns="" val="10008"/>
+                    <a16:rowId xmlns:a16="http://schemas.microsoft.com/office/drawing/2014/main" xmlns:p14="http://schemas.microsoft.com/office/powerpoint/2010/main" xmlns:a14="http://schemas.microsoft.com/office/drawing/2010/main" val="10008"/>
                   </a:ext>
                 </a:extLst>
               </a:tr>
@@ -36018,42 +36178,42 @@
                 <a:gridCol w="991085">
                   <a:extLst>
                     <a:ext uri="{9D8B030D-6E8A-4147-A177-3AD203B41FA5}">
-                      <a16:colId xmlns="" xmlns:a16="http://schemas.microsoft.com/office/drawing/2014/main" xmlns:p14="http://schemas.microsoft.com/office/powerpoint/2010/main" xmlns:a14="http://schemas.microsoft.com/office/drawing/2010/main" val="2728497402"/>
+                      <a16:colId xmlns:a14="http://schemas.microsoft.com/office/drawing/2010/main" xmlns:p14="http://schemas.microsoft.com/office/powerpoint/2010/main" xmlns:a16="http://schemas.microsoft.com/office/drawing/2014/main" xmlns="" val="2728497402"/>
                     </a:ext>
                   </a:extLst>
                 </a:gridCol>
                 <a:gridCol w="1368795">
                   <a:extLst>
                     <a:ext uri="{9D8B030D-6E8A-4147-A177-3AD203B41FA5}">
-                      <a16:colId xmlns="" xmlns:a16="http://schemas.microsoft.com/office/drawing/2014/main" xmlns:p14="http://schemas.microsoft.com/office/powerpoint/2010/main" xmlns:a14="http://schemas.microsoft.com/office/drawing/2010/main" val="20000"/>
+                      <a16:colId xmlns:a14="http://schemas.microsoft.com/office/drawing/2010/main" xmlns:p14="http://schemas.microsoft.com/office/powerpoint/2010/main" xmlns:a16="http://schemas.microsoft.com/office/drawing/2014/main" xmlns="" val="20000"/>
                     </a:ext>
                   </a:extLst>
                 </a:gridCol>
                 <a:gridCol w="735745">
                   <a:extLst>
                     <a:ext uri="{9D8B030D-6E8A-4147-A177-3AD203B41FA5}">
-                      <a16:colId xmlns="" xmlns:a16="http://schemas.microsoft.com/office/drawing/2014/main" xmlns:p14="http://schemas.microsoft.com/office/powerpoint/2010/main" xmlns:a14="http://schemas.microsoft.com/office/drawing/2010/main" val="20001"/>
+                      <a16:colId xmlns:a14="http://schemas.microsoft.com/office/drawing/2010/main" xmlns:p14="http://schemas.microsoft.com/office/powerpoint/2010/main" xmlns:a16="http://schemas.microsoft.com/office/drawing/2014/main" xmlns="" val="20001"/>
                     </a:ext>
                   </a:extLst>
                 </a:gridCol>
                 <a:gridCol w="1371600">
                   <a:extLst>
                     <a:ext uri="{9D8B030D-6E8A-4147-A177-3AD203B41FA5}">
-                      <a16:colId xmlns="" xmlns:a16="http://schemas.microsoft.com/office/drawing/2014/main" xmlns:p14="http://schemas.microsoft.com/office/powerpoint/2010/main" xmlns:a14="http://schemas.microsoft.com/office/drawing/2010/main" val="20002"/>
+                      <a16:colId xmlns:a14="http://schemas.microsoft.com/office/drawing/2010/main" xmlns:p14="http://schemas.microsoft.com/office/powerpoint/2010/main" xmlns:a16="http://schemas.microsoft.com/office/drawing/2014/main" xmlns="" val="20002"/>
                     </a:ext>
                   </a:extLst>
                 </a:gridCol>
                 <a:gridCol w="5143500">
                   <a:extLst>
                     <a:ext uri="{9D8B030D-6E8A-4147-A177-3AD203B41FA5}">
-                      <a16:colId xmlns="" xmlns:a16="http://schemas.microsoft.com/office/drawing/2014/main" xmlns:p14="http://schemas.microsoft.com/office/powerpoint/2010/main" xmlns:a14="http://schemas.microsoft.com/office/drawing/2010/main" val="20003"/>
+                      <a16:colId xmlns:a14="http://schemas.microsoft.com/office/drawing/2010/main" xmlns:p14="http://schemas.microsoft.com/office/powerpoint/2010/main" xmlns:a16="http://schemas.microsoft.com/office/drawing/2014/main" xmlns="" val="20003"/>
                     </a:ext>
                   </a:extLst>
                 </a:gridCol>
                 <a:gridCol w="2324100">
                   <a:extLst>
                     <a:ext uri="{9D8B030D-6E8A-4147-A177-3AD203B41FA5}">
-                      <a16:colId xmlns="" xmlns:a16="http://schemas.microsoft.com/office/drawing/2014/main" xmlns:p14="http://schemas.microsoft.com/office/powerpoint/2010/main" xmlns:a14="http://schemas.microsoft.com/office/drawing/2010/main" val="20004"/>
+                      <a16:colId xmlns:a14="http://schemas.microsoft.com/office/drawing/2010/main" xmlns:p14="http://schemas.microsoft.com/office/powerpoint/2010/main" xmlns:a16="http://schemas.microsoft.com/office/drawing/2014/main" xmlns="" val="20004"/>
                     </a:ext>
                   </a:extLst>
                 </a:gridCol>
@@ -36294,7 +36454,7 @@
                 </a:tc>
                 <a:extLst>
                   <a:ext uri="{0D108BD9-81ED-4DB2-BD59-A6C34878D82A}">
-                    <a16:rowId xmlns="" xmlns:a16="http://schemas.microsoft.com/office/drawing/2014/main" xmlns:p14="http://schemas.microsoft.com/office/powerpoint/2010/main" xmlns:a14="http://schemas.microsoft.com/office/drawing/2010/main" val="10000"/>
+                    <a16:rowId xmlns:a14="http://schemas.microsoft.com/office/drawing/2010/main" xmlns:p14="http://schemas.microsoft.com/office/powerpoint/2010/main" xmlns:a16="http://schemas.microsoft.com/office/drawing/2014/main" xmlns="" val="10000"/>
                   </a:ext>
                 </a:extLst>
               </a:tr>
@@ -36477,7 +36637,7 @@
                 </a:tc>
                 <a:extLst>
                   <a:ext uri="{0D108BD9-81ED-4DB2-BD59-A6C34878D82A}">
-                    <a16:rowId xmlns="" xmlns:a16="http://schemas.microsoft.com/office/drawing/2014/main" xmlns:p14="http://schemas.microsoft.com/office/powerpoint/2010/main" xmlns:a14="http://schemas.microsoft.com/office/drawing/2010/main" val="10001"/>
+                    <a16:rowId xmlns:a14="http://schemas.microsoft.com/office/drawing/2010/main" xmlns:p14="http://schemas.microsoft.com/office/powerpoint/2010/main" xmlns:a16="http://schemas.microsoft.com/office/drawing/2014/main" xmlns="" val="10001"/>
                   </a:ext>
                 </a:extLst>
               </a:tr>
@@ -36683,7 +36843,7 @@
                 </a:tc>
                 <a:extLst>
                   <a:ext uri="{0D108BD9-81ED-4DB2-BD59-A6C34878D82A}">
-                    <a16:rowId xmlns="" xmlns:a16="http://schemas.microsoft.com/office/drawing/2014/main" xmlns:p14="http://schemas.microsoft.com/office/powerpoint/2010/main" xmlns:a14="http://schemas.microsoft.com/office/drawing/2010/main" val="10002"/>
+                    <a16:rowId xmlns:a14="http://schemas.microsoft.com/office/drawing/2010/main" xmlns:p14="http://schemas.microsoft.com/office/powerpoint/2010/main" xmlns:a16="http://schemas.microsoft.com/office/drawing/2014/main" xmlns="" val="10002"/>
                   </a:ext>
                 </a:extLst>
               </a:tr>
@@ -36869,7 +37029,7 @@
                 </a:tc>
                 <a:extLst>
                   <a:ext uri="{0D108BD9-81ED-4DB2-BD59-A6C34878D82A}">
-                    <a16:rowId xmlns="" xmlns:a16="http://schemas.microsoft.com/office/drawing/2014/main" xmlns:p14="http://schemas.microsoft.com/office/powerpoint/2010/main" xmlns:a14="http://schemas.microsoft.com/office/drawing/2010/main" val="10003"/>
+                    <a16:rowId xmlns:a14="http://schemas.microsoft.com/office/drawing/2010/main" xmlns:p14="http://schemas.microsoft.com/office/powerpoint/2010/main" xmlns:a16="http://schemas.microsoft.com/office/drawing/2014/main" xmlns="" val="10003"/>
                   </a:ext>
                 </a:extLst>
               </a:tr>
@@ -37123,7 +37283,7 @@
                 </a:tc>
                 <a:extLst>
                   <a:ext uri="{0D108BD9-81ED-4DB2-BD59-A6C34878D82A}">
-                    <a16:rowId xmlns="" xmlns:a16="http://schemas.microsoft.com/office/drawing/2014/main" xmlns:p14="http://schemas.microsoft.com/office/powerpoint/2010/main" xmlns:a14="http://schemas.microsoft.com/office/drawing/2010/main" val="3326529287"/>
+                    <a16:rowId xmlns:a14="http://schemas.microsoft.com/office/drawing/2010/main" xmlns:p14="http://schemas.microsoft.com/office/powerpoint/2010/main" xmlns:a16="http://schemas.microsoft.com/office/drawing/2014/main" xmlns="" val="3326529287"/>
                   </a:ext>
                 </a:extLst>
               </a:tr>
@@ -37326,7 +37486,7 @@
                 </a:tc>
                 <a:extLst>
                   <a:ext uri="{0D108BD9-81ED-4DB2-BD59-A6C34878D82A}">
-                    <a16:rowId xmlns="" xmlns:a16="http://schemas.microsoft.com/office/drawing/2014/main" xmlns:p14="http://schemas.microsoft.com/office/powerpoint/2010/main" xmlns:a14="http://schemas.microsoft.com/office/drawing/2010/main" val="10004"/>
+                    <a16:rowId xmlns:a14="http://schemas.microsoft.com/office/drawing/2010/main" xmlns:p14="http://schemas.microsoft.com/office/powerpoint/2010/main" xmlns:a16="http://schemas.microsoft.com/office/drawing/2014/main" xmlns="" val="10004"/>
                   </a:ext>
                 </a:extLst>
               </a:tr>
@@ -37509,7 +37669,7 @@
                 </a:tc>
                 <a:extLst>
                   <a:ext uri="{0D108BD9-81ED-4DB2-BD59-A6C34878D82A}">
-                    <a16:rowId xmlns="" xmlns:a16="http://schemas.microsoft.com/office/drawing/2014/main" xmlns:p14="http://schemas.microsoft.com/office/powerpoint/2010/main" xmlns:a14="http://schemas.microsoft.com/office/drawing/2010/main" val="10005"/>
+                    <a16:rowId xmlns:a14="http://schemas.microsoft.com/office/drawing/2010/main" xmlns:p14="http://schemas.microsoft.com/office/powerpoint/2010/main" xmlns:a16="http://schemas.microsoft.com/office/drawing/2014/main" xmlns="" val="10005"/>
                   </a:ext>
                 </a:extLst>
               </a:tr>
@@ -37672,7 +37832,7 @@
                 </a:tc>
                 <a:extLst>
                   <a:ext uri="{0D108BD9-81ED-4DB2-BD59-A6C34878D82A}">
-                    <a16:rowId xmlns="" xmlns:a16="http://schemas.microsoft.com/office/drawing/2014/main" xmlns:p14="http://schemas.microsoft.com/office/powerpoint/2010/main" xmlns:a14="http://schemas.microsoft.com/office/drawing/2010/main" val="10006"/>
+                    <a16:rowId xmlns:a14="http://schemas.microsoft.com/office/drawing/2010/main" xmlns:p14="http://schemas.microsoft.com/office/powerpoint/2010/main" xmlns:a16="http://schemas.microsoft.com/office/drawing/2014/main" xmlns="" val="10006"/>
                   </a:ext>
                 </a:extLst>
               </a:tr>
@@ -37855,7 +38015,7 @@
                 </a:tc>
                 <a:extLst>
                   <a:ext uri="{0D108BD9-81ED-4DB2-BD59-A6C34878D82A}">
-                    <a16:rowId xmlns="" xmlns:a16="http://schemas.microsoft.com/office/drawing/2014/main" xmlns:p14="http://schemas.microsoft.com/office/powerpoint/2010/main" xmlns:a14="http://schemas.microsoft.com/office/drawing/2010/main" val="10007"/>
+                    <a16:rowId xmlns:a14="http://schemas.microsoft.com/office/drawing/2010/main" xmlns:p14="http://schemas.microsoft.com/office/powerpoint/2010/main" xmlns:a16="http://schemas.microsoft.com/office/drawing/2014/main" xmlns="" val="10007"/>
                   </a:ext>
                 </a:extLst>
               </a:tr>
@@ -38038,7 +38198,7 @@
                 </a:tc>
                 <a:extLst>
                   <a:ext uri="{0D108BD9-81ED-4DB2-BD59-A6C34878D82A}">
-                    <a16:rowId xmlns="" xmlns:a16="http://schemas.microsoft.com/office/drawing/2014/main" xmlns:p14="http://schemas.microsoft.com/office/powerpoint/2010/main" xmlns:a14="http://schemas.microsoft.com/office/drawing/2010/main" val="10008"/>
+                    <a16:rowId xmlns:a14="http://schemas.microsoft.com/office/drawing/2010/main" xmlns:p14="http://schemas.microsoft.com/office/powerpoint/2010/main" xmlns:a16="http://schemas.microsoft.com/office/drawing/2014/main" xmlns="" val="10008"/>
                   </a:ext>
                 </a:extLst>
               </a:tr>
@@ -38494,42 +38654,42 @@
                 <a:gridCol w="977837">
                   <a:extLst>
                     <a:ext uri="{9D8B030D-6E8A-4147-A177-3AD203B41FA5}">
-                      <a16:colId xmlns="" xmlns:a16="http://schemas.microsoft.com/office/drawing/2014/main" val="2728497402"/>
+                      <a16:colId xmlns:a16="http://schemas.microsoft.com/office/drawing/2014/main" xmlns="" val="2728497402"/>
                     </a:ext>
                   </a:extLst>
                 </a:gridCol>
                 <a:gridCol w="1028700">
                   <a:extLst>
                     <a:ext uri="{9D8B030D-6E8A-4147-A177-3AD203B41FA5}">
-                      <a16:colId xmlns="" xmlns:a16="http://schemas.microsoft.com/office/drawing/2014/main" val="20000"/>
+                      <a16:colId xmlns:a16="http://schemas.microsoft.com/office/drawing/2014/main" xmlns="" val="20000"/>
                     </a:ext>
                   </a:extLst>
                 </a:gridCol>
                 <a:gridCol w="896566">
                   <a:extLst>
                     <a:ext uri="{9D8B030D-6E8A-4147-A177-3AD203B41FA5}">
-                      <a16:colId xmlns="" xmlns:a16="http://schemas.microsoft.com/office/drawing/2014/main" val="20001"/>
+                      <a16:colId xmlns:a16="http://schemas.microsoft.com/office/drawing/2014/main" xmlns="" val="20001"/>
                     </a:ext>
                   </a:extLst>
                 </a:gridCol>
                 <a:gridCol w="1427534">
                   <a:extLst>
                     <a:ext uri="{9D8B030D-6E8A-4147-A177-3AD203B41FA5}">
-                      <a16:colId xmlns="" xmlns:a16="http://schemas.microsoft.com/office/drawing/2014/main" val="20002"/>
+                      <a16:colId xmlns:a16="http://schemas.microsoft.com/office/drawing/2014/main" xmlns="" val="20002"/>
                     </a:ext>
                   </a:extLst>
                 </a:gridCol>
                 <a:gridCol w="4506090">
                   <a:extLst>
                     <a:ext uri="{9D8B030D-6E8A-4147-A177-3AD203B41FA5}">
-                      <a16:colId xmlns="" xmlns:a16="http://schemas.microsoft.com/office/drawing/2014/main" val="20003"/>
+                      <a16:colId xmlns:a16="http://schemas.microsoft.com/office/drawing/2014/main" xmlns="" val="20003"/>
                     </a:ext>
                   </a:extLst>
                 </a:gridCol>
                 <a:gridCol w="2891494">
                   <a:extLst>
                     <a:ext uri="{9D8B030D-6E8A-4147-A177-3AD203B41FA5}">
-                      <a16:colId xmlns="" xmlns:a16="http://schemas.microsoft.com/office/drawing/2014/main" val="20004"/>
+                      <a16:colId xmlns:a16="http://schemas.microsoft.com/office/drawing/2014/main" xmlns="" val="20004"/>
                     </a:ext>
                   </a:extLst>
                 </a:gridCol>
@@ -38770,7 +38930,7 @@
                 </a:tc>
                 <a:extLst>
                   <a:ext uri="{0D108BD9-81ED-4DB2-BD59-A6C34878D82A}">
-                    <a16:rowId xmlns="" xmlns:a16="http://schemas.microsoft.com/office/drawing/2014/main" val="10000"/>
+                    <a16:rowId xmlns:a16="http://schemas.microsoft.com/office/drawing/2014/main" xmlns="" val="10000"/>
                   </a:ext>
                 </a:extLst>
               </a:tr>
@@ -38956,7 +39116,7 @@
                 </a:tc>
                 <a:extLst>
                   <a:ext uri="{0D108BD9-81ED-4DB2-BD59-A6C34878D82A}">
-                    <a16:rowId xmlns="" xmlns:a16="http://schemas.microsoft.com/office/drawing/2014/main" val="10001"/>
+                    <a16:rowId xmlns:a16="http://schemas.microsoft.com/office/drawing/2014/main" xmlns="" val="10001"/>
                   </a:ext>
                 </a:extLst>
               </a:tr>
@@ -39152,7 +39312,7 @@
                 </a:tc>
                 <a:extLst>
                   <a:ext uri="{0D108BD9-81ED-4DB2-BD59-A6C34878D82A}">
-                    <a16:rowId xmlns="" xmlns:a16="http://schemas.microsoft.com/office/drawing/2014/main" val="10002"/>
+                    <a16:rowId xmlns:a16="http://schemas.microsoft.com/office/drawing/2014/main" xmlns="" val="10002"/>
                   </a:ext>
                 </a:extLst>
               </a:tr>
@@ -39332,7 +39492,7 @@
                 </a:tc>
                 <a:extLst>
                   <a:ext uri="{0D108BD9-81ED-4DB2-BD59-A6C34878D82A}">
-                    <a16:rowId xmlns="" xmlns:a16="http://schemas.microsoft.com/office/drawing/2014/main" val="2743832419"/>
+                    <a16:rowId xmlns:a16="http://schemas.microsoft.com/office/drawing/2014/main" xmlns="" val="2743832419"/>
                   </a:ext>
                 </a:extLst>
               </a:tr>
@@ -39492,7 +39652,7 @@
                 </a:tc>
                 <a:extLst>
                   <a:ext uri="{0D108BD9-81ED-4DB2-BD59-A6C34878D82A}">
-                    <a16:rowId xmlns="" xmlns:a16="http://schemas.microsoft.com/office/drawing/2014/main" val="10004"/>
+                    <a16:rowId xmlns:a16="http://schemas.microsoft.com/office/drawing/2014/main" xmlns="" val="10004"/>
                   </a:ext>
                 </a:extLst>
               </a:tr>
@@ -39649,7 +39809,7 @@
                 </a:tc>
                 <a:extLst>
                   <a:ext uri="{0D108BD9-81ED-4DB2-BD59-A6C34878D82A}">
-                    <a16:rowId xmlns="" xmlns:a16="http://schemas.microsoft.com/office/drawing/2014/main" val="10005"/>
+                    <a16:rowId xmlns:a16="http://schemas.microsoft.com/office/drawing/2014/main" xmlns="" val="10005"/>
                   </a:ext>
                 </a:extLst>
               </a:tr>
@@ -39786,7 +39946,7 @@
                 </a:tc>
                 <a:extLst>
                   <a:ext uri="{0D108BD9-81ED-4DB2-BD59-A6C34878D82A}">
-                    <a16:rowId xmlns="" xmlns:a16="http://schemas.microsoft.com/office/drawing/2014/main" val="2714929183"/>
+                    <a16:rowId xmlns:a16="http://schemas.microsoft.com/office/drawing/2014/main" xmlns="" val="2714929183"/>
                   </a:ext>
                 </a:extLst>
               </a:tr>
@@ -39869,7 +40029,7 @@
                 </a:tc>
                 <a:extLst>
                   <a:ext uri="{0D108BD9-81ED-4DB2-BD59-A6C34878D82A}">
-                    <a16:rowId xmlns="" xmlns:a16="http://schemas.microsoft.com/office/drawing/2014/main" val="756451213"/>
+                    <a16:rowId xmlns:a16="http://schemas.microsoft.com/office/drawing/2014/main" xmlns="" val="756451213"/>
                   </a:ext>
                 </a:extLst>
               </a:tr>
@@ -40052,7 +40212,7 @@
                 </a:tc>
                 <a:extLst>
                   <a:ext uri="{0D108BD9-81ED-4DB2-BD59-A6C34878D82A}">
-                    <a16:rowId xmlns="" xmlns:a16="http://schemas.microsoft.com/office/drawing/2014/main" val="10007"/>
+                    <a16:rowId xmlns:a16="http://schemas.microsoft.com/office/drawing/2014/main" xmlns="" val="10007"/>
                   </a:ext>
                 </a:extLst>
               </a:tr>
@@ -40508,42 +40668,42 @@
                 <a:gridCol w="1074386">
                   <a:extLst>
                     <a:ext uri="{9D8B030D-6E8A-4147-A177-3AD203B41FA5}">
-                      <a16:colId xmlns="" xmlns:a16="http://schemas.microsoft.com/office/drawing/2014/main" val="20000"/>
+                      <a16:colId xmlns:a16="http://schemas.microsoft.com/office/drawing/2014/main" xmlns="" val="20000"/>
                     </a:ext>
                   </a:extLst>
                 </a:gridCol>
                 <a:gridCol w="1153071">
                   <a:extLst>
                     <a:ext uri="{9D8B030D-6E8A-4147-A177-3AD203B41FA5}">
-                      <a16:colId xmlns="" xmlns:a16="http://schemas.microsoft.com/office/drawing/2014/main" val="3421738776"/>
+                      <a16:colId xmlns:a16="http://schemas.microsoft.com/office/drawing/2014/main" xmlns="" val="3421738776"/>
                     </a:ext>
                   </a:extLst>
                 </a:gridCol>
                 <a:gridCol w="969768">
                   <a:extLst>
                     <a:ext uri="{9D8B030D-6E8A-4147-A177-3AD203B41FA5}">
-                      <a16:colId xmlns="" xmlns:a16="http://schemas.microsoft.com/office/drawing/2014/main" val="20001"/>
+                      <a16:colId xmlns:a16="http://schemas.microsoft.com/office/drawing/2014/main" xmlns="" val="20001"/>
                     </a:ext>
                   </a:extLst>
                 </a:gridCol>
                 <a:gridCol w="1473200">
                   <a:extLst>
                     <a:ext uri="{9D8B030D-6E8A-4147-A177-3AD203B41FA5}">
-                      <a16:colId xmlns="" xmlns:a16="http://schemas.microsoft.com/office/drawing/2014/main" val="20002"/>
+                      <a16:colId xmlns:a16="http://schemas.microsoft.com/office/drawing/2014/main" xmlns="" val="20002"/>
                     </a:ext>
                   </a:extLst>
                 </a:gridCol>
                 <a:gridCol w="4013200">
                   <a:extLst>
                     <a:ext uri="{9D8B030D-6E8A-4147-A177-3AD203B41FA5}">
-                      <a16:colId xmlns="" xmlns:a16="http://schemas.microsoft.com/office/drawing/2014/main" val="20003"/>
+                      <a16:colId xmlns:a16="http://schemas.microsoft.com/office/drawing/2014/main" xmlns="" val="20003"/>
                     </a:ext>
                   </a:extLst>
                 </a:gridCol>
                 <a:gridCol w="3187699">
                   <a:extLst>
                     <a:ext uri="{9D8B030D-6E8A-4147-A177-3AD203B41FA5}">
-                      <a16:colId xmlns="" xmlns:a16="http://schemas.microsoft.com/office/drawing/2014/main" val="20004"/>
+                      <a16:colId xmlns:a16="http://schemas.microsoft.com/office/drawing/2014/main" xmlns="" val="20004"/>
                     </a:ext>
                   </a:extLst>
                 </a:gridCol>
@@ -40784,7 +40944,7 @@
                 </a:tc>
                 <a:extLst>
                   <a:ext uri="{0D108BD9-81ED-4DB2-BD59-A6C34878D82A}">
-                    <a16:rowId xmlns="" xmlns:a16="http://schemas.microsoft.com/office/drawing/2014/main" val="10000"/>
+                    <a16:rowId xmlns:a16="http://schemas.microsoft.com/office/drawing/2014/main" xmlns="" val="10000"/>
                   </a:ext>
                 </a:extLst>
               </a:tr>
@@ -41009,7 +41169,7 @@
                 </a:tc>
                 <a:extLst>
                   <a:ext uri="{0D108BD9-81ED-4DB2-BD59-A6C34878D82A}">
-                    <a16:rowId xmlns="" xmlns:a16="http://schemas.microsoft.com/office/drawing/2014/main" val="10003"/>
+                    <a16:rowId xmlns:a16="http://schemas.microsoft.com/office/drawing/2014/main" xmlns="" val="10003"/>
                   </a:ext>
                 </a:extLst>
               </a:tr>
@@ -41192,7 +41352,7 @@
                 </a:tc>
                 <a:extLst>
                   <a:ext uri="{0D108BD9-81ED-4DB2-BD59-A6C34878D82A}">
-                    <a16:rowId xmlns="" xmlns:a16="http://schemas.microsoft.com/office/drawing/2014/main" val="10004"/>
+                    <a16:rowId xmlns:a16="http://schemas.microsoft.com/office/drawing/2014/main" xmlns="" val="10004"/>
                   </a:ext>
                 </a:extLst>
               </a:tr>
@@ -41375,7 +41535,7 @@
                 </a:tc>
                 <a:extLst>
                   <a:ext uri="{0D108BD9-81ED-4DB2-BD59-A6C34878D82A}">
-                    <a16:rowId xmlns="" xmlns:a16="http://schemas.microsoft.com/office/drawing/2014/main" val="56228173"/>
+                    <a16:rowId xmlns:a16="http://schemas.microsoft.com/office/drawing/2014/main" xmlns="" val="56228173"/>
                   </a:ext>
                 </a:extLst>
               </a:tr>
@@ -41558,7 +41718,7 @@
                 </a:tc>
                 <a:extLst>
                   <a:ext uri="{0D108BD9-81ED-4DB2-BD59-A6C34878D82A}">
-                    <a16:rowId xmlns="" xmlns:a16="http://schemas.microsoft.com/office/drawing/2014/main" val="10005"/>
+                    <a16:rowId xmlns:a16="http://schemas.microsoft.com/office/drawing/2014/main" xmlns="" val="10005"/>
                   </a:ext>
                 </a:extLst>
               </a:tr>
@@ -41804,7 +41964,7 @@
                 </a:tc>
                 <a:extLst>
                   <a:ext uri="{0D108BD9-81ED-4DB2-BD59-A6C34878D82A}">
-                    <a16:rowId xmlns="" xmlns:a16="http://schemas.microsoft.com/office/drawing/2014/main" val="95556380"/>
+                    <a16:rowId xmlns:a16="http://schemas.microsoft.com/office/drawing/2014/main" xmlns="" val="95556380"/>
                   </a:ext>
                 </a:extLst>
               </a:tr>
@@ -42044,7 +42204,7 @@
                 </a:tc>
                 <a:extLst>
                   <a:ext uri="{0D108BD9-81ED-4DB2-BD59-A6C34878D82A}">
-                    <a16:rowId xmlns="" xmlns:a16="http://schemas.microsoft.com/office/drawing/2014/main" val="89238099"/>
+                    <a16:rowId xmlns:a16="http://schemas.microsoft.com/office/drawing/2014/main" xmlns="" val="89238099"/>
                   </a:ext>
                 </a:extLst>
               </a:tr>
@@ -42195,7 +42355,7 @@
                 </a:tc>
                 <a:extLst>
                   <a:ext uri="{0D108BD9-81ED-4DB2-BD59-A6C34878D82A}">
-                    <a16:rowId xmlns="" xmlns:a16="http://schemas.microsoft.com/office/drawing/2014/main" val="3781470431"/>
+                    <a16:rowId xmlns:a16="http://schemas.microsoft.com/office/drawing/2014/main" xmlns="" val="3781470431"/>
                   </a:ext>
                 </a:extLst>
               </a:tr>
@@ -42375,7 +42535,7 @@
                 </a:tc>
                 <a:extLst>
                   <a:ext uri="{0D108BD9-81ED-4DB2-BD59-A6C34878D82A}">
-                    <a16:rowId xmlns="" xmlns:a16="http://schemas.microsoft.com/office/drawing/2014/main" val="54731245"/>
+                    <a16:rowId xmlns:a16="http://schemas.microsoft.com/office/drawing/2014/main" xmlns="" val="54731245"/>
                   </a:ext>
                 </a:extLst>
               </a:tr>
@@ -42565,7 +42725,7 @@
                 </a:tc>
                 <a:extLst>
                   <a:ext uri="{0D108BD9-81ED-4DB2-BD59-A6C34878D82A}">
-                    <a16:rowId xmlns="" xmlns:a16="http://schemas.microsoft.com/office/drawing/2014/main" val="395080186"/>
+                    <a16:rowId xmlns:a16="http://schemas.microsoft.com/office/drawing/2014/main" xmlns="" val="395080186"/>
                   </a:ext>
                 </a:extLst>
               </a:tr>
